--- a/Day2_Lecture_Intro to Parallel Computing.pptx
+++ b/Day2_Lecture_Intro to Parallel Computing.pptx
@@ -5,7 +5,7 @@
     <p:sldMasterId id="2147483648" r:id="rId1"/>
   </p:sldMasterIdLst>
   <p:notesMasterIdLst>
-    <p:notesMasterId r:id="rId30"/>
+    <p:notesMasterId r:id="rId31"/>
   </p:notesMasterIdLst>
   <p:sldIdLst>
     <p:sldId id="256" r:id="rId2"/>
@@ -15,27 +15,28 @@
     <p:sldId id="303" r:id="rId6"/>
     <p:sldId id="304" r:id="rId7"/>
     <p:sldId id="291" r:id="rId8"/>
-    <p:sldId id="292" r:id="rId9"/>
-    <p:sldId id="294" r:id="rId10"/>
-    <p:sldId id="293" r:id="rId11"/>
-    <p:sldId id="282" r:id="rId12"/>
-    <p:sldId id="297" r:id="rId13"/>
-    <p:sldId id="301" r:id="rId14"/>
-    <p:sldId id="302" r:id="rId15"/>
-    <p:sldId id="283" r:id="rId16"/>
-    <p:sldId id="300" r:id="rId17"/>
-    <p:sldId id="285" r:id="rId18"/>
-    <p:sldId id="287" r:id="rId19"/>
-    <p:sldId id="305" r:id="rId20"/>
-    <p:sldId id="306" r:id="rId21"/>
-    <p:sldId id="295" r:id="rId22"/>
-    <p:sldId id="299" r:id="rId23"/>
-    <p:sldId id="296" r:id="rId24"/>
-    <p:sldId id="309" r:id="rId25"/>
-    <p:sldId id="310" r:id="rId26"/>
-    <p:sldId id="311" r:id="rId27"/>
-    <p:sldId id="286" r:id="rId28"/>
-    <p:sldId id="284" r:id="rId29"/>
+    <p:sldId id="312" r:id="rId9"/>
+    <p:sldId id="292" r:id="rId10"/>
+    <p:sldId id="294" r:id="rId11"/>
+    <p:sldId id="293" r:id="rId12"/>
+    <p:sldId id="282" r:id="rId13"/>
+    <p:sldId id="297" r:id="rId14"/>
+    <p:sldId id="301" r:id="rId15"/>
+    <p:sldId id="302" r:id="rId16"/>
+    <p:sldId id="283" r:id="rId17"/>
+    <p:sldId id="300" r:id="rId18"/>
+    <p:sldId id="285" r:id="rId19"/>
+    <p:sldId id="287" r:id="rId20"/>
+    <p:sldId id="305" r:id="rId21"/>
+    <p:sldId id="306" r:id="rId22"/>
+    <p:sldId id="295" r:id="rId23"/>
+    <p:sldId id="299" r:id="rId24"/>
+    <p:sldId id="296" r:id="rId25"/>
+    <p:sldId id="309" r:id="rId26"/>
+    <p:sldId id="310" r:id="rId27"/>
+    <p:sldId id="311" r:id="rId28"/>
+    <p:sldId id="286" r:id="rId29"/>
+    <p:sldId id="284" r:id="rId30"/>
   </p:sldIdLst>
   <p:sldSz cx="12192000" cy="6858000"/>
   <p:notesSz cx="6858000" cy="9144000"/>
@@ -859,7 +860,7 @@
     </p:spTree>
     <p:extLst>
       <p:ext uri="{BB962C8B-B14F-4D97-AF65-F5344CB8AC3E}">
-        <p14:creationId xmlns:p14="http://schemas.microsoft.com/office/powerpoint/2010/main" val="31296861"/>
+        <p14:creationId xmlns:p14="http://schemas.microsoft.com/office/powerpoint/2010/main" val="1003089838"/>
       </p:ext>
     </p:extLst>
   </p:cSld>
@@ -935,18 +936,78 @@
           <a:bodyPr/>
           <a:lstStyle/>
           <a:p>
+            <a:pPr marL="0" marR="0" lvl="0" indent="0" algn="r" defTabSz="457200" rtl="0" eaLnBrk="1" fontAlgn="auto" latinLnBrk="0" hangingPunct="1">
+              <a:lnSpc>
+                <a:spcPct val="100000"/>
+              </a:lnSpc>
+              <a:spcBef>
+                <a:spcPts val="0"/>
+              </a:spcBef>
+              <a:spcAft>
+                <a:spcPts val="0"/>
+              </a:spcAft>
+              <a:buClrTx/>
+              <a:buSzTx/>
+              <a:buFontTx/>
+              <a:buNone/>
+              <a:tabLst/>
+              <a:defRPr/>
+            </a:pPr>
             <a:fld id="{B3E2497A-CE9D-884A-84A2-67192793543B}" type="slidenum">
-              <a:rPr lang="en-US" smtClean="0"/>
+              <a:rPr kumimoji="0" lang="en-US" sz="1200" b="0" i="0" u="none" strike="noStrike" kern="1200" cap="none" spc="0" normalizeH="0" baseline="0" noProof="0" smtClean="0">
+                <a:ln>
+                  <a:noFill/>
+                </a:ln>
+                <a:solidFill>
+                  <a:prstClr val="black"/>
+                </a:solidFill>
+                <a:effectLst/>
+                <a:uLnTx/>
+                <a:uFillTx/>
+                <a:latin typeface="Calibri" panose="020F0502020204030204"/>
+                <a:ea typeface="+mn-ea"/>
+                <a:cs typeface="+mn-cs"/>
+              </a:rPr>
+              <a:pPr marL="0" marR="0" lvl="0" indent="0" algn="r" defTabSz="457200" rtl="0" eaLnBrk="1" fontAlgn="auto" latinLnBrk="0" hangingPunct="1">
+                <a:lnSpc>
+                  <a:spcPct val="100000"/>
+                </a:lnSpc>
+                <a:spcBef>
+                  <a:spcPts val="0"/>
+                </a:spcBef>
+                <a:spcAft>
+                  <a:spcPts val="0"/>
+                </a:spcAft>
+                <a:buClrTx/>
+                <a:buSzTx/>
+                <a:buFontTx/>
+                <a:buNone/>
+                <a:tabLst/>
+                <a:defRPr/>
+              </a:pPr>
               <a:t>15</a:t>
             </a:fld>
-            <a:endParaRPr lang="en-US"/>
+            <a:endParaRPr kumimoji="0" lang="en-US" sz="1200" b="0" i="0" u="none" strike="noStrike" kern="1200" cap="none" spc="0" normalizeH="0" baseline="0" noProof="0">
+              <a:ln>
+                <a:noFill/>
+              </a:ln>
+              <a:solidFill>
+                <a:prstClr val="black"/>
+              </a:solidFill>
+              <a:effectLst/>
+              <a:uLnTx/>
+              <a:uFillTx/>
+              <a:latin typeface="Calibri" panose="020F0502020204030204"/>
+              <a:ea typeface="+mn-ea"/>
+              <a:cs typeface="+mn-cs"/>
+            </a:endParaRPr>
           </a:p>
         </p:txBody>
       </p:sp>
     </p:spTree>
     <p:extLst>
       <p:ext uri="{BB962C8B-B14F-4D97-AF65-F5344CB8AC3E}">
-        <p14:creationId xmlns:p14="http://schemas.microsoft.com/office/powerpoint/2010/main" val="4278426755"/>
+        <p14:creationId xmlns:p14="http://schemas.microsoft.com/office/powerpoint/2010/main" val="31296861"/>
       </p:ext>
     </p:extLst>
   </p:cSld>
@@ -1022,78 +1083,18 @@
           <a:bodyPr/>
           <a:lstStyle/>
           <a:p>
-            <a:pPr marL="0" marR="0" lvl="0" indent="0" algn="r" defTabSz="457200" rtl="0" eaLnBrk="1" fontAlgn="auto" latinLnBrk="0" hangingPunct="1">
-              <a:lnSpc>
-                <a:spcPct val="100000"/>
-              </a:lnSpc>
-              <a:spcBef>
-                <a:spcPts val="0"/>
-              </a:spcBef>
-              <a:spcAft>
-                <a:spcPts val="0"/>
-              </a:spcAft>
-              <a:buClrTx/>
-              <a:buSzTx/>
-              <a:buFontTx/>
-              <a:buNone/>
-              <a:tabLst/>
-              <a:defRPr/>
-            </a:pPr>
             <a:fld id="{B3E2497A-CE9D-884A-84A2-67192793543B}" type="slidenum">
-              <a:rPr kumimoji="0" lang="en-US" sz="1200" b="0" i="0" u="none" strike="noStrike" kern="1200" cap="none" spc="0" normalizeH="0" baseline="0" noProof="0" smtClean="0">
-                <a:ln>
-                  <a:noFill/>
-                </a:ln>
-                <a:solidFill>
-                  <a:prstClr val="black"/>
-                </a:solidFill>
-                <a:effectLst/>
-                <a:uLnTx/>
-                <a:uFillTx/>
-                <a:latin typeface="Calibri" panose="020F0502020204030204"/>
-                <a:ea typeface="+mn-ea"/>
-                <a:cs typeface="+mn-cs"/>
-              </a:rPr>
-              <a:pPr marL="0" marR="0" lvl="0" indent="0" algn="r" defTabSz="457200" rtl="0" eaLnBrk="1" fontAlgn="auto" latinLnBrk="0" hangingPunct="1">
-                <a:lnSpc>
-                  <a:spcPct val="100000"/>
-                </a:lnSpc>
-                <a:spcBef>
-                  <a:spcPts val="0"/>
-                </a:spcBef>
-                <a:spcAft>
-                  <a:spcPts val="0"/>
-                </a:spcAft>
-                <a:buClrTx/>
-                <a:buSzTx/>
-                <a:buFontTx/>
-                <a:buNone/>
-                <a:tabLst/>
-                <a:defRPr/>
-              </a:pPr>
+              <a:rPr lang="en-US" smtClean="0"/>
               <a:t>16</a:t>
             </a:fld>
-            <a:endParaRPr kumimoji="0" lang="en-US" sz="1200" b="0" i="0" u="none" strike="noStrike" kern="1200" cap="none" spc="0" normalizeH="0" baseline="0" noProof="0">
-              <a:ln>
-                <a:noFill/>
-              </a:ln>
-              <a:solidFill>
-                <a:prstClr val="black"/>
-              </a:solidFill>
-              <a:effectLst/>
-              <a:uLnTx/>
-              <a:uFillTx/>
-              <a:latin typeface="Calibri" panose="020F0502020204030204"/>
-              <a:ea typeface="+mn-ea"/>
-              <a:cs typeface="+mn-cs"/>
-            </a:endParaRPr>
+            <a:endParaRPr lang="en-US"/>
           </a:p>
         </p:txBody>
       </p:sp>
     </p:spTree>
     <p:extLst>
       <p:ext uri="{BB962C8B-B14F-4D97-AF65-F5344CB8AC3E}">
-        <p14:creationId xmlns:p14="http://schemas.microsoft.com/office/powerpoint/2010/main" val="2008965214"/>
+        <p14:creationId xmlns:p14="http://schemas.microsoft.com/office/powerpoint/2010/main" val="4278426755"/>
       </p:ext>
     </p:extLst>
   </p:cSld>
@@ -1149,7 +1150,7 @@
           <a:p>
             <a:r>
               <a:rPr lang="en-US" dirty="0"/>
-              <a:t>Zoom poll: which is a language</a:t>
+              <a:t>Some historical figures</a:t>
             </a:r>
           </a:p>
         </p:txBody>
@@ -1240,7 +1241,7 @@
     </p:spTree>
     <p:extLst>
       <p:ext uri="{BB962C8B-B14F-4D97-AF65-F5344CB8AC3E}">
-        <p14:creationId xmlns:p14="http://schemas.microsoft.com/office/powerpoint/2010/main" val="1404720938"/>
+        <p14:creationId xmlns:p14="http://schemas.microsoft.com/office/powerpoint/2010/main" val="2008965214"/>
       </p:ext>
     </p:extLst>
   </p:cSld>
@@ -1296,7 +1297,7 @@
           <a:p>
             <a:r>
               <a:rPr lang="en-US" dirty="0"/>
-              <a:t>Some historical figures</a:t>
+              <a:t>Zoom poll: which is a language</a:t>
             </a:r>
           </a:p>
         </p:txBody>
@@ -1387,7 +1388,7 @@
     </p:spTree>
     <p:extLst>
       <p:ext uri="{BB962C8B-B14F-4D97-AF65-F5344CB8AC3E}">
-        <p14:creationId xmlns:p14="http://schemas.microsoft.com/office/powerpoint/2010/main" val="1665449226"/>
+        <p14:creationId xmlns:p14="http://schemas.microsoft.com/office/powerpoint/2010/main" val="1404720938"/>
       </p:ext>
     </p:extLst>
   </p:cSld>
@@ -1534,7 +1535,7 @@
     </p:spTree>
     <p:extLst>
       <p:ext uri="{BB962C8B-B14F-4D97-AF65-F5344CB8AC3E}">
-        <p14:creationId xmlns:p14="http://schemas.microsoft.com/office/powerpoint/2010/main" val="2516364758"/>
+        <p14:creationId xmlns:p14="http://schemas.microsoft.com/office/powerpoint/2010/main" val="1665449226"/>
       </p:ext>
     </p:extLst>
   </p:cSld>
@@ -1681,7 +1682,7 @@
     </p:spTree>
     <p:extLst>
       <p:ext uri="{BB962C8B-B14F-4D97-AF65-F5344CB8AC3E}">
-        <p14:creationId xmlns:p14="http://schemas.microsoft.com/office/powerpoint/2010/main" val="4185689368"/>
+        <p14:creationId xmlns:p14="http://schemas.microsoft.com/office/powerpoint/2010/main" val="2516364758"/>
       </p:ext>
     </p:extLst>
   </p:cSld>
@@ -1828,7 +1829,7 @@
     </p:spTree>
     <p:extLst>
       <p:ext uri="{BB962C8B-B14F-4D97-AF65-F5344CB8AC3E}">
-        <p14:creationId xmlns:p14="http://schemas.microsoft.com/office/powerpoint/2010/main" val="2586206824"/>
+        <p14:creationId xmlns:p14="http://schemas.microsoft.com/office/powerpoint/2010/main" val="4185689368"/>
       </p:ext>
     </p:extLst>
   </p:cSld>
@@ -1975,7 +1976,7 @@
     </p:spTree>
     <p:extLst>
       <p:ext uri="{BB962C8B-B14F-4D97-AF65-F5344CB8AC3E}">
-        <p14:creationId xmlns:p14="http://schemas.microsoft.com/office/powerpoint/2010/main" val="1481846902"/>
+        <p14:creationId xmlns:p14="http://schemas.microsoft.com/office/powerpoint/2010/main" val="2586206824"/>
       </p:ext>
     </p:extLst>
   </p:cSld>
@@ -2206,7 +2207,7 @@
     </p:spTree>
     <p:extLst>
       <p:ext uri="{BB962C8B-B14F-4D97-AF65-F5344CB8AC3E}">
-        <p14:creationId xmlns:p14="http://schemas.microsoft.com/office/powerpoint/2010/main" val="1987782280"/>
+        <p14:creationId xmlns:p14="http://schemas.microsoft.com/office/powerpoint/2010/main" val="1481846902"/>
       </p:ext>
     </p:extLst>
   </p:cSld>
@@ -2353,7 +2354,7 @@
     </p:spTree>
     <p:extLst>
       <p:ext uri="{BB962C8B-B14F-4D97-AF65-F5344CB8AC3E}">
-        <p14:creationId xmlns:p14="http://schemas.microsoft.com/office/powerpoint/2010/main" val="1177881802"/>
+        <p14:creationId xmlns:p14="http://schemas.microsoft.com/office/powerpoint/2010/main" val="1987782280"/>
       </p:ext>
     </p:extLst>
   </p:cSld>
@@ -2500,7 +2501,7 @@
     </p:spTree>
     <p:extLst>
       <p:ext uri="{BB962C8B-B14F-4D97-AF65-F5344CB8AC3E}">
-        <p14:creationId xmlns:p14="http://schemas.microsoft.com/office/powerpoint/2010/main" val="2304352538"/>
+        <p14:creationId xmlns:p14="http://schemas.microsoft.com/office/powerpoint/2010/main" val="1177881802"/>
       </p:ext>
     </p:extLst>
   </p:cSld>
@@ -2647,7 +2648,7 @@
     </p:spTree>
     <p:extLst>
       <p:ext uri="{BB962C8B-B14F-4D97-AF65-F5344CB8AC3E}">
-        <p14:creationId xmlns:p14="http://schemas.microsoft.com/office/powerpoint/2010/main" val="727863230"/>
+        <p14:creationId xmlns:p14="http://schemas.microsoft.com/office/powerpoint/2010/main" val="2304352538"/>
       </p:ext>
     </p:extLst>
   </p:cSld>
@@ -2723,9 +2724,156 @@
           <a:bodyPr/>
           <a:lstStyle/>
           <a:p>
+            <a:pPr marL="0" marR="0" lvl="0" indent="0" algn="r" defTabSz="457200" rtl="0" eaLnBrk="1" fontAlgn="auto" latinLnBrk="0" hangingPunct="1">
+              <a:lnSpc>
+                <a:spcPct val="100000"/>
+              </a:lnSpc>
+              <a:spcBef>
+                <a:spcPts val="0"/>
+              </a:spcBef>
+              <a:spcAft>
+                <a:spcPts val="0"/>
+              </a:spcAft>
+              <a:buClrTx/>
+              <a:buSzTx/>
+              <a:buFontTx/>
+              <a:buNone/>
+              <a:tabLst/>
+              <a:defRPr/>
+            </a:pPr>
+            <a:fld id="{B3E2497A-CE9D-884A-84A2-67192793543B}" type="slidenum">
+              <a:rPr kumimoji="0" lang="en-US" sz="1200" b="0" i="0" u="none" strike="noStrike" kern="1200" cap="none" spc="0" normalizeH="0" baseline="0" noProof="0" smtClean="0">
+                <a:ln>
+                  <a:noFill/>
+                </a:ln>
+                <a:solidFill>
+                  <a:prstClr val="black"/>
+                </a:solidFill>
+                <a:effectLst/>
+                <a:uLnTx/>
+                <a:uFillTx/>
+                <a:latin typeface="Calibri" panose="020F0502020204030204"/>
+                <a:ea typeface="+mn-ea"/>
+                <a:cs typeface="+mn-cs"/>
+              </a:rPr>
+              <a:pPr marL="0" marR="0" lvl="0" indent="0" algn="r" defTabSz="457200" rtl="0" eaLnBrk="1" fontAlgn="auto" latinLnBrk="0" hangingPunct="1">
+                <a:lnSpc>
+                  <a:spcPct val="100000"/>
+                </a:lnSpc>
+                <a:spcBef>
+                  <a:spcPts val="0"/>
+                </a:spcBef>
+                <a:spcAft>
+                  <a:spcPts val="0"/>
+                </a:spcAft>
+                <a:buClrTx/>
+                <a:buSzTx/>
+                <a:buFontTx/>
+                <a:buNone/>
+                <a:tabLst/>
+                <a:defRPr/>
+              </a:pPr>
+              <a:t>27</a:t>
+            </a:fld>
+            <a:endParaRPr kumimoji="0" lang="en-US" sz="1200" b="0" i="0" u="none" strike="noStrike" kern="1200" cap="none" spc="0" normalizeH="0" baseline="0" noProof="0">
+              <a:ln>
+                <a:noFill/>
+              </a:ln>
+              <a:solidFill>
+                <a:prstClr val="black"/>
+              </a:solidFill>
+              <a:effectLst/>
+              <a:uLnTx/>
+              <a:uFillTx/>
+              <a:latin typeface="Calibri" panose="020F0502020204030204"/>
+              <a:ea typeface="+mn-ea"/>
+              <a:cs typeface="+mn-cs"/>
+            </a:endParaRPr>
+          </a:p>
+        </p:txBody>
+      </p:sp>
+    </p:spTree>
+    <p:extLst>
+      <p:ext uri="{BB962C8B-B14F-4D97-AF65-F5344CB8AC3E}">
+        <p14:creationId xmlns:p14="http://schemas.microsoft.com/office/powerpoint/2010/main" val="727863230"/>
+      </p:ext>
+    </p:extLst>
+  </p:cSld>
+  <p:clrMapOvr>
+    <a:masterClrMapping/>
+  </p:clrMapOvr>
+</p:notes>
+</file>
+
+<file path=ppt/notesSlides/notesSlide25.xml><?xml version="1.0" encoding="utf-8"?>
+<p:notes xmlns:a="http://schemas.openxmlformats.org/drawingml/2006/main" xmlns:r="http://schemas.openxmlformats.org/officeDocument/2006/relationships" xmlns:p="http://schemas.openxmlformats.org/presentationml/2006/main">
+  <p:cSld>
+    <p:spTree>
+      <p:nvGrpSpPr>
+        <p:cNvPr id="1" name=""/>
+        <p:cNvGrpSpPr/>
+        <p:nvPr/>
+      </p:nvGrpSpPr>
+      <p:grpSpPr>
+        <a:xfrm>
+          <a:off x="0" y="0"/>
+          <a:ext cx="0" cy="0"/>
+          <a:chOff x="0" y="0"/>
+          <a:chExt cx="0" cy="0"/>
+        </a:xfrm>
+      </p:grpSpPr>
+      <p:sp>
+        <p:nvSpPr>
+          <p:cNvPr id="2" name="Slide Image Placeholder 1"/>
+          <p:cNvSpPr>
+            <a:spLocks noGrp="1" noRot="1" noChangeAspect="1"/>
+          </p:cNvSpPr>
+          <p:nvPr>
+            <p:ph type="sldImg"/>
+          </p:nvPr>
+        </p:nvSpPr>
+        <p:spPr/>
+      </p:sp>
+      <p:sp>
+        <p:nvSpPr>
+          <p:cNvPr id="3" name="Notes Placeholder 2"/>
+          <p:cNvSpPr>
+            <a:spLocks noGrp="1"/>
+          </p:cNvSpPr>
+          <p:nvPr>
+            <p:ph type="body" idx="1"/>
+          </p:nvPr>
+        </p:nvSpPr>
+        <p:spPr/>
+        <p:txBody>
+          <a:bodyPr/>
+          <a:lstStyle/>
+          <a:p>
+            <a:r>
+              <a:rPr lang="en-US" dirty="0"/>
+              <a:t>Some historical figures</a:t>
+            </a:r>
+          </a:p>
+        </p:txBody>
+      </p:sp>
+      <p:sp>
+        <p:nvSpPr>
+          <p:cNvPr id="4" name="Slide Number Placeholder 3"/>
+          <p:cNvSpPr>
+            <a:spLocks noGrp="1"/>
+          </p:cNvSpPr>
+          <p:nvPr>
+            <p:ph type="sldNum" sz="quarter" idx="5"/>
+          </p:nvPr>
+        </p:nvSpPr>
+        <p:spPr/>
+        <p:txBody>
+          <a:bodyPr/>
+          <a:lstStyle/>
+          <a:p>
             <a:fld id="{B3E2497A-CE9D-884A-84A2-67192793543B}" type="slidenum">
               <a:rPr lang="en-US" smtClean="0"/>
-              <a:t>28</a:t>
+              <a:t>29</a:t>
             </a:fld>
             <a:endParaRPr lang="en-US"/>
           </a:p>
@@ -3115,7 +3263,7 @@
     </p:spTree>
     <p:extLst>
       <p:ext uri="{BB962C8B-B14F-4D97-AF65-F5344CB8AC3E}">
-        <p14:creationId xmlns:p14="http://schemas.microsoft.com/office/powerpoint/2010/main" val="3284419992"/>
+        <p14:creationId xmlns:p14="http://schemas.microsoft.com/office/powerpoint/2010/main" val="3688019525"/>
       </p:ext>
     </p:extLst>
   </p:cSld>
@@ -3262,7 +3410,7 @@
     </p:spTree>
     <p:extLst>
       <p:ext uri="{BB962C8B-B14F-4D97-AF65-F5344CB8AC3E}">
-        <p14:creationId xmlns:p14="http://schemas.microsoft.com/office/powerpoint/2010/main" val="2594696330"/>
+        <p14:creationId xmlns:p14="http://schemas.microsoft.com/office/powerpoint/2010/main" val="3284419992"/>
       </p:ext>
     </p:extLst>
   </p:cSld>
@@ -3409,7 +3557,7 @@
     </p:spTree>
     <p:extLst>
       <p:ext uri="{BB962C8B-B14F-4D97-AF65-F5344CB8AC3E}">
-        <p14:creationId xmlns:p14="http://schemas.microsoft.com/office/powerpoint/2010/main" val="3225107425"/>
+        <p14:creationId xmlns:p14="http://schemas.microsoft.com/office/powerpoint/2010/main" val="2594696330"/>
       </p:ext>
     </p:extLst>
   </p:cSld>
@@ -3465,7 +3613,7 @@
           <a:p>
             <a:r>
               <a:rPr lang="en-US" dirty="0"/>
-              <a:t>Sometimes some calculations we do can take over a moth on regular serial computing</a:t>
+              <a:t>Some historical figures</a:t>
             </a:r>
           </a:p>
         </p:txBody>
@@ -3485,18 +3633,78 @@
           <a:bodyPr/>
           <a:lstStyle/>
           <a:p>
+            <a:pPr marL="0" marR="0" lvl="0" indent="0" algn="r" defTabSz="457200" rtl="0" eaLnBrk="1" fontAlgn="auto" latinLnBrk="0" hangingPunct="1">
+              <a:lnSpc>
+                <a:spcPct val="100000"/>
+              </a:lnSpc>
+              <a:spcBef>
+                <a:spcPts val="0"/>
+              </a:spcBef>
+              <a:spcAft>
+                <a:spcPts val="0"/>
+              </a:spcAft>
+              <a:buClrTx/>
+              <a:buSzTx/>
+              <a:buFontTx/>
+              <a:buNone/>
+              <a:tabLst/>
+              <a:defRPr/>
+            </a:pPr>
             <a:fld id="{B3E2497A-CE9D-884A-84A2-67192793543B}" type="slidenum">
-              <a:rPr lang="en-US" smtClean="0"/>
+              <a:rPr kumimoji="0" lang="en-US" sz="1200" b="0" i="0" u="none" strike="noStrike" kern="1200" cap="none" spc="0" normalizeH="0" baseline="0" noProof="0" smtClean="0">
+                <a:ln>
+                  <a:noFill/>
+                </a:ln>
+                <a:solidFill>
+                  <a:prstClr val="black"/>
+                </a:solidFill>
+                <a:effectLst/>
+                <a:uLnTx/>
+                <a:uFillTx/>
+                <a:latin typeface="Calibri" panose="020F0502020204030204"/>
+                <a:ea typeface="+mn-ea"/>
+                <a:cs typeface="+mn-cs"/>
+              </a:rPr>
+              <a:pPr marL="0" marR="0" lvl="0" indent="0" algn="r" defTabSz="457200" rtl="0" eaLnBrk="1" fontAlgn="auto" latinLnBrk="0" hangingPunct="1">
+                <a:lnSpc>
+                  <a:spcPct val="100000"/>
+                </a:lnSpc>
+                <a:spcBef>
+                  <a:spcPts val="0"/>
+                </a:spcBef>
+                <a:spcAft>
+                  <a:spcPts val="0"/>
+                </a:spcAft>
+                <a:buClrTx/>
+                <a:buSzTx/>
+                <a:buFontTx/>
+                <a:buNone/>
+                <a:tabLst/>
+                <a:defRPr/>
+              </a:pPr>
               <a:t>11</a:t>
             </a:fld>
-            <a:endParaRPr lang="en-US"/>
+            <a:endParaRPr kumimoji="0" lang="en-US" sz="1200" b="0" i="0" u="none" strike="noStrike" kern="1200" cap="none" spc="0" normalizeH="0" baseline="0" noProof="0">
+              <a:ln>
+                <a:noFill/>
+              </a:ln>
+              <a:solidFill>
+                <a:prstClr val="black"/>
+              </a:solidFill>
+              <a:effectLst/>
+              <a:uLnTx/>
+              <a:uFillTx/>
+              <a:latin typeface="Calibri" panose="020F0502020204030204"/>
+              <a:ea typeface="+mn-ea"/>
+              <a:cs typeface="+mn-cs"/>
+            </a:endParaRPr>
           </a:p>
         </p:txBody>
       </p:sp>
     </p:spTree>
     <p:extLst>
       <p:ext uri="{BB962C8B-B14F-4D97-AF65-F5344CB8AC3E}">
-        <p14:creationId xmlns:p14="http://schemas.microsoft.com/office/powerpoint/2010/main" val="708671621"/>
+        <p14:creationId xmlns:p14="http://schemas.microsoft.com/office/powerpoint/2010/main" val="3225107425"/>
       </p:ext>
     </p:extLst>
   </p:cSld>
@@ -3552,7 +3760,7 @@
           <a:p>
             <a:r>
               <a:rPr lang="en-US" dirty="0"/>
-              <a:t>Some historical figures</a:t>
+              <a:t>Sometimes some calculations we do can take over a moth on regular serial computing</a:t>
             </a:r>
           </a:p>
         </p:txBody>
@@ -3572,78 +3780,18 @@
           <a:bodyPr/>
           <a:lstStyle/>
           <a:p>
-            <a:pPr marL="0" marR="0" lvl="0" indent="0" algn="r" defTabSz="457200" rtl="0" eaLnBrk="1" fontAlgn="auto" latinLnBrk="0" hangingPunct="1">
-              <a:lnSpc>
-                <a:spcPct val="100000"/>
-              </a:lnSpc>
-              <a:spcBef>
-                <a:spcPts val="0"/>
-              </a:spcBef>
-              <a:spcAft>
-                <a:spcPts val="0"/>
-              </a:spcAft>
-              <a:buClrTx/>
-              <a:buSzTx/>
-              <a:buFontTx/>
-              <a:buNone/>
-              <a:tabLst/>
-              <a:defRPr/>
-            </a:pPr>
             <a:fld id="{B3E2497A-CE9D-884A-84A2-67192793543B}" type="slidenum">
-              <a:rPr kumimoji="0" lang="en-US" sz="1200" b="0" i="0" u="none" strike="noStrike" kern="1200" cap="none" spc="0" normalizeH="0" baseline="0" noProof="0" smtClean="0">
-                <a:ln>
-                  <a:noFill/>
-                </a:ln>
-                <a:solidFill>
-                  <a:prstClr val="black"/>
-                </a:solidFill>
-                <a:effectLst/>
-                <a:uLnTx/>
-                <a:uFillTx/>
-                <a:latin typeface="Calibri" panose="020F0502020204030204"/>
-                <a:ea typeface="+mn-ea"/>
-                <a:cs typeface="+mn-cs"/>
-              </a:rPr>
-              <a:pPr marL="0" marR="0" lvl="0" indent="0" algn="r" defTabSz="457200" rtl="0" eaLnBrk="1" fontAlgn="auto" latinLnBrk="0" hangingPunct="1">
-                <a:lnSpc>
-                  <a:spcPct val="100000"/>
-                </a:lnSpc>
-                <a:spcBef>
-                  <a:spcPts val="0"/>
-                </a:spcBef>
-                <a:spcAft>
-                  <a:spcPts val="0"/>
-                </a:spcAft>
-                <a:buClrTx/>
-                <a:buSzTx/>
-                <a:buFontTx/>
-                <a:buNone/>
-                <a:tabLst/>
-                <a:defRPr/>
-              </a:pPr>
+              <a:rPr lang="en-US" smtClean="0"/>
               <a:t>12</a:t>
             </a:fld>
-            <a:endParaRPr kumimoji="0" lang="en-US" sz="1200" b="0" i="0" u="none" strike="noStrike" kern="1200" cap="none" spc="0" normalizeH="0" baseline="0" noProof="0">
-              <a:ln>
-                <a:noFill/>
-              </a:ln>
-              <a:solidFill>
-                <a:prstClr val="black"/>
-              </a:solidFill>
-              <a:effectLst/>
-              <a:uLnTx/>
-              <a:uFillTx/>
-              <a:latin typeface="Calibri" panose="020F0502020204030204"/>
-              <a:ea typeface="+mn-ea"/>
-              <a:cs typeface="+mn-cs"/>
-            </a:endParaRPr>
+            <a:endParaRPr lang="en-US"/>
           </a:p>
         </p:txBody>
       </p:sp>
     </p:spTree>
     <p:extLst>
       <p:ext uri="{BB962C8B-B14F-4D97-AF65-F5344CB8AC3E}">
-        <p14:creationId xmlns:p14="http://schemas.microsoft.com/office/powerpoint/2010/main" val="1003089838"/>
+        <p14:creationId xmlns:p14="http://schemas.microsoft.com/office/powerpoint/2010/main" val="708671621"/>
       </p:ext>
     </p:extLst>
   </p:cSld>
@@ -11314,6 +11462,952 @@
                 <a:ea typeface="Verdana" panose="020B0604030504040204" pitchFamily="34" charset="0"/>
                 <a:cs typeface="Verdana" panose="020B0604030504040204" pitchFamily="34" charset="0"/>
               </a:rPr>
+              <a:t>EXAMPLE 2 (NUMPY ADDITION)</a:t>
+            </a:r>
+            <a:endParaRPr lang="en-US" dirty="0">
+              <a:solidFill>
+                <a:schemeClr val="tx1">
+                  <a:lumMod val="75000"/>
+                  <a:lumOff val="25000"/>
+                </a:schemeClr>
+              </a:solidFill>
+              <a:latin typeface="Verdana" panose="020B0604030504040204" pitchFamily="34" charset="0"/>
+              <a:ea typeface="Verdana" panose="020B0604030504040204" pitchFamily="34" charset="0"/>
+              <a:cs typeface="Verdana" panose="020B0604030504040204" pitchFamily="34" charset="0"/>
+            </a:endParaRPr>
+          </a:p>
+        </p:txBody>
+      </p:sp>
+      <p:sp>
+        <p:nvSpPr>
+          <p:cNvPr id="3" name="Content Placeholder 2">
+            <a:extLst>
+              <a:ext uri="{FF2B5EF4-FFF2-40B4-BE49-F238E27FC236}">
+                <a16:creationId xmlns:a16="http://schemas.microsoft.com/office/drawing/2014/main" id="{A1DB5512-87E1-B445-B644-8B92BA4F942C}"/>
+              </a:ext>
+            </a:extLst>
+          </p:cNvPr>
+          <p:cNvSpPr>
+            <a:spLocks noGrp="1"/>
+          </p:cNvSpPr>
+          <p:nvPr>
+            <p:ph idx="1"/>
+          </p:nvPr>
+        </p:nvSpPr>
+        <p:spPr>
+          <a:xfrm>
+            <a:off x="581735" y="1202267"/>
+            <a:ext cx="10656354" cy="5567810"/>
+          </a:xfrm>
+        </p:spPr>
+        <p:txBody>
+          <a:bodyPr>
+            <a:noAutofit/>
+          </a:bodyPr>
+          <a:lstStyle/>
+          <a:p>
+            <a:r>
+              <a:rPr lang="en-US" sz="2000" dirty="0">
+                <a:solidFill>
+                  <a:schemeClr val="tx1"/>
+                </a:solidFill>
+                <a:latin typeface="Comic Sans MS" panose="030F0902030302020204" pitchFamily="66" charset="0"/>
+              </a:rPr>
+              <a:t>Array is a list of data, represented in [], so a = [1 , 2, 3] is an array of size 3</a:t>
+            </a:r>
+          </a:p>
+          <a:p>
+            <a:r>
+              <a:rPr lang="en-US" sz="2000" dirty="0">
+                <a:solidFill>
+                  <a:schemeClr val="tx1"/>
+                </a:solidFill>
+                <a:latin typeface="Comic Sans MS" panose="030F0902030302020204" pitchFamily="66" charset="0"/>
+              </a:rPr>
+              <a:t>Its elements are a[0], a[1], a[2]</a:t>
+            </a:r>
+          </a:p>
+          <a:p>
+            <a:r>
+              <a:rPr lang="en-US" sz="2000" dirty="0" err="1">
+                <a:solidFill>
+                  <a:schemeClr val="tx1"/>
+                </a:solidFill>
+                <a:latin typeface="Comic Sans MS" panose="030F0902030302020204" pitchFamily="66" charset="0"/>
+              </a:rPr>
+              <a:t>numpy</a:t>
+            </a:r>
+            <a:r>
+              <a:rPr lang="en-US" sz="2000" dirty="0">
+                <a:solidFill>
+                  <a:schemeClr val="tx1"/>
+                </a:solidFill>
+                <a:latin typeface="Comic Sans MS" panose="030F0902030302020204" pitchFamily="66" charset="0"/>
+              </a:rPr>
+              <a:t> module can be used to create an array -&gt; </a:t>
+            </a:r>
+            <a:r>
+              <a:rPr lang="en-US" sz="2000" dirty="0" err="1">
+                <a:solidFill>
+                  <a:schemeClr val="tx1"/>
+                </a:solidFill>
+                <a:latin typeface="Comic Sans MS" panose="030F0902030302020204" pitchFamily="66" charset="0"/>
+              </a:rPr>
+              <a:t>numpy</a:t>
+            </a:r>
+            <a:r>
+              <a:rPr lang="en-US" sz="2000" dirty="0">
+                <a:solidFill>
+                  <a:schemeClr val="tx1"/>
+                </a:solidFill>
+                <a:latin typeface="Comic Sans MS" panose="030F0902030302020204" pitchFamily="66" charset="0"/>
+              </a:rPr>
+              <a:t> provides functions</a:t>
+            </a:r>
+          </a:p>
+          <a:p>
+            <a:pPr marL="0" indent="0">
+              <a:buNone/>
+            </a:pPr>
+            <a:r>
+              <a:rPr lang="en-US" sz="2000" dirty="0" err="1">
+                <a:solidFill>
+                  <a:srgbClr val="000000"/>
+                </a:solidFill>
+                <a:latin typeface="Monaco" pitchFamily="2" charset="77"/>
+              </a:rPr>
+              <a:t>np.arange</a:t>
+            </a:r>
+            <a:r>
+              <a:rPr lang="en-US" sz="2000" dirty="0">
+                <a:solidFill>
+                  <a:srgbClr val="000000"/>
+                </a:solidFill>
+                <a:latin typeface="Monaco" pitchFamily="2" charset="77"/>
+              </a:rPr>
+              <a:t>(</a:t>
+            </a:r>
+            <a:r>
+              <a:rPr lang="en-US" sz="2000" dirty="0">
+                <a:solidFill>
+                  <a:srgbClr val="AC1E16"/>
+                </a:solidFill>
+                <a:latin typeface="Monaco" pitchFamily="2" charset="77"/>
+              </a:rPr>
+              <a:t>3.0</a:t>
+            </a:r>
+            <a:r>
+              <a:rPr lang="en-US" sz="2000" dirty="0">
+                <a:solidFill>
+                  <a:srgbClr val="000000"/>
+                </a:solidFill>
+                <a:latin typeface="Monaco" pitchFamily="2" charset="77"/>
+              </a:rPr>
+              <a:t>)    [0, 1.0, 2.0]</a:t>
+            </a:r>
+          </a:p>
+          <a:p>
+            <a:r>
+              <a:rPr lang="en-US" sz="2000" dirty="0">
+                <a:solidFill>
+                  <a:schemeClr val="tx1"/>
+                </a:solidFill>
+                <a:latin typeface="Comic Sans MS" panose="030F0902030302020204" pitchFamily="66" charset="0"/>
+              </a:rPr>
+              <a:t>directly define the array</a:t>
+            </a:r>
+          </a:p>
+          <a:p>
+            <a:pPr marL="0" indent="0">
+              <a:buNone/>
+            </a:pPr>
+            <a:r>
+              <a:rPr lang="en-US" sz="2000" dirty="0">
+                <a:solidFill>
+                  <a:schemeClr val="accent1"/>
+                </a:solidFill>
+                <a:latin typeface="Monaco" pitchFamily="2" charset="77"/>
+              </a:rPr>
+              <a:t>2. </a:t>
+            </a:r>
+            <a:r>
+              <a:rPr lang="en-US" sz="2000" dirty="0" err="1">
+                <a:solidFill>
+                  <a:schemeClr val="accent1"/>
+                </a:solidFill>
+                <a:latin typeface="Monaco" pitchFamily="2" charset="77"/>
+              </a:rPr>
+              <a:t>np.a</a:t>
+            </a:r>
+            <a:r>
+              <a:rPr lang="en-US" sz="2000" dirty="0">
+                <a:solidFill>
+                  <a:schemeClr val="accent1"/>
+                </a:solidFill>
+                <a:latin typeface="Monaco" pitchFamily="2" charset="77"/>
+              </a:rPr>
+              <a:t> = </a:t>
+            </a:r>
+            <a:r>
+              <a:rPr lang="en-US" sz="2000" dirty="0" err="1">
+                <a:solidFill>
+                  <a:schemeClr val="accent1"/>
+                </a:solidFill>
+                <a:latin typeface="Monaco" pitchFamily="2" charset="77"/>
+              </a:rPr>
+              <a:t>np.array</a:t>
+            </a:r>
+            <a:r>
+              <a:rPr lang="en-US" sz="2000" dirty="0">
+                <a:solidFill>
+                  <a:schemeClr val="accent1"/>
+                </a:solidFill>
+                <a:latin typeface="Monaco" pitchFamily="2" charset="77"/>
+              </a:rPr>
+              <a:t>([3, 6, 3]) </a:t>
+            </a:r>
+          </a:p>
+          <a:p>
+            <a:pPr marL="0" indent="0">
+              <a:buNone/>
+            </a:pPr>
+            <a:r>
+              <a:rPr lang="en-US" sz="2000" dirty="0">
+                <a:solidFill>
+                  <a:schemeClr val="accent1"/>
+                </a:solidFill>
+                <a:latin typeface="Monaco" pitchFamily="2" charset="77"/>
+              </a:rPr>
+              <a:t>3. </a:t>
+            </a:r>
+            <a:r>
+              <a:rPr lang="en-US" sz="2000" dirty="0" err="1">
+                <a:solidFill>
+                  <a:schemeClr val="accent1"/>
+                </a:solidFill>
+                <a:latin typeface="Monaco" pitchFamily="2" charset="77"/>
+              </a:rPr>
+              <a:t>np.b</a:t>
+            </a:r>
+            <a:r>
+              <a:rPr lang="en-US" sz="2000" dirty="0">
+                <a:solidFill>
+                  <a:schemeClr val="accent1"/>
+                </a:solidFill>
+                <a:latin typeface="Monaco" pitchFamily="2" charset="77"/>
+              </a:rPr>
+              <a:t> = </a:t>
+            </a:r>
+            <a:r>
+              <a:rPr lang="en-US" sz="2000" dirty="0" err="1">
+                <a:solidFill>
+                  <a:schemeClr val="accent1"/>
+                </a:solidFill>
+                <a:latin typeface="Monaco" pitchFamily="2" charset="77"/>
+              </a:rPr>
+              <a:t>np.array</a:t>
+            </a:r>
+            <a:r>
+              <a:rPr lang="en-US" sz="2000" dirty="0">
+                <a:solidFill>
+                  <a:schemeClr val="accent1"/>
+                </a:solidFill>
+                <a:latin typeface="Monaco" pitchFamily="2" charset="77"/>
+              </a:rPr>
+              <a:t>([5, 5, 4]) </a:t>
+            </a:r>
+          </a:p>
+          <a:p>
+            <a:pPr marL="0" indent="0">
+              <a:buNone/>
+            </a:pPr>
+            <a:endParaRPr lang="en-US" sz="2000" dirty="0">
+              <a:solidFill>
+                <a:schemeClr val="accent1"/>
+              </a:solidFill>
+              <a:latin typeface="Monaco" pitchFamily="2" charset="77"/>
+            </a:endParaRPr>
+          </a:p>
+          <a:p>
+            <a:r>
+              <a:rPr lang="en-US" sz="2000" dirty="0">
+                <a:solidFill>
+                  <a:schemeClr val="tx1"/>
+                </a:solidFill>
+                <a:latin typeface="Comic Sans MS" panose="030F0902030302020204" pitchFamily="66" charset="0"/>
+              </a:rPr>
+              <a:t>Now these two arrays can be summed up</a:t>
+            </a:r>
+          </a:p>
+          <a:p>
+            <a:pPr marL="0" indent="0">
+              <a:buNone/>
+            </a:pPr>
+            <a:r>
+              <a:rPr lang="en-US" sz="2000" dirty="0" err="1">
+                <a:solidFill>
+                  <a:schemeClr val="accent1"/>
+                </a:solidFill>
+                <a:latin typeface="Monaco" pitchFamily="2" charset="77"/>
+              </a:rPr>
+              <a:t>np.c</a:t>
+            </a:r>
+            <a:r>
+              <a:rPr lang="en-US" sz="2000" dirty="0">
+                <a:solidFill>
+                  <a:schemeClr val="accent1"/>
+                </a:solidFill>
+                <a:latin typeface="Monaco" pitchFamily="2" charset="77"/>
+              </a:rPr>
+              <a:t> = </a:t>
+            </a:r>
+            <a:r>
+              <a:rPr lang="en-US" sz="2000" dirty="0" err="1">
+                <a:solidFill>
+                  <a:schemeClr val="accent1"/>
+                </a:solidFill>
+                <a:latin typeface="Monaco" pitchFamily="2" charset="77"/>
+              </a:rPr>
+              <a:t>np.a</a:t>
+            </a:r>
+            <a:r>
+              <a:rPr lang="en-US" sz="2000" dirty="0">
+                <a:solidFill>
+                  <a:schemeClr val="accent1"/>
+                </a:solidFill>
+                <a:latin typeface="Monaco" pitchFamily="2" charset="77"/>
+              </a:rPr>
+              <a:t> + </a:t>
+            </a:r>
+            <a:r>
+              <a:rPr lang="en-US" sz="2000" dirty="0" err="1">
+                <a:solidFill>
+                  <a:schemeClr val="accent1"/>
+                </a:solidFill>
+                <a:latin typeface="Monaco" pitchFamily="2" charset="77"/>
+              </a:rPr>
+              <a:t>np.b</a:t>
+            </a:r>
+            <a:r>
+              <a:rPr lang="en-US" sz="2000" dirty="0">
+                <a:solidFill>
+                  <a:schemeClr val="accent1"/>
+                </a:solidFill>
+                <a:latin typeface="Monaco" pitchFamily="2" charset="77"/>
+              </a:rPr>
+              <a:t> </a:t>
+            </a:r>
+          </a:p>
+          <a:p>
+            <a:pPr marL="0" indent="0">
+              <a:buNone/>
+            </a:pPr>
+            <a:r>
+              <a:rPr lang="en-US" sz="2000" dirty="0">
+                <a:solidFill>
+                  <a:schemeClr val="accent1"/>
+                </a:solidFill>
+                <a:latin typeface="Monaco" pitchFamily="2" charset="77"/>
+              </a:rPr>
+              <a:t>print(</a:t>
+            </a:r>
+            <a:r>
+              <a:rPr lang="en-US" sz="2000" dirty="0" err="1">
+                <a:solidFill>
+                  <a:schemeClr val="accent1"/>
+                </a:solidFill>
+                <a:latin typeface="Monaco" pitchFamily="2" charset="77"/>
+              </a:rPr>
+              <a:t>np.c</a:t>
+            </a:r>
+            <a:r>
+              <a:rPr lang="en-US" sz="2000" dirty="0">
+                <a:solidFill>
+                  <a:schemeClr val="accent1"/>
+                </a:solidFill>
+                <a:latin typeface="Monaco" pitchFamily="2" charset="77"/>
+              </a:rPr>
+              <a:t>)</a:t>
+            </a:r>
+          </a:p>
+          <a:p>
+            <a:pPr marL="0" indent="0">
+              <a:buNone/>
+            </a:pPr>
+            <a:r>
+              <a:rPr lang="en-US" sz="2000" dirty="0">
+                <a:solidFill>
+                  <a:schemeClr val="accent1"/>
+                </a:solidFill>
+                <a:latin typeface="Monaco" pitchFamily="2" charset="77"/>
+              </a:rPr>
+              <a:t>&gt;&gt;[8, 11, 7]</a:t>
+            </a:r>
+            <a:endParaRPr lang="en-US" sz="2000" dirty="0">
+              <a:solidFill>
+                <a:schemeClr val="tx1"/>
+              </a:solidFill>
+              <a:latin typeface="Monaco" pitchFamily="2" charset="77"/>
+            </a:endParaRPr>
+          </a:p>
+          <a:p>
+            <a:pPr marL="0" indent="0">
+              <a:buNone/>
+            </a:pPr>
+            <a:endParaRPr lang="en-US" sz="2000" dirty="0">
+              <a:solidFill>
+                <a:schemeClr val="tx1"/>
+              </a:solidFill>
+              <a:latin typeface="Comic Sans MS" panose="030F0902030302020204" pitchFamily="66" charset="0"/>
+            </a:endParaRPr>
+          </a:p>
+          <a:p>
+            <a:endParaRPr lang="en-US" sz="2000" dirty="0"/>
+          </a:p>
+        </p:txBody>
+      </p:sp>
+    </p:spTree>
+    <p:extLst>
+      <p:ext uri="{BB962C8B-B14F-4D97-AF65-F5344CB8AC3E}">
+        <p14:creationId xmlns:p14="http://schemas.microsoft.com/office/powerpoint/2010/main" val="998554125"/>
+      </p:ext>
+    </p:extLst>
+  </p:cSld>
+  <p:clrMapOvr>
+    <a:masterClrMapping/>
+  </p:clrMapOvr>
+  <p:timing>
+    <p:tnLst>
+      <p:par>
+        <p:cTn id="1" dur="indefinite" restart="never" nodeType="tmRoot">
+          <p:childTnLst>
+            <p:seq concurrent="1" nextAc="seek">
+              <p:cTn id="2" dur="indefinite" nodeType="mainSeq">
+                <p:childTnLst>
+                  <p:par>
+                    <p:cTn id="3" fill="hold">
+                      <p:stCondLst>
+                        <p:cond delay="indefinite"/>
+                      </p:stCondLst>
+                      <p:childTnLst>
+                        <p:par>
+                          <p:cTn id="4" fill="hold">
+                            <p:stCondLst>
+                              <p:cond delay="0"/>
+                            </p:stCondLst>
+                            <p:childTnLst>
+                              <p:par>
+                                <p:cTn id="5" presetID="1" presetClass="entr" presetSubtype="0" fill="hold" nodeType="clickEffect">
+                                  <p:stCondLst>
+                                    <p:cond delay="0"/>
+                                  </p:stCondLst>
+                                  <p:childTnLst>
+                                    <p:set>
+                                      <p:cBhvr>
+                                        <p:cTn id="6" dur="1" fill="hold">
+                                          <p:stCondLst>
+                                            <p:cond delay="0"/>
+                                          </p:stCondLst>
+                                        </p:cTn>
+                                        <p:tgtEl>
+                                          <p:spTgt spid="3">
+                                            <p:txEl>
+                                              <p:pRg st="0" end="0"/>
+                                            </p:txEl>
+                                          </p:spTgt>
+                                        </p:tgtEl>
+                                        <p:attrNameLst>
+                                          <p:attrName>style.visibility</p:attrName>
+                                        </p:attrNameLst>
+                                      </p:cBhvr>
+                                      <p:to>
+                                        <p:strVal val="visible"/>
+                                      </p:to>
+                                    </p:set>
+                                  </p:childTnLst>
+                                </p:cTn>
+                              </p:par>
+                              <p:par>
+                                <p:cTn id="7" presetID="1" presetClass="entr" presetSubtype="0" fill="hold" nodeType="withEffect">
+                                  <p:stCondLst>
+                                    <p:cond delay="0"/>
+                                  </p:stCondLst>
+                                  <p:childTnLst>
+                                    <p:set>
+                                      <p:cBhvr>
+                                        <p:cTn id="8" dur="1" fill="hold">
+                                          <p:stCondLst>
+                                            <p:cond delay="0"/>
+                                          </p:stCondLst>
+                                        </p:cTn>
+                                        <p:tgtEl>
+                                          <p:spTgt spid="3">
+                                            <p:txEl>
+                                              <p:pRg st="1" end="1"/>
+                                            </p:txEl>
+                                          </p:spTgt>
+                                        </p:tgtEl>
+                                        <p:attrNameLst>
+                                          <p:attrName>style.visibility</p:attrName>
+                                        </p:attrNameLst>
+                                      </p:cBhvr>
+                                      <p:to>
+                                        <p:strVal val="visible"/>
+                                      </p:to>
+                                    </p:set>
+                                  </p:childTnLst>
+                                </p:cTn>
+                              </p:par>
+                            </p:childTnLst>
+                          </p:cTn>
+                        </p:par>
+                      </p:childTnLst>
+                    </p:cTn>
+                  </p:par>
+                  <p:par>
+                    <p:cTn id="9" fill="hold">
+                      <p:stCondLst>
+                        <p:cond delay="indefinite"/>
+                      </p:stCondLst>
+                      <p:childTnLst>
+                        <p:par>
+                          <p:cTn id="10" fill="hold">
+                            <p:stCondLst>
+                              <p:cond delay="0"/>
+                            </p:stCondLst>
+                            <p:childTnLst>
+                              <p:par>
+                                <p:cTn id="11" presetID="1" presetClass="entr" presetSubtype="0" fill="hold" nodeType="clickEffect">
+                                  <p:stCondLst>
+                                    <p:cond delay="0"/>
+                                  </p:stCondLst>
+                                  <p:childTnLst>
+                                    <p:set>
+                                      <p:cBhvr>
+                                        <p:cTn id="12" dur="1" fill="hold">
+                                          <p:stCondLst>
+                                            <p:cond delay="0"/>
+                                          </p:stCondLst>
+                                        </p:cTn>
+                                        <p:tgtEl>
+                                          <p:spTgt spid="3">
+                                            <p:txEl>
+                                              <p:pRg st="2" end="2"/>
+                                            </p:txEl>
+                                          </p:spTgt>
+                                        </p:tgtEl>
+                                        <p:attrNameLst>
+                                          <p:attrName>style.visibility</p:attrName>
+                                        </p:attrNameLst>
+                                      </p:cBhvr>
+                                      <p:to>
+                                        <p:strVal val="visible"/>
+                                      </p:to>
+                                    </p:set>
+                                  </p:childTnLst>
+                                </p:cTn>
+                              </p:par>
+                              <p:par>
+                                <p:cTn id="13" presetID="1" presetClass="entr" presetSubtype="0" fill="hold" nodeType="withEffect">
+                                  <p:stCondLst>
+                                    <p:cond delay="0"/>
+                                  </p:stCondLst>
+                                  <p:childTnLst>
+                                    <p:set>
+                                      <p:cBhvr>
+                                        <p:cTn id="14" dur="1" fill="hold">
+                                          <p:stCondLst>
+                                            <p:cond delay="0"/>
+                                          </p:stCondLst>
+                                        </p:cTn>
+                                        <p:tgtEl>
+                                          <p:spTgt spid="3">
+                                            <p:txEl>
+                                              <p:pRg st="3" end="3"/>
+                                            </p:txEl>
+                                          </p:spTgt>
+                                        </p:tgtEl>
+                                        <p:attrNameLst>
+                                          <p:attrName>style.visibility</p:attrName>
+                                        </p:attrNameLst>
+                                      </p:cBhvr>
+                                      <p:to>
+                                        <p:strVal val="visible"/>
+                                      </p:to>
+                                    </p:set>
+                                  </p:childTnLst>
+                                </p:cTn>
+                              </p:par>
+                            </p:childTnLst>
+                          </p:cTn>
+                        </p:par>
+                      </p:childTnLst>
+                    </p:cTn>
+                  </p:par>
+                  <p:par>
+                    <p:cTn id="15" fill="hold">
+                      <p:stCondLst>
+                        <p:cond delay="indefinite"/>
+                      </p:stCondLst>
+                      <p:childTnLst>
+                        <p:par>
+                          <p:cTn id="16" fill="hold">
+                            <p:stCondLst>
+                              <p:cond delay="0"/>
+                            </p:stCondLst>
+                            <p:childTnLst>
+                              <p:par>
+                                <p:cTn id="17" presetID="1" presetClass="entr" presetSubtype="0" fill="hold" nodeType="clickEffect">
+                                  <p:stCondLst>
+                                    <p:cond delay="0"/>
+                                  </p:stCondLst>
+                                  <p:childTnLst>
+                                    <p:set>
+                                      <p:cBhvr>
+                                        <p:cTn id="18" dur="1" fill="hold">
+                                          <p:stCondLst>
+                                            <p:cond delay="0"/>
+                                          </p:stCondLst>
+                                        </p:cTn>
+                                        <p:tgtEl>
+                                          <p:spTgt spid="3">
+                                            <p:txEl>
+                                              <p:pRg st="4" end="4"/>
+                                            </p:txEl>
+                                          </p:spTgt>
+                                        </p:tgtEl>
+                                        <p:attrNameLst>
+                                          <p:attrName>style.visibility</p:attrName>
+                                        </p:attrNameLst>
+                                      </p:cBhvr>
+                                      <p:to>
+                                        <p:strVal val="visible"/>
+                                      </p:to>
+                                    </p:set>
+                                  </p:childTnLst>
+                                </p:cTn>
+                              </p:par>
+                              <p:par>
+                                <p:cTn id="19" presetID="1" presetClass="entr" presetSubtype="0" fill="hold" nodeType="withEffect">
+                                  <p:stCondLst>
+                                    <p:cond delay="0"/>
+                                  </p:stCondLst>
+                                  <p:childTnLst>
+                                    <p:set>
+                                      <p:cBhvr>
+                                        <p:cTn id="20" dur="1" fill="hold">
+                                          <p:stCondLst>
+                                            <p:cond delay="0"/>
+                                          </p:stCondLst>
+                                        </p:cTn>
+                                        <p:tgtEl>
+                                          <p:spTgt spid="3">
+                                            <p:txEl>
+                                              <p:pRg st="5" end="5"/>
+                                            </p:txEl>
+                                          </p:spTgt>
+                                        </p:tgtEl>
+                                        <p:attrNameLst>
+                                          <p:attrName>style.visibility</p:attrName>
+                                        </p:attrNameLst>
+                                      </p:cBhvr>
+                                      <p:to>
+                                        <p:strVal val="visible"/>
+                                      </p:to>
+                                    </p:set>
+                                  </p:childTnLst>
+                                </p:cTn>
+                              </p:par>
+                              <p:par>
+                                <p:cTn id="21" presetID="1" presetClass="entr" presetSubtype="0" fill="hold" nodeType="withEffect">
+                                  <p:stCondLst>
+                                    <p:cond delay="0"/>
+                                  </p:stCondLst>
+                                  <p:childTnLst>
+                                    <p:set>
+                                      <p:cBhvr>
+                                        <p:cTn id="22" dur="1" fill="hold">
+                                          <p:stCondLst>
+                                            <p:cond delay="0"/>
+                                          </p:stCondLst>
+                                        </p:cTn>
+                                        <p:tgtEl>
+                                          <p:spTgt spid="3">
+                                            <p:txEl>
+                                              <p:pRg st="6" end="6"/>
+                                            </p:txEl>
+                                          </p:spTgt>
+                                        </p:tgtEl>
+                                        <p:attrNameLst>
+                                          <p:attrName>style.visibility</p:attrName>
+                                        </p:attrNameLst>
+                                      </p:cBhvr>
+                                      <p:to>
+                                        <p:strVal val="visible"/>
+                                      </p:to>
+                                    </p:set>
+                                  </p:childTnLst>
+                                </p:cTn>
+                              </p:par>
+                            </p:childTnLst>
+                          </p:cTn>
+                        </p:par>
+                      </p:childTnLst>
+                    </p:cTn>
+                  </p:par>
+                  <p:par>
+                    <p:cTn id="23" fill="hold">
+                      <p:stCondLst>
+                        <p:cond delay="indefinite"/>
+                      </p:stCondLst>
+                      <p:childTnLst>
+                        <p:par>
+                          <p:cTn id="24" fill="hold">
+                            <p:stCondLst>
+                              <p:cond delay="0"/>
+                            </p:stCondLst>
+                            <p:childTnLst>
+                              <p:par>
+                                <p:cTn id="25" presetID="1" presetClass="entr" presetSubtype="0" fill="hold" nodeType="clickEffect">
+                                  <p:stCondLst>
+                                    <p:cond delay="0"/>
+                                  </p:stCondLst>
+                                  <p:childTnLst>
+                                    <p:set>
+                                      <p:cBhvr>
+                                        <p:cTn id="26" dur="1" fill="hold">
+                                          <p:stCondLst>
+                                            <p:cond delay="0"/>
+                                          </p:stCondLst>
+                                        </p:cTn>
+                                        <p:tgtEl>
+                                          <p:spTgt spid="3">
+                                            <p:txEl>
+                                              <p:pRg st="8" end="8"/>
+                                            </p:txEl>
+                                          </p:spTgt>
+                                        </p:tgtEl>
+                                        <p:attrNameLst>
+                                          <p:attrName>style.visibility</p:attrName>
+                                        </p:attrNameLst>
+                                      </p:cBhvr>
+                                      <p:to>
+                                        <p:strVal val="visible"/>
+                                      </p:to>
+                                    </p:set>
+                                  </p:childTnLst>
+                                </p:cTn>
+                              </p:par>
+                              <p:par>
+                                <p:cTn id="27" presetID="1" presetClass="entr" presetSubtype="0" fill="hold" nodeType="withEffect">
+                                  <p:stCondLst>
+                                    <p:cond delay="0"/>
+                                  </p:stCondLst>
+                                  <p:childTnLst>
+                                    <p:set>
+                                      <p:cBhvr>
+                                        <p:cTn id="28" dur="1" fill="hold">
+                                          <p:stCondLst>
+                                            <p:cond delay="0"/>
+                                          </p:stCondLst>
+                                        </p:cTn>
+                                        <p:tgtEl>
+                                          <p:spTgt spid="3">
+                                            <p:txEl>
+                                              <p:pRg st="9" end="9"/>
+                                            </p:txEl>
+                                          </p:spTgt>
+                                        </p:tgtEl>
+                                        <p:attrNameLst>
+                                          <p:attrName>style.visibility</p:attrName>
+                                        </p:attrNameLst>
+                                      </p:cBhvr>
+                                      <p:to>
+                                        <p:strVal val="visible"/>
+                                      </p:to>
+                                    </p:set>
+                                  </p:childTnLst>
+                                </p:cTn>
+                              </p:par>
+                            </p:childTnLst>
+                          </p:cTn>
+                        </p:par>
+                      </p:childTnLst>
+                    </p:cTn>
+                  </p:par>
+                  <p:par>
+                    <p:cTn id="29" fill="hold">
+                      <p:stCondLst>
+                        <p:cond delay="indefinite"/>
+                      </p:stCondLst>
+                      <p:childTnLst>
+                        <p:par>
+                          <p:cTn id="30" fill="hold">
+                            <p:stCondLst>
+                              <p:cond delay="0"/>
+                            </p:stCondLst>
+                            <p:childTnLst>
+                              <p:par>
+                                <p:cTn id="31" presetID="1" presetClass="entr" presetSubtype="0" fill="hold" nodeType="clickEffect">
+                                  <p:stCondLst>
+                                    <p:cond delay="0"/>
+                                  </p:stCondLst>
+                                  <p:childTnLst>
+                                    <p:set>
+                                      <p:cBhvr>
+                                        <p:cTn id="32" dur="1" fill="hold">
+                                          <p:stCondLst>
+                                            <p:cond delay="0"/>
+                                          </p:stCondLst>
+                                        </p:cTn>
+                                        <p:tgtEl>
+                                          <p:spTgt spid="3">
+                                            <p:txEl>
+                                              <p:pRg st="10" end="10"/>
+                                            </p:txEl>
+                                          </p:spTgt>
+                                        </p:tgtEl>
+                                        <p:attrNameLst>
+                                          <p:attrName>style.visibility</p:attrName>
+                                        </p:attrNameLst>
+                                      </p:cBhvr>
+                                      <p:to>
+                                        <p:strVal val="visible"/>
+                                      </p:to>
+                                    </p:set>
+                                  </p:childTnLst>
+                                </p:cTn>
+                              </p:par>
+                            </p:childTnLst>
+                          </p:cTn>
+                        </p:par>
+                      </p:childTnLst>
+                    </p:cTn>
+                  </p:par>
+                  <p:par>
+                    <p:cTn id="33" fill="hold">
+                      <p:stCondLst>
+                        <p:cond delay="indefinite"/>
+                      </p:stCondLst>
+                      <p:childTnLst>
+                        <p:par>
+                          <p:cTn id="34" fill="hold">
+                            <p:stCondLst>
+                              <p:cond delay="0"/>
+                            </p:stCondLst>
+                            <p:childTnLst>
+                              <p:par>
+                                <p:cTn id="35" presetID="1" presetClass="entr" presetSubtype="0" fill="hold" nodeType="clickEffect">
+                                  <p:stCondLst>
+                                    <p:cond delay="0"/>
+                                  </p:stCondLst>
+                                  <p:childTnLst>
+                                    <p:set>
+                                      <p:cBhvr>
+                                        <p:cTn id="36" dur="1" fill="hold">
+                                          <p:stCondLst>
+                                            <p:cond delay="0"/>
+                                          </p:stCondLst>
+                                        </p:cTn>
+                                        <p:tgtEl>
+                                          <p:spTgt spid="3">
+                                            <p:txEl>
+                                              <p:pRg st="11" end="11"/>
+                                            </p:txEl>
+                                          </p:spTgt>
+                                        </p:tgtEl>
+                                        <p:attrNameLst>
+                                          <p:attrName>style.visibility</p:attrName>
+                                        </p:attrNameLst>
+                                      </p:cBhvr>
+                                      <p:to>
+                                        <p:strVal val="visible"/>
+                                      </p:to>
+                                    </p:set>
+                                  </p:childTnLst>
+                                </p:cTn>
+                              </p:par>
+                            </p:childTnLst>
+                          </p:cTn>
+                        </p:par>
+                      </p:childTnLst>
+                    </p:cTn>
+                  </p:par>
+                </p:childTnLst>
+              </p:cTn>
+              <p:prevCondLst>
+                <p:cond evt="onPrev" delay="0">
+                  <p:tgtEl>
+                    <p:sldTgt/>
+                  </p:tgtEl>
+                </p:cond>
+              </p:prevCondLst>
+              <p:nextCondLst>
+                <p:cond evt="onNext" delay="0">
+                  <p:tgtEl>
+                    <p:sldTgt/>
+                  </p:tgtEl>
+                </p:cond>
+              </p:nextCondLst>
+            </p:seq>
+          </p:childTnLst>
+        </p:cTn>
+      </p:par>
+    </p:tnLst>
+  </p:timing>
+</p:sld>
+</file>
+
+<file path=ppt/slides/slide11.xml><?xml version="1.0" encoding="utf-8"?>
+<p:sld xmlns:a="http://schemas.openxmlformats.org/drawingml/2006/main" xmlns:r="http://schemas.openxmlformats.org/officeDocument/2006/relationships" xmlns:p="http://schemas.openxmlformats.org/presentationml/2006/main" showMasterSp="0">
+  <p:cSld>
+    <p:spTree>
+      <p:nvGrpSpPr>
+        <p:cNvPr id="1" name=""/>
+        <p:cNvGrpSpPr/>
+        <p:nvPr/>
+      </p:nvGrpSpPr>
+      <p:grpSpPr>
+        <a:xfrm>
+          <a:off x="0" y="0"/>
+          <a:ext cx="0" cy="0"/>
+          <a:chOff x="0" y="0"/>
+          <a:chExt cx="0" cy="0"/>
+        </a:xfrm>
+      </p:grpSpPr>
+      <p:sp>
+        <p:nvSpPr>
+          <p:cNvPr id="2" name="Title 1">
+            <a:extLst>
+              <a:ext uri="{FF2B5EF4-FFF2-40B4-BE49-F238E27FC236}">
+                <a16:creationId xmlns:a16="http://schemas.microsoft.com/office/drawing/2014/main" id="{3A285C21-2361-3442-8CF6-E289EC65F592}"/>
+              </a:ext>
+            </a:extLst>
+          </p:cNvPr>
+          <p:cNvSpPr>
+            <a:spLocks noGrp="1"/>
+          </p:cNvSpPr>
+          <p:nvPr>
+            <p:ph type="title"/>
+          </p:nvPr>
+        </p:nvSpPr>
+        <p:spPr>
+          <a:xfrm>
+            <a:off x="1289642" y="540027"/>
+            <a:ext cx="8911687" cy="1280890"/>
+          </a:xfrm>
+        </p:spPr>
+        <p:txBody>
+          <a:bodyPr/>
+          <a:lstStyle/>
+          <a:p>
+            <a:pPr algn="ctr"/>
+            <a:r>
+              <a:rPr lang="en-US" dirty="0">
+                <a:latin typeface="Verdana" panose="020B0604030504040204" pitchFamily="34" charset="0"/>
+                <a:ea typeface="Verdana" panose="020B0604030504040204" pitchFamily="34" charset="0"/>
+                <a:cs typeface="Verdana" panose="020B0604030504040204" pitchFamily="34" charset="0"/>
+              </a:rPr>
               <a:t>SERIAL COMPUTING</a:t>
             </a:r>
             <a:endParaRPr lang="en-US" dirty="0">
@@ -11730,7 +12824,7 @@
 </p:sld>
 </file>
 
-<file path=ppt/slides/slide11.xml><?xml version="1.0" encoding="utf-8"?>
+<file path=ppt/slides/slide12.xml><?xml version="1.0" encoding="utf-8"?>
 <p:sld xmlns:a="http://schemas.openxmlformats.org/drawingml/2006/main" xmlns:r="http://schemas.openxmlformats.org/officeDocument/2006/relationships" xmlns:p="http://schemas.openxmlformats.org/presentationml/2006/main" showMasterSp="0">
   <p:cSld>
     <p:spTree>
@@ -12536,7 +13630,7 @@
 </p:sld>
 </file>
 
-<file path=ppt/slides/slide12.xml><?xml version="1.0" encoding="utf-8"?>
+<file path=ppt/slides/slide13.xml><?xml version="1.0" encoding="utf-8"?>
 <p:sld xmlns:a="http://schemas.openxmlformats.org/drawingml/2006/main" xmlns:r="http://schemas.openxmlformats.org/officeDocument/2006/relationships" xmlns:p="http://schemas.openxmlformats.org/presentationml/2006/main" showMasterSp="0">
   <p:cSld>
     <p:spTree>
@@ -13541,7 +14635,7 @@
 </p:sld>
 </file>
 
-<file path=ppt/slides/slide13.xml><?xml version="1.0" encoding="utf-8"?>
+<file path=ppt/slides/slide14.xml><?xml version="1.0" encoding="utf-8"?>
 <p:sld xmlns:a="http://schemas.openxmlformats.org/drawingml/2006/main" xmlns:r="http://schemas.openxmlformats.org/officeDocument/2006/relationships" xmlns:p="http://schemas.openxmlformats.org/presentationml/2006/main" showMasterSp="0">
   <p:cSld>
     <p:spTree>
@@ -15015,7 +16109,7 @@
 </p:sld>
 </file>
 
-<file path=ppt/slides/slide14.xml><?xml version="1.0" encoding="utf-8"?>
+<file path=ppt/slides/slide15.xml><?xml version="1.0" encoding="utf-8"?>
 <p:sld xmlns:a="http://schemas.openxmlformats.org/drawingml/2006/main" xmlns:r="http://schemas.openxmlformats.org/officeDocument/2006/relationships" xmlns:p="http://schemas.openxmlformats.org/presentationml/2006/main" showMasterSp="0">
   <p:cSld>
     <p:spTree>
@@ -15413,7 +16507,7 @@
 </p:sld>
 </file>
 
-<file path=ppt/slides/slide15.xml><?xml version="1.0" encoding="utf-8"?>
+<file path=ppt/slides/slide16.xml><?xml version="1.0" encoding="utf-8"?>
 <p:sld xmlns:a="http://schemas.openxmlformats.org/drawingml/2006/main" xmlns:r="http://schemas.openxmlformats.org/officeDocument/2006/relationships" xmlns:p="http://schemas.openxmlformats.org/presentationml/2006/main" showMasterSp="0">
   <p:cSld>
     <p:spTree>
@@ -16147,7 +17241,7 @@
 </p:sld>
 </file>
 
-<file path=ppt/slides/slide16.xml><?xml version="1.0" encoding="utf-8"?>
+<file path=ppt/slides/slide17.xml><?xml version="1.0" encoding="utf-8"?>
 <p:sld xmlns:a="http://schemas.openxmlformats.org/drawingml/2006/main" xmlns:r="http://schemas.openxmlformats.org/officeDocument/2006/relationships" xmlns:p="http://schemas.openxmlformats.org/presentationml/2006/main" showMasterSp="0">
   <p:cSld>
     <p:spTree>
@@ -17550,7 +18644,7 @@
 </p:sld>
 </file>
 
-<file path=ppt/slides/slide17.xml><?xml version="1.0" encoding="utf-8"?>
+<file path=ppt/slides/slide18.xml><?xml version="1.0" encoding="utf-8"?>
 <p:sld xmlns:a="http://schemas.openxmlformats.org/drawingml/2006/main" xmlns:r="http://schemas.openxmlformats.org/officeDocument/2006/relationships" xmlns:p="http://schemas.openxmlformats.org/presentationml/2006/main" showMasterSp="0">
   <p:cSld>
     <p:spTree>
@@ -19101,7 +20195,7 @@
 </p:sld>
 </file>
 
-<file path=ppt/slides/slide18.xml><?xml version="1.0" encoding="utf-8"?>
+<file path=ppt/slides/slide19.xml><?xml version="1.0" encoding="utf-8"?>
 <p:sld xmlns:a="http://schemas.openxmlformats.org/drawingml/2006/main" xmlns:r="http://schemas.openxmlformats.org/officeDocument/2006/relationships" xmlns:p="http://schemas.openxmlformats.org/presentationml/2006/main" showMasterSp="0">
   <p:cSld>
     <p:spTree>
@@ -19799,7 +20893,226 @@
 </p:sld>
 </file>
 
-<file path=ppt/slides/slide19.xml><?xml version="1.0" encoding="utf-8"?>
+<file path=ppt/slides/slide2.xml><?xml version="1.0" encoding="utf-8"?>
+<p:sld xmlns:a="http://schemas.openxmlformats.org/drawingml/2006/main" xmlns:r="http://schemas.openxmlformats.org/officeDocument/2006/relationships" xmlns:p="http://schemas.openxmlformats.org/presentationml/2006/main" showMasterSp="0">
+  <p:cSld>
+    <p:spTree>
+      <p:nvGrpSpPr>
+        <p:cNvPr id="1" name=""/>
+        <p:cNvGrpSpPr/>
+        <p:nvPr/>
+      </p:nvGrpSpPr>
+      <p:grpSpPr>
+        <a:xfrm>
+          <a:off x="0" y="0"/>
+          <a:ext cx="0" cy="0"/>
+          <a:chOff x="0" y="0"/>
+          <a:chExt cx="0" cy="0"/>
+        </a:xfrm>
+      </p:grpSpPr>
+      <p:sp>
+        <p:nvSpPr>
+          <p:cNvPr id="2" name="Title 1">
+            <a:extLst>
+              <a:ext uri="{FF2B5EF4-FFF2-40B4-BE49-F238E27FC236}">
+                <a16:creationId xmlns:a16="http://schemas.microsoft.com/office/drawing/2014/main" id="{3A285C21-2361-3442-8CF6-E289EC65F592}"/>
+              </a:ext>
+            </a:extLst>
+          </p:cNvPr>
+          <p:cNvSpPr>
+            <a:spLocks noGrp="1"/>
+          </p:cNvSpPr>
+          <p:nvPr>
+            <p:ph type="title"/>
+          </p:nvPr>
+        </p:nvSpPr>
+        <p:spPr>
+          <a:xfrm>
+            <a:off x="1289642" y="540027"/>
+            <a:ext cx="8911687" cy="1280890"/>
+          </a:xfrm>
+        </p:spPr>
+        <p:txBody>
+          <a:bodyPr/>
+          <a:lstStyle/>
+          <a:p>
+            <a:pPr algn="ctr"/>
+            <a:r>
+              <a:rPr lang="en-US" dirty="0">
+                <a:latin typeface="Verdana" panose="020B0604030504040204" pitchFamily="34" charset="0"/>
+                <a:ea typeface="Verdana" panose="020B0604030504040204" pitchFamily="34" charset="0"/>
+                <a:cs typeface="Verdana" panose="020B0604030504040204" pitchFamily="34" charset="0"/>
+              </a:rPr>
+              <a:t>LEARNING</a:t>
+            </a:r>
+            <a:r>
+              <a:rPr lang="en-US" dirty="0">
+                <a:solidFill>
+                  <a:schemeClr val="tx1">
+                    <a:lumMod val="75000"/>
+                    <a:lumOff val="25000"/>
+                  </a:schemeClr>
+                </a:solidFill>
+                <a:latin typeface="Verdana" panose="020B0604030504040204" pitchFamily="34" charset="0"/>
+                <a:ea typeface="Verdana" panose="020B0604030504040204" pitchFamily="34" charset="0"/>
+                <a:cs typeface="Verdana" panose="020B0604030504040204" pitchFamily="34" charset="0"/>
+              </a:rPr>
+              <a:t> GOALS</a:t>
+            </a:r>
+          </a:p>
+        </p:txBody>
+      </p:sp>
+      <p:sp>
+        <p:nvSpPr>
+          <p:cNvPr id="3" name="Content Placeholder 2">
+            <a:extLst>
+              <a:ext uri="{FF2B5EF4-FFF2-40B4-BE49-F238E27FC236}">
+                <a16:creationId xmlns:a16="http://schemas.microsoft.com/office/drawing/2014/main" id="{A1DB5512-87E1-B445-B644-8B92BA4F942C}"/>
+              </a:ext>
+            </a:extLst>
+          </p:cNvPr>
+          <p:cNvSpPr>
+            <a:spLocks noGrp="1"/>
+          </p:cNvSpPr>
+          <p:nvPr>
+            <p:ph idx="1"/>
+          </p:nvPr>
+        </p:nvSpPr>
+        <p:spPr>
+          <a:xfrm>
+            <a:off x="581736" y="1540189"/>
+            <a:ext cx="10320622" cy="4412742"/>
+          </a:xfrm>
+        </p:spPr>
+        <p:txBody>
+          <a:bodyPr>
+            <a:normAutofit/>
+          </a:bodyPr>
+          <a:lstStyle/>
+          <a:p>
+            <a:r>
+              <a:rPr lang="en-US" sz="2000" dirty="0">
+                <a:solidFill>
+                  <a:schemeClr val="tx1"/>
+                </a:solidFill>
+                <a:latin typeface="Comic Sans MS" panose="030F0902030302020204" pitchFamily="66" charset="0"/>
+              </a:rPr>
+              <a:t>What is the difference between serial and parallel computing? Why do we need parallel computing?</a:t>
+            </a:r>
+          </a:p>
+          <a:p>
+            <a:pPr marL="0" indent="0">
+              <a:buNone/>
+            </a:pPr>
+            <a:endParaRPr lang="en-US" sz="2000" dirty="0">
+              <a:solidFill>
+                <a:schemeClr val="tx1"/>
+              </a:solidFill>
+              <a:latin typeface="Comic Sans MS" panose="030F0902030302020204" pitchFamily="66" charset="0"/>
+            </a:endParaRPr>
+          </a:p>
+          <a:p>
+            <a:r>
+              <a:rPr lang="en-US" sz="2000" dirty="0">
+                <a:solidFill>
+                  <a:schemeClr val="tx1"/>
+                </a:solidFill>
+                <a:latin typeface="Comic Sans MS" panose="030F0902030302020204" pitchFamily="66" charset="0"/>
+              </a:rPr>
+              <a:t>introduction </a:t>
+            </a:r>
+            <a:r>
+              <a:rPr lang="en-US" sz="2000">
+                <a:solidFill>
+                  <a:schemeClr val="tx1"/>
+                </a:solidFill>
+                <a:latin typeface="Comic Sans MS" panose="030F0902030302020204" pitchFamily="66" charset="0"/>
+              </a:rPr>
+              <a:t>to programing  </a:t>
+            </a:r>
+            <a:endParaRPr lang="en-US" sz="2000" dirty="0">
+              <a:solidFill>
+                <a:schemeClr val="tx1"/>
+              </a:solidFill>
+              <a:latin typeface="Comic Sans MS" panose="030F0902030302020204" pitchFamily="66" charset="0"/>
+            </a:endParaRPr>
+          </a:p>
+          <a:p>
+            <a:endParaRPr lang="en-US" sz="2000" dirty="0">
+              <a:solidFill>
+                <a:schemeClr val="tx1"/>
+              </a:solidFill>
+              <a:latin typeface="Comic Sans MS" panose="030F0902030302020204" pitchFamily="66" charset="0"/>
+            </a:endParaRPr>
+          </a:p>
+          <a:p>
+            <a:r>
+              <a:rPr lang="en-US" sz="2000" dirty="0">
+                <a:solidFill>
+                  <a:schemeClr val="tx1"/>
+                </a:solidFill>
+                <a:latin typeface="Comic Sans MS" panose="030F0902030302020204" pitchFamily="66" charset="0"/>
+              </a:rPr>
+              <a:t>How supercomputers apply parallel computing</a:t>
+            </a:r>
+          </a:p>
+          <a:p>
+            <a:endParaRPr lang="en-US" sz="2000" dirty="0">
+              <a:solidFill>
+                <a:schemeClr val="tx1"/>
+              </a:solidFill>
+              <a:latin typeface="Comic Sans MS" panose="030F0902030302020204" pitchFamily="66" charset="0"/>
+            </a:endParaRPr>
+          </a:p>
+          <a:p>
+            <a:r>
+              <a:rPr lang="en-US" sz="2000" dirty="0">
+                <a:solidFill>
+                  <a:schemeClr val="tx1"/>
+                </a:solidFill>
+                <a:latin typeface="Comic Sans MS" panose="030F0902030302020204" pitchFamily="66" charset="0"/>
+              </a:rPr>
+              <a:t>Message Passing Interface to apply parallel computing</a:t>
+            </a:r>
+          </a:p>
+          <a:p>
+            <a:endParaRPr lang="en-US" sz="2000" dirty="0">
+              <a:solidFill>
+                <a:schemeClr val="tx1"/>
+              </a:solidFill>
+              <a:latin typeface="Comic Sans MS" panose="030F0902030302020204" pitchFamily="66" charset="0"/>
+            </a:endParaRPr>
+          </a:p>
+          <a:p>
+            <a:r>
+              <a:rPr lang="en-US" sz="2000" dirty="0">
+                <a:solidFill>
+                  <a:schemeClr val="tx1"/>
+                </a:solidFill>
+                <a:latin typeface="Comic Sans MS" panose="030F0902030302020204" pitchFamily="66" charset="0"/>
+              </a:rPr>
+              <a:t>Think of some examples where you benefit/can benefit from parallelization !!</a:t>
+            </a:r>
+          </a:p>
+          <a:p>
+            <a:endParaRPr lang="en-US" sz="2000" dirty="0"/>
+          </a:p>
+        </p:txBody>
+      </p:sp>
+    </p:spTree>
+    <p:extLst>
+      <p:ext uri="{BB962C8B-B14F-4D97-AF65-F5344CB8AC3E}">
+        <p14:creationId xmlns:p14="http://schemas.microsoft.com/office/powerpoint/2010/main" val="2393598398"/>
+      </p:ext>
+    </p:extLst>
+  </p:cSld>
+  <p:clrMapOvr>
+    <a:masterClrMapping/>
+  </p:clrMapOvr>
+</p:sld>
+</file>
+
+<file path=ppt/slides/slide20.xml><?xml version="1.0" encoding="utf-8"?>
 <p:sld xmlns:a="http://schemas.openxmlformats.org/drawingml/2006/main" xmlns:r="http://schemas.openxmlformats.org/officeDocument/2006/relationships" xmlns:p="http://schemas.openxmlformats.org/presentationml/2006/main">
   <p:cSld>
     <p:spTree>
@@ -20643,226 +21956,7 @@
 </p:sld>
 </file>
 
-<file path=ppt/slides/slide2.xml><?xml version="1.0" encoding="utf-8"?>
-<p:sld xmlns:a="http://schemas.openxmlformats.org/drawingml/2006/main" xmlns:r="http://schemas.openxmlformats.org/officeDocument/2006/relationships" xmlns:p="http://schemas.openxmlformats.org/presentationml/2006/main" showMasterSp="0">
-  <p:cSld>
-    <p:spTree>
-      <p:nvGrpSpPr>
-        <p:cNvPr id="1" name=""/>
-        <p:cNvGrpSpPr/>
-        <p:nvPr/>
-      </p:nvGrpSpPr>
-      <p:grpSpPr>
-        <a:xfrm>
-          <a:off x="0" y="0"/>
-          <a:ext cx="0" cy="0"/>
-          <a:chOff x="0" y="0"/>
-          <a:chExt cx="0" cy="0"/>
-        </a:xfrm>
-      </p:grpSpPr>
-      <p:sp>
-        <p:nvSpPr>
-          <p:cNvPr id="2" name="Title 1">
-            <a:extLst>
-              <a:ext uri="{FF2B5EF4-FFF2-40B4-BE49-F238E27FC236}">
-                <a16:creationId xmlns:a16="http://schemas.microsoft.com/office/drawing/2014/main" id="{3A285C21-2361-3442-8CF6-E289EC65F592}"/>
-              </a:ext>
-            </a:extLst>
-          </p:cNvPr>
-          <p:cNvSpPr>
-            <a:spLocks noGrp="1"/>
-          </p:cNvSpPr>
-          <p:nvPr>
-            <p:ph type="title"/>
-          </p:nvPr>
-        </p:nvSpPr>
-        <p:spPr>
-          <a:xfrm>
-            <a:off x="1289642" y="540027"/>
-            <a:ext cx="8911687" cy="1280890"/>
-          </a:xfrm>
-        </p:spPr>
-        <p:txBody>
-          <a:bodyPr/>
-          <a:lstStyle/>
-          <a:p>
-            <a:pPr algn="ctr"/>
-            <a:r>
-              <a:rPr lang="en-US" dirty="0">
-                <a:latin typeface="Verdana" panose="020B0604030504040204" pitchFamily="34" charset="0"/>
-                <a:ea typeface="Verdana" panose="020B0604030504040204" pitchFamily="34" charset="0"/>
-                <a:cs typeface="Verdana" panose="020B0604030504040204" pitchFamily="34" charset="0"/>
-              </a:rPr>
-              <a:t>LEARNING</a:t>
-            </a:r>
-            <a:r>
-              <a:rPr lang="en-US" dirty="0">
-                <a:solidFill>
-                  <a:schemeClr val="tx1">
-                    <a:lumMod val="75000"/>
-                    <a:lumOff val="25000"/>
-                  </a:schemeClr>
-                </a:solidFill>
-                <a:latin typeface="Verdana" panose="020B0604030504040204" pitchFamily="34" charset="0"/>
-                <a:ea typeface="Verdana" panose="020B0604030504040204" pitchFamily="34" charset="0"/>
-                <a:cs typeface="Verdana" panose="020B0604030504040204" pitchFamily="34" charset="0"/>
-              </a:rPr>
-              <a:t> GOALS</a:t>
-            </a:r>
-          </a:p>
-        </p:txBody>
-      </p:sp>
-      <p:sp>
-        <p:nvSpPr>
-          <p:cNvPr id="3" name="Content Placeholder 2">
-            <a:extLst>
-              <a:ext uri="{FF2B5EF4-FFF2-40B4-BE49-F238E27FC236}">
-                <a16:creationId xmlns:a16="http://schemas.microsoft.com/office/drawing/2014/main" id="{A1DB5512-87E1-B445-B644-8B92BA4F942C}"/>
-              </a:ext>
-            </a:extLst>
-          </p:cNvPr>
-          <p:cNvSpPr>
-            <a:spLocks noGrp="1"/>
-          </p:cNvSpPr>
-          <p:nvPr>
-            <p:ph idx="1"/>
-          </p:nvPr>
-        </p:nvSpPr>
-        <p:spPr>
-          <a:xfrm>
-            <a:off x="581736" y="1540189"/>
-            <a:ext cx="10320622" cy="4412742"/>
-          </a:xfrm>
-        </p:spPr>
-        <p:txBody>
-          <a:bodyPr>
-            <a:normAutofit/>
-          </a:bodyPr>
-          <a:lstStyle/>
-          <a:p>
-            <a:r>
-              <a:rPr lang="en-US" sz="2000" dirty="0">
-                <a:solidFill>
-                  <a:schemeClr val="tx1"/>
-                </a:solidFill>
-                <a:latin typeface="Comic Sans MS" panose="030F0902030302020204" pitchFamily="66" charset="0"/>
-              </a:rPr>
-              <a:t>What is the difference between serial and parallel computing? Why do we need parallel computing?</a:t>
-            </a:r>
-          </a:p>
-          <a:p>
-            <a:pPr marL="0" indent="0">
-              <a:buNone/>
-            </a:pPr>
-            <a:endParaRPr lang="en-US" sz="2000" dirty="0">
-              <a:solidFill>
-                <a:schemeClr val="tx1"/>
-              </a:solidFill>
-              <a:latin typeface="Comic Sans MS" panose="030F0902030302020204" pitchFamily="66" charset="0"/>
-            </a:endParaRPr>
-          </a:p>
-          <a:p>
-            <a:r>
-              <a:rPr lang="en-US" sz="2000" dirty="0">
-                <a:solidFill>
-                  <a:schemeClr val="tx1"/>
-                </a:solidFill>
-                <a:latin typeface="Comic Sans MS" panose="030F0902030302020204" pitchFamily="66" charset="0"/>
-              </a:rPr>
-              <a:t>introduction </a:t>
-            </a:r>
-            <a:r>
-              <a:rPr lang="en-US" sz="2000">
-                <a:solidFill>
-                  <a:schemeClr val="tx1"/>
-                </a:solidFill>
-                <a:latin typeface="Comic Sans MS" panose="030F0902030302020204" pitchFamily="66" charset="0"/>
-              </a:rPr>
-              <a:t>to programing  </a:t>
-            </a:r>
-            <a:endParaRPr lang="en-US" sz="2000" dirty="0">
-              <a:solidFill>
-                <a:schemeClr val="tx1"/>
-              </a:solidFill>
-              <a:latin typeface="Comic Sans MS" panose="030F0902030302020204" pitchFamily="66" charset="0"/>
-            </a:endParaRPr>
-          </a:p>
-          <a:p>
-            <a:endParaRPr lang="en-US" sz="2000" dirty="0">
-              <a:solidFill>
-                <a:schemeClr val="tx1"/>
-              </a:solidFill>
-              <a:latin typeface="Comic Sans MS" panose="030F0902030302020204" pitchFamily="66" charset="0"/>
-            </a:endParaRPr>
-          </a:p>
-          <a:p>
-            <a:r>
-              <a:rPr lang="en-US" sz="2000" dirty="0">
-                <a:solidFill>
-                  <a:schemeClr val="tx1"/>
-                </a:solidFill>
-                <a:latin typeface="Comic Sans MS" panose="030F0902030302020204" pitchFamily="66" charset="0"/>
-              </a:rPr>
-              <a:t>How supercomputers apply parallel computing</a:t>
-            </a:r>
-          </a:p>
-          <a:p>
-            <a:endParaRPr lang="en-US" sz="2000" dirty="0">
-              <a:solidFill>
-                <a:schemeClr val="tx1"/>
-              </a:solidFill>
-              <a:latin typeface="Comic Sans MS" panose="030F0902030302020204" pitchFamily="66" charset="0"/>
-            </a:endParaRPr>
-          </a:p>
-          <a:p>
-            <a:r>
-              <a:rPr lang="en-US" sz="2000" dirty="0">
-                <a:solidFill>
-                  <a:schemeClr val="tx1"/>
-                </a:solidFill>
-                <a:latin typeface="Comic Sans MS" panose="030F0902030302020204" pitchFamily="66" charset="0"/>
-              </a:rPr>
-              <a:t>Message Passing Interface to apply parallel computing</a:t>
-            </a:r>
-          </a:p>
-          <a:p>
-            <a:endParaRPr lang="en-US" sz="2000" dirty="0">
-              <a:solidFill>
-                <a:schemeClr val="tx1"/>
-              </a:solidFill>
-              <a:latin typeface="Comic Sans MS" panose="030F0902030302020204" pitchFamily="66" charset="0"/>
-            </a:endParaRPr>
-          </a:p>
-          <a:p>
-            <a:r>
-              <a:rPr lang="en-US" sz="2000" dirty="0">
-                <a:solidFill>
-                  <a:schemeClr val="tx1"/>
-                </a:solidFill>
-                <a:latin typeface="Comic Sans MS" panose="030F0902030302020204" pitchFamily="66" charset="0"/>
-              </a:rPr>
-              <a:t>Think of some examples where you benefit/can benefit from parallelization !!</a:t>
-            </a:r>
-          </a:p>
-          <a:p>
-            <a:endParaRPr lang="en-US" sz="2000" dirty="0"/>
-          </a:p>
-        </p:txBody>
-      </p:sp>
-    </p:spTree>
-    <p:extLst>
-      <p:ext uri="{BB962C8B-B14F-4D97-AF65-F5344CB8AC3E}">
-        <p14:creationId xmlns:p14="http://schemas.microsoft.com/office/powerpoint/2010/main" val="2393598398"/>
-      </p:ext>
-    </p:extLst>
-  </p:cSld>
-  <p:clrMapOvr>
-    <a:masterClrMapping/>
-  </p:clrMapOvr>
-</p:sld>
-</file>
-
-<file path=ppt/slides/slide20.xml><?xml version="1.0" encoding="utf-8"?>
+<file path=ppt/slides/slide21.xml><?xml version="1.0" encoding="utf-8"?>
 <p:sld xmlns:a="http://schemas.openxmlformats.org/drawingml/2006/main" xmlns:r="http://schemas.openxmlformats.org/officeDocument/2006/relationships" xmlns:p="http://schemas.openxmlformats.org/presentationml/2006/main">
   <p:cSld>
     <p:spTree>
@@ -21276,7 +22370,7 @@
 </p:sld>
 </file>
 
-<file path=ppt/slides/slide21.xml><?xml version="1.0" encoding="utf-8"?>
+<file path=ppt/slides/slide22.xml><?xml version="1.0" encoding="utf-8"?>
 <p:sld xmlns:a="http://schemas.openxmlformats.org/drawingml/2006/main" xmlns:r="http://schemas.openxmlformats.org/officeDocument/2006/relationships" xmlns:p="http://schemas.openxmlformats.org/presentationml/2006/main" showMasterSp="0">
   <p:cSld>
     <p:spTree>
@@ -22103,7 +23197,7 @@
 </p:sld>
 </file>
 
-<file path=ppt/slides/slide22.xml><?xml version="1.0" encoding="utf-8"?>
+<file path=ppt/slides/slide23.xml><?xml version="1.0" encoding="utf-8"?>
 <p:sld xmlns:a="http://schemas.openxmlformats.org/drawingml/2006/main" xmlns:r="http://schemas.openxmlformats.org/officeDocument/2006/relationships" xmlns:p="http://schemas.openxmlformats.org/presentationml/2006/main" showMasterSp="0">
   <p:cSld>
     <p:spTree>
@@ -23244,7 +24338,7 @@
 </p:sld>
 </file>
 
-<file path=ppt/slides/slide23.xml><?xml version="1.0" encoding="utf-8"?>
+<file path=ppt/slides/slide24.xml><?xml version="1.0" encoding="utf-8"?>
 <p:sld xmlns:a="http://schemas.openxmlformats.org/drawingml/2006/main" xmlns:r="http://schemas.openxmlformats.org/officeDocument/2006/relationships" xmlns:p="http://schemas.openxmlformats.org/presentationml/2006/main" showMasterSp="0">
   <p:cSld>
     <p:spTree>
@@ -24059,742 +25153,6 @@
     <p:extLst>
       <p:ext uri="{BB962C8B-B14F-4D97-AF65-F5344CB8AC3E}">
         <p14:creationId xmlns:p14="http://schemas.microsoft.com/office/powerpoint/2010/main" val="618962761"/>
-      </p:ext>
-    </p:extLst>
-  </p:cSld>
-  <p:clrMapOvr>
-    <a:masterClrMapping/>
-  </p:clrMapOvr>
-  <p:timing>
-    <p:tnLst>
-      <p:par>
-        <p:cTn id="1" dur="indefinite" restart="never" nodeType="tmRoot">
-          <p:childTnLst>
-            <p:seq concurrent="1" nextAc="seek">
-              <p:cTn id="2" dur="indefinite" nodeType="mainSeq">
-                <p:childTnLst>
-                  <p:par>
-                    <p:cTn id="3" fill="hold">
-                      <p:stCondLst>
-                        <p:cond delay="indefinite"/>
-                      </p:stCondLst>
-                      <p:childTnLst>
-                        <p:par>
-                          <p:cTn id="4" fill="hold">
-                            <p:stCondLst>
-                              <p:cond delay="0"/>
-                            </p:stCondLst>
-                            <p:childTnLst>
-                              <p:par>
-                                <p:cTn id="5" presetID="1" presetClass="entr" presetSubtype="0" fill="hold" grpId="0" nodeType="clickEffect">
-                                  <p:stCondLst>
-                                    <p:cond delay="0"/>
-                                  </p:stCondLst>
-                                  <p:childTnLst>
-                                    <p:set>
-                                      <p:cBhvr>
-                                        <p:cTn id="6" dur="1" fill="hold">
-                                          <p:stCondLst>
-                                            <p:cond delay="0"/>
-                                          </p:stCondLst>
-                                        </p:cTn>
-                                        <p:tgtEl>
-                                          <p:spTgt spid="5"/>
-                                        </p:tgtEl>
-                                        <p:attrNameLst>
-                                          <p:attrName>style.visibility</p:attrName>
-                                        </p:attrNameLst>
-                                      </p:cBhvr>
-                                      <p:to>
-                                        <p:strVal val="visible"/>
-                                      </p:to>
-                                    </p:set>
-                                  </p:childTnLst>
-                                </p:cTn>
-                              </p:par>
-                            </p:childTnLst>
-                          </p:cTn>
-                        </p:par>
-                      </p:childTnLst>
-                    </p:cTn>
-                  </p:par>
-                  <p:par>
-                    <p:cTn id="7" fill="hold">
-                      <p:stCondLst>
-                        <p:cond delay="indefinite"/>
-                      </p:stCondLst>
-                      <p:childTnLst>
-                        <p:par>
-                          <p:cTn id="8" fill="hold">
-                            <p:stCondLst>
-                              <p:cond delay="0"/>
-                            </p:stCondLst>
-                            <p:childTnLst>
-                              <p:par>
-                                <p:cTn id="9" presetID="1" presetClass="entr" presetSubtype="0" fill="hold" grpId="0" nodeType="clickEffect">
-                                  <p:stCondLst>
-                                    <p:cond delay="0"/>
-                                  </p:stCondLst>
-                                  <p:childTnLst>
-                                    <p:set>
-                                      <p:cBhvr>
-                                        <p:cTn id="10" dur="1" fill="hold">
-                                          <p:stCondLst>
-                                            <p:cond delay="0"/>
-                                          </p:stCondLst>
-                                        </p:cTn>
-                                        <p:tgtEl>
-                                          <p:spTgt spid="4"/>
-                                        </p:tgtEl>
-                                        <p:attrNameLst>
-                                          <p:attrName>style.visibility</p:attrName>
-                                        </p:attrNameLst>
-                                      </p:cBhvr>
-                                      <p:to>
-                                        <p:strVal val="visible"/>
-                                      </p:to>
-                                    </p:set>
-                                  </p:childTnLst>
-                                </p:cTn>
-                              </p:par>
-                            </p:childTnLst>
-                          </p:cTn>
-                        </p:par>
-                      </p:childTnLst>
-                    </p:cTn>
-                  </p:par>
-                </p:childTnLst>
-              </p:cTn>
-              <p:prevCondLst>
-                <p:cond evt="onPrev" delay="0">
-                  <p:tgtEl>
-                    <p:sldTgt/>
-                  </p:tgtEl>
-                </p:cond>
-              </p:prevCondLst>
-              <p:nextCondLst>
-                <p:cond evt="onNext" delay="0">
-                  <p:tgtEl>
-                    <p:sldTgt/>
-                  </p:tgtEl>
-                </p:cond>
-              </p:nextCondLst>
-            </p:seq>
-          </p:childTnLst>
-        </p:cTn>
-      </p:par>
-    </p:tnLst>
-    <p:bldLst>
-      <p:bldP spid="4" grpId="0" animBg="1"/>
-      <p:bldP spid="5" grpId="0" animBg="1"/>
-    </p:bldLst>
-  </p:timing>
-</p:sld>
-</file>
-
-<file path=ppt/slides/slide24.xml><?xml version="1.0" encoding="utf-8"?>
-<p:sld xmlns:a="http://schemas.openxmlformats.org/drawingml/2006/main" xmlns:r="http://schemas.openxmlformats.org/officeDocument/2006/relationships" xmlns:p="http://schemas.openxmlformats.org/presentationml/2006/main">
-  <p:cSld>
-    <p:spTree>
-      <p:nvGrpSpPr>
-        <p:cNvPr id="1" name=""/>
-        <p:cNvGrpSpPr/>
-        <p:nvPr/>
-      </p:nvGrpSpPr>
-      <p:grpSpPr>
-        <a:xfrm>
-          <a:off x="0" y="0"/>
-          <a:ext cx="0" cy="0"/>
-          <a:chOff x="0" y="0"/>
-          <a:chExt cx="0" cy="0"/>
-        </a:xfrm>
-      </p:grpSpPr>
-      <p:sp>
-        <p:nvSpPr>
-          <p:cNvPr id="2" name="Title 1">
-            <a:extLst>
-              <a:ext uri="{FF2B5EF4-FFF2-40B4-BE49-F238E27FC236}">
-                <a16:creationId xmlns:a16="http://schemas.microsoft.com/office/drawing/2014/main" id="{3A285C21-2361-3442-8CF6-E289EC65F592}"/>
-              </a:ext>
-            </a:extLst>
-          </p:cNvPr>
-          <p:cNvSpPr>
-            <a:spLocks noGrp="1"/>
-          </p:cNvSpPr>
-          <p:nvPr>
-            <p:ph type="title"/>
-          </p:nvPr>
-        </p:nvSpPr>
-        <p:spPr>
-          <a:xfrm>
-            <a:off x="1289642" y="428655"/>
-            <a:ext cx="8911687" cy="1280890"/>
-          </a:xfrm>
-        </p:spPr>
-        <p:txBody>
-          <a:bodyPr/>
-          <a:lstStyle/>
-          <a:p>
-            <a:pPr algn="ctr"/>
-            <a:r>
-              <a:rPr lang="en-US" dirty="0">
-                <a:latin typeface="Verdana" panose="020B0604030504040204" pitchFamily="34" charset="0"/>
-                <a:ea typeface="Verdana" panose="020B0604030504040204" pitchFamily="34" charset="0"/>
-                <a:cs typeface="Verdana" panose="020B0604030504040204" pitchFamily="34" charset="0"/>
-              </a:rPr>
-              <a:t>GATHER</a:t>
-            </a:r>
-            <a:endParaRPr lang="en-US" dirty="0">
-              <a:solidFill>
-                <a:schemeClr val="tx1">
-                  <a:lumMod val="75000"/>
-                  <a:lumOff val="25000"/>
-                </a:schemeClr>
-              </a:solidFill>
-              <a:latin typeface="Verdana" panose="020B0604030504040204" pitchFamily="34" charset="0"/>
-              <a:ea typeface="Verdana" panose="020B0604030504040204" pitchFamily="34" charset="0"/>
-              <a:cs typeface="Verdana" panose="020B0604030504040204" pitchFamily="34" charset="0"/>
-            </a:endParaRPr>
-          </a:p>
-        </p:txBody>
-      </p:sp>
-      <p:sp>
-        <p:nvSpPr>
-          <p:cNvPr id="3" name="Content Placeholder 2">
-            <a:extLst>
-              <a:ext uri="{FF2B5EF4-FFF2-40B4-BE49-F238E27FC236}">
-                <a16:creationId xmlns:a16="http://schemas.microsoft.com/office/drawing/2014/main" id="{A1DB5512-87E1-B445-B644-8B92BA4F942C}"/>
-              </a:ext>
-            </a:extLst>
-          </p:cNvPr>
-          <p:cNvSpPr>
-            <a:spLocks noGrp="1"/>
-          </p:cNvSpPr>
-          <p:nvPr>
-            <p:ph idx="1"/>
-          </p:nvPr>
-        </p:nvSpPr>
-        <p:spPr>
-          <a:xfrm>
-            <a:off x="581736" y="1428816"/>
-            <a:ext cx="6924685" cy="5172009"/>
-          </a:xfrm>
-        </p:spPr>
-        <p:txBody>
-          <a:bodyPr>
-            <a:normAutofit fontScale="25000" lnSpcReduction="20000"/>
-          </a:bodyPr>
-          <a:lstStyle/>
-          <a:p>
-            <a:r>
-              <a:rPr lang="en-US" sz="8000" dirty="0">
-                <a:solidFill>
-                  <a:schemeClr val="tx1"/>
-                </a:solidFill>
-                <a:latin typeface="Comic Sans MS" panose="030F0902030302020204" pitchFamily="66" charset="0"/>
-              </a:rPr>
-              <a:t>Gather data from various tasks</a:t>
-            </a:r>
-          </a:p>
-          <a:p>
-            <a:r>
-              <a:rPr lang="en-US" sz="8000" dirty="0">
-                <a:solidFill>
-                  <a:schemeClr val="tx1"/>
-                </a:solidFill>
-                <a:latin typeface="Comic Sans MS" panose="030F0902030302020204" pitchFamily="66" charset="0"/>
-              </a:rPr>
-              <a:t>Code snippet:</a:t>
-            </a:r>
-          </a:p>
-          <a:p>
-            <a:pPr marL="0" indent="0">
-              <a:buNone/>
-            </a:pPr>
-            <a:endParaRPr lang="en-US" sz="6400" dirty="0">
-              <a:solidFill>
-                <a:srgbClr val="000000"/>
-              </a:solidFill>
-              <a:latin typeface="Menlo" panose="020B0609030804020204" pitchFamily="49" charset="0"/>
-            </a:endParaRPr>
-          </a:p>
-          <a:p>
-            <a:pPr marL="0" indent="0">
-              <a:buNone/>
-            </a:pPr>
-            <a:r>
-              <a:rPr lang="en-US" sz="7200" dirty="0">
-                <a:solidFill>
-                  <a:srgbClr val="B65D16"/>
-                </a:solidFill>
-                <a:latin typeface="Monaco" pitchFamily="2" charset="77"/>
-              </a:rPr>
-              <a:t># Previous scattered data.</a:t>
-            </a:r>
-          </a:p>
-          <a:p>
-            <a:pPr marL="0" indent="0">
-              <a:buNone/>
-            </a:pPr>
-            <a:endParaRPr lang="en-US" sz="7200" dirty="0">
-              <a:solidFill>
-                <a:srgbClr val="000000"/>
-              </a:solidFill>
-              <a:latin typeface="Monaco" pitchFamily="2" charset="77"/>
-            </a:endParaRPr>
-          </a:p>
-          <a:p>
-            <a:pPr marL="0" indent="0">
-              <a:buNone/>
-            </a:pPr>
-            <a:endParaRPr lang="en-US" sz="7200" dirty="0">
-              <a:solidFill>
-                <a:srgbClr val="000000"/>
-              </a:solidFill>
-              <a:latin typeface="Monaco" pitchFamily="2" charset="77"/>
-            </a:endParaRPr>
-          </a:p>
-          <a:p>
-            <a:pPr marL="0" indent="0">
-              <a:buNone/>
-            </a:pPr>
-            <a:endParaRPr lang="en-US" sz="7200" dirty="0">
-              <a:solidFill>
-                <a:srgbClr val="000000"/>
-              </a:solidFill>
-              <a:latin typeface="Monaco" pitchFamily="2" charset="77"/>
-            </a:endParaRPr>
-          </a:p>
-          <a:p>
-            <a:pPr marL="0" indent="0">
-              <a:buNone/>
-            </a:pPr>
-            <a:r>
-              <a:rPr lang="en-US" sz="7200" dirty="0" err="1">
-                <a:solidFill>
-                  <a:srgbClr val="000000"/>
-                </a:solidFill>
-                <a:latin typeface="Monaco" pitchFamily="2" charset="77"/>
-              </a:rPr>
-              <a:t>comm.</a:t>
-            </a:r>
-            <a:r>
-              <a:rPr lang="en-US" sz="7200" dirty="0" err="1">
-                <a:solidFill>
-                  <a:schemeClr val="accent1"/>
-                </a:solidFill>
-                <a:latin typeface="Monaco" pitchFamily="2" charset="77"/>
-              </a:rPr>
-              <a:t>Gatherv</a:t>
-            </a:r>
-            <a:r>
-              <a:rPr lang="en-US" sz="7200" dirty="0">
-                <a:solidFill>
-                  <a:srgbClr val="000000"/>
-                </a:solidFill>
-                <a:latin typeface="Monaco" pitchFamily="2" charset="77"/>
-              </a:rPr>
-              <a:t>(</a:t>
-            </a:r>
-            <a:r>
-              <a:rPr lang="en-US" sz="7200" dirty="0" err="1">
-                <a:solidFill>
-                  <a:srgbClr val="000000"/>
-                </a:solidFill>
-                <a:latin typeface="Monaco" pitchFamily="2" charset="77"/>
-              </a:rPr>
-              <a:t>initial_data</a:t>
-            </a:r>
-            <a:r>
-              <a:rPr lang="en-US" sz="7200" dirty="0">
-                <a:solidFill>
-                  <a:srgbClr val="000000"/>
-                </a:solidFill>
-                <a:latin typeface="Monaco" pitchFamily="2" charset="77"/>
-              </a:rPr>
-              <a:t>, </a:t>
-            </a:r>
-            <a:r>
-              <a:rPr lang="en-US" sz="7200" dirty="0" err="1">
-                <a:solidFill>
-                  <a:srgbClr val="000000"/>
-                </a:solidFill>
-                <a:latin typeface="Monaco" pitchFamily="2" charset="77"/>
-              </a:rPr>
-              <a:t>gathered_data</a:t>
-            </a:r>
-            <a:r>
-              <a:rPr lang="en-US" sz="7200" dirty="0">
-                <a:solidFill>
-                  <a:srgbClr val="000000"/>
-                </a:solidFill>
-                <a:latin typeface="Monaco" pitchFamily="2" charset="77"/>
-              </a:rPr>
-              <a:t>, root=</a:t>
-            </a:r>
-            <a:r>
-              <a:rPr lang="en-US" sz="7200" dirty="0">
-                <a:solidFill>
-                  <a:srgbClr val="AC1E16"/>
-                </a:solidFill>
-                <a:latin typeface="Monaco" pitchFamily="2" charset="77"/>
-              </a:rPr>
-              <a:t>0</a:t>
-            </a:r>
-            <a:r>
-              <a:rPr lang="en-US" sz="7200" dirty="0">
-                <a:solidFill>
-                  <a:srgbClr val="000000"/>
-                </a:solidFill>
-                <a:latin typeface="Monaco" pitchFamily="2" charset="77"/>
-              </a:rPr>
-              <a:t>)</a:t>
-            </a:r>
-            <a:br>
-              <a:rPr lang="en-US" sz="7200" dirty="0">
-                <a:solidFill>
-                  <a:srgbClr val="000000"/>
-                </a:solidFill>
-                <a:latin typeface="Monaco" pitchFamily="2" charset="77"/>
-              </a:rPr>
-            </a:br>
-            <a:endParaRPr lang="en-US" sz="7200" dirty="0">
-              <a:solidFill>
-                <a:srgbClr val="000000"/>
-              </a:solidFill>
-              <a:latin typeface="Monaco" pitchFamily="2" charset="77"/>
-            </a:endParaRPr>
-          </a:p>
-          <a:p>
-            <a:pPr marL="0" indent="0">
-              <a:buNone/>
-            </a:pPr>
-            <a:endParaRPr lang="en-US" sz="7200" dirty="0">
-              <a:solidFill>
-                <a:srgbClr val="000000"/>
-              </a:solidFill>
-              <a:latin typeface="Monaco" pitchFamily="2" charset="77"/>
-            </a:endParaRPr>
-          </a:p>
-          <a:p>
-            <a:pPr marL="0" indent="0">
-              <a:buNone/>
-            </a:pPr>
-            <a:endParaRPr lang="en-US" sz="7200" dirty="0">
-              <a:solidFill>
-                <a:srgbClr val="000000"/>
-              </a:solidFill>
-              <a:latin typeface="Monaco" pitchFamily="2" charset="77"/>
-            </a:endParaRPr>
-          </a:p>
-          <a:p>
-            <a:pPr marL="0" indent="0">
-              <a:buNone/>
-            </a:pPr>
-            <a:r>
-              <a:rPr lang="en-US" sz="7200" dirty="0">
-                <a:solidFill>
-                  <a:srgbClr val="B65D16"/>
-                </a:solidFill>
-                <a:latin typeface="Monaco" pitchFamily="2" charset="77"/>
-              </a:rPr>
-              <a:t>if</a:t>
-            </a:r>
-            <a:r>
-              <a:rPr lang="en-US" sz="7200" dirty="0">
-                <a:solidFill>
-                  <a:srgbClr val="000000"/>
-                </a:solidFill>
-                <a:latin typeface="Monaco" pitchFamily="2" charset="77"/>
-              </a:rPr>
-              <a:t> rank == </a:t>
-            </a:r>
-            <a:r>
-              <a:rPr lang="en-US" sz="7200" dirty="0">
-                <a:solidFill>
-                  <a:srgbClr val="AC1E16"/>
-                </a:solidFill>
-                <a:latin typeface="Monaco" pitchFamily="2" charset="77"/>
-              </a:rPr>
-              <a:t>0</a:t>
-            </a:r>
-            <a:r>
-              <a:rPr lang="en-US" sz="7200" dirty="0">
-                <a:solidFill>
-                  <a:srgbClr val="000000"/>
-                </a:solidFill>
-                <a:latin typeface="Monaco" pitchFamily="2" charset="77"/>
-              </a:rPr>
-              <a:t>:</a:t>
-            </a:r>
-          </a:p>
-          <a:p>
-            <a:pPr marL="0" indent="0">
-              <a:buNone/>
-            </a:pPr>
-            <a:r>
-              <a:rPr lang="en-US" sz="7200" dirty="0">
-                <a:solidFill>
-                  <a:srgbClr val="000000"/>
-                </a:solidFill>
-                <a:latin typeface="Monaco" pitchFamily="2" charset="77"/>
-              </a:rPr>
-              <a:t>    </a:t>
-            </a:r>
-            <a:r>
-              <a:rPr lang="en-US" sz="7200" dirty="0">
-                <a:solidFill>
-                  <a:srgbClr val="23A3B0"/>
-                </a:solidFill>
-                <a:latin typeface="Monaco" pitchFamily="2" charset="77"/>
-              </a:rPr>
-              <a:t>print</a:t>
-            </a:r>
-            <a:r>
-              <a:rPr lang="en-US" sz="7200" dirty="0">
-                <a:solidFill>
-                  <a:srgbClr val="000000"/>
-                </a:solidFill>
-                <a:latin typeface="Monaco" pitchFamily="2" charset="77"/>
-              </a:rPr>
-              <a:t>(</a:t>
-            </a:r>
-            <a:r>
-              <a:rPr lang="en-US" sz="7200" dirty="0">
-                <a:solidFill>
-                  <a:srgbClr val="AC1E16"/>
-                </a:solidFill>
-                <a:latin typeface="Monaco" pitchFamily="2" charset="77"/>
-              </a:rPr>
-              <a:t>‘After gather. Rank: {</a:t>
-            </a:r>
-            <a:r>
-              <a:rPr lang="en-US" sz="7200" dirty="0" err="1">
-                <a:solidFill>
-                  <a:srgbClr val="AC1E16"/>
-                </a:solidFill>
-                <a:latin typeface="Monaco" pitchFamily="2" charset="77"/>
-              </a:rPr>
-              <a:t>mpi_rank</a:t>
-            </a:r>
-            <a:r>
-              <a:rPr lang="en-US" sz="7200" dirty="0">
-                <a:solidFill>
-                  <a:srgbClr val="AC1E16"/>
-                </a:solidFill>
-                <a:latin typeface="Monaco" pitchFamily="2" charset="77"/>
-              </a:rPr>
-              <a:t>}, b: {</a:t>
-            </a:r>
-            <a:r>
-              <a:rPr lang="en-US" sz="7200" dirty="0" err="1">
-                <a:solidFill>
-                  <a:srgbClr val="AC1E16"/>
-                </a:solidFill>
-                <a:latin typeface="Monaco" pitchFamily="2" charset="77"/>
-              </a:rPr>
-              <a:t>initial_data</a:t>
-            </a:r>
-            <a:r>
-              <a:rPr lang="en-US" sz="7200" dirty="0">
-                <a:solidFill>
-                  <a:srgbClr val="AC1E16"/>
-                </a:solidFill>
-                <a:latin typeface="Monaco" pitchFamily="2" charset="77"/>
-              </a:rPr>
-              <a:t>}, c: {</a:t>
-            </a:r>
-            <a:r>
-              <a:rPr lang="en-US" sz="7200" dirty="0" err="1">
-                <a:solidFill>
-                  <a:srgbClr val="AC1E16"/>
-                </a:solidFill>
-                <a:latin typeface="Monaco" pitchFamily="2" charset="77"/>
-              </a:rPr>
-              <a:t>gathered_data</a:t>
-            </a:r>
-            <a:r>
-              <a:rPr lang="en-US" sz="7200" dirty="0">
-                <a:solidFill>
-                  <a:srgbClr val="AC1E16"/>
-                </a:solidFill>
-                <a:latin typeface="Monaco" pitchFamily="2" charset="77"/>
-              </a:rPr>
-              <a:t>}'</a:t>
-            </a:r>
-            <a:r>
-              <a:rPr lang="en-US" sz="7200" dirty="0">
-                <a:solidFill>
-                  <a:srgbClr val="000000"/>
-                </a:solidFill>
-                <a:latin typeface="Monaco" pitchFamily="2" charset="77"/>
-              </a:rPr>
-              <a:t>)</a:t>
-            </a:r>
-            <a:endParaRPr lang="en-US" sz="7200" dirty="0">
-              <a:solidFill>
-                <a:srgbClr val="AC1E16"/>
-              </a:solidFill>
-              <a:latin typeface="Monaco" pitchFamily="2" charset="77"/>
-            </a:endParaRPr>
-          </a:p>
-          <a:p>
-            <a:endParaRPr lang="en-US" sz="2000" dirty="0"/>
-          </a:p>
-        </p:txBody>
-      </p:sp>
-      <p:sp>
-        <p:nvSpPr>
-          <p:cNvPr id="4" name="Rectangle 3">
-            <a:extLst>
-              <a:ext uri="{FF2B5EF4-FFF2-40B4-BE49-F238E27FC236}">
-                <a16:creationId xmlns:a16="http://schemas.microsoft.com/office/drawing/2014/main" id="{7E9E197B-BEDF-5F4A-B388-3147168B8120}"/>
-              </a:ext>
-            </a:extLst>
-          </p:cNvPr>
-          <p:cNvSpPr/>
-          <p:nvPr/>
-        </p:nvSpPr>
-        <p:spPr>
-          <a:xfrm>
-            <a:off x="6096000" y="2764309"/>
-            <a:ext cx="5673968" cy="2585323"/>
-          </a:xfrm>
-          <a:prstGeom prst="rect">
-            <a:avLst/>
-          </a:prstGeom>
-          <a:ln w="31750">
-            <a:solidFill>
-              <a:schemeClr val="accent1">
-                <a:shade val="50000"/>
-              </a:schemeClr>
-            </a:solidFill>
-          </a:ln>
-        </p:spPr>
-        <p:txBody>
-          <a:bodyPr wrap="square">
-            <a:spAutoFit/>
-          </a:bodyPr>
-          <a:lstStyle/>
-          <a:p>
-            <a:r>
-              <a:rPr lang="en-US" dirty="0">
-                <a:latin typeface="Monaco"/>
-              </a:rPr>
-              <a:t>Before gather. Rank: 0, b: [0. 1.], c: [0. 0. 0. 0. 0. 0. 0. 0.] Before gather. Rank: 1, b: [2. 3.], c: [0. 0. 0. 0. 0. 0. 0. 0.] Before gather. Rank: 2, b: [4. 5.], c: [0. 0. 0. 0. 0. 0. 0. 0.] Before gather. Rank: 3, b: [6. 7.], c: [0. 0. 0. 0. 0. 0. 0. 0.]</a:t>
-            </a:r>
-          </a:p>
-          <a:p>
-            <a:endParaRPr lang="en-US" dirty="0">
-              <a:latin typeface="Monaco"/>
-            </a:endParaRPr>
-          </a:p>
-          <a:p>
-            <a:r>
-              <a:rPr lang="en-US" dirty="0">
-                <a:latin typeface="Monaco"/>
-              </a:rPr>
-              <a:t>After gather. Rank: 1, b: [2. 3.], c: [0. 0. 0. 0. 0. 0. 0. 0.] After gather. Rank: 2, b: [4. 5.], c: [0. 0. 0. 0. 0. 0. 0. 0.] After gather. Rank: 3, b: [6. 7.], c: [0. 0. 0. 0. 0. 0. 0. 0.] After gather. Rank: 0, b: [0. 1.], c: [0. 1. 2. 3. 4. 5. 6. 7.]</a:t>
-            </a:r>
-            <a:endParaRPr lang="en-US" dirty="0">
-              <a:solidFill>
-                <a:srgbClr val="000000"/>
-              </a:solidFill>
-              <a:effectLst/>
-              <a:latin typeface="Monaco"/>
-            </a:endParaRPr>
-          </a:p>
-        </p:txBody>
-      </p:sp>
-      <p:sp>
-        <p:nvSpPr>
-          <p:cNvPr id="5" name="Rectangle 4">
-            <a:extLst>
-              <a:ext uri="{FF2B5EF4-FFF2-40B4-BE49-F238E27FC236}">
-                <a16:creationId xmlns:a16="http://schemas.microsoft.com/office/drawing/2014/main" id="{DA028B07-823F-2E46-A010-1E2E3064CA07}"/>
-              </a:ext>
-            </a:extLst>
-          </p:cNvPr>
-          <p:cNvSpPr/>
-          <p:nvPr/>
-        </p:nvSpPr>
-        <p:spPr>
-          <a:xfrm>
-            <a:off x="7506421" y="2009108"/>
-            <a:ext cx="4263547" cy="369332"/>
-          </a:xfrm>
-          <a:prstGeom prst="rect">
-            <a:avLst/>
-          </a:prstGeom>
-          <a:ln w="31750">
-            <a:solidFill>
-              <a:schemeClr val="accent1">
-                <a:shade val="50000"/>
-              </a:schemeClr>
-            </a:solidFill>
-          </a:ln>
-        </p:spPr>
-        <p:txBody>
-          <a:bodyPr wrap="square">
-            <a:spAutoFit/>
-          </a:bodyPr>
-          <a:lstStyle/>
-          <a:p>
-            <a:r>
-              <a:rPr lang="en-US" dirty="0" err="1">
-                <a:solidFill>
-                  <a:srgbClr val="000000"/>
-                </a:solidFill>
-                <a:latin typeface="Monaco" pitchFamily="2" charset="77"/>
-              </a:rPr>
-              <a:t>mpirun</a:t>
-            </a:r>
-            <a:r>
-              <a:rPr lang="en-US" dirty="0">
-                <a:solidFill>
-                  <a:srgbClr val="000000"/>
-                </a:solidFill>
-                <a:latin typeface="Monaco" pitchFamily="2" charset="77"/>
-              </a:rPr>
-              <a:t> –n 4 python  gather.py</a:t>
-            </a:r>
-          </a:p>
-        </p:txBody>
-      </p:sp>
-      <p:pic>
-        <p:nvPicPr>
-          <p:cNvPr id="8" name="Picture 7">
-            <a:extLst>
-              <a:ext uri="{FF2B5EF4-FFF2-40B4-BE49-F238E27FC236}">
-                <a16:creationId xmlns:a16="http://schemas.microsoft.com/office/drawing/2014/main" id="{5452AD6E-4048-DC21-CA98-AC5E05BF73A6}"/>
-              </a:ext>
-            </a:extLst>
-          </p:cNvPr>
-          <p:cNvPicPr>
-            <a:picLocks noChangeAspect="1"/>
-          </p:cNvPicPr>
-          <p:nvPr/>
-        </p:nvPicPr>
-        <p:blipFill>
-          <a:blip r:embed="rId3"/>
-          <a:stretch>
-            <a:fillRect/>
-          </a:stretch>
-        </p:blipFill>
-        <p:spPr>
-          <a:xfrm>
-            <a:off x="7928457" y="301248"/>
-            <a:ext cx="3419475" cy="1535703"/>
-          </a:xfrm>
-          <a:prstGeom prst="rect">
-            <a:avLst/>
-          </a:prstGeom>
-        </p:spPr>
-      </p:pic>
-    </p:spTree>
-    <p:extLst>
-      <p:ext uri="{BB962C8B-B14F-4D97-AF65-F5344CB8AC3E}">
-        <p14:creationId xmlns:p14="http://schemas.microsoft.com/office/powerpoint/2010/main" val="2670015344"/>
       </p:ext>
     </p:extLst>
   </p:cSld>
@@ -24978,7 +25336,7 @@
                 <a:ea typeface="Verdana" panose="020B0604030504040204" pitchFamily="34" charset="0"/>
                 <a:cs typeface="Verdana" panose="020B0604030504040204" pitchFamily="34" charset="0"/>
               </a:rPr>
-              <a:t>REDUCE</a:t>
+              <a:t>GATHER</a:t>
             </a:r>
             <a:endParaRPr lang="en-US" dirty="0">
               <a:solidFill>
@@ -25029,7 +25387,7 @@
                 </a:solidFill>
                 <a:latin typeface="Comic Sans MS" panose="030F0902030302020204" pitchFamily="66" charset="0"/>
               </a:rPr>
-              <a:t>Reduce data to root process</a:t>
+              <a:t>Gather data from various tasks</a:t>
             </a:r>
           </a:p>
           <a:p>
@@ -25121,7 +25479,7 @@
                 </a:solidFill>
                 <a:latin typeface="Monaco" pitchFamily="2" charset="77"/>
               </a:rPr>
-              <a:t>Reduce</a:t>
+              <a:t>Gatherv</a:t>
             </a:r>
             <a:r>
               <a:rPr lang="en-US" sz="7200" dirty="0">
@@ -25157,7 +25515,7 @@
                 </a:solidFill>
                 <a:latin typeface="Monaco" pitchFamily="2" charset="77"/>
               </a:rPr>
-              <a:t>reduced_data</a:t>
+              <a:t>gathered_data</a:t>
             </a:r>
             <a:r>
               <a:rPr lang="en-US" sz="7200" dirty="0">
@@ -25302,7 +25660,7 @@
                 </a:solidFill>
                 <a:latin typeface="Monaco" pitchFamily="2" charset="77"/>
               </a:rPr>
-              <a:t>‘After reduce. Rank: {</a:t>
+              <a:t>‘After gather. Rank: {</a:t>
             </a:r>
             <a:r>
               <a:rPr lang="en-US" sz="7200" dirty="0" err="1">
@@ -25347,7 +25705,7 @@
                 </a:solidFill>
                 <a:latin typeface="Monaco" pitchFamily="2" charset="77"/>
               </a:rPr>
-              <a:t>reduce_data</a:t>
+              <a:t>gathered_data</a:t>
             </a:r>
             <a:r>
               <a:rPr lang="en-US" sz="7200" dirty="0">
@@ -25393,8 +25751,8 @@
         </p:nvSpPr>
         <p:spPr>
           <a:xfrm>
-            <a:off x="6400800" y="2764309"/>
-            <a:ext cx="5369168" cy="2031325"/>
+            <a:off x="6096000" y="2764309"/>
+            <a:ext cx="5673968" cy="2585323"/>
           </a:xfrm>
           <a:prstGeom prst="rect">
             <a:avLst/>
@@ -25414,41 +25772,25 @@
           <a:lstStyle/>
           <a:p>
             <a:r>
-              <a:rPr lang="en-US" sz="1400" dirty="0">
+              <a:rPr lang="en-US" dirty="0">
                 <a:latin typeface="Monaco"/>
               </a:rPr>
-              <a:t>Before reduce. Rank: 0, b: [0. 1. 0. 0. 0. 0. 0. 0.], c: [0. 0. 0. 0. 0. 0. 0. 0.] Before reduce. Rank: 2, b: [4. 5. 0. 0. 0. 0. 0. 0.], c: [0. 0. 0. 0. 0. 0. 0. 0.] Before reduce. Rank: 1, b: [2. 3. 0. 0. 0. 0. 0. 0.], c: [0. 0. 0. 0. 0. 0. 0. 0.] Before reduce. Rank: 3, b: [6. 7. 0. 0. 0. 0. 0. 0.], c: [0. 0. 0. 0. 0. 0. 0. 0.]</a:t>
-            </a:r>
-          </a:p>
-          <a:p>
-            <a:endParaRPr lang="en-US" sz="1400" dirty="0">
+              <a:t>Before gather. Rank: 0, b: [0. 1.], c: [0. 0. 0. 0. 0. 0. 0. 0.] Before gather. Rank: 1, b: [2. 3.], c: [0. 0. 0. 0. 0. 0. 0. 0.] Before gather. Rank: 2, b: [4. 5.], c: [0. 0. 0. 0. 0. 0. 0. 0.] Before gather. Rank: 3, b: [6. 7.], c: [0. 0. 0. 0. 0. 0. 0. 0.]</a:t>
+            </a:r>
+          </a:p>
+          <a:p>
+            <a:endParaRPr lang="en-US" dirty="0">
               <a:latin typeface="Monaco"/>
             </a:endParaRPr>
           </a:p>
           <a:p>
             <a:r>
-              <a:rPr lang="en-US" sz="1400" dirty="0">
+              <a:rPr lang="en-US" dirty="0">
                 <a:latin typeface="Monaco"/>
               </a:rPr>
-              <a:t>After reduce. Rank: 1, b: [2. 3. 0. 0. 0. 0. 0. 0.], c: [0. 0. 0. 0. 0. 0. 0. 0.] </a:t>
-            </a:r>
-          </a:p>
-          <a:p>
-            <a:r>
-              <a:rPr lang="en-US" sz="1400" dirty="0">
-                <a:latin typeface="Monaco"/>
-              </a:rPr>
-              <a:t>After reduce. Rank: 3, b: [6. 7. 0. 0. 0. 0. 0. 0.], c: [0. 0. 0. 0. 0. 0. 0. 0.] </a:t>
-            </a:r>
-          </a:p>
-          <a:p>
-            <a:r>
-              <a:rPr lang="en-US" sz="1400" dirty="0">
-                <a:latin typeface="Monaco"/>
-              </a:rPr>
-              <a:t>After reduce. Rank: 0, b: [0. 1. 0. 0. 0. 0. 0. 0.], c: [12. 16. 0. 0. 0. 0. 0. 0.] After reduce. Rank: 2, b: [4. 5. 0. 0. 0. 0. 0. 0.], c: [0. 0. 0. 0. 0. 0. 0. 0.]</a:t>
-            </a:r>
-            <a:endParaRPr lang="en-US" sz="1400" dirty="0">
+              <a:t>After gather. Rank: 1, b: [2. 3.], c: [0. 0. 0. 0. 0. 0. 0. 0.] After gather. Rank: 2, b: [4. 5.], c: [0. 0. 0. 0. 0. 0. 0. 0.] After gather. Rank: 3, b: [6. 7.], c: [0. 0. 0. 0. 0. 0. 0. 0.] After gather. Rank: 0, b: [0. 1.], c: [0. 1. 2. 3. 4. 5. 6. 7.]</a:t>
+            </a:r>
+            <a:endParaRPr lang="en-US" dirty="0">
               <a:solidFill>
                 <a:srgbClr val="000000"/>
               </a:solidFill>
@@ -25508,17 +25850,17 @@
                 </a:solidFill>
                 <a:latin typeface="Monaco" pitchFamily="2" charset="77"/>
               </a:rPr>
-              <a:t> –n 4 python  reduce.py</a:t>
+              <a:t> –n 4 python  gather.py</a:t>
             </a:r>
           </a:p>
         </p:txBody>
       </p:sp>
       <p:pic>
         <p:nvPicPr>
-          <p:cNvPr id="7" name="Picture 6">
+          <p:cNvPr id="8" name="Picture 7">
             <a:extLst>
               <a:ext uri="{FF2B5EF4-FFF2-40B4-BE49-F238E27FC236}">
-                <a16:creationId xmlns:a16="http://schemas.microsoft.com/office/drawing/2014/main" id="{7DC99482-C5DA-4946-BF0E-FE068B78FF8C}"/>
+                <a16:creationId xmlns:a16="http://schemas.microsoft.com/office/drawing/2014/main" id="{5452AD6E-4048-DC21-CA98-AC5E05BF73A6}"/>
               </a:ext>
             </a:extLst>
           </p:cNvPr>
@@ -25535,8 +25877,8 @@
         </p:blipFill>
         <p:spPr>
           <a:xfrm>
-            <a:off x="7362825" y="428655"/>
-            <a:ext cx="3848484" cy="1458163"/>
+            <a:off x="7928457" y="301248"/>
+            <a:ext cx="3419475" cy="1535703"/>
           </a:xfrm>
           <a:prstGeom prst="rect">
             <a:avLst/>
@@ -25546,7 +25888,7 @@
     </p:spTree>
     <p:extLst>
       <p:ext uri="{BB962C8B-B14F-4D97-AF65-F5344CB8AC3E}">
-        <p14:creationId xmlns:p14="http://schemas.microsoft.com/office/powerpoint/2010/main" val="2951806075"/>
+        <p14:creationId xmlns:p14="http://schemas.microsoft.com/office/powerpoint/2010/main" val="2670015344"/>
       </p:ext>
     </p:extLst>
   </p:cSld>
@@ -25730,6 +26072,758 @@
                 <a:ea typeface="Verdana" panose="020B0604030504040204" pitchFamily="34" charset="0"/>
                 <a:cs typeface="Verdana" panose="020B0604030504040204" pitchFamily="34" charset="0"/>
               </a:rPr>
+              <a:t>REDUCE</a:t>
+            </a:r>
+            <a:endParaRPr lang="en-US" dirty="0">
+              <a:solidFill>
+                <a:schemeClr val="tx1">
+                  <a:lumMod val="75000"/>
+                  <a:lumOff val="25000"/>
+                </a:schemeClr>
+              </a:solidFill>
+              <a:latin typeface="Verdana" panose="020B0604030504040204" pitchFamily="34" charset="0"/>
+              <a:ea typeface="Verdana" panose="020B0604030504040204" pitchFamily="34" charset="0"/>
+              <a:cs typeface="Verdana" panose="020B0604030504040204" pitchFamily="34" charset="0"/>
+            </a:endParaRPr>
+          </a:p>
+        </p:txBody>
+      </p:sp>
+      <p:sp>
+        <p:nvSpPr>
+          <p:cNvPr id="3" name="Content Placeholder 2">
+            <a:extLst>
+              <a:ext uri="{FF2B5EF4-FFF2-40B4-BE49-F238E27FC236}">
+                <a16:creationId xmlns:a16="http://schemas.microsoft.com/office/drawing/2014/main" id="{A1DB5512-87E1-B445-B644-8B92BA4F942C}"/>
+              </a:ext>
+            </a:extLst>
+          </p:cNvPr>
+          <p:cNvSpPr>
+            <a:spLocks noGrp="1"/>
+          </p:cNvSpPr>
+          <p:nvPr>
+            <p:ph idx="1"/>
+          </p:nvPr>
+        </p:nvSpPr>
+        <p:spPr>
+          <a:xfrm>
+            <a:off x="581736" y="1428816"/>
+            <a:ext cx="6924685" cy="5172009"/>
+          </a:xfrm>
+        </p:spPr>
+        <p:txBody>
+          <a:bodyPr>
+            <a:normAutofit fontScale="25000" lnSpcReduction="20000"/>
+          </a:bodyPr>
+          <a:lstStyle/>
+          <a:p>
+            <a:r>
+              <a:rPr lang="en-US" sz="8000" dirty="0">
+                <a:solidFill>
+                  <a:schemeClr val="tx1"/>
+                </a:solidFill>
+                <a:latin typeface="Comic Sans MS" panose="030F0902030302020204" pitchFamily="66" charset="0"/>
+              </a:rPr>
+              <a:t>Reduce data to root process</a:t>
+            </a:r>
+          </a:p>
+          <a:p>
+            <a:r>
+              <a:rPr lang="en-US" sz="8000" dirty="0">
+                <a:solidFill>
+                  <a:schemeClr val="tx1"/>
+                </a:solidFill>
+                <a:latin typeface="Comic Sans MS" panose="030F0902030302020204" pitchFamily="66" charset="0"/>
+              </a:rPr>
+              <a:t>Code snippet:</a:t>
+            </a:r>
+          </a:p>
+          <a:p>
+            <a:pPr marL="0" indent="0">
+              <a:buNone/>
+            </a:pPr>
+            <a:endParaRPr lang="en-US" sz="6400" dirty="0">
+              <a:solidFill>
+                <a:srgbClr val="000000"/>
+              </a:solidFill>
+              <a:latin typeface="Menlo" panose="020B0609030804020204" pitchFamily="49" charset="0"/>
+            </a:endParaRPr>
+          </a:p>
+          <a:p>
+            <a:pPr marL="0" indent="0">
+              <a:buNone/>
+            </a:pPr>
+            <a:r>
+              <a:rPr lang="en-US" sz="7200" dirty="0">
+                <a:solidFill>
+                  <a:srgbClr val="B65D16"/>
+                </a:solidFill>
+                <a:latin typeface="Monaco" pitchFamily="2" charset="77"/>
+              </a:rPr>
+              <a:t># Previous scattered data.</a:t>
+            </a:r>
+          </a:p>
+          <a:p>
+            <a:pPr marL="0" indent="0">
+              <a:buNone/>
+            </a:pPr>
+            <a:endParaRPr lang="en-US" sz="7200" dirty="0">
+              <a:solidFill>
+                <a:srgbClr val="000000"/>
+              </a:solidFill>
+              <a:latin typeface="Monaco" pitchFamily="2" charset="77"/>
+            </a:endParaRPr>
+          </a:p>
+          <a:p>
+            <a:pPr marL="0" indent="0">
+              <a:buNone/>
+            </a:pPr>
+            <a:endParaRPr lang="en-US" sz="7200" dirty="0">
+              <a:solidFill>
+                <a:srgbClr val="000000"/>
+              </a:solidFill>
+              <a:latin typeface="Monaco" pitchFamily="2" charset="77"/>
+            </a:endParaRPr>
+          </a:p>
+          <a:p>
+            <a:pPr marL="0" indent="0">
+              <a:buNone/>
+            </a:pPr>
+            <a:endParaRPr lang="en-US" sz="7200" dirty="0">
+              <a:solidFill>
+                <a:srgbClr val="000000"/>
+              </a:solidFill>
+              <a:latin typeface="Monaco" pitchFamily="2" charset="77"/>
+            </a:endParaRPr>
+          </a:p>
+          <a:p>
+            <a:pPr marL="0" indent="0">
+              <a:buNone/>
+            </a:pPr>
+            <a:r>
+              <a:rPr lang="en-US" sz="7200" dirty="0" err="1">
+                <a:solidFill>
+                  <a:srgbClr val="000000"/>
+                </a:solidFill>
+                <a:latin typeface="Monaco" pitchFamily="2" charset="77"/>
+              </a:rPr>
+              <a:t>comm.</a:t>
+            </a:r>
+            <a:r>
+              <a:rPr lang="en-US" sz="7200" dirty="0" err="1">
+                <a:solidFill>
+                  <a:schemeClr val="accent1"/>
+                </a:solidFill>
+                <a:latin typeface="Monaco" pitchFamily="2" charset="77"/>
+              </a:rPr>
+              <a:t>Reduce</a:t>
+            </a:r>
+            <a:r>
+              <a:rPr lang="en-US" sz="7200" dirty="0">
+                <a:solidFill>
+                  <a:srgbClr val="000000"/>
+                </a:solidFill>
+                <a:latin typeface="Monaco" pitchFamily="2" charset="77"/>
+              </a:rPr>
+              <a:t>(</a:t>
+            </a:r>
+            <a:r>
+              <a:rPr lang="en-US" sz="7200" dirty="0" err="1">
+                <a:solidFill>
+                  <a:srgbClr val="000000"/>
+                </a:solidFill>
+                <a:latin typeface="Monaco" pitchFamily="2" charset="77"/>
+              </a:rPr>
+              <a:t>initial_data</a:t>
+            </a:r>
+            <a:r>
+              <a:rPr lang="en-US" sz="7200" dirty="0">
+                <a:solidFill>
+                  <a:srgbClr val="000000"/>
+                </a:solidFill>
+                <a:latin typeface="Monaco" pitchFamily="2" charset="77"/>
+              </a:rPr>
+              <a:t>, </a:t>
+            </a:r>
+            <a:r>
+              <a:rPr lang="en-US" sz="7200" dirty="0" err="1">
+                <a:solidFill>
+                  <a:srgbClr val="000000"/>
+                </a:solidFill>
+                <a:latin typeface="Monaco" pitchFamily="2" charset="77"/>
+              </a:rPr>
+              <a:t>reduced_data</a:t>
+            </a:r>
+            <a:r>
+              <a:rPr lang="en-US" sz="7200" dirty="0">
+                <a:solidFill>
+                  <a:srgbClr val="000000"/>
+                </a:solidFill>
+                <a:latin typeface="Monaco" pitchFamily="2" charset="77"/>
+              </a:rPr>
+              <a:t>, root=</a:t>
+            </a:r>
+            <a:r>
+              <a:rPr lang="en-US" sz="7200" dirty="0">
+                <a:solidFill>
+                  <a:srgbClr val="AC1E16"/>
+                </a:solidFill>
+                <a:latin typeface="Monaco" pitchFamily="2" charset="77"/>
+              </a:rPr>
+              <a:t>0</a:t>
+            </a:r>
+            <a:r>
+              <a:rPr lang="en-US" sz="7200" dirty="0">
+                <a:solidFill>
+                  <a:srgbClr val="000000"/>
+                </a:solidFill>
+                <a:latin typeface="Monaco" pitchFamily="2" charset="77"/>
+              </a:rPr>
+              <a:t>)</a:t>
+            </a:r>
+            <a:br>
+              <a:rPr lang="en-US" sz="7200" dirty="0">
+                <a:solidFill>
+                  <a:srgbClr val="000000"/>
+                </a:solidFill>
+                <a:latin typeface="Monaco" pitchFamily="2" charset="77"/>
+              </a:rPr>
+            </a:br>
+            <a:endParaRPr lang="en-US" sz="7200" dirty="0">
+              <a:solidFill>
+                <a:srgbClr val="000000"/>
+              </a:solidFill>
+              <a:latin typeface="Monaco" pitchFamily="2" charset="77"/>
+            </a:endParaRPr>
+          </a:p>
+          <a:p>
+            <a:pPr marL="0" indent="0">
+              <a:buNone/>
+            </a:pPr>
+            <a:endParaRPr lang="en-US" sz="7200" dirty="0">
+              <a:solidFill>
+                <a:srgbClr val="000000"/>
+              </a:solidFill>
+              <a:latin typeface="Monaco" pitchFamily="2" charset="77"/>
+            </a:endParaRPr>
+          </a:p>
+          <a:p>
+            <a:pPr marL="0" indent="0">
+              <a:buNone/>
+            </a:pPr>
+            <a:endParaRPr lang="en-US" sz="7200" dirty="0">
+              <a:solidFill>
+                <a:srgbClr val="000000"/>
+              </a:solidFill>
+              <a:latin typeface="Monaco" pitchFamily="2" charset="77"/>
+            </a:endParaRPr>
+          </a:p>
+          <a:p>
+            <a:pPr marL="0" indent="0">
+              <a:buNone/>
+            </a:pPr>
+            <a:r>
+              <a:rPr lang="en-US" sz="7200" dirty="0">
+                <a:solidFill>
+                  <a:srgbClr val="B65D16"/>
+                </a:solidFill>
+                <a:latin typeface="Monaco" pitchFamily="2" charset="77"/>
+              </a:rPr>
+              <a:t>if</a:t>
+            </a:r>
+            <a:r>
+              <a:rPr lang="en-US" sz="7200" dirty="0">
+                <a:solidFill>
+                  <a:srgbClr val="000000"/>
+                </a:solidFill>
+                <a:latin typeface="Monaco" pitchFamily="2" charset="77"/>
+              </a:rPr>
+              <a:t> rank == </a:t>
+            </a:r>
+            <a:r>
+              <a:rPr lang="en-US" sz="7200" dirty="0">
+                <a:solidFill>
+                  <a:srgbClr val="AC1E16"/>
+                </a:solidFill>
+                <a:latin typeface="Monaco" pitchFamily="2" charset="77"/>
+              </a:rPr>
+              <a:t>0</a:t>
+            </a:r>
+            <a:r>
+              <a:rPr lang="en-US" sz="7200" dirty="0">
+                <a:solidFill>
+                  <a:srgbClr val="000000"/>
+                </a:solidFill>
+                <a:latin typeface="Monaco" pitchFamily="2" charset="77"/>
+              </a:rPr>
+              <a:t>:</a:t>
+            </a:r>
+          </a:p>
+          <a:p>
+            <a:pPr marL="0" indent="0">
+              <a:buNone/>
+            </a:pPr>
+            <a:r>
+              <a:rPr lang="en-US" sz="7200" dirty="0">
+                <a:solidFill>
+                  <a:srgbClr val="000000"/>
+                </a:solidFill>
+                <a:latin typeface="Monaco" pitchFamily="2" charset="77"/>
+              </a:rPr>
+              <a:t>    </a:t>
+            </a:r>
+            <a:r>
+              <a:rPr lang="en-US" sz="7200" dirty="0">
+                <a:solidFill>
+                  <a:srgbClr val="23A3B0"/>
+                </a:solidFill>
+                <a:latin typeface="Monaco" pitchFamily="2" charset="77"/>
+              </a:rPr>
+              <a:t>print</a:t>
+            </a:r>
+            <a:r>
+              <a:rPr lang="en-US" sz="7200" dirty="0">
+                <a:solidFill>
+                  <a:srgbClr val="000000"/>
+                </a:solidFill>
+                <a:latin typeface="Monaco" pitchFamily="2" charset="77"/>
+              </a:rPr>
+              <a:t>(</a:t>
+            </a:r>
+            <a:r>
+              <a:rPr lang="en-US" sz="7200" dirty="0">
+                <a:solidFill>
+                  <a:srgbClr val="AC1E16"/>
+                </a:solidFill>
+                <a:latin typeface="Monaco" pitchFamily="2" charset="77"/>
+              </a:rPr>
+              <a:t>‘After reduce. Rank: {</a:t>
+            </a:r>
+            <a:r>
+              <a:rPr lang="en-US" sz="7200" dirty="0" err="1">
+                <a:solidFill>
+                  <a:srgbClr val="AC1E16"/>
+                </a:solidFill>
+                <a:latin typeface="Monaco" pitchFamily="2" charset="77"/>
+              </a:rPr>
+              <a:t>mpi_rank</a:t>
+            </a:r>
+            <a:r>
+              <a:rPr lang="en-US" sz="7200" dirty="0">
+                <a:solidFill>
+                  <a:srgbClr val="AC1E16"/>
+                </a:solidFill>
+                <a:latin typeface="Monaco" pitchFamily="2" charset="77"/>
+              </a:rPr>
+              <a:t>}, b: {</a:t>
+            </a:r>
+            <a:r>
+              <a:rPr lang="en-US" sz="7200" dirty="0" err="1">
+                <a:solidFill>
+                  <a:srgbClr val="AC1E16"/>
+                </a:solidFill>
+                <a:latin typeface="Monaco" pitchFamily="2" charset="77"/>
+              </a:rPr>
+              <a:t>initial_data</a:t>
+            </a:r>
+            <a:r>
+              <a:rPr lang="en-US" sz="7200" dirty="0">
+                <a:solidFill>
+                  <a:srgbClr val="AC1E16"/>
+                </a:solidFill>
+                <a:latin typeface="Monaco" pitchFamily="2" charset="77"/>
+              </a:rPr>
+              <a:t>}, c: {</a:t>
+            </a:r>
+            <a:r>
+              <a:rPr lang="en-US" sz="7200" dirty="0" err="1">
+                <a:solidFill>
+                  <a:srgbClr val="AC1E16"/>
+                </a:solidFill>
+                <a:latin typeface="Monaco" pitchFamily="2" charset="77"/>
+              </a:rPr>
+              <a:t>reduce_data</a:t>
+            </a:r>
+            <a:r>
+              <a:rPr lang="en-US" sz="7200" dirty="0">
+                <a:solidFill>
+                  <a:srgbClr val="AC1E16"/>
+                </a:solidFill>
+                <a:latin typeface="Monaco" pitchFamily="2" charset="77"/>
+              </a:rPr>
+              <a:t>}'</a:t>
+            </a:r>
+            <a:r>
+              <a:rPr lang="en-US" sz="7200" dirty="0">
+                <a:solidFill>
+                  <a:srgbClr val="000000"/>
+                </a:solidFill>
+                <a:latin typeface="Monaco" pitchFamily="2" charset="77"/>
+              </a:rPr>
+              <a:t>)</a:t>
+            </a:r>
+            <a:endParaRPr lang="en-US" sz="7200" dirty="0">
+              <a:solidFill>
+                <a:srgbClr val="AC1E16"/>
+              </a:solidFill>
+              <a:latin typeface="Monaco" pitchFamily="2" charset="77"/>
+            </a:endParaRPr>
+          </a:p>
+          <a:p>
+            <a:endParaRPr lang="en-US" sz="2000" dirty="0"/>
+          </a:p>
+        </p:txBody>
+      </p:sp>
+      <p:sp>
+        <p:nvSpPr>
+          <p:cNvPr id="4" name="Rectangle 3">
+            <a:extLst>
+              <a:ext uri="{FF2B5EF4-FFF2-40B4-BE49-F238E27FC236}">
+                <a16:creationId xmlns:a16="http://schemas.microsoft.com/office/drawing/2014/main" id="{7E9E197B-BEDF-5F4A-B388-3147168B8120}"/>
+              </a:ext>
+            </a:extLst>
+          </p:cNvPr>
+          <p:cNvSpPr/>
+          <p:nvPr/>
+        </p:nvSpPr>
+        <p:spPr>
+          <a:xfrm>
+            <a:off x="6400800" y="2764309"/>
+            <a:ext cx="5369168" cy="2031325"/>
+          </a:xfrm>
+          <a:prstGeom prst="rect">
+            <a:avLst/>
+          </a:prstGeom>
+          <a:ln w="31750">
+            <a:solidFill>
+              <a:schemeClr val="accent1">
+                <a:shade val="50000"/>
+              </a:schemeClr>
+            </a:solidFill>
+          </a:ln>
+        </p:spPr>
+        <p:txBody>
+          <a:bodyPr wrap="square">
+            <a:spAutoFit/>
+          </a:bodyPr>
+          <a:lstStyle/>
+          <a:p>
+            <a:r>
+              <a:rPr lang="en-US" sz="1400" dirty="0">
+                <a:latin typeface="Monaco"/>
+              </a:rPr>
+              <a:t>Before reduce. Rank: 0, b: [0. 1. 0. 0. 0. 0. 0. 0.], c: [0. 0. 0. 0. 0. 0. 0. 0.] Before reduce. Rank: 2, b: [4. 5. 0. 0. 0. 0. 0. 0.], c: [0. 0. 0. 0. 0. 0. 0. 0.] Before reduce. Rank: 1, b: [2. 3. 0. 0. 0. 0. 0. 0.], c: [0. 0. 0. 0. 0. 0. 0. 0.] Before reduce. Rank: 3, b: [6. 7. 0. 0. 0. 0. 0. 0.], c: [0. 0. 0. 0. 0. 0. 0. 0.]</a:t>
+            </a:r>
+          </a:p>
+          <a:p>
+            <a:endParaRPr lang="en-US" sz="1400" dirty="0">
+              <a:latin typeface="Monaco"/>
+            </a:endParaRPr>
+          </a:p>
+          <a:p>
+            <a:r>
+              <a:rPr lang="en-US" sz="1400" dirty="0">
+                <a:latin typeface="Monaco"/>
+              </a:rPr>
+              <a:t>After reduce. Rank: 1, b: [2. 3. 0. 0. 0. 0. 0. 0.], c: [0. 0. 0. 0. 0. 0. 0. 0.] </a:t>
+            </a:r>
+          </a:p>
+          <a:p>
+            <a:r>
+              <a:rPr lang="en-US" sz="1400" dirty="0">
+                <a:latin typeface="Monaco"/>
+              </a:rPr>
+              <a:t>After reduce. Rank: 3, b: [6. 7. 0. 0. 0. 0. 0. 0.], c: [0. 0. 0. 0. 0. 0. 0. 0.] </a:t>
+            </a:r>
+          </a:p>
+          <a:p>
+            <a:r>
+              <a:rPr lang="en-US" sz="1400" dirty="0">
+                <a:latin typeface="Monaco"/>
+              </a:rPr>
+              <a:t>After reduce. Rank: 0, b: [0. 1. 0. 0. 0. 0. 0. 0.], c: [12. 16. 0. 0. 0. 0. 0. 0.] After reduce. Rank: 2, b: [4. 5. 0. 0. 0. 0. 0. 0.], c: [0. 0. 0. 0. 0. 0. 0. 0.]</a:t>
+            </a:r>
+            <a:endParaRPr lang="en-US" sz="1400" dirty="0">
+              <a:solidFill>
+                <a:srgbClr val="000000"/>
+              </a:solidFill>
+              <a:effectLst/>
+              <a:latin typeface="Monaco"/>
+            </a:endParaRPr>
+          </a:p>
+        </p:txBody>
+      </p:sp>
+      <p:sp>
+        <p:nvSpPr>
+          <p:cNvPr id="5" name="Rectangle 4">
+            <a:extLst>
+              <a:ext uri="{FF2B5EF4-FFF2-40B4-BE49-F238E27FC236}">
+                <a16:creationId xmlns:a16="http://schemas.microsoft.com/office/drawing/2014/main" id="{DA028B07-823F-2E46-A010-1E2E3064CA07}"/>
+              </a:ext>
+            </a:extLst>
+          </p:cNvPr>
+          <p:cNvSpPr/>
+          <p:nvPr/>
+        </p:nvSpPr>
+        <p:spPr>
+          <a:xfrm>
+            <a:off x="7506421" y="2009108"/>
+            <a:ext cx="4263547" cy="369332"/>
+          </a:xfrm>
+          <a:prstGeom prst="rect">
+            <a:avLst/>
+          </a:prstGeom>
+          <a:ln w="31750">
+            <a:solidFill>
+              <a:schemeClr val="accent1">
+                <a:shade val="50000"/>
+              </a:schemeClr>
+            </a:solidFill>
+          </a:ln>
+        </p:spPr>
+        <p:txBody>
+          <a:bodyPr wrap="square">
+            <a:spAutoFit/>
+          </a:bodyPr>
+          <a:lstStyle/>
+          <a:p>
+            <a:r>
+              <a:rPr lang="en-US" dirty="0" err="1">
+                <a:solidFill>
+                  <a:srgbClr val="000000"/>
+                </a:solidFill>
+                <a:latin typeface="Monaco" pitchFamily="2" charset="77"/>
+              </a:rPr>
+              <a:t>mpirun</a:t>
+            </a:r>
+            <a:r>
+              <a:rPr lang="en-US" dirty="0">
+                <a:solidFill>
+                  <a:srgbClr val="000000"/>
+                </a:solidFill>
+                <a:latin typeface="Monaco" pitchFamily="2" charset="77"/>
+              </a:rPr>
+              <a:t> –n 4 python  reduce.py</a:t>
+            </a:r>
+          </a:p>
+        </p:txBody>
+      </p:sp>
+      <p:pic>
+        <p:nvPicPr>
+          <p:cNvPr id="7" name="Picture 6">
+            <a:extLst>
+              <a:ext uri="{FF2B5EF4-FFF2-40B4-BE49-F238E27FC236}">
+                <a16:creationId xmlns:a16="http://schemas.microsoft.com/office/drawing/2014/main" id="{7DC99482-C5DA-4946-BF0E-FE068B78FF8C}"/>
+              </a:ext>
+            </a:extLst>
+          </p:cNvPr>
+          <p:cNvPicPr>
+            <a:picLocks noChangeAspect="1"/>
+          </p:cNvPicPr>
+          <p:nvPr/>
+        </p:nvPicPr>
+        <p:blipFill>
+          <a:blip r:embed="rId3"/>
+          <a:stretch>
+            <a:fillRect/>
+          </a:stretch>
+        </p:blipFill>
+        <p:spPr>
+          <a:xfrm>
+            <a:off x="7362825" y="428655"/>
+            <a:ext cx="3848484" cy="1458163"/>
+          </a:xfrm>
+          <a:prstGeom prst="rect">
+            <a:avLst/>
+          </a:prstGeom>
+        </p:spPr>
+      </p:pic>
+    </p:spTree>
+    <p:extLst>
+      <p:ext uri="{BB962C8B-B14F-4D97-AF65-F5344CB8AC3E}">
+        <p14:creationId xmlns:p14="http://schemas.microsoft.com/office/powerpoint/2010/main" val="2951806075"/>
+      </p:ext>
+    </p:extLst>
+  </p:cSld>
+  <p:clrMapOvr>
+    <a:masterClrMapping/>
+  </p:clrMapOvr>
+  <p:timing>
+    <p:tnLst>
+      <p:par>
+        <p:cTn id="1" dur="indefinite" restart="never" nodeType="tmRoot">
+          <p:childTnLst>
+            <p:seq concurrent="1" nextAc="seek">
+              <p:cTn id="2" dur="indefinite" nodeType="mainSeq">
+                <p:childTnLst>
+                  <p:par>
+                    <p:cTn id="3" fill="hold">
+                      <p:stCondLst>
+                        <p:cond delay="indefinite"/>
+                      </p:stCondLst>
+                      <p:childTnLst>
+                        <p:par>
+                          <p:cTn id="4" fill="hold">
+                            <p:stCondLst>
+                              <p:cond delay="0"/>
+                            </p:stCondLst>
+                            <p:childTnLst>
+                              <p:par>
+                                <p:cTn id="5" presetID="1" presetClass="entr" presetSubtype="0" fill="hold" grpId="0" nodeType="clickEffect">
+                                  <p:stCondLst>
+                                    <p:cond delay="0"/>
+                                  </p:stCondLst>
+                                  <p:childTnLst>
+                                    <p:set>
+                                      <p:cBhvr>
+                                        <p:cTn id="6" dur="1" fill="hold">
+                                          <p:stCondLst>
+                                            <p:cond delay="0"/>
+                                          </p:stCondLst>
+                                        </p:cTn>
+                                        <p:tgtEl>
+                                          <p:spTgt spid="5"/>
+                                        </p:tgtEl>
+                                        <p:attrNameLst>
+                                          <p:attrName>style.visibility</p:attrName>
+                                        </p:attrNameLst>
+                                      </p:cBhvr>
+                                      <p:to>
+                                        <p:strVal val="visible"/>
+                                      </p:to>
+                                    </p:set>
+                                  </p:childTnLst>
+                                </p:cTn>
+                              </p:par>
+                            </p:childTnLst>
+                          </p:cTn>
+                        </p:par>
+                      </p:childTnLst>
+                    </p:cTn>
+                  </p:par>
+                  <p:par>
+                    <p:cTn id="7" fill="hold">
+                      <p:stCondLst>
+                        <p:cond delay="indefinite"/>
+                      </p:stCondLst>
+                      <p:childTnLst>
+                        <p:par>
+                          <p:cTn id="8" fill="hold">
+                            <p:stCondLst>
+                              <p:cond delay="0"/>
+                            </p:stCondLst>
+                            <p:childTnLst>
+                              <p:par>
+                                <p:cTn id="9" presetID="1" presetClass="entr" presetSubtype="0" fill="hold" grpId="0" nodeType="clickEffect">
+                                  <p:stCondLst>
+                                    <p:cond delay="0"/>
+                                  </p:stCondLst>
+                                  <p:childTnLst>
+                                    <p:set>
+                                      <p:cBhvr>
+                                        <p:cTn id="10" dur="1" fill="hold">
+                                          <p:stCondLst>
+                                            <p:cond delay="0"/>
+                                          </p:stCondLst>
+                                        </p:cTn>
+                                        <p:tgtEl>
+                                          <p:spTgt spid="4"/>
+                                        </p:tgtEl>
+                                        <p:attrNameLst>
+                                          <p:attrName>style.visibility</p:attrName>
+                                        </p:attrNameLst>
+                                      </p:cBhvr>
+                                      <p:to>
+                                        <p:strVal val="visible"/>
+                                      </p:to>
+                                    </p:set>
+                                  </p:childTnLst>
+                                </p:cTn>
+                              </p:par>
+                            </p:childTnLst>
+                          </p:cTn>
+                        </p:par>
+                      </p:childTnLst>
+                    </p:cTn>
+                  </p:par>
+                </p:childTnLst>
+              </p:cTn>
+              <p:prevCondLst>
+                <p:cond evt="onPrev" delay="0">
+                  <p:tgtEl>
+                    <p:sldTgt/>
+                  </p:tgtEl>
+                </p:cond>
+              </p:prevCondLst>
+              <p:nextCondLst>
+                <p:cond evt="onNext" delay="0">
+                  <p:tgtEl>
+                    <p:sldTgt/>
+                  </p:tgtEl>
+                </p:cond>
+              </p:nextCondLst>
+            </p:seq>
+          </p:childTnLst>
+        </p:cTn>
+      </p:par>
+    </p:tnLst>
+    <p:bldLst>
+      <p:bldP spid="4" grpId="0" animBg="1"/>
+      <p:bldP spid="5" grpId="0" animBg="1"/>
+    </p:bldLst>
+  </p:timing>
+</p:sld>
+</file>
+
+<file path=ppt/slides/slide27.xml><?xml version="1.0" encoding="utf-8"?>
+<p:sld xmlns:a="http://schemas.openxmlformats.org/drawingml/2006/main" xmlns:r="http://schemas.openxmlformats.org/officeDocument/2006/relationships" xmlns:p="http://schemas.openxmlformats.org/presentationml/2006/main">
+  <p:cSld>
+    <p:spTree>
+      <p:nvGrpSpPr>
+        <p:cNvPr id="1" name=""/>
+        <p:cNvGrpSpPr/>
+        <p:nvPr/>
+      </p:nvGrpSpPr>
+      <p:grpSpPr>
+        <a:xfrm>
+          <a:off x="0" y="0"/>
+          <a:ext cx="0" cy="0"/>
+          <a:chOff x="0" y="0"/>
+          <a:chExt cx="0" cy="0"/>
+        </a:xfrm>
+      </p:grpSpPr>
+      <p:sp>
+        <p:nvSpPr>
+          <p:cNvPr id="2" name="Title 1">
+            <a:extLst>
+              <a:ext uri="{FF2B5EF4-FFF2-40B4-BE49-F238E27FC236}">
+                <a16:creationId xmlns:a16="http://schemas.microsoft.com/office/drawing/2014/main" id="{3A285C21-2361-3442-8CF6-E289EC65F592}"/>
+              </a:ext>
+            </a:extLst>
+          </p:cNvPr>
+          <p:cNvSpPr>
+            <a:spLocks noGrp="1"/>
+          </p:cNvSpPr>
+          <p:nvPr>
+            <p:ph type="title"/>
+          </p:nvPr>
+        </p:nvSpPr>
+        <p:spPr>
+          <a:xfrm>
+            <a:off x="1289642" y="428655"/>
+            <a:ext cx="8911687" cy="1280890"/>
+          </a:xfrm>
+        </p:spPr>
+        <p:txBody>
+          <a:bodyPr/>
+          <a:lstStyle/>
+          <a:p>
+            <a:pPr algn="ctr"/>
+            <a:r>
+              <a:rPr lang="en-US" dirty="0">
+                <a:latin typeface="Verdana" panose="020B0604030504040204" pitchFamily="34" charset="0"/>
+                <a:ea typeface="Verdana" panose="020B0604030504040204" pitchFamily="34" charset="0"/>
+                <a:cs typeface="Verdana" panose="020B0604030504040204" pitchFamily="34" charset="0"/>
+              </a:rPr>
               <a:t>PARALLEL SUM</a:t>
             </a:r>
             <a:endParaRPr lang="en-US" dirty="0">
@@ -26417,7 +27511,7 @@
 </p:sld>
 </file>
 
-<file path=ppt/slides/slide27.xml><?xml version="1.0" encoding="utf-8"?>
+<file path=ppt/slides/slide28.xml><?xml version="1.0" encoding="utf-8"?>
 <p:sld xmlns:a="http://schemas.openxmlformats.org/drawingml/2006/main" xmlns:r="http://schemas.openxmlformats.org/officeDocument/2006/relationships" xmlns:p="http://schemas.openxmlformats.org/presentationml/2006/main" showMasterSp="0">
   <p:cSld>
     <p:spTree>
@@ -26677,7 +27771,7 @@
 </p:sld>
 </file>
 
-<file path=ppt/slides/slide28.xml><?xml version="1.0" encoding="utf-8"?>
+<file path=ppt/slides/slide29.xml><?xml version="1.0" encoding="utf-8"?>
 <p:sld xmlns:a="http://schemas.openxmlformats.org/drawingml/2006/main" xmlns:r="http://schemas.openxmlformats.org/officeDocument/2006/relationships" xmlns:p="http://schemas.openxmlformats.org/presentationml/2006/main" showMasterSp="0">
   <p:cSld>
     <p:spTree>
@@ -28025,6 +29119,147 @@
           <a:chExt cx="0" cy="0"/>
         </a:xfrm>
       </p:grpSpPr>
+      <p:sp>
+        <p:nvSpPr>
+          <p:cNvPr id="2" name="Title 1">
+            <a:extLst>
+              <a:ext uri="{FF2B5EF4-FFF2-40B4-BE49-F238E27FC236}">
+                <a16:creationId xmlns:a16="http://schemas.microsoft.com/office/drawing/2014/main" id="{3A285C21-2361-3442-8CF6-E289EC65F592}"/>
+              </a:ext>
+            </a:extLst>
+          </p:cNvPr>
+          <p:cNvSpPr>
+            <a:spLocks noGrp="1"/>
+          </p:cNvSpPr>
+          <p:nvPr>
+            <p:ph type="title"/>
+          </p:nvPr>
+        </p:nvSpPr>
+        <p:spPr>
+          <a:xfrm>
+            <a:off x="1289642" y="329009"/>
+            <a:ext cx="8911687" cy="1280890"/>
+          </a:xfrm>
+        </p:spPr>
+        <p:txBody>
+          <a:bodyPr/>
+          <a:lstStyle/>
+          <a:p>
+            <a:pPr algn="ctr"/>
+            <a:r>
+              <a:rPr lang="en-US" dirty="0">
+                <a:solidFill>
+                  <a:schemeClr val="tx1">
+                    <a:lumMod val="75000"/>
+                    <a:lumOff val="25000"/>
+                  </a:schemeClr>
+                </a:solidFill>
+                <a:latin typeface="Verdana" panose="020B0604030504040204" pitchFamily="34" charset="0"/>
+                <a:ea typeface="Verdana" panose="020B0604030504040204" pitchFamily="34" charset="0"/>
+                <a:cs typeface="Verdana" panose="020B0604030504040204" pitchFamily="34" charset="0"/>
+              </a:rPr>
+              <a:t>ACCESS TO TUTORIALS</a:t>
+            </a:r>
+          </a:p>
+        </p:txBody>
+      </p:sp>
+      <p:sp>
+        <p:nvSpPr>
+          <p:cNvPr id="3" name="Content Placeholder 2">
+            <a:extLst>
+              <a:ext uri="{FF2B5EF4-FFF2-40B4-BE49-F238E27FC236}">
+                <a16:creationId xmlns:a16="http://schemas.microsoft.com/office/drawing/2014/main" id="{A1DB5512-87E1-B445-B644-8B92BA4F942C}"/>
+              </a:ext>
+            </a:extLst>
+          </p:cNvPr>
+          <p:cNvSpPr>
+            <a:spLocks noGrp="1"/>
+          </p:cNvSpPr>
+          <p:nvPr>
+            <p:ph idx="1"/>
+          </p:nvPr>
+        </p:nvSpPr>
+        <p:spPr>
+          <a:xfrm>
+            <a:off x="581736" y="1329171"/>
+            <a:ext cx="8915400" cy="3777622"/>
+          </a:xfrm>
+        </p:spPr>
+        <p:txBody>
+          <a:bodyPr>
+            <a:noAutofit/>
+          </a:bodyPr>
+          <a:lstStyle/>
+          <a:p>
+            <a:endParaRPr lang="en-US" sz="2000" dirty="0">
+              <a:solidFill>
+                <a:schemeClr val="tx1"/>
+              </a:solidFill>
+              <a:latin typeface="Monaco" pitchFamily="2" charset="77"/>
+            </a:endParaRPr>
+          </a:p>
+          <a:p>
+            <a:pPr marL="0" indent="0">
+              <a:buNone/>
+            </a:pPr>
+            <a:r>
+              <a:rPr lang="en-US" sz="2000" dirty="0">
+                <a:solidFill>
+                  <a:schemeClr val="tx1"/>
+                </a:solidFill>
+                <a:latin typeface="Comic Sans MS" panose="030F0902030302020204" pitchFamily="66" charset="0"/>
+              </a:rPr>
+              <a:t>  </a:t>
+            </a:r>
+          </a:p>
+          <a:p>
+            <a:r>
+              <a:rPr lang="en-US" sz="2000" dirty="0"/>
+              <a:t>Run: git clone </a:t>
+            </a:r>
+            <a:r>
+              <a:rPr lang="en-US" sz="2000" dirty="0">
+                <a:hlinkClick r:id="rId3"/>
+              </a:rPr>
+              <a:t>https://github.com/krishnaa423/parallel_tutorial.git</a:t>
+            </a:r>
+            <a:r>
+              <a:rPr lang="en-US" sz="2000" dirty="0"/>
+              <a:t> </a:t>
+            </a:r>
+          </a:p>
+        </p:txBody>
+      </p:sp>
+    </p:spTree>
+    <p:extLst>
+      <p:ext uri="{BB962C8B-B14F-4D97-AF65-F5344CB8AC3E}">
+        <p14:creationId xmlns:p14="http://schemas.microsoft.com/office/powerpoint/2010/main" val="2646261127"/>
+      </p:ext>
+    </p:extLst>
+  </p:cSld>
+  <p:clrMapOvr>
+    <a:masterClrMapping/>
+  </p:clrMapOvr>
+</p:sld>
+</file>
+
+<file path=ppt/slides/slide8.xml><?xml version="1.0" encoding="utf-8"?>
+<p:sld xmlns:a="http://schemas.openxmlformats.org/drawingml/2006/main" xmlns:r="http://schemas.openxmlformats.org/officeDocument/2006/relationships" xmlns:p="http://schemas.openxmlformats.org/presentationml/2006/main">
+  <p:cSld>
+    <p:spTree>
+      <p:nvGrpSpPr>
+        <p:cNvPr id="1" name=""/>
+        <p:cNvGrpSpPr/>
+        <p:nvPr/>
+      </p:nvGrpSpPr>
+      <p:grpSpPr>
+        <a:xfrm>
+          <a:off x="0" y="0"/>
+          <a:ext cx="0" cy="0"/>
+          <a:chOff x="0" y="0"/>
+          <a:chExt cx="0" cy="0"/>
+        </a:xfrm>
+      </p:grpSpPr>
       <p:pic>
         <p:nvPicPr>
           <p:cNvPr id="5" name="Picture 4" descr="Graphical user interface, website&#10;&#10;Description automatically generated">
@@ -28342,7 +29577,7 @@
     </p:spTree>
     <p:extLst>
       <p:ext uri="{BB962C8B-B14F-4D97-AF65-F5344CB8AC3E}">
-        <p14:creationId xmlns:p14="http://schemas.microsoft.com/office/powerpoint/2010/main" val="2646261127"/>
+        <p14:creationId xmlns:p14="http://schemas.microsoft.com/office/powerpoint/2010/main" val="4157713297"/>
       </p:ext>
     </p:extLst>
   </p:cSld>
@@ -28352,7 +29587,7 @@
 </p:sld>
 </file>
 
-<file path=ppt/slides/slide8.xml><?xml version="1.0" encoding="utf-8"?>
+<file path=ppt/slides/slide9.xml><?xml version="1.0" encoding="utf-8"?>
 <p:sld xmlns:a="http://schemas.openxmlformats.org/drawingml/2006/main" xmlns:r="http://schemas.openxmlformats.org/officeDocument/2006/relationships" xmlns:p="http://schemas.openxmlformats.org/presentationml/2006/main" showMasterSp="0">
   <p:cSld>
     <p:spTree>
@@ -29177,952 +30412,6 @@
                                     <p:set>
                                       <p:cBhvr>
                                         <p:cTn id="24" dur="1" fill="hold">
-                                          <p:stCondLst>
-                                            <p:cond delay="0"/>
-                                          </p:stCondLst>
-                                        </p:cTn>
-                                        <p:tgtEl>
-                                          <p:spTgt spid="3">
-                                            <p:txEl>
-                                              <p:pRg st="11" end="11"/>
-                                            </p:txEl>
-                                          </p:spTgt>
-                                        </p:tgtEl>
-                                        <p:attrNameLst>
-                                          <p:attrName>style.visibility</p:attrName>
-                                        </p:attrNameLst>
-                                      </p:cBhvr>
-                                      <p:to>
-                                        <p:strVal val="visible"/>
-                                      </p:to>
-                                    </p:set>
-                                  </p:childTnLst>
-                                </p:cTn>
-                              </p:par>
-                            </p:childTnLst>
-                          </p:cTn>
-                        </p:par>
-                      </p:childTnLst>
-                    </p:cTn>
-                  </p:par>
-                </p:childTnLst>
-              </p:cTn>
-              <p:prevCondLst>
-                <p:cond evt="onPrev" delay="0">
-                  <p:tgtEl>
-                    <p:sldTgt/>
-                  </p:tgtEl>
-                </p:cond>
-              </p:prevCondLst>
-              <p:nextCondLst>
-                <p:cond evt="onNext" delay="0">
-                  <p:tgtEl>
-                    <p:sldTgt/>
-                  </p:tgtEl>
-                </p:cond>
-              </p:nextCondLst>
-            </p:seq>
-          </p:childTnLst>
-        </p:cTn>
-      </p:par>
-    </p:tnLst>
-  </p:timing>
-</p:sld>
-</file>
-
-<file path=ppt/slides/slide9.xml><?xml version="1.0" encoding="utf-8"?>
-<p:sld xmlns:a="http://schemas.openxmlformats.org/drawingml/2006/main" xmlns:r="http://schemas.openxmlformats.org/officeDocument/2006/relationships" xmlns:p="http://schemas.openxmlformats.org/presentationml/2006/main" showMasterSp="0">
-  <p:cSld>
-    <p:spTree>
-      <p:nvGrpSpPr>
-        <p:cNvPr id="1" name=""/>
-        <p:cNvGrpSpPr/>
-        <p:nvPr/>
-      </p:nvGrpSpPr>
-      <p:grpSpPr>
-        <a:xfrm>
-          <a:off x="0" y="0"/>
-          <a:ext cx="0" cy="0"/>
-          <a:chOff x="0" y="0"/>
-          <a:chExt cx="0" cy="0"/>
-        </a:xfrm>
-      </p:grpSpPr>
-      <p:sp>
-        <p:nvSpPr>
-          <p:cNvPr id="2" name="Title 1">
-            <a:extLst>
-              <a:ext uri="{FF2B5EF4-FFF2-40B4-BE49-F238E27FC236}">
-                <a16:creationId xmlns:a16="http://schemas.microsoft.com/office/drawing/2014/main" id="{3A285C21-2361-3442-8CF6-E289EC65F592}"/>
-              </a:ext>
-            </a:extLst>
-          </p:cNvPr>
-          <p:cNvSpPr>
-            <a:spLocks noGrp="1"/>
-          </p:cNvSpPr>
-          <p:nvPr>
-            <p:ph type="title"/>
-          </p:nvPr>
-        </p:nvSpPr>
-        <p:spPr>
-          <a:xfrm>
-            <a:off x="1289642" y="540027"/>
-            <a:ext cx="8911687" cy="1280890"/>
-          </a:xfrm>
-        </p:spPr>
-        <p:txBody>
-          <a:bodyPr/>
-          <a:lstStyle/>
-          <a:p>
-            <a:pPr algn="ctr"/>
-            <a:r>
-              <a:rPr lang="en-US" dirty="0">
-                <a:latin typeface="Verdana" panose="020B0604030504040204" pitchFamily="34" charset="0"/>
-                <a:ea typeface="Verdana" panose="020B0604030504040204" pitchFamily="34" charset="0"/>
-                <a:cs typeface="Verdana" panose="020B0604030504040204" pitchFamily="34" charset="0"/>
-              </a:rPr>
-              <a:t>EXAMPLE 2 (NUMPY ADDITION)</a:t>
-            </a:r>
-            <a:endParaRPr lang="en-US" dirty="0">
-              <a:solidFill>
-                <a:schemeClr val="tx1">
-                  <a:lumMod val="75000"/>
-                  <a:lumOff val="25000"/>
-                </a:schemeClr>
-              </a:solidFill>
-              <a:latin typeface="Verdana" panose="020B0604030504040204" pitchFamily="34" charset="0"/>
-              <a:ea typeface="Verdana" panose="020B0604030504040204" pitchFamily="34" charset="0"/>
-              <a:cs typeface="Verdana" panose="020B0604030504040204" pitchFamily="34" charset="0"/>
-            </a:endParaRPr>
-          </a:p>
-        </p:txBody>
-      </p:sp>
-      <p:sp>
-        <p:nvSpPr>
-          <p:cNvPr id="3" name="Content Placeholder 2">
-            <a:extLst>
-              <a:ext uri="{FF2B5EF4-FFF2-40B4-BE49-F238E27FC236}">
-                <a16:creationId xmlns:a16="http://schemas.microsoft.com/office/drawing/2014/main" id="{A1DB5512-87E1-B445-B644-8B92BA4F942C}"/>
-              </a:ext>
-            </a:extLst>
-          </p:cNvPr>
-          <p:cNvSpPr>
-            <a:spLocks noGrp="1"/>
-          </p:cNvSpPr>
-          <p:nvPr>
-            <p:ph idx="1"/>
-          </p:nvPr>
-        </p:nvSpPr>
-        <p:spPr>
-          <a:xfrm>
-            <a:off x="581735" y="1202267"/>
-            <a:ext cx="10656354" cy="5567810"/>
-          </a:xfrm>
-        </p:spPr>
-        <p:txBody>
-          <a:bodyPr>
-            <a:noAutofit/>
-          </a:bodyPr>
-          <a:lstStyle/>
-          <a:p>
-            <a:r>
-              <a:rPr lang="en-US" sz="2000" dirty="0">
-                <a:solidFill>
-                  <a:schemeClr val="tx1"/>
-                </a:solidFill>
-                <a:latin typeface="Comic Sans MS" panose="030F0902030302020204" pitchFamily="66" charset="0"/>
-              </a:rPr>
-              <a:t>Array is a list of data, represented in [], so a = [1 , 2, 3] is an array of size 3</a:t>
-            </a:r>
-          </a:p>
-          <a:p>
-            <a:r>
-              <a:rPr lang="en-US" sz="2000" dirty="0">
-                <a:solidFill>
-                  <a:schemeClr val="tx1"/>
-                </a:solidFill>
-                <a:latin typeface="Comic Sans MS" panose="030F0902030302020204" pitchFamily="66" charset="0"/>
-              </a:rPr>
-              <a:t>Its elements are a[0], a[1], a[2]</a:t>
-            </a:r>
-          </a:p>
-          <a:p>
-            <a:r>
-              <a:rPr lang="en-US" sz="2000" dirty="0" err="1">
-                <a:solidFill>
-                  <a:schemeClr val="tx1"/>
-                </a:solidFill>
-                <a:latin typeface="Comic Sans MS" panose="030F0902030302020204" pitchFamily="66" charset="0"/>
-              </a:rPr>
-              <a:t>numpy</a:t>
-            </a:r>
-            <a:r>
-              <a:rPr lang="en-US" sz="2000" dirty="0">
-                <a:solidFill>
-                  <a:schemeClr val="tx1"/>
-                </a:solidFill>
-                <a:latin typeface="Comic Sans MS" panose="030F0902030302020204" pitchFamily="66" charset="0"/>
-              </a:rPr>
-              <a:t> module can be used to create an array -&gt; </a:t>
-            </a:r>
-            <a:r>
-              <a:rPr lang="en-US" sz="2000" dirty="0" err="1">
-                <a:solidFill>
-                  <a:schemeClr val="tx1"/>
-                </a:solidFill>
-                <a:latin typeface="Comic Sans MS" panose="030F0902030302020204" pitchFamily="66" charset="0"/>
-              </a:rPr>
-              <a:t>numpy</a:t>
-            </a:r>
-            <a:r>
-              <a:rPr lang="en-US" sz="2000" dirty="0">
-                <a:solidFill>
-                  <a:schemeClr val="tx1"/>
-                </a:solidFill>
-                <a:latin typeface="Comic Sans MS" panose="030F0902030302020204" pitchFamily="66" charset="0"/>
-              </a:rPr>
-              <a:t> provides functions</a:t>
-            </a:r>
-          </a:p>
-          <a:p>
-            <a:pPr marL="0" indent="0">
-              <a:buNone/>
-            </a:pPr>
-            <a:r>
-              <a:rPr lang="en-US" sz="2000" dirty="0" err="1">
-                <a:solidFill>
-                  <a:srgbClr val="000000"/>
-                </a:solidFill>
-                <a:latin typeface="Monaco" pitchFamily="2" charset="77"/>
-              </a:rPr>
-              <a:t>np.arange</a:t>
-            </a:r>
-            <a:r>
-              <a:rPr lang="en-US" sz="2000" dirty="0">
-                <a:solidFill>
-                  <a:srgbClr val="000000"/>
-                </a:solidFill>
-                <a:latin typeface="Monaco" pitchFamily="2" charset="77"/>
-              </a:rPr>
-              <a:t>(</a:t>
-            </a:r>
-            <a:r>
-              <a:rPr lang="en-US" sz="2000" dirty="0">
-                <a:solidFill>
-                  <a:srgbClr val="AC1E16"/>
-                </a:solidFill>
-                <a:latin typeface="Monaco" pitchFamily="2" charset="77"/>
-              </a:rPr>
-              <a:t>3.0</a:t>
-            </a:r>
-            <a:r>
-              <a:rPr lang="en-US" sz="2000" dirty="0">
-                <a:solidFill>
-                  <a:srgbClr val="000000"/>
-                </a:solidFill>
-                <a:latin typeface="Monaco" pitchFamily="2" charset="77"/>
-              </a:rPr>
-              <a:t>)    [0, 1.0, 2.0]</a:t>
-            </a:r>
-          </a:p>
-          <a:p>
-            <a:r>
-              <a:rPr lang="en-US" sz="2000" dirty="0">
-                <a:solidFill>
-                  <a:schemeClr val="tx1"/>
-                </a:solidFill>
-                <a:latin typeface="Comic Sans MS" panose="030F0902030302020204" pitchFamily="66" charset="0"/>
-              </a:rPr>
-              <a:t>directly define the array</a:t>
-            </a:r>
-          </a:p>
-          <a:p>
-            <a:pPr marL="0" indent="0">
-              <a:buNone/>
-            </a:pPr>
-            <a:r>
-              <a:rPr lang="en-US" sz="2000" dirty="0">
-                <a:solidFill>
-                  <a:schemeClr val="accent1"/>
-                </a:solidFill>
-                <a:latin typeface="Monaco" pitchFamily="2" charset="77"/>
-              </a:rPr>
-              <a:t>2. </a:t>
-            </a:r>
-            <a:r>
-              <a:rPr lang="en-US" sz="2000" dirty="0" err="1">
-                <a:solidFill>
-                  <a:schemeClr val="accent1"/>
-                </a:solidFill>
-                <a:latin typeface="Monaco" pitchFamily="2" charset="77"/>
-              </a:rPr>
-              <a:t>np.a</a:t>
-            </a:r>
-            <a:r>
-              <a:rPr lang="en-US" sz="2000" dirty="0">
-                <a:solidFill>
-                  <a:schemeClr val="accent1"/>
-                </a:solidFill>
-                <a:latin typeface="Monaco" pitchFamily="2" charset="77"/>
-              </a:rPr>
-              <a:t> = </a:t>
-            </a:r>
-            <a:r>
-              <a:rPr lang="en-US" sz="2000" dirty="0" err="1">
-                <a:solidFill>
-                  <a:schemeClr val="accent1"/>
-                </a:solidFill>
-                <a:latin typeface="Monaco" pitchFamily="2" charset="77"/>
-              </a:rPr>
-              <a:t>np.array</a:t>
-            </a:r>
-            <a:r>
-              <a:rPr lang="en-US" sz="2000" dirty="0">
-                <a:solidFill>
-                  <a:schemeClr val="accent1"/>
-                </a:solidFill>
-                <a:latin typeface="Monaco" pitchFamily="2" charset="77"/>
-              </a:rPr>
-              <a:t>([3, 6, 3]) </a:t>
-            </a:r>
-          </a:p>
-          <a:p>
-            <a:pPr marL="0" indent="0">
-              <a:buNone/>
-            </a:pPr>
-            <a:r>
-              <a:rPr lang="en-US" sz="2000" dirty="0">
-                <a:solidFill>
-                  <a:schemeClr val="accent1"/>
-                </a:solidFill>
-                <a:latin typeface="Monaco" pitchFamily="2" charset="77"/>
-              </a:rPr>
-              <a:t>3. </a:t>
-            </a:r>
-            <a:r>
-              <a:rPr lang="en-US" sz="2000" dirty="0" err="1">
-                <a:solidFill>
-                  <a:schemeClr val="accent1"/>
-                </a:solidFill>
-                <a:latin typeface="Monaco" pitchFamily="2" charset="77"/>
-              </a:rPr>
-              <a:t>np.b</a:t>
-            </a:r>
-            <a:r>
-              <a:rPr lang="en-US" sz="2000" dirty="0">
-                <a:solidFill>
-                  <a:schemeClr val="accent1"/>
-                </a:solidFill>
-                <a:latin typeface="Monaco" pitchFamily="2" charset="77"/>
-              </a:rPr>
-              <a:t> = </a:t>
-            </a:r>
-            <a:r>
-              <a:rPr lang="en-US" sz="2000" dirty="0" err="1">
-                <a:solidFill>
-                  <a:schemeClr val="accent1"/>
-                </a:solidFill>
-                <a:latin typeface="Monaco" pitchFamily="2" charset="77"/>
-              </a:rPr>
-              <a:t>np.array</a:t>
-            </a:r>
-            <a:r>
-              <a:rPr lang="en-US" sz="2000" dirty="0">
-                <a:solidFill>
-                  <a:schemeClr val="accent1"/>
-                </a:solidFill>
-                <a:latin typeface="Monaco" pitchFamily="2" charset="77"/>
-              </a:rPr>
-              <a:t>([5, 5, 4]) </a:t>
-            </a:r>
-          </a:p>
-          <a:p>
-            <a:pPr marL="0" indent="0">
-              <a:buNone/>
-            </a:pPr>
-            <a:endParaRPr lang="en-US" sz="2000" dirty="0">
-              <a:solidFill>
-                <a:schemeClr val="accent1"/>
-              </a:solidFill>
-              <a:latin typeface="Monaco" pitchFamily="2" charset="77"/>
-            </a:endParaRPr>
-          </a:p>
-          <a:p>
-            <a:r>
-              <a:rPr lang="en-US" sz="2000" dirty="0">
-                <a:solidFill>
-                  <a:schemeClr val="tx1"/>
-                </a:solidFill>
-                <a:latin typeface="Comic Sans MS" panose="030F0902030302020204" pitchFamily="66" charset="0"/>
-              </a:rPr>
-              <a:t>Now these two arrays can be summed up</a:t>
-            </a:r>
-          </a:p>
-          <a:p>
-            <a:pPr marL="0" indent="0">
-              <a:buNone/>
-            </a:pPr>
-            <a:r>
-              <a:rPr lang="en-US" sz="2000" dirty="0" err="1">
-                <a:solidFill>
-                  <a:schemeClr val="accent1"/>
-                </a:solidFill>
-                <a:latin typeface="Monaco" pitchFamily="2" charset="77"/>
-              </a:rPr>
-              <a:t>np.c</a:t>
-            </a:r>
-            <a:r>
-              <a:rPr lang="en-US" sz="2000" dirty="0">
-                <a:solidFill>
-                  <a:schemeClr val="accent1"/>
-                </a:solidFill>
-                <a:latin typeface="Monaco" pitchFamily="2" charset="77"/>
-              </a:rPr>
-              <a:t> = </a:t>
-            </a:r>
-            <a:r>
-              <a:rPr lang="en-US" sz="2000" dirty="0" err="1">
-                <a:solidFill>
-                  <a:schemeClr val="accent1"/>
-                </a:solidFill>
-                <a:latin typeface="Monaco" pitchFamily="2" charset="77"/>
-              </a:rPr>
-              <a:t>np.a</a:t>
-            </a:r>
-            <a:r>
-              <a:rPr lang="en-US" sz="2000" dirty="0">
-                <a:solidFill>
-                  <a:schemeClr val="accent1"/>
-                </a:solidFill>
-                <a:latin typeface="Monaco" pitchFamily="2" charset="77"/>
-              </a:rPr>
-              <a:t> + </a:t>
-            </a:r>
-            <a:r>
-              <a:rPr lang="en-US" sz="2000" dirty="0" err="1">
-                <a:solidFill>
-                  <a:schemeClr val="accent1"/>
-                </a:solidFill>
-                <a:latin typeface="Monaco" pitchFamily="2" charset="77"/>
-              </a:rPr>
-              <a:t>np.b</a:t>
-            </a:r>
-            <a:r>
-              <a:rPr lang="en-US" sz="2000" dirty="0">
-                <a:solidFill>
-                  <a:schemeClr val="accent1"/>
-                </a:solidFill>
-                <a:latin typeface="Monaco" pitchFamily="2" charset="77"/>
-              </a:rPr>
-              <a:t> </a:t>
-            </a:r>
-          </a:p>
-          <a:p>
-            <a:pPr marL="0" indent="0">
-              <a:buNone/>
-            </a:pPr>
-            <a:r>
-              <a:rPr lang="en-US" sz="2000" dirty="0">
-                <a:solidFill>
-                  <a:schemeClr val="accent1"/>
-                </a:solidFill>
-                <a:latin typeface="Monaco" pitchFamily="2" charset="77"/>
-              </a:rPr>
-              <a:t>print(</a:t>
-            </a:r>
-            <a:r>
-              <a:rPr lang="en-US" sz="2000" dirty="0" err="1">
-                <a:solidFill>
-                  <a:schemeClr val="accent1"/>
-                </a:solidFill>
-                <a:latin typeface="Monaco" pitchFamily="2" charset="77"/>
-              </a:rPr>
-              <a:t>np.c</a:t>
-            </a:r>
-            <a:r>
-              <a:rPr lang="en-US" sz="2000" dirty="0">
-                <a:solidFill>
-                  <a:schemeClr val="accent1"/>
-                </a:solidFill>
-                <a:latin typeface="Monaco" pitchFamily="2" charset="77"/>
-              </a:rPr>
-              <a:t>)</a:t>
-            </a:r>
-          </a:p>
-          <a:p>
-            <a:pPr marL="0" indent="0">
-              <a:buNone/>
-            </a:pPr>
-            <a:r>
-              <a:rPr lang="en-US" sz="2000" dirty="0">
-                <a:solidFill>
-                  <a:schemeClr val="accent1"/>
-                </a:solidFill>
-                <a:latin typeface="Monaco" pitchFamily="2" charset="77"/>
-              </a:rPr>
-              <a:t>&gt;&gt;[8, 11, 7]</a:t>
-            </a:r>
-            <a:endParaRPr lang="en-US" sz="2000" dirty="0">
-              <a:solidFill>
-                <a:schemeClr val="tx1"/>
-              </a:solidFill>
-              <a:latin typeface="Monaco" pitchFamily="2" charset="77"/>
-            </a:endParaRPr>
-          </a:p>
-          <a:p>
-            <a:pPr marL="0" indent="0">
-              <a:buNone/>
-            </a:pPr>
-            <a:endParaRPr lang="en-US" sz="2000" dirty="0">
-              <a:solidFill>
-                <a:schemeClr val="tx1"/>
-              </a:solidFill>
-              <a:latin typeface="Comic Sans MS" panose="030F0902030302020204" pitchFamily="66" charset="0"/>
-            </a:endParaRPr>
-          </a:p>
-          <a:p>
-            <a:endParaRPr lang="en-US" sz="2000" dirty="0"/>
-          </a:p>
-        </p:txBody>
-      </p:sp>
-    </p:spTree>
-    <p:extLst>
-      <p:ext uri="{BB962C8B-B14F-4D97-AF65-F5344CB8AC3E}">
-        <p14:creationId xmlns:p14="http://schemas.microsoft.com/office/powerpoint/2010/main" val="998554125"/>
-      </p:ext>
-    </p:extLst>
-  </p:cSld>
-  <p:clrMapOvr>
-    <a:masterClrMapping/>
-  </p:clrMapOvr>
-  <p:timing>
-    <p:tnLst>
-      <p:par>
-        <p:cTn id="1" dur="indefinite" restart="never" nodeType="tmRoot">
-          <p:childTnLst>
-            <p:seq concurrent="1" nextAc="seek">
-              <p:cTn id="2" dur="indefinite" nodeType="mainSeq">
-                <p:childTnLst>
-                  <p:par>
-                    <p:cTn id="3" fill="hold">
-                      <p:stCondLst>
-                        <p:cond delay="indefinite"/>
-                      </p:stCondLst>
-                      <p:childTnLst>
-                        <p:par>
-                          <p:cTn id="4" fill="hold">
-                            <p:stCondLst>
-                              <p:cond delay="0"/>
-                            </p:stCondLst>
-                            <p:childTnLst>
-                              <p:par>
-                                <p:cTn id="5" presetID="1" presetClass="entr" presetSubtype="0" fill="hold" nodeType="clickEffect">
-                                  <p:stCondLst>
-                                    <p:cond delay="0"/>
-                                  </p:stCondLst>
-                                  <p:childTnLst>
-                                    <p:set>
-                                      <p:cBhvr>
-                                        <p:cTn id="6" dur="1" fill="hold">
-                                          <p:stCondLst>
-                                            <p:cond delay="0"/>
-                                          </p:stCondLst>
-                                        </p:cTn>
-                                        <p:tgtEl>
-                                          <p:spTgt spid="3">
-                                            <p:txEl>
-                                              <p:pRg st="0" end="0"/>
-                                            </p:txEl>
-                                          </p:spTgt>
-                                        </p:tgtEl>
-                                        <p:attrNameLst>
-                                          <p:attrName>style.visibility</p:attrName>
-                                        </p:attrNameLst>
-                                      </p:cBhvr>
-                                      <p:to>
-                                        <p:strVal val="visible"/>
-                                      </p:to>
-                                    </p:set>
-                                  </p:childTnLst>
-                                </p:cTn>
-                              </p:par>
-                              <p:par>
-                                <p:cTn id="7" presetID="1" presetClass="entr" presetSubtype="0" fill="hold" nodeType="withEffect">
-                                  <p:stCondLst>
-                                    <p:cond delay="0"/>
-                                  </p:stCondLst>
-                                  <p:childTnLst>
-                                    <p:set>
-                                      <p:cBhvr>
-                                        <p:cTn id="8" dur="1" fill="hold">
-                                          <p:stCondLst>
-                                            <p:cond delay="0"/>
-                                          </p:stCondLst>
-                                        </p:cTn>
-                                        <p:tgtEl>
-                                          <p:spTgt spid="3">
-                                            <p:txEl>
-                                              <p:pRg st="1" end="1"/>
-                                            </p:txEl>
-                                          </p:spTgt>
-                                        </p:tgtEl>
-                                        <p:attrNameLst>
-                                          <p:attrName>style.visibility</p:attrName>
-                                        </p:attrNameLst>
-                                      </p:cBhvr>
-                                      <p:to>
-                                        <p:strVal val="visible"/>
-                                      </p:to>
-                                    </p:set>
-                                  </p:childTnLst>
-                                </p:cTn>
-                              </p:par>
-                            </p:childTnLst>
-                          </p:cTn>
-                        </p:par>
-                      </p:childTnLst>
-                    </p:cTn>
-                  </p:par>
-                  <p:par>
-                    <p:cTn id="9" fill="hold">
-                      <p:stCondLst>
-                        <p:cond delay="indefinite"/>
-                      </p:stCondLst>
-                      <p:childTnLst>
-                        <p:par>
-                          <p:cTn id="10" fill="hold">
-                            <p:stCondLst>
-                              <p:cond delay="0"/>
-                            </p:stCondLst>
-                            <p:childTnLst>
-                              <p:par>
-                                <p:cTn id="11" presetID="1" presetClass="entr" presetSubtype="0" fill="hold" nodeType="clickEffect">
-                                  <p:stCondLst>
-                                    <p:cond delay="0"/>
-                                  </p:stCondLst>
-                                  <p:childTnLst>
-                                    <p:set>
-                                      <p:cBhvr>
-                                        <p:cTn id="12" dur="1" fill="hold">
-                                          <p:stCondLst>
-                                            <p:cond delay="0"/>
-                                          </p:stCondLst>
-                                        </p:cTn>
-                                        <p:tgtEl>
-                                          <p:spTgt spid="3">
-                                            <p:txEl>
-                                              <p:pRg st="2" end="2"/>
-                                            </p:txEl>
-                                          </p:spTgt>
-                                        </p:tgtEl>
-                                        <p:attrNameLst>
-                                          <p:attrName>style.visibility</p:attrName>
-                                        </p:attrNameLst>
-                                      </p:cBhvr>
-                                      <p:to>
-                                        <p:strVal val="visible"/>
-                                      </p:to>
-                                    </p:set>
-                                  </p:childTnLst>
-                                </p:cTn>
-                              </p:par>
-                              <p:par>
-                                <p:cTn id="13" presetID="1" presetClass="entr" presetSubtype="0" fill="hold" nodeType="withEffect">
-                                  <p:stCondLst>
-                                    <p:cond delay="0"/>
-                                  </p:stCondLst>
-                                  <p:childTnLst>
-                                    <p:set>
-                                      <p:cBhvr>
-                                        <p:cTn id="14" dur="1" fill="hold">
-                                          <p:stCondLst>
-                                            <p:cond delay="0"/>
-                                          </p:stCondLst>
-                                        </p:cTn>
-                                        <p:tgtEl>
-                                          <p:spTgt spid="3">
-                                            <p:txEl>
-                                              <p:pRg st="3" end="3"/>
-                                            </p:txEl>
-                                          </p:spTgt>
-                                        </p:tgtEl>
-                                        <p:attrNameLst>
-                                          <p:attrName>style.visibility</p:attrName>
-                                        </p:attrNameLst>
-                                      </p:cBhvr>
-                                      <p:to>
-                                        <p:strVal val="visible"/>
-                                      </p:to>
-                                    </p:set>
-                                  </p:childTnLst>
-                                </p:cTn>
-                              </p:par>
-                            </p:childTnLst>
-                          </p:cTn>
-                        </p:par>
-                      </p:childTnLst>
-                    </p:cTn>
-                  </p:par>
-                  <p:par>
-                    <p:cTn id="15" fill="hold">
-                      <p:stCondLst>
-                        <p:cond delay="indefinite"/>
-                      </p:stCondLst>
-                      <p:childTnLst>
-                        <p:par>
-                          <p:cTn id="16" fill="hold">
-                            <p:stCondLst>
-                              <p:cond delay="0"/>
-                            </p:stCondLst>
-                            <p:childTnLst>
-                              <p:par>
-                                <p:cTn id="17" presetID="1" presetClass="entr" presetSubtype="0" fill="hold" nodeType="clickEffect">
-                                  <p:stCondLst>
-                                    <p:cond delay="0"/>
-                                  </p:stCondLst>
-                                  <p:childTnLst>
-                                    <p:set>
-                                      <p:cBhvr>
-                                        <p:cTn id="18" dur="1" fill="hold">
-                                          <p:stCondLst>
-                                            <p:cond delay="0"/>
-                                          </p:stCondLst>
-                                        </p:cTn>
-                                        <p:tgtEl>
-                                          <p:spTgt spid="3">
-                                            <p:txEl>
-                                              <p:pRg st="4" end="4"/>
-                                            </p:txEl>
-                                          </p:spTgt>
-                                        </p:tgtEl>
-                                        <p:attrNameLst>
-                                          <p:attrName>style.visibility</p:attrName>
-                                        </p:attrNameLst>
-                                      </p:cBhvr>
-                                      <p:to>
-                                        <p:strVal val="visible"/>
-                                      </p:to>
-                                    </p:set>
-                                  </p:childTnLst>
-                                </p:cTn>
-                              </p:par>
-                              <p:par>
-                                <p:cTn id="19" presetID="1" presetClass="entr" presetSubtype="0" fill="hold" nodeType="withEffect">
-                                  <p:stCondLst>
-                                    <p:cond delay="0"/>
-                                  </p:stCondLst>
-                                  <p:childTnLst>
-                                    <p:set>
-                                      <p:cBhvr>
-                                        <p:cTn id="20" dur="1" fill="hold">
-                                          <p:stCondLst>
-                                            <p:cond delay="0"/>
-                                          </p:stCondLst>
-                                        </p:cTn>
-                                        <p:tgtEl>
-                                          <p:spTgt spid="3">
-                                            <p:txEl>
-                                              <p:pRg st="5" end="5"/>
-                                            </p:txEl>
-                                          </p:spTgt>
-                                        </p:tgtEl>
-                                        <p:attrNameLst>
-                                          <p:attrName>style.visibility</p:attrName>
-                                        </p:attrNameLst>
-                                      </p:cBhvr>
-                                      <p:to>
-                                        <p:strVal val="visible"/>
-                                      </p:to>
-                                    </p:set>
-                                  </p:childTnLst>
-                                </p:cTn>
-                              </p:par>
-                              <p:par>
-                                <p:cTn id="21" presetID="1" presetClass="entr" presetSubtype="0" fill="hold" nodeType="withEffect">
-                                  <p:stCondLst>
-                                    <p:cond delay="0"/>
-                                  </p:stCondLst>
-                                  <p:childTnLst>
-                                    <p:set>
-                                      <p:cBhvr>
-                                        <p:cTn id="22" dur="1" fill="hold">
-                                          <p:stCondLst>
-                                            <p:cond delay="0"/>
-                                          </p:stCondLst>
-                                        </p:cTn>
-                                        <p:tgtEl>
-                                          <p:spTgt spid="3">
-                                            <p:txEl>
-                                              <p:pRg st="6" end="6"/>
-                                            </p:txEl>
-                                          </p:spTgt>
-                                        </p:tgtEl>
-                                        <p:attrNameLst>
-                                          <p:attrName>style.visibility</p:attrName>
-                                        </p:attrNameLst>
-                                      </p:cBhvr>
-                                      <p:to>
-                                        <p:strVal val="visible"/>
-                                      </p:to>
-                                    </p:set>
-                                  </p:childTnLst>
-                                </p:cTn>
-                              </p:par>
-                            </p:childTnLst>
-                          </p:cTn>
-                        </p:par>
-                      </p:childTnLst>
-                    </p:cTn>
-                  </p:par>
-                  <p:par>
-                    <p:cTn id="23" fill="hold">
-                      <p:stCondLst>
-                        <p:cond delay="indefinite"/>
-                      </p:stCondLst>
-                      <p:childTnLst>
-                        <p:par>
-                          <p:cTn id="24" fill="hold">
-                            <p:stCondLst>
-                              <p:cond delay="0"/>
-                            </p:stCondLst>
-                            <p:childTnLst>
-                              <p:par>
-                                <p:cTn id="25" presetID="1" presetClass="entr" presetSubtype="0" fill="hold" nodeType="clickEffect">
-                                  <p:stCondLst>
-                                    <p:cond delay="0"/>
-                                  </p:stCondLst>
-                                  <p:childTnLst>
-                                    <p:set>
-                                      <p:cBhvr>
-                                        <p:cTn id="26" dur="1" fill="hold">
-                                          <p:stCondLst>
-                                            <p:cond delay="0"/>
-                                          </p:stCondLst>
-                                        </p:cTn>
-                                        <p:tgtEl>
-                                          <p:spTgt spid="3">
-                                            <p:txEl>
-                                              <p:pRg st="8" end="8"/>
-                                            </p:txEl>
-                                          </p:spTgt>
-                                        </p:tgtEl>
-                                        <p:attrNameLst>
-                                          <p:attrName>style.visibility</p:attrName>
-                                        </p:attrNameLst>
-                                      </p:cBhvr>
-                                      <p:to>
-                                        <p:strVal val="visible"/>
-                                      </p:to>
-                                    </p:set>
-                                  </p:childTnLst>
-                                </p:cTn>
-                              </p:par>
-                              <p:par>
-                                <p:cTn id="27" presetID="1" presetClass="entr" presetSubtype="0" fill="hold" nodeType="withEffect">
-                                  <p:stCondLst>
-                                    <p:cond delay="0"/>
-                                  </p:stCondLst>
-                                  <p:childTnLst>
-                                    <p:set>
-                                      <p:cBhvr>
-                                        <p:cTn id="28" dur="1" fill="hold">
-                                          <p:stCondLst>
-                                            <p:cond delay="0"/>
-                                          </p:stCondLst>
-                                        </p:cTn>
-                                        <p:tgtEl>
-                                          <p:spTgt spid="3">
-                                            <p:txEl>
-                                              <p:pRg st="9" end="9"/>
-                                            </p:txEl>
-                                          </p:spTgt>
-                                        </p:tgtEl>
-                                        <p:attrNameLst>
-                                          <p:attrName>style.visibility</p:attrName>
-                                        </p:attrNameLst>
-                                      </p:cBhvr>
-                                      <p:to>
-                                        <p:strVal val="visible"/>
-                                      </p:to>
-                                    </p:set>
-                                  </p:childTnLst>
-                                </p:cTn>
-                              </p:par>
-                            </p:childTnLst>
-                          </p:cTn>
-                        </p:par>
-                      </p:childTnLst>
-                    </p:cTn>
-                  </p:par>
-                  <p:par>
-                    <p:cTn id="29" fill="hold">
-                      <p:stCondLst>
-                        <p:cond delay="indefinite"/>
-                      </p:stCondLst>
-                      <p:childTnLst>
-                        <p:par>
-                          <p:cTn id="30" fill="hold">
-                            <p:stCondLst>
-                              <p:cond delay="0"/>
-                            </p:stCondLst>
-                            <p:childTnLst>
-                              <p:par>
-                                <p:cTn id="31" presetID="1" presetClass="entr" presetSubtype="0" fill="hold" nodeType="clickEffect">
-                                  <p:stCondLst>
-                                    <p:cond delay="0"/>
-                                  </p:stCondLst>
-                                  <p:childTnLst>
-                                    <p:set>
-                                      <p:cBhvr>
-                                        <p:cTn id="32" dur="1" fill="hold">
-                                          <p:stCondLst>
-                                            <p:cond delay="0"/>
-                                          </p:stCondLst>
-                                        </p:cTn>
-                                        <p:tgtEl>
-                                          <p:spTgt spid="3">
-                                            <p:txEl>
-                                              <p:pRg st="10" end="10"/>
-                                            </p:txEl>
-                                          </p:spTgt>
-                                        </p:tgtEl>
-                                        <p:attrNameLst>
-                                          <p:attrName>style.visibility</p:attrName>
-                                        </p:attrNameLst>
-                                      </p:cBhvr>
-                                      <p:to>
-                                        <p:strVal val="visible"/>
-                                      </p:to>
-                                    </p:set>
-                                  </p:childTnLst>
-                                </p:cTn>
-                              </p:par>
-                            </p:childTnLst>
-                          </p:cTn>
-                        </p:par>
-                      </p:childTnLst>
-                    </p:cTn>
-                  </p:par>
-                  <p:par>
-                    <p:cTn id="33" fill="hold">
-                      <p:stCondLst>
-                        <p:cond delay="indefinite"/>
-                      </p:stCondLst>
-                      <p:childTnLst>
-                        <p:par>
-                          <p:cTn id="34" fill="hold">
-                            <p:stCondLst>
-                              <p:cond delay="0"/>
-                            </p:stCondLst>
-                            <p:childTnLst>
-                              <p:par>
-                                <p:cTn id="35" presetID="1" presetClass="entr" presetSubtype="0" fill="hold" nodeType="clickEffect">
-                                  <p:stCondLst>
-                                    <p:cond delay="0"/>
-                                  </p:stCondLst>
-                                  <p:childTnLst>
-                                    <p:set>
-                                      <p:cBhvr>
-                                        <p:cTn id="36" dur="1" fill="hold">
                                           <p:stCondLst>
                                             <p:cond delay="0"/>
                                           </p:stCondLst>

--- a/Day2_Lecture_Intro to Parallel Computing.pptx
+++ b/Day2_Lecture_Intro to Parallel Computing.pptx
@@ -5,38 +5,40 @@
     <p:sldMasterId id="2147483648" r:id="rId1"/>
   </p:sldMasterIdLst>
   <p:notesMasterIdLst>
-    <p:notesMasterId r:id="rId31"/>
+    <p:notesMasterId r:id="rId33"/>
   </p:notesMasterIdLst>
   <p:sldIdLst>
     <p:sldId id="256" r:id="rId2"/>
     <p:sldId id="258" r:id="rId3"/>
     <p:sldId id="280" r:id="rId4"/>
     <p:sldId id="290" r:id="rId5"/>
-    <p:sldId id="303" r:id="rId6"/>
-    <p:sldId id="304" r:id="rId7"/>
-    <p:sldId id="291" r:id="rId8"/>
-    <p:sldId id="312" r:id="rId9"/>
-    <p:sldId id="292" r:id="rId10"/>
-    <p:sldId id="294" r:id="rId11"/>
-    <p:sldId id="293" r:id="rId12"/>
-    <p:sldId id="282" r:id="rId13"/>
-    <p:sldId id="297" r:id="rId14"/>
-    <p:sldId id="301" r:id="rId15"/>
-    <p:sldId id="302" r:id="rId16"/>
-    <p:sldId id="283" r:id="rId17"/>
-    <p:sldId id="300" r:id="rId18"/>
-    <p:sldId id="285" r:id="rId19"/>
-    <p:sldId id="287" r:id="rId20"/>
-    <p:sldId id="305" r:id="rId21"/>
-    <p:sldId id="306" r:id="rId22"/>
-    <p:sldId id="295" r:id="rId23"/>
-    <p:sldId id="299" r:id="rId24"/>
-    <p:sldId id="296" r:id="rId25"/>
-    <p:sldId id="309" r:id="rId26"/>
-    <p:sldId id="310" r:id="rId27"/>
-    <p:sldId id="311" r:id="rId28"/>
-    <p:sldId id="286" r:id="rId29"/>
-    <p:sldId id="284" r:id="rId30"/>
+    <p:sldId id="314" r:id="rId6"/>
+    <p:sldId id="315" r:id="rId7"/>
+    <p:sldId id="316" r:id="rId8"/>
+    <p:sldId id="291" r:id="rId9"/>
+    <p:sldId id="317" r:id="rId10"/>
+    <p:sldId id="312" r:id="rId11"/>
+    <p:sldId id="292" r:id="rId12"/>
+    <p:sldId id="294" r:id="rId13"/>
+    <p:sldId id="293" r:id="rId14"/>
+    <p:sldId id="282" r:id="rId15"/>
+    <p:sldId id="297" r:id="rId16"/>
+    <p:sldId id="301" r:id="rId17"/>
+    <p:sldId id="302" r:id="rId18"/>
+    <p:sldId id="283" r:id="rId19"/>
+    <p:sldId id="300" r:id="rId20"/>
+    <p:sldId id="285" r:id="rId21"/>
+    <p:sldId id="287" r:id="rId22"/>
+    <p:sldId id="305" r:id="rId23"/>
+    <p:sldId id="306" r:id="rId24"/>
+    <p:sldId id="295" r:id="rId25"/>
+    <p:sldId id="299" r:id="rId26"/>
+    <p:sldId id="296" r:id="rId27"/>
+    <p:sldId id="309" r:id="rId28"/>
+    <p:sldId id="310" r:id="rId29"/>
+    <p:sldId id="311" r:id="rId30"/>
+    <p:sldId id="286" r:id="rId31"/>
+    <p:sldId id="284" r:id="rId32"/>
   </p:sldIdLst>
   <p:sldSz cx="12192000" cy="6858000"/>
   <p:notesSz cx="6858000" cy="9144000"/>
@@ -225,7 +227,7 @@
           <a:p>
             <a:fld id="{5204FA25-B897-4B47-BFFA-F7C98077773C}" type="datetimeFigureOut">
               <a:rPr lang="en-US" smtClean="0"/>
-              <a:t>7/2/2024</a:t>
+              <a:t>7/5/2024</a:t>
             </a:fld>
             <a:endParaRPr lang="en-US"/>
           </a:p>
@@ -622,7 +624,7 @@
           <a:p>
             <a:r>
               <a:rPr lang="en-US" dirty="0"/>
-              <a:t>Some historical figures</a:t>
+              <a:t>Sometimes some calculations we do can take over a moth on regular serial computing</a:t>
             </a:r>
           </a:p>
         </p:txBody>
@@ -642,78 +644,18 @@
           <a:bodyPr/>
           <a:lstStyle/>
           <a:p>
-            <a:pPr marL="0" marR="0" lvl="0" indent="0" algn="r" defTabSz="457200" rtl="0" eaLnBrk="1" fontAlgn="auto" latinLnBrk="0" hangingPunct="1">
-              <a:lnSpc>
-                <a:spcPct val="100000"/>
-              </a:lnSpc>
-              <a:spcBef>
-                <a:spcPts val="0"/>
-              </a:spcBef>
-              <a:spcAft>
-                <a:spcPts val="0"/>
-              </a:spcAft>
-              <a:buClrTx/>
-              <a:buSzTx/>
-              <a:buFontTx/>
-              <a:buNone/>
-              <a:tabLst/>
-              <a:defRPr/>
-            </a:pPr>
             <a:fld id="{B3E2497A-CE9D-884A-84A2-67192793543B}" type="slidenum">
-              <a:rPr kumimoji="0" lang="en-US" sz="1200" b="0" i="0" u="none" strike="noStrike" kern="1200" cap="none" spc="0" normalizeH="0" baseline="0" noProof="0" smtClean="0">
-                <a:ln>
-                  <a:noFill/>
-                </a:ln>
-                <a:solidFill>
-                  <a:prstClr val="black"/>
-                </a:solidFill>
-                <a:effectLst/>
-                <a:uLnTx/>
-                <a:uFillTx/>
-                <a:latin typeface="Calibri" panose="020F0502020204030204"/>
-                <a:ea typeface="+mn-ea"/>
-                <a:cs typeface="+mn-cs"/>
-              </a:rPr>
-              <a:pPr marL="0" marR="0" lvl="0" indent="0" algn="r" defTabSz="457200" rtl="0" eaLnBrk="1" fontAlgn="auto" latinLnBrk="0" hangingPunct="1">
-                <a:lnSpc>
-                  <a:spcPct val="100000"/>
-                </a:lnSpc>
-                <a:spcBef>
-                  <a:spcPts val="0"/>
-                </a:spcBef>
-                <a:spcAft>
-                  <a:spcPts val="0"/>
-                </a:spcAft>
-                <a:buClrTx/>
-                <a:buSzTx/>
-                <a:buFontTx/>
-                <a:buNone/>
-                <a:tabLst/>
-                <a:defRPr/>
-              </a:pPr>
-              <a:t>13</a:t>
+              <a:rPr lang="en-US" smtClean="0"/>
+              <a:t>14</a:t>
             </a:fld>
-            <a:endParaRPr kumimoji="0" lang="en-US" sz="1200" b="0" i="0" u="none" strike="noStrike" kern="1200" cap="none" spc="0" normalizeH="0" baseline="0" noProof="0">
-              <a:ln>
-                <a:noFill/>
-              </a:ln>
-              <a:solidFill>
-                <a:prstClr val="black"/>
-              </a:solidFill>
-              <a:effectLst/>
-              <a:uLnTx/>
-              <a:uFillTx/>
-              <a:latin typeface="Calibri" panose="020F0502020204030204"/>
-              <a:ea typeface="+mn-ea"/>
-              <a:cs typeface="+mn-cs"/>
-            </a:endParaRPr>
+            <a:endParaRPr lang="en-US"/>
           </a:p>
         </p:txBody>
       </p:sp>
     </p:spTree>
     <p:extLst>
       <p:ext uri="{BB962C8B-B14F-4D97-AF65-F5344CB8AC3E}">
-        <p14:creationId xmlns:p14="http://schemas.microsoft.com/office/powerpoint/2010/main" val="1003089838"/>
+        <p14:creationId xmlns:p14="http://schemas.microsoft.com/office/powerpoint/2010/main" val="708671621"/>
       </p:ext>
     </p:extLst>
   </p:cSld>
@@ -838,7 +780,7 @@
                 <a:tabLst/>
                 <a:defRPr/>
               </a:pPr>
-              <a:t>14</a:t>
+              <a:t>15</a:t>
             </a:fld>
             <a:endParaRPr kumimoji="0" lang="en-US" sz="1200" b="0" i="0" u="none" strike="noStrike" kern="1200" cap="none" spc="0" normalizeH="0" baseline="0" noProof="0">
               <a:ln>
@@ -985,7 +927,7 @@
                 <a:tabLst/>
                 <a:defRPr/>
               </a:pPr>
-              <a:t>15</a:t>
+              <a:t>16</a:t>
             </a:fld>
             <a:endParaRPr kumimoji="0" lang="en-US" sz="1200" b="0" i="0" u="none" strike="noStrike" kern="1200" cap="none" spc="0" normalizeH="0" baseline="0" noProof="0">
               <a:ln>
@@ -1007,7 +949,7 @@
     </p:spTree>
     <p:extLst>
       <p:ext uri="{BB962C8B-B14F-4D97-AF65-F5344CB8AC3E}">
-        <p14:creationId xmlns:p14="http://schemas.microsoft.com/office/powerpoint/2010/main" val="31296861"/>
+        <p14:creationId xmlns:p14="http://schemas.microsoft.com/office/powerpoint/2010/main" val="1003089838"/>
       </p:ext>
     </p:extLst>
   </p:cSld>
@@ -1083,18 +1025,78 @@
           <a:bodyPr/>
           <a:lstStyle/>
           <a:p>
+            <a:pPr marL="0" marR="0" lvl="0" indent="0" algn="r" defTabSz="457200" rtl="0" eaLnBrk="1" fontAlgn="auto" latinLnBrk="0" hangingPunct="1">
+              <a:lnSpc>
+                <a:spcPct val="100000"/>
+              </a:lnSpc>
+              <a:spcBef>
+                <a:spcPts val="0"/>
+              </a:spcBef>
+              <a:spcAft>
+                <a:spcPts val="0"/>
+              </a:spcAft>
+              <a:buClrTx/>
+              <a:buSzTx/>
+              <a:buFontTx/>
+              <a:buNone/>
+              <a:tabLst/>
+              <a:defRPr/>
+            </a:pPr>
             <a:fld id="{B3E2497A-CE9D-884A-84A2-67192793543B}" type="slidenum">
-              <a:rPr lang="en-US" smtClean="0"/>
-              <a:t>16</a:t>
+              <a:rPr kumimoji="0" lang="en-US" sz="1200" b="0" i="0" u="none" strike="noStrike" kern="1200" cap="none" spc="0" normalizeH="0" baseline="0" noProof="0" smtClean="0">
+                <a:ln>
+                  <a:noFill/>
+                </a:ln>
+                <a:solidFill>
+                  <a:prstClr val="black"/>
+                </a:solidFill>
+                <a:effectLst/>
+                <a:uLnTx/>
+                <a:uFillTx/>
+                <a:latin typeface="Calibri" panose="020F0502020204030204"/>
+                <a:ea typeface="+mn-ea"/>
+                <a:cs typeface="+mn-cs"/>
+              </a:rPr>
+              <a:pPr marL="0" marR="0" lvl="0" indent="0" algn="r" defTabSz="457200" rtl="0" eaLnBrk="1" fontAlgn="auto" latinLnBrk="0" hangingPunct="1">
+                <a:lnSpc>
+                  <a:spcPct val="100000"/>
+                </a:lnSpc>
+                <a:spcBef>
+                  <a:spcPts val="0"/>
+                </a:spcBef>
+                <a:spcAft>
+                  <a:spcPts val="0"/>
+                </a:spcAft>
+                <a:buClrTx/>
+                <a:buSzTx/>
+                <a:buFontTx/>
+                <a:buNone/>
+                <a:tabLst/>
+                <a:defRPr/>
+              </a:pPr>
+              <a:t>17</a:t>
             </a:fld>
-            <a:endParaRPr lang="en-US"/>
+            <a:endParaRPr kumimoji="0" lang="en-US" sz="1200" b="0" i="0" u="none" strike="noStrike" kern="1200" cap="none" spc="0" normalizeH="0" baseline="0" noProof="0">
+              <a:ln>
+                <a:noFill/>
+              </a:ln>
+              <a:solidFill>
+                <a:prstClr val="black"/>
+              </a:solidFill>
+              <a:effectLst/>
+              <a:uLnTx/>
+              <a:uFillTx/>
+              <a:latin typeface="Calibri" panose="020F0502020204030204"/>
+              <a:ea typeface="+mn-ea"/>
+              <a:cs typeface="+mn-cs"/>
+            </a:endParaRPr>
           </a:p>
         </p:txBody>
       </p:sp>
     </p:spTree>
     <p:extLst>
       <p:ext uri="{BB962C8B-B14F-4D97-AF65-F5344CB8AC3E}">
-        <p14:creationId xmlns:p14="http://schemas.microsoft.com/office/powerpoint/2010/main" val="4278426755"/>
+        <p14:creationId xmlns:p14="http://schemas.microsoft.com/office/powerpoint/2010/main" val="31296861"/>
       </p:ext>
     </p:extLst>
   </p:cSld>
@@ -1170,78 +1172,18 @@
           <a:bodyPr/>
           <a:lstStyle/>
           <a:p>
-            <a:pPr marL="0" marR="0" lvl="0" indent="0" algn="r" defTabSz="457200" rtl="0" eaLnBrk="1" fontAlgn="auto" latinLnBrk="0" hangingPunct="1">
-              <a:lnSpc>
-                <a:spcPct val="100000"/>
-              </a:lnSpc>
-              <a:spcBef>
-                <a:spcPts val="0"/>
-              </a:spcBef>
-              <a:spcAft>
-                <a:spcPts val="0"/>
-              </a:spcAft>
-              <a:buClrTx/>
-              <a:buSzTx/>
-              <a:buFontTx/>
-              <a:buNone/>
-              <a:tabLst/>
-              <a:defRPr/>
-            </a:pPr>
             <a:fld id="{B3E2497A-CE9D-884A-84A2-67192793543B}" type="slidenum">
-              <a:rPr kumimoji="0" lang="en-US" sz="1200" b="0" i="0" u="none" strike="noStrike" kern="1200" cap="none" spc="0" normalizeH="0" baseline="0" noProof="0" smtClean="0">
-                <a:ln>
-                  <a:noFill/>
-                </a:ln>
-                <a:solidFill>
-                  <a:prstClr val="black"/>
-                </a:solidFill>
-                <a:effectLst/>
-                <a:uLnTx/>
-                <a:uFillTx/>
-                <a:latin typeface="Calibri" panose="020F0502020204030204"/>
-                <a:ea typeface="+mn-ea"/>
-                <a:cs typeface="+mn-cs"/>
-              </a:rPr>
-              <a:pPr marL="0" marR="0" lvl="0" indent="0" algn="r" defTabSz="457200" rtl="0" eaLnBrk="1" fontAlgn="auto" latinLnBrk="0" hangingPunct="1">
-                <a:lnSpc>
-                  <a:spcPct val="100000"/>
-                </a:lnSpc>
-                <a:spcBef>
-                  <a:spcPts val="0"/>
-                </a:spcBef>
-                <a:spcAft>
-                  <a:spcPts val="0"/>
-                </a:spcAft>
-                <a:buClrTx/>
-                <a:buSzTx/>
-                <a:buFontTx/>
-                <a:buNone/>
-                <a:tabLst/>
-                <a:defRPr/>
-              </a:pPr>
-              <a:t>17</a:t>
+              <a:rPr lang="en-US" smtClean="0"/>
+              <a:t>18</a:t>
             </a:fld>
-            <a:endParaRPr kumimoji="0" lang="en-US" sz="1200" b="0" i="0" u="none" strike="noStrike" kern="1200" cap="none" spc="0" normalizeH="0" baseline="0" noProof="0">
-              <a:ln>
-                <a:noFill/>
-              </a:ln>
-              <a:solidFill>
-                <a:prstClr val="black"/>
-              </a:solidFill>
-              <a:effectLst/>
-              <a:uLnTx/>
-              <a:uFillTx/>
-              <a:latin typeface="Calibri" panose="020F0502020204030204"/>
-              <a:ea typeface="+mn-ea"/>
-              <a:cs typeface="+mn-cs"/>
-            </a:endParaRPr>
+            <a:endParaRPr lang="en-US"/>
           </a:p>
         </p:txBody>
       </p:sp>
     </p:spTree>
     <p:extLst>
       <p:ext uri="{BB962C8B-B14F-4D97-AF65-F5344CB8AC3E}">
-        <p14:creationId xmlns:p14="http://schemas.microsoft.com/office/powerpoint/2010/main" val="2008965214"/>
+        <p14:creationId xmlns:p14="http://schemas.microsoft.com/office/powerpoint/2010/main" val="4278426755"/>
       </p:ext>
     </p:extLst>
   </p:cSld>
@@ -1297,7 +1239,7 @@
           <a:p>
             <a:r>
               <a:rPr lang="en-US" dirty="0"/>
-              <a:t>Zoom poll: which is a language</a:t>
+              <a:t>Some historical figures</a:t>
             </a:r>
           </a:p>
         </p:txBody>
@@ -1366,7 +1308,7 @@
                 <a:tabLst/>
                 <a:defRPr/>
               </a:pPr>
-              <a:t>18</a:t>
+              <a:t>19</a:t>
             </a:fld>
             <a:endParaRPr kumimoji="0" lang="en-US" sz="1200" b="0" i="0" u="none" strike="noStrike" kern="1200" cap="none" spc="0" normalizeH="0" baseline="0" noProof="0">
               <a:ln>
@@ -1388,7 +1330,7 @@
     </p:spTree>
     <p:extLst>
       <p:ext uri="{BB962C8B-B14F-4D97-AF65-F5344CB8AC3E}">
-        <p14:creationId xmlns:p14="http://schemas.microsoft.com/office/powerpoint/2010/main" val="1404720938"/>
+        <p14:creationId xmlns:p14="http://schemas.microsoft.com/office/powerpoint/2010/main" val="2008965214"/>
       </p:ext>
     </p:extLst>
   </p:cSld>
@@ -1444,7 +1386,7 @@
           <a:p>
             <a:r>
               <a:rPr lang="en-US" dirty="0"/>
-              <a:t>Some historical figures</a:t>
+              <a:t>Zoom poll: which is a language</a:t>
             </a:r>
           </a:p>
         </p:txBody>
@@ -1513,7 +1455,7 @@
                 <a:tabLst/>
                 <a:defRPr/>
               </a:pPr>
-              <a:t>19</a:t>
+              <a:t>20</a:t>
             </a:fld>
             <a:endParaRPr kumimoji="0" lang="en-US" sz="1200" b="0" i="0" u="none" strike="noStrike" kern="1200" cap="none" spc="0" normalizeH="0" baseline="0" noProof="0">
               <a:ln>
@@ -1535,7 +1477,7 @@
     </p:spTree>
     <p:extLst>
       <p:ext uri="{BB962C8B-B14F-4D97-AF65-F5344CB8AC3E}">
-        <p14:creationId xmlns:p14="http://schemas.microsoft.com/office/powerpoint/2010/main" val="1665449226"/>
+        <p14:creationId xmlns:p14="http://schemas.microsoft.com/office/powerpoint/2010/main" val="1404720938"/>
       </p:ext>
     </p:extLst>
   </p:cSld>
@@ -1660,7 +1602,7 @@
                 <a:tabLst/>
                 <a:defRPr/>
               </a:pPr>
-              <a:t>20</a:t>
+              <a:t>21</a:t>
             </a:fld>
             <a:endParaRPr kumimoji="0" lang="en-US" sz="1200" b="0" i="0" u="none" strike="noStrike" kern="1200" cap="none" spc="0" normalizeH="0" baseline="0" noProof="0">
               <a:ln>
@@ -1682,7 +1624,7 @@
     </p:spTree>
     <p:extLst>
       <p:ext uri="{BB962C8B-B14F-4D97-AF65-F5344CB8AC3E}">
-        <p14:creationId xmlns:p14="http://schemas.microsoft.com/office/powerpoint/2010/main" val="2516364758"/>
+        <p14:creationId xmlns:p14="http://schemas.microsoft.com/office/powerpoint/2010/main" val="1665449226"/>
       </p:ext>
     </p:extLst>
   </p:cSld>
@@ -1807,7 +1749,7 @@
                 <a:tabLst/>
                 <a:defRPr/>
               </a:pPr>
-              <a:t>21</a:t>
+              <a:t>22</a:t>
             </a:fld>
             <a:endParaRPr kumimoji="0" lang="en-US" sz="1200" b="0" i="0" u="none" strike="noStrike" kern="1200" cap="none" spc="0" normalizeH="0" baseline="0" noProof="0">
               <a:ln>
@@ -1829,7 +1771,7 @@
     </p:spTree>
     <p:extLst>
       <p:ext uri="{BB962C8B-B14F-4D97-AF65-F5344CB8AC3E}">
-        <p14:creationId xmlns:p14="http://schemas.microsoft.com/office/powerpoint/2010/main" val="4185689368"/>
+        <p14:creationId xmlns:p14="http://schemas.microsoft.com/office/powerpoint/2010/main" val="2516364758"/>
       </p:ext>
     </p:extLst>
   </p:cSld>
@@ -1954,7 +1896,7 @@
                 <a:tabLst/>
                 <a:defRPr/>
               </a:pPr>
-              <a:t>22</a:t>
+              <a:t>23</a:t>
             </a:fld>
             <a:endParaRPr kumimoji="0" lang="en-US" sz="1200" b="0" i="0" u="none" strike="noStrike" kern="1200" cap="none" spc="0" normalizeH="0" baseline="0" noProof="0">
               <a:ln>
@@ -1976,7 +1918,7 @@
     </p:spTree>
     <p:extLst>
       <p:ext uri="{BB962C8B-B14F-4D97-AF65-F5344CB8AC3E}">
-        <p14:creationId xmlns:p14="http://schemas.microsoft.com/office/powerpoint/2010/main" val="2586206824"/>
+        <p14:creationId xmlns:p14="http://schemas.microsoft.com/office/powerpoint/2010/main" val="4185689368"/>
       </p:ext>
     </p:extLst>
   </p:cSld>
@@ -2185,7 +2127,7 @@
                 <a:tabLst/>
                 <a:defRPr/>
               </a:pPr>
-              <a:t>23</a:t>
+              <a:t>24</a:t>
             </a:fld>
             <a:endParaRPr kumimoji="0" lang="en-US" sz="1200" b="0" i="0" u="none" strike="noStrike" kern="1200" cap="none" spc="0" normalizeH="0" baseline="0" noProof="0">
               <a:ln>
@@ -2207,7 +2149,7 @@
     </p:spTree>
     <p:extLst>
       <p:ext uri="{BB962C8B-B14F-4D97-AF65-F5344CB8AC3E}">
-        <p14:creationId xmlns:p14="http://schemas.microsoft.com/office/powerpoint/2010/main" val="1481846902"/>
+        <p14:creationId xmlns:p14="http://schemas.microsoft.com/office/powerpoint/2010/main" val="2586206824"/>
       </p:ext>
     </p:extLst>
   </p:cSld>
@@ -2332,7 +2274,7 @@
                 <a:tabLst/>
                 <a:defRPr/>
               </a:pPr>
-              <a:t>24</a:t>
+              <a:t>25</a:t>
             </a:fld>
             <a:endParaRPr kumimoji="0" lang="en-US" sz="1200" b="0" i="0" u="none" strike="noStrike" kern="1200" cap="none" spc="0" normalizeH="0" baseline="0" noProof="0">
               <a:ln>
@@ -2354,7 +2296,7 @@
     </p:spTree>
     <p:extLst>
       <p:ext uri="{BB962C8B-B14F-4D97-AF65-F5344CB8AC3E}">
-        <p14:creationId xmlns:p14="http://schemas.microsoft.com/office/powerpoint/2010/main" val="1987782280"/>
+        <p14:creationId xmlns:p14="http://schemas.microsoft.com/office/powerpoint/2010/main" val="1481846902"/>
       </p:ext>
     </p:extLst>
   </p:cSld>
@@ -2479,7 +2421,7 @@
                 <a:tabLst/>
                 <a:defRPr/>
               </a:pPr>
-              <a:t>25</a:t>
+              <a:t>26</a:t>
             </a:fld>
             <a:endParaRPr kumimoji="0" lang="en-US" sz="1200" b="0" i="0" u="none" strike="noStrike" kern="1200" cap="none" spc="0" normalizeH="0" baseline="0" noProof="0">
               <a:ln>
@@ -2501,7 +2443,7 @@
     </p:spTree>
     <p:extLst>
       <p:ext uri="{BB962C8B-B14F-4D97-AF65-F5344CB8AC3E}">
-        <p14:creationId xmlns:p14="http://schemas.microsoft.com/office/powerpoint/2010/main" val="1177881802"/>
+        <p14:creationId xmlns:p14="http://schemas.microsoft.com/office/powerpoint/2010/main" val="1987782280"/>
       </p:ext>
     </p:extLst>
   </p:cSld>
@@ -2626,7 +2568,7 @@
                 <a:tabLst/>
                 <a:defRPr/>
               </a:pPr>
-              <a:t>26</a:t>
+              <a:t>27</a:t>
             </a:fld>
             <a:endParaRPr kumimoji="0" lang="en-US" sz="1200" b="0" i="0" u="none" strike="noStrike" kern="1200" cap="none" spc="0" normalizeH="0" baseline="0" noProof="0">
               <a:ln>
@@ -2648,7 +2590,7 @@
     </p:spTree>
     <p:extLst>
       <p:ext uri="{BB962C8B-B14F-4D97-AF65-F5344CB8AC3E}">
-        <p14:creationId xmlns:p14="http://schemas.microsoft.com/office/powerpoint/2010/main" val="2304352538"/>
+        <p14:creationId xmlns:p14="http://schemas.microsoft.com/office/powerpoint/2010/main" val="1177881802"/>
       </p:ext>
     </p:extLst>
   </p:cSld>
@@ -2773,7 +2715,7 @@
                 <a:tabLst/>
                 <a:defRPr/>
               </a:pPr>
-              <a:t>27</a:t>
+              <a:t>28</a:t>
             </a:fld>
             <a:endParaRPr kumimoji="0" lang="en-US" sz="1200" b="0" i="0" u="none" strike="noStrike" kern="1200" cap="none" spc="0" normalizeH="0" baseline="0" noProof="0">
               <a:ln>
@@ -2795,7 +2737,7 @@
     </p:spTree>
     <p:extLst>
       <p:ext uri="{BB962C8B-B14F-4D97-AF65-F5344CB8AC3E}">
-        <p14:creationId xmlns:p14="http://schemas.microsoft.com/office/powerpoint/2010/main" val="727863230"/>
+        <p14:creationId xmlns:p14="http://schemas.microsoft.com/office/powerpoint/2010/main" val="2304352538"/>
       </p:ext>
     </p:extLst>
   </p:cSld>
@@ -2871,9 +2813,156 @@
           <a:bodyPr/>
           <a:lstStyle/>
           <a:p>
+            <a:pPr marL="0" marR="0" lvl="0" indent="0" algn="r" defTabSz="457200" rtl="0" eaLnBrk="1" fontAlgn="auto" latinLnBrk="0" hangingPunct="1">
+              <a:lnSpc>
+                <a:spcPct val="100000"/>
+              </a:lnSpc>
+              <a:spcBef>
+                <a:spcPts val="0"/>
+              </a:spcBef>
+              <a:spcAft>
+                <a:spcPts val="0"/>
+              </a:spcAft>
+              <a:buClrTx/>
+              <a:buSzTx/>
+              <a:buFontTx/>
+              <a:buNone/>
+              <a:tabLst/>
+              <a:defRPr/>
+            </a:pPr>
+            <a:fld id="{B3E2497A-CE9D-884A-84A2-67192793543B}" type="slidenum">
+              <a:rPr kumimoji="0" lang="en-US" sz="1200" b="0" i="0" u="none" strike="noStrike" kern="1200" cap="none" spc="0" normalizeH="0" baseline="0" noProof="0" smtClean="0">
+                <a:ln>
+                  <a:noFill/>
+                </a:ln>
+                <a:solidFill>
+                  <a:prstClr val="black"/>
+                </a:solidFill>
+                <a:effectLst/>
+                <a:uLnTx/>
+                <a:uFillTx/>
+                <a:latin typeface="Calibri" panose="020F0502020204030204"/>
+                <a:ea typeface="+mn-ea"/>
+                <a:cs typeface="+mn-cs"/>
+              </a:rPr>
+              <a:pPr marL="0" marR="0" lvl="0" indent="0" algn="r" defTabSz="457200" rtl="0" eaLnBrk="1" fontAlgn="auto" latinLnBrk="0" hangingPunct="1">
+                <a:lnSpc>
+                  <a:spcPct val="100000"/>
+                </a:lnSpc>
+                <a:spcBef>
+                  <a:spcPts val="0"/>
+                </a:spcBef>
+                <a:spcAft>
+                  <a:spcPts val="0"/>
+                </a:spcAft>
+                <a:buClrTx/>
+                <a:buSzTx/>
+                <a:buFontTx/>
+                <a:buNone/>
+                <a:tabLst/>
+                <a:defRPr/>
+              </a:pPr>
+              <a:t>29</a:t>
+            </a:fld>
+            <a:endParaRPr kumimoji="0" lang="en-US" sz="1200" b="0" i="0" u="none" strike="noStrike" kern="1200" cap="none" spc="0" normalizeH="0" baseline="0" noProof="0">
+              <a:ln>
+                <a:noFill/>
+              </a:ln>
+              <a:solidFill>
+                <a:prstClr val="black"/>
+              </a:solidFill>
+              <a:effectLst/>
+              <a:uLnTx/>
+              <a:uFillTx/>
+              <a:latin typeface="Calibri" panose="020F0502020204030204"/>
+              <a:ea typeface="+mn-ea"/>
+              <a:cs typeface="+mn-cs"/>
+            </a:endParaRPr>
+          </a:p>
+        </p:txBody>
+      </p:sp>
+    </p:spTree>
+    <p:extLst>
+      <p:ext uri="{BB962C8B-B14F-4D97-AF65-F5344CB8AC3E}">
+        <p14:creationId xmlns:p14="http://schemas.microsoft.com/office/powerpoint/2010/main" val="727863230"/>
+      </p:ext>
+    </p:extLst>
+  </p:cSld>
+  <p:clrMapOvr>
+    <a:masterClrMapping/>
+  </p:clrMapOvr>
+</p:notes>
+</file>
+
+<file path=ppt/notesSlides/notesSlide26.xml><?xml version="1.0" encoding="utf-8"?>
+<p:notes xmlns:a="http://schemas.openxmlformats.org/drawingml/2006/main" xmlns:r="http://schemas.openxmlformats.org/officeDocument/2006/relationships" xmlns:p="http://schemas.openxmlformats.org/presentationml/2006/main">
+  <p:cSld>
+    <p:spTree>
+      <p:nvGrpSpPr>
+        <p:cNvPr id="1" name=""/>
+        <p:cNvGrpSpPr/>
+        <p:nvPr/>
+      </p:nvGrpSpPr>
+      <p:grpSpPr>
+        <a:xfrm>
+          <a:off x="0" y="0"/>
+          <a:ext cx="0" cy="0"/>
+          <a:chOff x="0" y="0"/>
+          <a:chExt cx="0" cy="0"/>
+        </a:xfrm>
+      </p:grpSpPr>
+      <p:sp>
+        <p:nvSpPr>
+          <p:cNvPr id="2" name="Slide Image Placeholder 1"/>
+          <p:cNvSpPr>
+            <a:spLocks noGrp="1" noRot="1" noChangeAspect="1"/>
+          </p:cNvSpPr>
+          <p:nvPr>
+            <p:ph type="sldImg"/>
+          </p:nvPr>
+        </p:nvSpPr>
+        <p:spPr/>
+      </p:sp>
+      <p:sp>
+        <p:nvSpPr>
+          <p:cNvPr id="3" name="Notes Placeholder 2"/>
+          <p:cNvSpPr>
+            <a:spLocks noGrp="1"/>
+          </p:cNvSpPr>
+          <p:nvPr>
+            <p:ph type="body" idx="1"/>
+          </p:nvPr>
+        </p:nvSpPr>
+        <p:spPr/>
+        <p:txBody>
+          <a:bodyPr/>
+          <a:lstStyle/>
+          <a:p>
+            <a:r>
+              <a:rPr lang="en-US" dirty="0"/>
+              <a:t>Some historical figures</a:t>
+            </a:r>
+          </a:p>
+        </p:txBody>
+      </p:sp>
+      <p:sp>
+        <p:nvSpPr>
+          <p:cNvPr id="4" name="Slide Number Placeholder 3"/>
+          <p:cNvSpPr>
+            <a:spLocks noGrp="1"/>
+          </p:cNvSpPr>
+          <p:nvPr>
+            <p:ph type="sldNum" sz="quarter" idx="5"/>
+          </p:nvPr>
+        </p:nvSpPr>
+        <p:spPr/>
+        <p:txBody>
+          <a:bodyPr/>
+          <a:lstStyle/>
+          <a:p>
             <a:fld id="{B3E2497A-CE9D-884A-84A2-67192793543B}" type="slidenum">
               <a:rPr lang="en-US" smtClean="0"/>
-              <a:t>29</a:t>
+              <a:t>31</a:t>
             </a:fld>
             <a:endParaRPr lang="en-US"/>
           </a:p>
@@ -3094,7 +3183,7 @@
                 <a:tabLst/>
                 <a:defRPr/>
               </a:pPr>
-              <a:t>7</a:t>
+              <a:t>8</a:t>
             </a:fld>
             <a:endParaRPr kumimoji="0" lang="en-US" sz="1200" b="0" i="0" u="none" strike="noStrike" kern="1200" cap="none" spc="0" normalizeH="0" baseline="0" noProof="0">
               <a:ln>
@@ -3241,7 +3330,7 @@
                 <a:tabLst/>
                 <a:defRPr/>
               </a:pPr>
-              <a:t>8</a:t>
+              <a:t>9</a:t>
             </a:fld>
             <a:endParaRPr kumimoji="0" lang="en-US" sz="1200" b="0" i="0" u="none" strike="noStrike" kern="1200" cap="none" spc="0" normalizeH="0" baseline="0" noProof="0">
               <a:ln>
@@ -3263,7 +3352,7 @@
     </p:spTree>
     <p:extLst>
       <p:ext uri="{BB962C8B-B14F-4D97-AF65-F5344CB8AC3E}">
-        <p14:creationId xmlns:p14="http://schemas.microsoft.com/office/powerpoint/2010/main" val="3688019525"/>
+        <p14:creationId xmlns:p14="http://schemas.microsoft.com/office/powerpoint/2010/main" val="956038706"/>
       </p:ext>
     </p:extLst>
   </p:cSld>
@@ -3388,7 +3477,7 @@
                 <a:tabLst/>
                 <a:defRPr/>
               </a:pPr>
-              <a:t>9</a:t>
+              <a:t>10</a:t>
             </a:fld>
             <a:endParaRPr kumimoji="0" lang="en-US" sz="1200" b="0" i="0" u="none" strike="noStrike" kern="1200" cap="none" spc="0" normalizeH="0" baseline="0" noProof="0">
               <a:ln>
@@ -3410,7 +3499,7 @@
     </p:spTree>
     <p:extLst>
       <p:ext uri="{BB962C8B-B14F-4D97-AF65-F5344CB8AC3E}">
-        <p14:creationId xmlns:p14="http://schemas.microsoft.com/office/powerpoint/2010/main" val="3284419992"/>
+        <p14:creationId xmlns:p14="http://schemas.microsoft.com/office/powerpoint/2010/main" val="3688019525"/>
       </p:ext>
     </p:extLst>
   </p:cSld>
@@ -3535,7 +3624,7 @@
                 <a:tabLst/>
                 <a:defRPr/>
               </a:pPr>
-              <a:t>10</a:t>
+              <a:t>11</a:t>
             </a:fld>
             <a:endParaRPr kumimoji="0" lang="en-US" sz="1200" b="0" i="0" u="none" strike="noStrike" kern="1200" cap="none" spc="0" normalizeH="0" baseline="0" noProof="0">
               <a:ln>
@@ -3557,7 +3646,7 @@
     </p:spTree>
     <p:extLst>
       <p:ext uri="{BB962C8B-B14F-4D97-AF65-F5344CB8AC3E}">
-        <p14:creationId xmlns:p14="http://schemas.microsoft.com/office/powerpoint/2010/main" val="2594696330"/>
+        <p14:creationId xmlns:p14="http://schemas.microsoft.com/office/powerpoint/2010/main" val="3284419992"/>
       </p:ext>
     </p:extLst>
   </p:cSld>
@@ -3682,7 +3771,7 @@
                 <a:tabLst/>
                 <a:defRPr/>
               </a:pPr>
-              <a:t>11</a:t>
+              <a:t>12</a:t>
             </a:fld>
             <a:endParaRPr kumimoji="0" lang="en-US" sz="1200" b="0" i="0" u="none" strike="noStrike" kern="1200" cap="none" spc="0" normalizeH="0" baseline="0" noProof="0">
               <a:ln>
@@ -3704,7 +3793,7 @@
     </p:spTree>
     <p:extLst>
       <p:ext uri="{BB962C8B-B14F-4D97-AF65-F5344CB8AC3E}">
-        <p14:creationId xmlns:p14="http://schemas.microsoft.com/office/powerpoint/2010/main" val="3225107425"/>
+        <p14:creationId xmlns:p14="http://schemas.microsoft.com/office/powerpoint/2010/main" val="2594696330"/>
       </p:ext>
     </p:extLst>
   </p:cSld>
@@ -3760,7 +3849,7 @@
           <a:p>
             <a:r>
               <a:rPr lang="en-US" dirty="0"/>
-              <a:t>Sometimes some calculations we do can take over a moth on regular serial computing</a:t>
+              <a:t>Some historical figures</a:t>
             </a:r>
           </a:p>
         </p:txBody>
@@ -3780,18 +3869,78 @@
           <a:bodyPr/>
           <a:lstStyle/>
           <a:p>
+            <a:pPr marL="0" marR="0" lvl="0" indent="0" algn="r" defTabSz="457200" rtl="0" eaLnBrk="1" fontAlgn="auto" latinLnBrk="0" hangingPunct="1">
+              <a:lnSpc>
+                <a:spcPct val="100000"/>
+              </a:lnSpc>
+              <a:spcBef>
+                <a:spcPts val="0"/>
+              </a:spcBef>
+              <a:spcAft>
+                <a:spcPts val="0"/>
+              </a:spcAft>
+              <a:buClrTx/>
+              <a:buSzTx/>
+              <a:buFontTx/>
+              <a:buNone/>
+              <a:tabLst/>
+              <a:defRPr/>
+            </a:pPr>
             <a:fld id="{B3E2497A-CE9D-884A-84A2-67192793543B}" type="slidenum">
-              <a:rPr lang="en-US" smtClean="0"/>
-              <a:t>12</a:t>
+              <a:rPr kumimoji="0" lang="en-US" sz="1200" b="0" i="0" u="none" strike="noStrike" kern="1200" cap="none" spc="0" normalizeH="0" baseline="0" noProof="0" smtClean="0">
+                <a:ln>
+                  <a:noFill/>
+                </a:ln>
+                <a:solidFill>
+                  <a:prstClr val="black"/>
+                </a:solidFill>
+                <a:effectLst/>
+                <a:uLnTx/>
+                <a:uFillTx/>
+                <a:latin typeface="Calibri" panose="020F0502020204030204"/>
+                <a:ea typeface="+mn-ea"/>
+                <a:cs typeface="+mn-cs"/>
+              </a:rPr>
+              <a:pPr marL="0" marR="0" lvl="0" indent="0" algn="r" defTabSz="457200" rtl="0" eaLnBrk="1" fontAlgn="auto" latinLnBrk="0" hangingPunct="1">
+                <a:lnSpc>
+                  <a:spcPct val="100000"/>
+                </a:lnSpc>
+                <a:spcBef>
+                  <a:spcPts val="0"/>
+                </a:spcBef>
+                <a:spcAft>
+                  <a:spcPts val="0"/>
+                </a:spcAft>
+                <a:buClrTx/>
+                <a:buSzTx/>
+                <a:buFontTx/>
+                <a:buNone/>
+                <a:tabLst/>
+                <a:defRPr/>
+              </a:pPr>
+              <a:t>13</a:t>
             </a:fld>
-            <a:endParaRPr lang="en-US"/>
+            <a:endParaRPr kumimoji="0" lang="en-US" sz="1200" b="0" i="0" u="none" strike="noStrike" kern="1200" cap="none" spc="0" normalizeH="0" baseline="0" noProof="0">
+              <a:ln>
+                <a:noFill/>
+              </a:ln>
+              <a:solidFill>
+                <a:prstClr val="black"/>
+              </a:solidFill>
+              <a:effectLst/>
+              <a:uLnTx/>
+              <a:uFillTx/>
+              <a:latin typeface="Calibri" panose="020F0502020204030204"/>
+              <a:ea typeface="+mn-ea"/>
+              <a:cs typeface="+mn-cs"/>
+            </a:endParaRPr>
           </a:p>
         </p:txBody>
       </p:sp>
     </p:spTree>
     <p:extLst>
       <p:ext uri="{BB962C8B-B14F-4D97-AF65-F5344CB8AC3E}">
-        <p14:creationId xmlns:p14="http://schemas.microsoft.com/office/powerpoint/2010/main" val="708671621"/>
+        <p14:creationId xmlns:p14="http://schemas.microsoft.com/office/powerpoint/2010/main" val="3225107425"/>
       </p:ext>
     </p:extLst>
   </p:cSld>
@@ -3990,7 +4139,7 @@
             <a:fld id="{B61BEF0D-F0BB-DE4B-95CE-6DB70DBA9567}" type="datetimeFigureOut">
               <a:rPr lang="en-US" dirty="0"/>
               <a:pPr/>
-              <a:t>7/2/2024</a:t>
+              <a:t>7/5/2024</a:t>
             </a:fld>
             <a:endParaRPr lang="en-US" dirty="0"/>
           </a:p>
@@ -4325,7 +4474,7 @@
             <a:fld id="{B61BEF0D-F0BB-DE4B-95CE-6DB70DBA9567}" type="datetimeFigureOut">
               <a:rPr lang="en-US" dirty="0"/>
               <a:pPr/>
-              <a:t>7/2/2024</a:t>
+              <a:t>7/5/2024</a:t>
             </a:fld>
             <a:endParaRPr lang="en-US" dirty="0"/>
           </a:p>
@@ -4723,7 +4872,7 @@
             <a:fld id="{B61BEF0D-F0BB-DE4B-95CE-6DB70DBA9567}" type="datetimeFigureOut">
               <a:rPr lang="en-US" dirty="0"/>
               <a:pPr/>
-              <a:t>7/2/2024</a:t>
+              <a:t>7/5/2024</a:t>
             </a:fld>
             <a:endParaRPr lang="en-US" dirty="0"/>
           </a:p>
@@ -5056,7 +5205,7 @@
             <a:fld id="{B61BEF0D-F0BB-DE4B-95CE-6DB70DBA9567}" type="datetimeFigureOut">
               <a:rPr lang="en-US" dirty="0"/>
               <a:pPr/>
-              <a:t>7/2/2024</a:t>
+              <a:t>7/5/2024</a:t>
             </a:fld>
             <a:endParaRPr lang="en-US" dirty="0"/>
           </a:p>
@@ -5373,7 +5522,7 @@
             <a:fld id="{B61BEF0D-F0BB-DE4B-95CE-6DB70DBA9567}" type="datetimeFigureOut">
               <a:rPr lang="en-US" dirty="0"/>
               <a:pPr/>
-              <a:t>7/2/2024</a:t>
+              <a:t>7/5/2024</a:t>
             </a:fld>
             <a:endParaRPr lang="en-US" dirty="0"/>
           </a:p>
@@ -5766,7 +5915,7 @@
             <a:fld id="{B61BEF0D-F0BB-DE4B-95CE-6DB70DBA9567}" type="datetimeFigureOut">
               <a:rPr lang="en-US" dirty="0"/>
               <a:pPr/>
-              <a:t>7/2/2024</a:t>
+              <a:t>7/5/2024</a:t>
             </a:fld>
             <a:endParaRPr lang="en-US" dirty="0"/>
           </a:p>
@@ -6020,7 +6169,7 @@
             <a:fld id="{B61BEF0D-F0BB-DE4B-95CE-6DB70DBA9567}" type="datetimeFigureOut">
               <a:rPr lang="en-US" dirty="0"/>
               <a:pPr/>
-              <a:t>7/2/2024</a:t>
+              <a:t>7/5/2024</a:t>
             </a:fld>
             <a:endParaRPr lang="en-US" dirty="0"/>
           </a:p>
@@ -6279,7 +6428,7 @@
             <a:fld id="{B61BEF0D-F0BB-DE4B-95CE-6DB70DBA9567}" type="datetimeFigureOut">
               <a:rPr lang="en-US" dirty="0"/>
               <a:pPr/>
-              <a:t>7/2/2024</a:t>
+              <a:t>7/5/2024</a:t>
             </a:fld>
             <a:endParaRPr lang="en-US" dirty="0"/>
           </a:p>
@@ -6538,7 +6687,7 @@
             <a:fld id="{B61BEF0D-F0BB-DE4B-95CE-6DB70DBA9567}" type="datetimeFigureOut">
               <a:rPr lang="en-US" dirty="0"/>
               <a:pPr/>
-              <a:t>7/2/2024</a:t>
+              <a:t>7/5/2024</a:t>
             </a:fld>
             <a:endParaRPr lang="en-US" dirty="0"/>
           </a:p>
@@ -6864,7 +7013,7 @@
             <a:fld id="{B61BEF0D-F0BB-DE4B-95CE-6DB70DBA9567}" type="datetimeFigureOut">
               <a:rPr lang="en-US" dirty="0"/>
               <a:pPr/>
-              <a:t>7/2/2024</a:t>
+              <a:t>7/5/2024</a:t>
             </a:fld>
             <a:endParaRPr lang="en-US" dirty="0"/>
           </a:p>
@@ -7184,7 +7333,7 @@
             <a:fld id="{B61BEF0D-F0BB-DE4B-95CE-6DB70DBA9567}" type="datetimeFigureOut">
               <a:rPr lang="en-US" dirty="0"/>
               <a:pPr/>
-              <a:t>7/2/2024</a:t>
+              <a:t>7/5/2024</a:t>
             </a:fld>
             <a:endParaRPr lang="en-US" dirty="0"/>
           </a:p>
@@ -7638,7 +7787,7 @@
             <a:fld id="{B61BEF0D-F0BB-DE4B-95CE-6DB70DBA9567}" type="datetimeFigureOut">
               <a:rPr lang="en-US" dirty="0"/>
               <a:pPr/>
-              <a:t>7/2/2024</a:t>
+              <a:t>7/5/2024</a:t>
             </a:fld>
             <a:endParaRPr lang="en-US" dirty="0"/>
           </a:p>
@@ -7840,7 +7989,7 @@
             <a:fld id="{B61BEF0D-F0BB-DE4B-95CE-6DB70DBA9567}" type="datetimeFigureOut">
               <a:rPr lang="en-US" dirty="0"/>
               <a:pPr/>
-              <a:t>7/2/2024</a:t>
+              <a:t>7/5/2024</a:t>
             </a:fld>
             <a:endParaRPr lang="en-US" dirty="0"/>
           </a:p>
@@ -8014,7 +8163,7 @@
             <a:fld id="{B61BEF0D-F0BB-DE4B-95CE-6DB70DBA9567}" type="datetimeFigureOut">
               <a:rPr lang="en-US" dirty="0"/>
               <a:pPr/>
-              <a:t>7/2/2024</a:t>
+              <a:t>7/5/2024</a:t>
             </a:fld>
             <a:endParaRPr lang="en-US" dirty="0"/>
           </a:p>
@@ -8344,7 +8493,7 @@
             <a:fld id="{B61BEF0D-F0BB-DE4B-95CE-6DB70DBA9567}" type="datetimeFigureOut">
               <a:rPr lang="en-US" dirty="0"/>
               <a:pPr/>
-              <a:t>7/2/2024</a:t>
+              <a:t>7/5/2024</a:t>
             </a:fld>
             <a:endParaRPr lang="en-US" dirty="0"/>
           </a:p>
@@ -8686,7 +8835,7 @@
             <a:fld id="{B61BEF0D-F0BB-DE4B-95CE-6DB70DBA9567}" type="datetimeFigureOut">
               <a:rPr lang="en-US" dirty="0"/>
               <a:pPr/>
-              <a:t>7/2/2024</a:t>
+              <a:t>7/5/2024</a:t>
             </a:fld>
             <a:endParaRPr lang="en-US" dirty="0"/>
           </a:p>
@@ -10800,7 +10949,7 @@
             <a:fld id="{B61BEF0D-F0BB-DE4B-95CE-6DB70DBA9567}" type="datetimeFigureOut">
               <a:rPr lang="en-US" dirty="0"/>
               <a:pPr/>
-              <a:t>7/2/2024</a:t>
+              <a:t>7/5/2024</a:t>
             </a:fld>
             <a:endParaRPr lang="en-US" dirty="0"/>
           </a:p>
@@ -11413,6 +11562,1228 @@
 </file>
 
 <file path=ppt/slides/slide10.xml><?xml version="1.0" encoding="utf-8"?>
+<p:sld xmlns:a="http://schemas.openxmlformats.org/drawingml/2006/main" xmlns:r="http://schemas.openxmlformats.org/officeDocument/2006/relationships" xmlns:p="http://schemas.openxmlformats.org/presentationml/2006/main">
+  <p:cSld>
+    <p:spTree>
+      <p:nvGrpSpPr>
+        <p:cNvPr id="1" name=""/>
+        <p:cNvGrpSpPr/>
+        <p:nvPr/>
+      </p:nvGrpSpPr>
+      <p:grpSpPr>
+        <a:xfrm>
+          <a:off x="0" y="0"/>
+          <a:ext cx="0" cy="0"/>
+          <a:chOff x="0" y="0"/>
+          <a:chExt cx="0" cy="0"/>
+        </a:xfrm>
+      </p:grpSpPr>
+      <p:pic>
+        <p:nvPicPr>
+          <p:cNvPr id="5" name="Picture 4" descr="Graphical user interface, website&#10;&#10;Description automatically generated">
+            <a:extLst>
+              <a:ext uri="{FF2B5EF4-FFF2-40B4-BE49-F238E27FC236}">
+                <a16:creationId xmlns:a16="http://schemas.microsoft.com/office/drawing/2014/main" id="{2909676A-0CB4-7446-B75C-6D709974ADF1}"/>
+              </a:ext>
+            </a:extLst>
+          </p:cNvPr>
+          <p:cNvPicPr>
+            <a:picLocks noChangeAspect="1"/>
+          </p:cNvPicPr>
+          <p:nvPr/>
+        </p:nvPicPr>
+        <p:blipFill rotWithShape="1">
+          <a:blip r:embed="rId3"/>
+          <a:srcRect l="11442" r="17116" b="24703"/>
+          <a:stretch/>
+        </p:blipFill>
+        <p:spPr>
+          <a:xfrm>
+            <a:off x="5345638" y="1043352"/>
+            <a:ext cx="6846362" cy="3710354"/>
+          </a:xfrm>
+          <a:prstGeom prst="rect">
+            <a:avLst/>
+          </a:prstGeom>
+        </p:spPr>
+      </p:pic>
+      <p:sp>
+        <p:nvSpPr>
+          <p:cNvPr id="2" name="Title 1">
+            <a:extLst>
+              <a:ext uri="{FF2B5EF4-FFF2-40B4-BE49-F238E27FC236}">
+                <a16:creationId xmlns:a16="http://schemas.microsoft.com/office/drawing/2014/main" id="{3A285C21-2361-3442-8CF6-E289EC65F592}"/>
+              </a:ext>
+            </a:extLst>
+          </p:cNvPr>
+          <p:cNvSpPr>
+            <a:spLocks noGrp="1"/>
+          </p:cNvSpPr>
+          <p:nvPr>
+            <p:ph type="title"/>
+          </p:nvPr>
+        </p:nvSpPr>
+        <p:spPr>
+          <a:xfrm>
+            <a:off x="1289642" y="329009"/>
+            <a:ext cx="8911687" cy="1280890"/>
+          </a:xfrm>
+        </p:spPr>
+        <p:txBody>
+          <a:bodyPr/>
+          <a:lstStyle/>
+          <a:p>
+            <a:pPr algn="ctr"/>
+            <a:r>
+              <a:rPr lang="en-US" dirty="0">
+                <a:solidFill>
+                  <a:schemeClr val="tx1">
+                    <a:lumMod val="75000"/>
+                    <a:lumOff val="25000"/>
+                  </a:schemeClr>
+                </a:solidFill>
+                <a:latin typeface="Verdana" panose="020B0604030504040204" pitchFamily="34" charset="0"/>
+                <a:ea typeface="Verdana" panose="020B0604030504040204" pitchFamily="34" charset="0"/>
+                <a:cs typeface="Verdana" panose="020B0604030504040204" pitchFamily="34" charset="0"/>
+              </a:rPr>
+              <a:t>PYTHON </a:t>
+            </a:r>
+          </a:p>
+        </p:txBody>
+      </p:sp>
+      <p:sp>
+        <p:nvSpPr>
+          <p:cNvPr id="3" name="Content Placeholder 2">
+            <a:extLst>
+              <a:ext uri="{FF2B5EF4-FFF2-40B4-BE49-F238E27FC236}">
+                <a16:creationId xmlns:a16="http://schemas.microsoft.com/office/drawing/2014/main" id="{A1DB5512-87E1-B445-B644-8B92BA4F942C}"/>
+              </a:ext>
+            </a:extLst>
+          </p:cNvPr>
+          <p:cNvSpPr>
+            <a:spLocks noGrp="1"/>
+          </p:cNvSpPr>
+          <p:nvPr>
+            <p:ph idx="1"/>
+          </p:nvPr>
+        </p:nvSpPr>
+        <p:spPr>
+          <a:xfrm>
+            <a:off x="581736" y="1329171"/>
+            <a:ext cx="8915400" cy="3777622"/>
+          </a:xfrm>
+        </p:spPr>
+        <p:txBody>
+          <a:bodyPr>
+            <a:noAutofit/>
+          </a:bodyPr>
+          <a:lstStyle/>
+          <a:p>
+            <a:r>
+              <a:rPr lang="en-US" sz="2000" dirty="0">
+                <a:solidFill>
+                  <a:schemeClr val="tx1"/>
+                </a:solidFill>
+                <a:latin typeface="Comic Sans MS" panose="030F0902030302020204" pitchFamily="66" charset="0"/>
+              </a:rPr>
+              <a:t>Scripting language</a:t>
+            </a:r>
+          </a:p>
+          <a:p>
+            <a:r>
+              <a:rPr lang="en-US" sz="2000" dirty="0">
+                <a:solidFill>
+                  <a:schemeClr val="tx1"/>
+                </a:solidFill>
+                <a:latin typeface="Comic Sans MS" panose="030F0902030302020204" pitchFamily="66" charset="0"/>
+              </a:rPr>
+              <a:t>Object-oriented</a:t>
+            </a:r>
+          </a:p>
+          <a:p>
+            <a:r>
+              <a:rPr lang="en-US" sz="2000" dirty="0">
+                <a:solidFill>
+                  <a:schemeClr val="tx1"/>
+                </a:solidFill>
+                <a:latin typeface="Comic Sans MS" panose="030F0902030302020204" pitchFamily="66" charset="0"/>
+              </a:rPr>
+              <a:t>Easy to read, friendly design</a:t>
+            </a:r>
+            <a:endParaRPr lang="en-US" sz="2000" dirty="0">
+              <a:solidFill>
+                <a:schemeClr val="tx1"/>
+              </a:solidFill>
+              <a:latin typeface="Monaco" pitchFamily="2" charset="77"/>
+            </a:endParaRPr>
+          </a:p>
+          <a:p>
+            <a:pPr marL="0" indent="0">
+              <a:buNone/>
+            </a:pPr>
+            <a:r>
+              <a:rPr lang="en-US" sz="2000" dirty="0">
+                <a:solidFill>
+                  <a:schemeClr val="accent1"/>
+                </a:solidFill>
+                <a:latin typeface="Monaco" pitchFamily="2" charset="77"/>
+              </a:rPr>
+              <a:t>[Terminal] python</a:t>
+            </a:r>
+          </a:p>
+          <a:p>
+            <a:pPr marL="0" indent="0">
+              <a:buNone/>
+            </a:pPr>
+            <a:r>
+              <a:rPr lang="en-US" sz="2000" dirty="0">
+                <a:solidFill>
+                  <a:schemeClr val="accent1"/>
+                </a:solidFill>
+                <a:latin typeface="Monaco" pitchFamily="2" charset="77"/>
+              </a:rPr>
+              <a:t>&gt;&gt;&gt; a = 2</a:t>
+            </a:r>
+          </a:p>
+          <a:p>
+            <a:pPr marL="0" indent="0">
+              <a:buNone/>
+            </a:pPr>
+            <a:r>
+              <a:rPr lang="en-US" sz="2000" dirty="0">
+                <a:solidFill>
+                  <a:schemeClr val="accent1"/>
+                </a:solidFill>
+                <a:latin typeface="Monaco" pitchFamily="2" charset="77"/>
+              </a:rPr>
+              <a:t>&gt;&gt;&gt; b = 3</a:t>
+            </a:r>
+          </a:p>
+          <a:p>
+            <a:pPr marL="0" indent="0">
+              <a:buNone/>
+            </a:pPr>
+            <a:r>
+              <a:rPr lang="en-US" sz="2000" dirty="0">
+                <a:solidFill>
+                  <a:schemeClr val="accent1"/>
+                </a:solidFill>
+                <a:latin typeface="Monaco" pitchFamily="2" charset="77"/>
+              </a:rPr>
+              <a:t>&gt;&gt;&gt; c = a + b</a:t>
+            </a:r>
+          </a:p>
+          <a:p>
+            <a:pPr marL="0" indent="0">
+              <a:buNone/>
+            </a:pPr>
+            <a:r>
+              <a:rPr lang="en-US" sz="2000" dirty="0">
+                <a:solidFill>
+                  <a:schemeClr val="accent1"/>
+                </a:solidFill>
+                <a:latin typeface="Monaco" pitchFamily="2" charset="77"/>
+              </a:rPr>
+              <a:t>&gt;&gt;&gt; c</a:t>
+            </a:r>
+          </a:p>
+          <a:p>
+            <a:pPr marL="0" indent="0">
+              <a:buNone/>
+            </a:pPr>
+            <a:r>
+              <a:rPr lang="en-US" sz="2000" dirty="0">
+                <a:solidFill>
+                  <a:schemeClr val="accent1"/>
+                </a:solidFill>
+                <a:latin typeface="Monaco" pitchFamily="2" charset="77"/>
+              </a:rPr>
+              <a:t>5</a:t>
+            </a:r>
+            <a:endParaRPr lang="en-US" sz="2000" dirty="0">
+              <a:solidFill>
+                <a:schemeClr val="tx1"/>
+              </a:solidFill>
+              <a:latin typeface="Monaco" pitchFamily="2" charset="77"/>
+            </a:endParaRPr>
+          </a:p>
+          <a:p>
+            <a:r>
+              <a:rPr lang="en-US" sz="2000" dirty="0">
+                <a:solidFill>
+                  <a:schemeClr val="tx1"/>
+                </a:solidFill>
+                <a:latin typeface="Comic Sans MS" panose="030F0902030302020204" pitchFamily="66" charset="0"/>
+              </a:rPr>
+              <a:t>We can also write the above code in a file </a:t>
+            </a:r>
+            <a:r>
+              <a:rPr lang="en-US" sz="2000" dirty="0" err="1">
+                <a:solidFill>
+                  <a:schemeClr val="accent1"/>
+                </a:solidFill>
+                <a:latin typeface="Monaco" pitchFamily="2" charset="77"/>
+              </a:rPr>
+              <a:t>sum.py</a:t>
+            </a:r>
+            <a:endParaRPr lang="en-US" sz="2000" dirty="0">
+              <a:solidFill>
+                <a:schemeClr val="accent1"/>
+              </a:solidFill>
+              <a:latin typeface="Monaco" pitchFamily="2" charset="77"/>
+            </a:endParaRPr>
+          </a:p>
+          <a:p>
+            <a:r>
+              <a:rPr lang="en-US" sz="2000" dirty="0">
+                <a:solidFill>
+                  <a:schemeClr val="tx1"/>
+                </a:solidFill>
+                <a:latin typeface="Comic Sans MS" panose="030F0902030302020204" pitchFamily="66" charset="0"/>
+              </a:rPr>
+              <a:t>then run it as</a:t>
+            </a:r>
+          </a:p>
+          <a:p>
+            <a:pPr marL="0" indent="0">
+              <a:buNone/>
+            </a:pPr>
+            <a:r>
+              <a:rPr lang="en-US" sz="2000" dirty="0">
+                <a:solidFill>
+                  <a:schemeClr val="accent1"/>
+                </a:solidFill>
+                <a:latin typeface="Monaco" pitchFamily="2" charset="77"/>
+              </a:rPr>
+              <a:t>[Terminal] python </a:t>
+            </a:r>
+            <a:r>
+              <a:rPr lang="en-US" sz="2000" dirty="0" err="1">
+                <a:solidFill>
+                  <a:schemeClr val="accent1"/>
+                </a:solidFill>
+                <a:latin typeface="Monaco" pitchFamily="2" charset="77"/>
+              </a:rPr>
+              <a:t>sum.py</a:t>
+            </a:r>
+            <a:endParaRPr lang="en-US" sz="2000" dirty="0">
+              <a:solidFill>
+                <a:schemeClr val="accent1"/>
+              </a:solidFill>
+              <a:latin typeface="Monaco" pitchFamily="2" charset="77"/>
+            </a:endParaRPr>
+          </a:p>
+          <a:p>
+            <a:pPr marL="0" indent="0">
+              <a:buNone/>
+            </a:pPr>
+            <a:r>
+              <a:rPr lang="en-US" sz="2000" dirty="0">
+                <a:solidFill>
+                  <a:schemeClr val="tx1"/>
+                </a:solidFill>
+                <a:latin typeface="Comic Sans MS" panose="030F0902030302020204" pitchFamily="66" charset="0"/>
+              </a:rPr>
+              <a:t>  </a:t>
+            </a:r>
+          </a:p>
+          <a:p>
+            <a:endParaRPr lang="en-US" sz="2000" dirty="0"/>
+          </a:p>
+        </p:txBody>
+      </p:sp>
+    </p:spTree>
+    <p:extLst>
+      <p:ext uri="{BB962C8B-B14F-4D97-AF65-F5344CB8AC3E}">
+        <p14:creationId xmlns:p14="http://schemas.microsoft.com/office/powerpoint/2010/main" val="4157713297"/>
+      </p:ext>
+    </p:extLst>
+  </p:cSld>
+  <p:clrMapOvr>
+    <a:masterClrMapping/>
+  </p:clrMapOvr>
+</p:sld>
+</file>
+
+<file path=ppt/slides/slide11.xml><?xml version="1.0" encoding="utf-8"?>
+<p:sld xmlns:a="http://schemas.openxmlformats.org/drawingml/2006/main" xmlns:r="http://schemas.openxmlformats.org/officeDocument/2006/relationships" xmlns:p="http://schemas.openxmlformats.org/presentationml/2006/main" showMasterSp="0">
+  <p:cSld>
+    <p:spTree>
+      <p:nvGrpSpPr>
+        <p:cNvPr id="1" name=""/>
+        <p:cNvGrpSpPr/>
+        <p:nvPr/>
+      </p:nvGrpSpPr>
+      <p:grpSpPr>
+        <a:xfrm>
+          <a:off x="0" y="0"/>
+          <a:ext cx="0" cy="0"/>
+          <a:chOff x="0" y="0"/>
+          <a:chExt cx="0" cy="0"/>
+        </a:xfrm>
+      </p:grpSpPr>
+      <p:sp>
+        <p:nvSpPr>
+          <p:cNvPr id="2" name="Title 1">
+            <a:extLst>
+              <a:ext uri="{FF2B5EF4-FFF2-40B4-BE49-F238E27FC236}">
+                <a16:creationId xmlns:a16="http://schemas.microsoft.com/office/drawing/2014/main" id="{3A285C21-2361-3442-8CF6-E289EC65F592}"/>
+              </a:ext>
+            </a:extLst>
+          </p:cNvPr>
+          <p:cNvSpPr>
+            <a:spLocks noGrp="1"/>
+          </p:cNvSpPr>
+          <p:nvPr>
+            <p:ph type="title"/>
+          </p:nvPr>
+        </p:nvSpPr>
+        <p:spPr>
+          <a:xfrm>
+            <a:off x="1289642" y="463825"/>
+            <a:ext cx="8911687" cy="1280890"/>
+          </a:xfrm>
+        </p:spPr>
+        <p:txBody>
+          <a:bodyPr/>
+          <a:lstStyle/>
+          <a:p>
+            <a:pPr algn="ctr"/>
+            <a:r>
+              <a:rPr lang="en-US" dirty="0">
+                <a:latin typeface="Verdana" panose="020B0604030504040204" pitchFamily="34" charset="0"/>
+                <a:ea typeface="Verdana" panose="020B0604030504040204" pitchFamily="34" charset="0"/>
+                <a:cs typeface="Verdana" panose="020B0604030504040204" pitchFamily="34" charset="0"/>
+              </a:rPr>
+              <a:t>EXAMPLE 1 (PYTHON)</a:t>
+            </a:r>
+            <a:endParaRPr lang="en-US" dirty="0">
+              <a:solidFill>
+                <a:schemeClr val="tx1">
+                  <a:lumMod val="75000"/>
+                  <a:lumOff val="25000"/>
+                </a:schemeClr>
+              </a:solidFill>
+              <a:latin typeface="Verdana" panose="020B0604030504040204" pitchFamily="34" charset="0"/>
+              <a:ea typeface="Verdana" panose="020B0604030504040204" pitchFamily="34" charset="0"/>
+              <a:cs typeface="Verdana" panose="020B0604030504040204" pitchFamily="34" charset="0"/>
+            </a:endParaRPr>
+          </a:p>
+        </p:txBody>
+      </p:sp>
+      <p:sp>
+        <p:nvSpPr>
+          <p:cNvPr id="3" name="Content Placeholder 2">
+            <a:extLst>
+              <a:ext uri="{FF2B5EF4-FFF2-40B4-BE49-F238E27FC236}">
+                <a16:creationId xmlns:a16="http://schemas.microsoft.com/office/drawing/2014/main" id="{A1DB5512-87E1-B445-B644-8B92BA4F942C}"/>
+              </a:ext>
+            </a:extLst>
+          </p:cNvPr>
+          <p:cNvSpPr>
+            <a:spLocks noGrp="1"/>
+          </p:cNvSpPr>
+          <p:nvPr>
+            <p:ph idx="1"/>
+          </p:nvPr>
+        </p:nvSpPr>
+        <p:spPr>
+          <a:xfrm>
+            <a:off x="581735" y="1463987"/>
+            <a:ext cx="9564587" cy="5229888"/>
+          </a:xfrm>
+        </p:spPr>
+        <p:txBody>
+          <a:bodyPr>
+            <a:noAutofit/>
+          </a:bodyPr>
+          <a:lstStyle/>
+          <a:p>
+            <a:r>
+              <a:rPr lang="en-US" sz="2000" dirty="0">
+                <a:solidFill>
+                  <a:schemeClr val="tx1"/>
+                </a:solidFill>
+                <a:latin typeface="Comic Sans MS" panose="030F0902030302020204" pitchFamily="66" charset="0"/>
+              </a:rPr>
+              <a:t>Write the code in a file </a:t>
+            </a:r>
+            <a:r>
+              <a:rPr lang="en-US" sz="2000" dirty="0" err="1">
+                <a:solidFill>
+                  <a:schemeClr val="tx1"/>
+                </a:solidFill>
+                <a:latin typeface="Comic Sans MS" panose="030F0902030302020204" pitchFamily="66" charset="0"/>
+              </a:rPr>
+              <a:t>sum.py</a:t>
+            </a:r>
+            <a:r>
+              <a:rPr lang="en-US" sz="2000" dirty="0">
+                <a:solidFill>
+                  <a:schemeClr val="tx1"/>
+                </a:solidFill>
+                <a:latin typeface="Comic Sans MS" panose="030F0902030302020204" pitchFamily="66" charset="0"/>
+              </a:rPr>
+              <a:t>  </a:t>
+            </a:r>
+            <a:endParaRPr lang="en-US" sz="2000" dirty="0">
+              <a:solidFill>
+                <a:schemeClr val="tx1"/>
+              </a:solidFill>
+              <a:latin typeface="Monaco" pitchFamily="2" charset="77"/>
+            </a:endParaRPr>
+          </a:p>
+          <a:p>
+            <a:pPr marL="0" indent="0">
+              <a:buNone/>
+            </a:pPr>
+            <a:r>
+              <a:rPr lang="en-US" dirty="0">
+                <a:solidFill>
+                  <a:srgbClr val="000000"/>
+                </a:solidFill>
+                <a:latin typeface="Monaco" pitchFamily="2" charset="77"/>
+              </a:rPr>
+              <a:t>a = </a:t>
+            </a:r>
+            <a:r>
+              <a:rPr lang="en-US" dirty="0">
+                <a:solidFill>
+                  <a:srgbClr val="AC1E16"/>
+                </a:solidFill>
+                <a:latin typeface="Monaco" pitchFamily="2" charset="77"/>
+              </a:rPr>
+              <a:t>2</a:t>
+            </a:r>
+            <a:r>
+              <a:rPr lang="en-US" dirty="0">
+                <a:solidFill>
+                  <a:srgbClr val="000000"/>
+                </a:solidFill>
+                <a:latin typeface="Monaco" pitchFamily="2" charset="77"/>
+              </a:rPr>
+              <a:t> </a:t>
+            </a:r>
+          </a:p>
+          <a:p>
+            <a:pPr marL="0" indent="0">
+              <a:buNone/>
+            </a:pPr>
+            <a:r>
+              <a:rPr lang="en-US" dirty="0">
+                <a:solidFill>
+                  <a:srgbClr val="000000"/>
+                </a:solidFill>
+                <a:latin typeface="Monaco" pitchFamily="2" charset="77"/>
+              </a:rPr>
+              <a:t>b = </a:t>
+            </a:r>
+            <a:r>
+              <a:rPr lang="en-US" dirty="0">
+                <a:solidFill>
+                  <a:srgbClr val="AC1E16"/>
+                </a:solidFill>
+                <a:latin typeface="Monaco" pitchFamily="2" charset="77"/>
+              </a:rPr>
+              <a:t>3</a:t>
+            </a:r>
+            <a:r>
+              <a:rPr lang="en-US" dirty="0">
+                <a:solidFill>
+                  <a:srgbClr val="000000"/>
+                </a:solidFill>
+                <a:latin typeface="Monaco" pitchFamily="2" charset="77"/>
+              </a:rPr>
+              <a:t> </a:t>
+            </a:r>
+          </a:p>
+          <a:p>
+            <a:pPr marL="0" indent="0">
+              <a:buNone/>
+            </a:pPr>
+            <a:r>
+              <a:rPr lang="en-US" dirty="0">
+                <a:solidFill>
+                  <a:srgbClr val="000000"/>
+                </a:solidFill>
+                <a:latin typeface="Monaco" pitchFamily="2" charset="77"/>
+              </a:rPr>
+              <a:t>c = a + b </a:t>
+            </a:r>
+          </a:p>
+          <a:p>
+            <a:pPr marL="0" indent="0">
+              <a:buNone/>
+            </a:pPr>
+            <a:r>
+              <a:rPr lang="en-US" dirty="0">
+                <a:solidFill>
+                  <a:srgbClr val="23A3B0"/>
+                </a:solidFill>
+                <a:latin typeface="Monaco" pitchFamily="2" charset="77"/>
+              </a:rPr>
+              <a:t>print</a:t>
+            </a:r>
+            <a:r>
+              <a:rPr lang="en-US" dirty="0">
+                <a:solidFill>
+                  <a:srgbClr val="000000"/>
+                </a:solidFill>
+                <a:latin typeface="Monaco" pitchFamily="2" charset="77"/>
+              </a:rPr>
+              <a:t>(c)</a:t>
+            </a:r>
+            <a:endParaRPr lang="en-US" dirty="0">
+              <a:solidFill>
+                <a:srgbClr val="23A3B0"/>
+              </a:solidFill>
+              <a:latin typeface="Monaco" pitchFamily="2" charset="77"/>
+            </a:endParaRPr>
+          </a:p>
+          <a:p>
+            <a:pPr marL="0" indent="0">
+              <a:buNone/>
+            </a:pPr>
+            <a:r>
+              <a:rPr lang="en-US" dirty="0">
+                <a:solidFill>
+                  <a:srgbClr val="23A3B0"/>
+                </a:solidFill>
+                <a:latin typeface="Monaco" pitchFamily="2" charset="77"/>
+              </a:rPr>
+              <a:t>print</a:t>
+            </a:r>
+            <a:r>
+              <a:rPr lang="en-US" dirty="0">
+                <a:solidFill>
+                  <a:srgbClr val="000000"/>
+                </a:solidFill>
+                <a:latin typeface="Monaco" pitchFamily="2" charset="77"/>
+              </a:rPr>
+              <a:t>(</a:t>
+            </a:r>
+            <a:r>
+              <a:rPr lang="en-US" dirty="0">
+                <a:solidFill>
+                  <a:srgbClr val="AC1E16"/>
+                </a:solidFill>
+                <a:latin typeface="Monaco" pitchFamily="2" charset="77"/>
+              </a:rPr>
+              <a:t>"The sum is"</a:t>
+            </a:r>
+            <a:r>
+              <a:rPr lang="en-US" dirty="0">
+                <a:solidFill>
+                  <a:srgbClr val="000000"/>
+                </a:solidFill>
+                <a:latin typeface="Monaco" pitchFamily="2" charset="77"/>
+              </a:rPr>
+              <a:t>, c)</a:t>
+            </a:r>
+            <a:endParaRPr lang="en-US" dirty="0">
+              <a:solidFill>
+                <a:srgbClr val="AC1E16"/>
+              </a:solidFill>
+              <a:latin typeface="Monaco" pitchFamily="2" charset="77"/>
+            </a:endParaRPr>
+          </a:p>
+          <a:p>
+            <a:r>
+              <a:rPr lang="en-US" sz="2000" dirty="0" err="1">
+                <a:solidFill>
+                  <a:schemeClr val="tx1"/>
+                </a:solidFill>
+                <a:latin typeface="Comic Sans MS" panose="030F0902030302020204" pitchFamily="66" charset="0"/>
+              </a:rPr>
+              <a:t>numpy</a:t>
+            </a:r>
+            <a:r>
+              <a:rPr lang="en-US" sz="2000" dirty="0">
+                <a:solidFill>
+                  <a:schemeClr val="tx1"/>
+                </a:solidFill>
+                <a:latin typeface="Comic Sans MS" panose="030F0902030302020204" pitchFamily="66" charset="0"/>
+              </a:rPr>
+              <a:t> is a useful module in Python for numbers </a:t>
+            </a:r>
+          </a:p>
+          <a:p>
+            <a:pPr marL="0" indent="0">
+              <a:buNone/>
+            </a:pPr>
+            <a:r>
+              <a:rPr lang="en-US" dirty="0">
+                <a:solidFill>
+                  <a:srgbClr val="BF01C0"/>
+                </a:solidFill>
+                <a:latin typeface="Menlo" panose="020B0609030804020204" pitchFamily="49" charset="0"/>
+              </a:rPr>
+              <a:t>import</a:t>
+            </a:r>
+            <a:r>
+              <a:rPr lang="en-US" dirty="0">
+                <a:solidFill>
+                  <a:srgbClr val="000000"/>
+                </a:solidFill>
+                <a:latin typeface="Menlo" panose="020B0609030804020204" pitchFamily="49" charset="0"/>
+              </a:rPr>
+              <a:t> </a:t>
+            </a:r>
+            <a:r>
+              <a:rPr lang="en-US" dirty="0" err="1">
+                <a:solidFill>
+                  <a:srgbClr val="000000"/>
+                </a:solidFill>
+                <a:latin typeface="Menlo" panose="020B0609030804020204" pitchFamily="49" charset="0"/>
+              </a:rPr>
+              <a:t>numpy</a:t>
+            </a:r>
+            <a:r>
+              <a:rPr lang="en-US" dirty="0">
+                <a:solidFill>
+                  <a:srgbClr val="000000"/>
+                </a:solidFill>
+                <a:latin typeface="Menlo" panose="020B0609030804020204" pitchFamily="49" charset="0"/>
+              </a:rPr>
+              <a:t> </a:t>
+            </a:r>
+            <a:r>
+              <a:rPr lang="en-US" dirty="0">
+                <a:solidFill>
+                  <a:srgbClr val="B65D16"/>
+                </a:solidFill>
+                <a:latin typeface="Menlo" panose="020B0609030804020204" pitchFamily="49" charset="0"/>
+              </a:rPr>
+              <a:t>as</a:t>
+            </a:r>
+            <a:r>
+              <a:rPr lang="en-US" dirty="0">
+                <a:solidFill>
+                  <a:srgbClr val="000000"/>
+                </a:solidFill>
+                <a:latin typeface="Menlo" panose="020B0609030804020204" pitchFamily="49" charset="0"/>
+              </a:rPr>
+              <a:t> np</a:t>
+            </a:r>
+          </a:p>
+          <a:p>
+            <a:pPr marL="0" indent="0">
+              <a:buNone/>
+            </a:pPr>
+            <a:r>
+              <a:rPr lang="en-US" dirty="0" err="1">
+                <a:solidFill>
+                  <a:srgbClr val="000000"/>
+                </a:solidFill>
+                <a:latin typeface="Menlo" panose="020B0609030804020204" pitchFamily="49" charset="0"/>
+              </a:rPr>
+              <a:t>np.a</a:t>
+            </a:r>
+            <a:r>
+              <a:rPr lang="en-US" dirty="0">
+                <a:solidFill>
+                  <a:srgbClr val="000000"/>
+                </a:solidFill>
+                <a:latin typeface="Menlo" panose="020B0609030804020204" pitchFamily="49" charset="0"/>
+              </a:rPr>
+              <a:t> = </a:t>
+            </a:r>
+            <a:r>
+              <a:rPr lang="en-US" dirty="0">
+                <a:solidFill>
+                  <a:srgbClr val="AC1E16"/>
+                </a:solidFill>
+                <a:latin typeface="Menlo" panose="020B0609030804020204" pitchFamily="49" charset="0"/>
+              </a:rPr>
+              <a:t>2</a:t>
+            </a:r>
+            <a:r>
+              <a:rPr lang="en-US" dirty="0">
+                <a:solidFill>
+                  <a:srgbClr val="000000"/>
+                </a:solidFill>
+                <a:latin typeface="Menlo" panose="020B0609030804020204" pitchFamily="49" charset="0"/>
+              </a:rPr>
+              <a:t> </a:t>
+            </a:r>
+          </a:p>
+          <a:p>
+            <a:pPr marL="0" indent="0">
+              <a:buNone/>
+            </a:pPr>
+            <a:r>
+              <a:rPr lang="en-US" dirty="0" err="1">
+                <a:solidFill>
+                  <a:srgbClr val="000000"/>
+                </a:solidFill>
+                <a:latin typeface="Menlo" panose="020B0609030804020204" pitchFamily="49" charset="0"/>
+              </a:rPr>
+              <a:t>np.b</a:t>
+            </a:r>
+            <a:r>
+              <a:rPr lang="en-US" dirty="0">
+                <a:solidFill>
+                  <a:srgbClr val="000000"/>
+                </a:solidFill>
+                <a:latin typeface="Menlo" panose="020B0609030804020204" pitchFamily="49" charset="0"/>
+              </a:rPr>
+              <a:t> = </a:t>
+            </a:r>
+            <a:r>
+              <a:rPr lang="en-US" dirty="0">
+                <a:solidFill>
+                  <a:srgbClr val="AC1E16"/>
+                </a:solidFill>
+                <a:latin typeface="Menlo" panose="020B0609030804020204" pitchFamily="49" charset="0"/>
+              </a:rPr>
+              <a:t>3</a:t>
+            </a:r>
+            <a:r>
+              <a:rPr lang="en-US" dirty="0">
+                <a:solidFill>
+                  <a:srgbClr val="000000"/>
+                </a:solidFill>
+                <a:latin typeface="Menlo" panose="020B0609030804020204" pitchFamily="49" charset="0"/>
+              </a:rPr>
+              <a:t> </a:t>
+            </a:r>
+          </a:p>
+          <a:p>
+            <a:pPr marL="0" indent="0">
+              <a:buNone/>
+            </a:pPr>
+            <a:r>
+              <a:rPr lang="en-US" dirty="0" err="1">
+                <a:solidFill>
+                  <a:srgbClr val="000000"/>
+                </a:solidFill>
+                <a:latin typeface="Menlo" panose="020B0609030804020204" pitchFamily="49" charset="0"/>
+              </a:rPr>
+              <a:t>np.c</a:t>
+            </a:r>
+            <a:r>
+              <a:rPr lang="en-US" dirty="0">
+                <a:solidFill>
+                  <a:srgbClr val="000000"/>
+                </a:solidFill>
+                <a:latin typeface="Menlo" panose="020B0609030804020204" pitchFamily="49" charset="0"/>
+              </a:rPr>
+              <a:t> = </a:t>
+            </a:r>
+            <a:r>
+              <a:rPr lang="en-US" dirty="0" err="1">
+                <a:solidFill>
+                  <a:srgbClr val="000000"/>
+                </a:solidFill>
+                <a:latin typeface="Menlo" panose="020B0609030804020204" pitchFamily="49" charset="0"/>
+              </a:rPr>
+              <a:t>np.a</a:t>
+            </a:r>
+            <a:r>
+              <a:rPr lang="en-US" dirty="0">
+                <a:solidFill>
+                  <a:srgbClr val="000000"/>
+                </a:solidFill>
+                <a:latin typeface="Menlo" panose="020B0609030804020204" pitchFamily="49" charset="0"/>
+              </a:rPr>
+              <a:t> + </a:t>
+            </a:r>
+            <a:r>
+              <a:rPr lang="en-US" dirty="0" err="1">
+                <a:solidFill>
+                  <a:srgbClr val="000000"/>
+                </a:solidFill>
+                <a:latin typeface="Menlo" panose="020B0609030804020204" pitchFamily="49" charset="0"/>
+              </a:rPr>
+              <a:t>np.b</a:t>
+            </a:r>
+            <a:r>
+              <a:rPr lang="en-US" dirty="0">
+                <a:solidFill>
+                  <a:srgbClr val="000000"/>
+                </a:solidFill>
+                <a:latin typeface="Menlo" panose="020B0609030804020204" pitchFamily="49" charset="0"/>
+              </a:rPr>
+              <a:t> </a:t>
+            </a:r>
+          </a:p>
+          <a:p>
+            <a:pPr marL="0" indent="0">
+              <a:buNone/>
+            </a:pPr>
+            <a:r>
+              <a:rPr lang="en-US" dirty="0">
+                <a:solidFill>
+                  <a:srgbClr val="23A3B0"/>
+                </a:solidFill>
+                <a:latin typeface="Menlo" panose="020B0609030804020204" pitchFamily="49" charset="0"/>
+              </a:rPr>
+              <a:t>print</a:t>
+            </a:r>
+            <a:r>
+              <a:rPr lang="en-US" dirty="0">
+                <a:solidFill>
+                  <a:srgbClr val="000000"/>
+                </a:solidFill>
+                <a:latin typeface="Menlo" panose="020B0609030804020204" pitchFamily="49" charset="0"/>
+              </a:rPr>
+              <a:t>(</a:t>
+            </a:r>
+            <a:r>
+              <a:rPr lang="en-US" dirty="0" err="1">
+                <a:solidFill>
+                  <a:srgbClr val="000000"/>
+                </a:solidFill>
+                <a:latin typeface="Menlo" panose="020B0609030804020204" pitchFamily="49" charset="0"/>
+              </a:rPr>
+              <a:t>np.c</a:t>
+            </a:r>
+            <a:r>
+              <a:rPr lang="en-US" dirty="0">
+                <a:solidFill>
+                  <a:srgbClr val="000000"/>
+                </a:solidFill>
+                <a:latin typeface="Menlo" panose="020B0609030804020204" pitchFamily="49" charset="0"/>
+              </a:rPr>
+              <a:t>)</a:t>
+            </a:r>
+          </a:p>
+          <a:p>
+            <a:pPr marL="0" indent="0">
+              <a:buNone/>
+            </a:pPr>
+            <a:endParaRPr lang="en-US" sz="2000" dirty="0">
+              <a:solidFill>
+                <a:schemeClr val="tx1"/>
+              </a:solidFill>
+              <a:latin typeface="Comic Sans MS" panose="030F0902030302020204" pitchFamily="66" charset="0"/>
+            </a:endParaRPr>
+          </a:p>
+          <a:p>
+            <a:endParaRPr lang="en-US" sz="2000" dirty="0"/>
+          </a:p>
+        </p:txBody>
+      </p:sp>
+    </p:spTree>
+    <p:extLst>
+      <p:ext uri="{BB962C8B-B14F-4D97-AF65-F5344CB8AC3E}">
+        <p14:creationId xmlns:p14="http://schemas.microsoft.com/office/powerpoint/2010/main" val="1350590357"/>
+      </p:ext>
+    </p:extLst>
+  </p:cSld>
+  <p:clrMapOvr>
+    <a:masterClrMapping/>
+  </p:clrMapOvr>
+  <p:timing>
+    <p:tnLst>
+      <p:par>
+        <p:cTn id="1" dur="indefinite" restart="never" nodeType="tmRoot">
+          <p:childTnLst>
+            <p:seq concurrent="1" nextAc="seek">
+              <p:cTn id="2" dur="indefinite" nodeType="mainSeq">
+                <p:childTnLst>
+                  <p:par>
+                    <p:cTn id="3" fill="hold">
+                      <p:stCondLst>
+                        <p:cond delay="indefinite"/>
+                      </p:stCondLst>
+                      <p:childTnLst>
+                        <p:par>
+                          <p:cTn id="4" fill="hold">
+                            <p:stCondLst>
+                              <p:cond delay="0"/>
+                            </p:stCondLst>
+                            <p:childTnLst>
+                              <p:par>
+                                <p:cTn id="5" presetID="1" presetClass="entr" presetSubtype="0" fill="hold" nodeType="clickEffect">
+                                  <p:stCondLst>
+                                    <p:cond delay="0"/>
+                                  </p:stCondLst>
+                                  <p:childTnLst>
+                                    <p:set>
+                                      <p:cBhvr>
+                                        <p:cTn id="6" dur="1" fill="hold">
+                                          <p:stCondLst>
+                                            <p:cond delay="0"/>
+                                          </p:stCondLst>
+                                        </p:cTn>
+                                        <p:tgtEl>
+                                          <p:spTgt spid="3">
+                                            <p:txEl>
+                                              <p:pRg st="6" end="6"/>
+                                            </p:txEl>
+                                          </p:spTgt>
+                                        </p:tgtEl>
+                                        <p:attrNameLst>
+                                          <p:attrName>style.visibility</p:attrName>
+                                        </p:attrNameLst>
+                                      </p:cBhvr>
+                                      <p:to>
+                                        <p:strVal val="visible"/>
+                                      </p:to>
+                                    </p:set>
+                                  </p:childTnLst>
+                                </p:cTn>
+                              </p:par>
+                            </p:childTnLst>
+                          </p:cTn>
+                        </p:par>
+                      </p:childTnLst>
+                    </p:cTn>
+                  </p:par>
+                  <p:par>
+                    <p:cTn id="7" fill="hold">
+                      <p:stCondLst>
+                        <p:cond delay="indefinite"/>
+                      </p:stCondLst>
+                      <p:childTnLst>
+                        <p:par>
+                          <p:cTn id="8" fill="hold">
+                            <p:stCondLst>
+                              <p:cond delay="0"/>
+                            </p:stCondLst>
+                            <p:childTnLst>
+                              <p:par>
+                                <p:cTn id="9" presetID="1" presetClass="entr" presetSubtype="0" fill="hold" nodeType="clickEffect">
+                                  <p:stCondLst>
+                                    <p:cond delay="0"/>
+                                  </p:stCondLst>
+                                  <p:childTnLst>
+                                    <p:set>
+                                      <p:cBhvr>
+                                        <p:cTn id="10" dur="1" fill="hold">
+                                          <p:stCondLst>
+                                            <p:cond delay="0"/>
+                                          </p:stCondLst>
+                                        </p:cTn>
+                                        <p:tgtEl>
+                                          <p:spTgt spid="3">
+                                            <p:txEl>
+                                              <p:pRg st="7" end="7"/>
+                                            </p:txEl>
+                                          </p:spTgt>
+                                        </p:tgtEl>
+                                        <p:attrNameLst>
+                                          <p:attrName>style.visibility</p:attrName>
+                                        </p:attrNameLst>
+                                      </p:cBhvr>
+                                      <p:to>
+                                        <p:strVal val="visible"/>
+                                      </p:to>
+                                    </p:set>
+                                  </p:childTnLst>
+                                </p:cTn>
+                              </p:par>
+                            </p:childTnLst>
+                          </p:cTn>
+                        </p:par>
+                      </p:childTnLst>
+                    </p:cTn>
+                  </p:par>
+                  <p:par>
+                    <p:cTn id="11" fill="hold">
+                      <p:stCondLst>
+                        <p:cond delay="indefinite"/>
+                      </p:stCondLst>
+                      <p:childTnLst>
+                        <p:par>
+                          <p:cTn id="12" fill="hold">
+                            <p:stCondLst>
+                              <p:cond delay="0"/>
+                            </p:stCondLst>
+                            <p:childTnLst>
+                              <p:par>
+                                <p:cTn id="13" presetID="1" presetClass="entr" presetSubtype="0" fill="hold" nodeType="clickEffect">
+                                  <p:stCondLst>
+                                    <p:cond delay="0"/>
+                                  </p:stCondLst>
+                                  <p:childTnLst>
+                                    <p:set>
+                                      <p:cBhvr>
+                                        <p:cTn id="14" dur="1" fill="hold">
+                                          <p:stCondLst>
+                                            <p:cond delay="0"/>
+                                          </p:stCondLst>
+                                        </p:cTn>
+                                        <p:tgtEl>
+                                          <p:spTgt spid="3">
+                                            <p:txEl>
+                                              <p:pRg st="8" end="8"/>
+                                            </p:txEl>
+                                          </p:spTgt>
+                                        </p:tgtEl>
+                                        <p:attrNameLst>
+                                          <p:attrName>style.visibility</p:attrName>
+                                        </p:attrNameLst>
+                                      </p:cBhvr>
+                                      <p:to>
+                                        <p:strVal val="visible"/>
+                                      </p:to>
+                                    </p:set>
+                                  </p:childTnLst>
+                                </p:cTn>
+                              </p:par>
+                              <p:par>
+                                <p:cTn id="15" presetID="1" presetClass="entr" presetSubtype="0" fill="hold" nodeType="withEffect">
+                                  <p:stCondLst>
+                                    <p:cond delay="0"/>
+                                  </p:stCondLst>
+                                  <p:childTnLst>
+                                    <p:set>
+                                      <p:cBhvr>
+                                        <p:cTn id="16" dur="1" fill="hold">
+                                          <p:stCondLst>
+                                            <p:cond delay="0"/>
+                                          </p:stCondLst>
+                                        </p:cTn>
+                                        <p:tgtEl>
+                                          <p:spTgt spid="3">
+                                            <p:txEl>
+                                              <p:pRg st="9" end="9"/>
+                                            </p:txEl>
+                                          </p:spTgt>
+                                        </p:tgtEl>
+                                        <p:attrNameLst>
+                                          <p:attrName>style.visibility</p:attrName>
+                                        </p:attrNameLst>
+                                      </p:cBhvr>
+                                      <p:to>
+                                        <p:strVal val="visible"/>
+                                      </p:to>
+                                    </p:set>
+                                  </p:childTnLst>
+                                </p:cTn>
+                              </p:par>
+                            </p:childTnLst>
+                          </p:cTn>
+                        </p:par>
+                      </p:childTnLst>
+                    </p:cTn>
+                  </p:par>
+                  <p:par>
+                    <p:cTn id="17" fill="hold">
+                      <p:stCondLst>
+                        <p:cond delay="indefinite"/>
+                      </p:stCondLst>
+                      <p:childTnLst>
+                        <p:par>
+                          <p:cTn id="18" fill="hold">
+                            <p:stCondLst>
+                              <p:cond delay="0"/>
+                            </p:stCondLst>
+                            <p:childTnLst>
+                              <p:par>
+                                <p:cTn id="19" presetID="1" presetClass="entr" presetSubtype="0" fill="hold" nodeType="clickEffect">
+                                  <p:stCondLst>
+                                    <p:cond delay="0"/>
+                                  </p:stCondLst>
+                                  <p:childTnLst>
+                                    <p:set>
+                                      <p:cBhvr>
+                                        <p:cTn id="20" dur="1" fill="hold">
+                                          <p:stCondLst>
+                                            <p:cond delay="0"/>
+                                          </p:stCondLst>
+                                        </p:cTn>
+                                        <p:tgtEl>
+                                          <p:spTgt spid="3">
+                                            <p:txEl>
+                                              <p:pRg st="10" end="10"/>
+                                            </p:txEl>
+                                          </p:spTgt>
+                                        </p:tgtEl>
+                                        <p:attrNameLst>
+                                          <p:attrName>style.visibility</p:attrName>
+                                        </p:attrNameLst>
+                                      </p:cBhvr>
+                                      <p:to>
+                                        <p:strVal val="visible"/>
+                                      </p:to>
+                                    </p:set>
+                                  </p:childTnLst>
+                                </p:cTn>
+                              </p:par>
+                            </p:childTnLst>
+                          </p:cTn>
+                        </p:par>
+                      </p:childTnLst>
+                    </p:cTn>
+                  </p:par>
+                  <p:par>
+                    <p:cTn id="21" fill="hold">
+                      <p:stCondLst>
+                        <p:cond delay="indefinite"/>
+                      </p:stCondLst>
+                      <p:childTnLst>
+                        <p:par>
+                          <p:cTn id="22" fill="hold">
+                            <p:stCondLst>
+                              <p:cond delay="0"/>
+                            </p:stCondLst>
+                            <p:childTnLst>
+                              <p:par>
+                                <p:cTn id="23" presetID="1" presetClass="entr" presetSubtype="0" fill="hold" nodeType="clickEffect">
+                                  <p:stCondLst>
+                                    <p:cond delay="0"/>
+                                  </p:stCondLst>
+                                  <p:childTnLst>
+                                    <p:set>
+                                      <p:cBhvr>
+                                        <p:cTn id="24" dur="1" fill="hold">
+                                          <p:stCondLst>
+                                            <p:cond delay="0"/>
+                                          </p:stCondLst>
+                                        </p:cTn>
+                                        <p:tgtEl>
+                                          <p:spTgt spid="3">
+                                            <p:txEl>
+                                              <p:pRg st="11" end="11"/>
+                                            </p:txEl>
+                                          </p:spTgt>
+                                        </p:tgtEl>
+                                        <p:attrNameLst>
+                                          <p:attrName>style.visibility</p:attrName>
+                                        </p:attrNameLst>
+                                      </p:cBhvr>
+                                      <p:to>
+                                        <p:strVal val="visible"/>
+                                      </p:to>
+                                    </p:set>
+                                  </p:childTnLst>
+                                </p:cTn>
+                              </p:par>
+                            </p:childTnLst>
+                          </p:cTn>
+                        </p:par>
+                      </p:childTnLst>
+                    </p:cTn>
+                  </p:par>
+                </p:childTnLst>
+              </p:cTn>
+              <p:prevCondLst>
+                <p:cond evt="onPrev" delay="0">
+                  <p:tgtEl>
+                    <p:sldTgt/>
+                  </p:tgtEl>
+                </p:cond>
+              </p:prevCondLst>
+              <p:nextCondLst>
+                <p:cond evt="onNext" delay="0">
+                  <p:tgtEl>
+                    <p:sldTgt/>
+                  </p:tgtEl>
+                </p:cond>
+              </p:nextCondLst>
+            </p:seq>
+          </p:childTnLst>
+        </p:cTn>
+      </p:par>
+    </p:tnLst>
+  </p:timing>
+</p:sld>
+</file>
+
+<file path=ppt/slides/slide12.xml><?xml version="1.0" encoding="utf-8"?>
 <p:sld xmlns:a="http://schemas.openxmlformats.org/drawingml/2006/main" xmlns:r="http://schemas.openxmlformats.org/officeDocument/2006/relationships" xmlns:p="http://schemas.openxmlformats.org/presentationml/2006/main" showMasterSp="0">
   <p:cSld>
     <p:spTree>
@@ -12358,7 +13729,7 @@
 </p:sld>
 </file>
 
-<file path=ppt/slides/slide11.xml><?xml version="1.0" encoding="utf-8"?>
+<file path=ppt/slides/slide13.xml><?xml version="1.0" encoding="utf-8"?>
 <p:sld xmlns:a="http://schemas.openxmlformats.org/drawingml/2006/main" xmlns:r="http://schemas.openxmlformats.org/officeDocument/2006/relationships" xmlns:p="http://schemas.openxmlformats.org/presentationml/2006/main" showMasterSp="0">
   <p:cSld>
     <p:spTree>
@@ -12824,7 +14195,7 @@
 </p:sld>
 </file>
 
-<file path=ppt/slides/slide12.xml><?xml version="1.0" encoding="utf-8"?>
+<file path=ppt/slides/slide14.xml><?xml version="1.0" encoding="utf-8"?>
 <p:sld xmlns:a="http://schemas.openxmlformats.org/drawingml/2006/main" xmlns:r="http://schemas.openxmlformats.org/officeDocument/2006/relationships" xmlns:p="http://schemas.openxmlformats.org/presentationml/2006/main" showMasterSp="0">
   <p:cSld>
     <p:spTree>
@@ -13630,7 +15001,7 @@
 </p:sld>
 </file>
 
-<file path=ppt/slides/slide13.xml><?xml version="1.0" encoding="utf-8"?>
+<file path=ppt/slides/slide15.xml><?xml version="1.0" encoding="utf-8"?>
 <p:sld xmlns:a="http://schemas.openxmlformats.org/drawingml/2006/main" xmlns:r="http://schemas.openxmlformats.org/officeDocument/2006/relationships" xmlns:p="http://schemas.openxmlformats.org/presentationml/2006/main" showMasterSp="0">
   <p:cSld>
     <p:spTree>
@@ -14635,7 +16006,7 @@
 </p:sld>
 </file>
 
-<file path=ppt/slides/slide14.xml><?xml version="1.0" encoding="utf-8"?>
+<file path=ppt/slides/slide16.xml><?xml version="1.0" encoding="utf-8"?>
 <p:sld xmlns:a="http://schemas.openxmlformats.org/drawingml/2006/main" xmlns:r="http://schemas.openxmlformats.org/officeDocument/2006/relationships" xmlns:p="http://schemas.openxmlformats.org/presentationml/2006/main" showMasterSp="0">
   <p:cSld>
     <p:spTree>
@@ -16109,7 +17480,7 @@
 </p:sld>
 </file>
 
-<file path=ppt/slides/slide15.xml><?xml version="1.0" encoding="utf-8"?>
+<file path=ppt/slides/slide17.xml><?xml version="1.0" encoding="utf-8"?>
 <p:sld xmlns:a="http://schemas.openxmlformats.org/drawingml/2006/main" xmlns:r="http://schemas.openxmlformats.org/officeDocument/2006/relationships" xmlns:p="http://schemas.openxmlformats.org/presentationml/2006/main" showMasterSp="0">
   <p:cSld>
     <p:spTree>
@@ -16507,7 +17878,7 @@
 </p:sld>
 </file>
 
-<file path=ppt/slides/slide16.xml><?xml version="1.0" encoding="utf-8"?>
+<file path=ppt/slides/slide18.xml><?xml version="1.0" encoding="utf-8"?>
 <p:sld xmlns:a="http://schemas.openxmlformats.org/drawingml/2006/main" xmlns:r="http://schemas.openxmlformats.org/officeDocument/2006/relationships" xmlns:p="http://schemas.openxmlformats.org/presentationml/2006/main" showMasterSp="0">
   <p:cSld>
     <p:spTree>
@@ -17241,7 +18612,7 @@
 </p:sld>
 </file>
 
-<file path=ppt/slides/slide17.xml><?xml version="1.0" encoding="utf-8"?>
+<file path=ppt/slides/slide19.xml><?xml version="1.0" encoding="utf-8"?>
 <p:sld xmlns:a="http://schemas.openxmlformats.org/drawingml/2006/main" xmlns:r="http://schemas.openxmlformats.org/officeDocument/2006/relationships" xmlns:p="http://schemas.openxmlformats.org/presentationml/2006/main" showMasterSp="0">
   <p:cSld>
     <p:spTree>
@@ -18644,7 +20015,226 @@
 </p:sld>
 </file>
 
-<file path=ppt/slides/slide18.xml><?xml version="1.0" encoding="utf-8"?>
+<file path=ppt/slides/slide2.xml><?xml version="1.0" encoding="utf-8"?>
+<p:sld xmlns:a="http://schemas.openxmlformats.org/drawingml/2006/main" xmlns:r="http://schemas.openxmlformats.org/officeDocument/2006/relationships" xmlns:p="http://schemas.openxmlformats.org/presentationml/2006/main" showMasterSp="0">
+  <p:cSld>
+    <p:spTree>
+      <p:nvGrpSpPr>
+        <p:cNvPr id="1" name=""/>
+        <p:cNvGrpSpPr/>
+        <p:nvPr/>
+      </p:nvGrpSpPr>
+      <p:grpSpPr>
+        <a:xfrm>
+          <a:off x="0" y="0"/>
+          <a:ext cx="0" cy="0"/>
+          <a:chOff x="0" y="0"/>
+          <a:chExt cx="0" cy="0"/>
+        </a:xfrm>
+      </p:grpSpPr>
+      <p:sp>
+        <p:nvSpPr>
+          <p:cNvPr id="2" name="Title 1">
+            <a:extLst>
+              <a:ext uri="{FF2B5EF4-FFF2-40B4-BE49-F238E27FC236}">
+                <a16:creationId xmlns:a16="http://schemas.microsoft.com/office/drawing/2014/main" id="{3A285C21-2361-3442-8CF6-E289EC65F592}"/>
+              </a:ext>
+            </a:extLst>
+          </p:cNvPr>
+          <p:cNvSpPr>
+            <a:spLocks noGrp="1"/>
+          </p:cNvSpPr>
+          <p:nvPr>
+            <p:ph type="title"/>
+          </p:nvPr>
+        </p:nvSpPr>
+        <p:spPr>
+          <a:xfrm>
+            <a:off x="1289642" y="540027"/>
+            <a:ext cx="8911687" cy="1280890"/>
+          </a:xfrm>
+        </p:spPr>
+        <p:txBody>
+          <a:bodyPr/>
+          <a:lstStyle/>
+          <a:p>
+            <a:pPr algn="ctr"/>
+            <a:r>
+              <a:rPr lang="en-US" dirty="0">
+                <a:latin typeface="Verdana" panose="020B0604030504040204" pitchFamily="34" charset="0"/>
+                <a:ea typeface="Verdana" panose="020B0604030504040204" pitchFamily="34" charset="0"/>
+                <a:cs typeface="Verdana" panose="020B0604030504040204" pitchFamily="34" charset="0"/>
+              </a:rPr>
+              <a:t>LEARNING</a:t>
+            </a:r>
+            <a:r>
+              <a:rPr lang="en-US" dirty="0">
+                <a:solidFill>
+                  <a:schemeClr val="tx1">
+                    <a:lumMod val="75000"/>
+                    <a:lumOff val="25000"/>
+                  </a:schemeClr>
+                </a:solidFill>
+                <a:latin typeface="Verdana" panose="020B0604030504040204" pitchFamily="34" charset="0"/>
+                <a:ea typeface="Verdana" panose="020B0604030504040204" pitchFamily="34" charset="0"/>
+                <a:cs typeface="Verdana" panose="020B0604030504040204" pitchFamily="34" charset="0"/>
+              </a:rPr>
+              <a:t> GOALS</a:t>
+            </a:r>
+          </a:p>
+        </p:txBody>
+      </p:sp>
+      <p:sp>
+        <p:nvSpPr>
+          <p:cNvPr id="3" name="Content Placeholder 2">
+            <a:extLst>
+              <a:ext uri="{FF2B5EF4-FFF2-40B4-BE49-F238E27FC236}">
+                <a16:creationId xmlns:a16="http://schemas.microsoft.com/office/drawing/2014/main" id="{A1DB5512-87E1-B445-B644-8B92BA4F942C}"/>
+              </a:ext>
+            </a:extLst>
+          </p:cNvPr>
+          <p:cNvSpPr>
+            <a:spLocks noGrp="1"/>
+          </p:cNvSpPr>
+          <p:nvPr>
+            <p:ph idx="1"/>
+          </p:nvPr>
+        </p:nvSpPr>
+        <p:spPr>
+          <a:xfrm>
+            <a:off x="581736" y="1540189"/>
+            <a:ext cx="10320622" cy="4412742"/>
+          </a:xfrm>
+        </p:spPr>
+        <p:txBody>
+          <a:bodyPr>
+            <a:normAutofit/>
+          </a:bodyPr>
+          <a:lstStyle/>
+          <a:p>
+            <a:r>
+              <a:rPr lang="en-US" sz="2000" dirty="0">
+                <a:solidFill>
+                  <a:schemeClr val="tx1"/>
+                </a:solidFill>
+                <a:latin typeface="Comic Sans MS" panose="030F0902030302020204" pitchFamily="66" charset="0"/>
+              </a:rPr>
+              <a:t>What is the difference between serial and parallel computing? Why do we need parallel computing?</a:t>
+            </a:r>
+          </a:p>
+          <a:p>
+            <a:pPr marL="0" indent="0">
+              <a:buNone/>
+            </a:pPr>
+            <a:endParaRPr lang="en-US" sz="2000" dirty="0">
+              <a:solidFill>
+                <a:schemeClr val="tx1"/>
+              </a:solidFill>
+              <a:latin typeface="Comic Sans MS" panose="030F0902030302020204" pitchFamily="66" charset="0"/>
+            </a:endParaRPr>
+          </a:p>
+          <a:p>
+            <a:r>
+              <a:rPr lang="en-US" sz="2000" dirty="0">
+                <a:solidFill>
+                  <a:schemeClr val="tx1"/>
+                </a:solidFill>
+                <a:latin typeface="Comic Sans MS" panose="030F0902030302020204" pitchFamily="66" charset="0"/>
+              </a:rPr>
+              <a:t>introduction </a:t>
+            </a:r>
+            <a:r>
+              <a:rPr lang="en-US" sz="2000">
+                <a:solidFill>
+                  <a:schemeClr val="tx1"/>
+                </a:solidFill>
+                <a:latin typeface="Comic Sans MS" panose="030F0902030302020204" pitchFamily="66" charset="0"/>
+              </a:rPr>
+              <a:t>to programing  </a:t>
+            </a:r>
+            <a:endParaRPr lang="en-US" sz="2000" dirty="0">
+              <a:solidFill>
+                <a:schemeClr val="tx1"/>
+              </a:solidFill>
+              <a:latin typeface="Comic Sans MS" panose="030F0902030302020204" pitchFamily="66" charset="0"/>
+            </a:endParaRPr>
+          </a:p>
+          <a:p>
+            <a:endParaRPr lang="en-US" sz="2000" dirty="0">
+              <a:solidFill>
+                <a:schemeClr val="tx1"/>
+              </a:solidFill>
+              <a:latin typeface="Comic Sans MS" panose="030F0902030302020204" pitchFamily="66" charset="0"/>
+            </a:endParaRPr>
+          </a:p>
+          <a:p>
+            <a:r>
+              <a:rPr lang="en-US" sz="2000" dirty="0">
+                <a:solidFill>
+                  <a:schemeClr val="tx1"/>
+                </a:solidFill>
+                <a:latin typeface="Comic Sans MS" panose="030F0902030302020204" pitchFamily="66" charset="0"/>
+              </a:rPr>
+              <a:t>How supercomputers apply parallel computing</a:t>
+            </a:r>
+          </a:p>
+          <a:p>
+            <a:endParaRPr lang="en-US" sz="2000" dirty="0">
+              <a:solidFill>
+                <a:schemeClr val="tx1"/>
+              </a:solidFill>
+              <a:latin typeface="Comic Sans MS" panose="030F0902030302020204" pitchFamily="66" charset="0"/>
+            </a:endParaRPr>
+          </a:p>
+          <a:p>
+            <a:r>
+              <a:rPr lang="en-US" sz="2000" dirty="0">
+                <a:solidFill>
+                  <a:schemeClr val="tx1"/>
+                </a:solidFill>
+                <a:latin typeface="Comic Sans MS" panose="030F0902030302020204" pitchFamily="66" charset="0"/>
+              </a:rPr>
+              <a:t>Message Passing Interface to apply parallel computing</a:t>
+            </a:r>
+          </a:p>
+          <a:p>
+            <a:endParaRPr lang="en-US" sz="2000" dirty="0">
+              <a:solidFill>
+                <a:schemeClr val="tx1"/>
+              </a:solidFill>
+              <a:latin typeface="Comic Sans MS" panose="030F0902030302020204" pitchFamily="66" charset="0"/>
+            </a:endParaRPr>
+          </a:p>
+          <a:p>
+            <a:r>
+              <a:rPr lang="en-US" sz="2000" dirty="0">
+                <a:solidFill>
+                  <a:schemeClr val="tx1"/>
+                </a:solidFill>
+                <a:latin typeface="Comic Sans MS" panose="030F0902030302020204" pitchFamily="66" charset="0"/>
+              </a:rPr>
+              <a:t>Think of some examples where you benefit/can benefit from parallelization !!</a:t>
+            </a:r>
+          </a:p>
+          <a:p>
+            <a:endParaRPr lang="en-US" sz="2000" dirty="0"/>
+          </a:p>
+        </p:txBody>
+      </p:sp>
+    </p:spTree>
+    <p:extLst>
+      <p:ext uri="{BB962C8B-B14F-4D97-AF65-F5344CB8AC3E}">
+        <p14:creationId xmlns:p14="http://schemas.microsoft.com/office/powerpoint/2010/main" val="2393598398"/>
+      </p:ext>
+    </p:extLst>
+  </p:cSld>
+  <p:clrMapOvr>
+    <a:masterClrMapping/>
+  </p:clrMapOvr>
+</p:sld>
+</file>
+
+<file path=ppt/slides/slide20.xml><?xml version="1.0" encoding="utf-8"?>
 <p:sld xmlns:a="http://schemas.openxmlformats.org/drawingml/2006/main" xmlns:r="http://schemas.openxmlformats.org/officeDocument/2006/relationships" xmlns:p="http://schemas.openxmlformats.org/presentationml/2006/main" showMasterSp="0">
   <p:cSld>
     <p:spTree>
@@ -20195,7 +21785,7 @@
 </p:sld>
 </file>
 
-<file path=ppt/slides/slide19.xml><?xml version="1.0" encoding="utf-8"?>
+<file path=ppt/slides/slide21.xml><?xml version="1.0" encoding="utf-8"?>
 <p:sld xmlns:a="http://schemas.openxmlformats.org/drawingml/2006/main" xmlns:r="http://schemas.openxmlformats.org/officeDocument/2006/relationships" xmlns:p="http://schemas.openxmlformats.org/presentationml/2006/main" showMasterSp="0">
   <p:cSld>
     <p:spTree>
@@ -20893,226 +22483,7 @@
 </p:sld>
 </file>
 
-<file path=ppt/slides/slide2.xml><?xml version="1.0" encoding="utf-8"?>
-<p:sld xmlns:a="http://schemas.openxmlformats.org/drawingml/2006/main" xmlns:r="http://schemas.openxmlformats.org/officeDocument/2006/relationships" xmlns:p="http://schemas.openxmlformats.org/presentationml/2006/main" showMasterSp="0">
-  <p:cSld>
-    <p:spTree>
-      <p:nvGrpSpPr>
-        <p:cNvPr id="1" name=""/>
-        <p:cNvGrpSpPr/>
-        <p:nvPr/>
-      </p:nvGrpSpPr>
-      <p:grpSpPr>
-        <a:xfrm>
-          <a:off x="0" y="0"/>
-          <a:ext cx="0" cy="0"/>
-          <a:chOff x="0" y="0"/>
-          <a:chExt cx="0" cy="0"/>
-        </a:xfrm>
-      </p:grpSpPr>
-      <p:sp>
-        <p:nvSpPr>
-          <p:cNvPr id="2" name="Title 1">
-            <a:extLst>
-              <a:ext uri="{FF2B5EF4-FFF2-40B4-BE49-F238E27FC236}">
-                <a16:creationId xmlns:a16="http://schemas.microsoft.com/office/drawing/2014/main" id="{3A285C21-2361-3442-8CF6-E289EC65F592}"/>
-              </a:ext>
-            </a:extLst>
-          </p:cNvPr>
-          <p:cNvSpPr>
-            <a:spLocks noGrp="1"/>
-          </p:cNvSpPr>
-          <p:nvPr>
-            <p:ph type="title"/>
-          </p:nvPr>
-        </p:nvSpPr>
-        <p:spPr>
-          <a:xfrm>
-            <a:off x="1289642" y="540027"/>
-            <a:ext cx="8911687" cy="1280890"/>
-          </a:xfrm>
-        </p:spPr>
-        <p:txBody>
-          <a:bodyPr/>
-          <a:lstStyle/>
-          <a:p>
-            <a:pPr algn="ctr"/>
-            <a:r>
-              <a:rPr lang="en-US" dirty="0">
-                <a:latin typeface="Verdana" panose="020B0604030504040204" pitchFamily="34" charset="0"/>
-                <a:ea typeface="Verdana" panose="020B0604030504040204" pitchFamily="34" charset="0"/>
-                <a:cs typeface="Verdana" panose="020B0604030504040204" pitchFamily="34" charset="0"/>
-              </a:rPr>
-              <a:t>LEARNING</a:t>
-            </a:r>
-            <a:r>
-              <a:rPr lang="en-US" dirty="0">
-                <a:solidFill>
-                  <a:schemeClr val="tx1">
-                    <a:lumMod val="75000"/>
-                    <a:lumOff val="25000"/>
-                  </a:schemeClr>
-                </a:solidFill>
-                <a:latin typeface="Verdana" panose="020B0604030504040204" pitchFamily="34" charset="0"/>
-                <a:ea typeface="Verdana" panose="020B0604030504040204" pitchFamily="34" charset="0"/>
-                <a:cs typeface="Verdana" panose="020B0604030504040204" pitchFamily="34" charset="0"/>
-              </a:rPr>
-              <a:t> GOALS</a:t>
-            </a:r>
-          </a:p>
-        </p:txBody>
-      </p:sp>
-      <p:sp>
-        <p:nvSpPr>
-          <p:cNvPr id="3" name="Content Placeholder 2">
-            <a:extLst>
-              <a:ext uri="{FF2B5EF4-FFF2-40B4-BE49-F238E27FC236}">
-                <a16:creationId xmlns:a16="http://schemas.microsoft.com/office/drawing/2014/main" id="{A1DB5512-87E1-B445-B644-8B92BA4F942C}"/>
-              </a:ext>
-            </a:extLst>
-          </p:cNvPr>
-          <p:cNvSpPr>
-            <a:spLocks noGrp="1"/>
-          </p:cNvSpPr>
-          <p:nvPr>
-            <p:ph idx="1"/>
-          </p:nvPr>
-        </p:nvSpPr>
-        <p:spPr>
-          <a:xfrm>
-            <a:off x="581736" y="1540189"/>
-            <a:ext cx="10320622" cy="4412742"/>
-          </a:xfrm>
-        </p:spPr>
-        <p:txBody>
-          <a:bodyPr>
-            <a:normAutofit/>
-          </a:bodyPr>
-          <a:lstStyle/>
-          <a:p>
-            <a:r>
-              <a:rPr lang="en-US" sz="2000" dirty="0">
-                <a:solidFill>
-                  <a:schemeClr val="tx1"/>
-                </a:solidFill>
-                <a:latin typeface="Comic Sans MS" panose="030F0902030302020204" pitchFamily="66" charset="0"/>
-              </a:rPr>
-              <a:t>What is the difference between serial and parallel computing? Why do we need parallel computing?</a:t>
-            </a:r>
-          </a:p>
-          <a:p>
-            <a:pPr marL="0" indent="0">
-              <a:buNone/>
-            </a:pPr>
-            <a:endParaRPr lang="en-US" sz="2000" dirty="0">
-              <a:solidFill>
-                <a:schemeClr val="tx1"/>
-              </a:solidFill>
-              <a:latin typeface="Comic Sans MS" panose="030F0902030302020204" pitchFamily="66" charset="0"/>
-            </a:endParaRPr>
-          </a:p>
-          <a:p>
-            <a:r>
-              <a:rPr lang="en-US" sz="2000" dirty="0">
-                <a:solidFill>
-                  <a:schemeClr val="tx1"/>
-                </a:solidFill>
-                <a:latin typeface="Comic Sans MS" panose="030F0902030302020204" pitchFamily="66" charset="0"/>
-              </a:rPr>
-              <a:t>introduction </a:t>
-            </a:r>
-            <a:r>
-              <a:rPr lang="en-US" sz="2000">
-                <a:solidFill>
-                  <a:schemeClr val="tx1"/>
-                </a:solidFill>
-                <a:latin typeface="Comic Sans MS" panose="030F0902030302020204" pitchFamily="66" charset="0"/>
-              </a:rPr>
-              <a:t>to programing  </a:t>
-            </a:r>
-            <a:endParaRPr lang="en-US" sz="2000" dirty="0">
-              <a:solidFill>
-                <a:schemeClr val="tx1"/>
-              </a:solidFill>
-              <a:latin typeface="Comic Sans MS" panose="030F0902030302020204" pitchFamily="66" charset="0"/>
-            </a:endParaRPr>
-          </a:p>
-          <a:p>
-            <a:endParaRPr lang="en-US" sz="2000" dirty="0">
-              <a:solidFill>
-                <a:schemeClr val="tx1"/>
-              </a:solidFill>
-              <a:latin typeface="Comic Sans MS" panose="030F0902030302020204" pitchFamily="66" charset="0"/>
-            </a:endParaRPr>
-          </a:p>
-          <a:p>
-            <a:r>
-              <a:rPr lang="en-US" sz="2000" dirty="0">
-                <a:solidFill>
-                  <a:schemeClr val="tx1"/>
-                </a:solidFill>
-                <a:latin typeface="Comic Sans MS" panose="030F0902030302020204" pitchFamily="66" charset="0"/>
-              </a:rPr>
-              <a:t>How supercomputers apply parallel computing</a:t>
-            </a:r>
-          </a:p>
-          <a:p>
-            <a:endParaRPr lang="en-US" sz="2000" dirty="0">
-              <a:solidFill>
-                <a:schemeClr val="tx1"/>
-              </a:solidFill>
-              <a:latin typeface="Comic Sans MS" panose="030F0902030302020204" pitchFamily="66" charset="0"/>
-            </a:endParaRPr>
-          </a:p>
-          <a:p>
-            <a:r>
-              <a:rPr lang="en-US" sz="2000" dirty="0">
-                <a:solidFill>
-                  <a:schemeClr val="tx1"/>
-                </a:solidFill>
-                <a:latin typeface="Comic Sans MS" panose="030F0902030302020204" pitchFamily="66" charset="0"/>
-              </a:rPr>
-              <a:t>Message Passing Interface to apply parallel computing</a:t>
-            </a:r>
-          </a:p>
-          <a:p>
-            <a:endParaRPr lang="en-US" sz="2000" dirty="0">
-              <a:solidFill>
-                <a:schemeClr val="tx1"/>
-              </a:solidFill>
-              <a:latin typeface="Comic Sans MS" panose="030F0902030302020204" pitchFamily="66" charset="0"/>
-            </a:endParaRPr>
-          </a:p>
-          <a:p>
-            <a:r>
-              <a:rPr lang="en-US" sz="2000" dirty="0">
-                <a:solidFill>
-                  <a:schemeClr val="tx1"/>
-                </a:solidFill>
-                <a:latin typeface="Comic Sans MS" panose="030F0902030302020204" pitchFamily="66" charset="0"/>
-              </a:rPr>
-              <a:t>Think of some examples where you benefit/can benefit from parallelization !!</a:t>
-            </a:r>
-          </a:p>
-          <a:p>
-            <a:endParaRPr lang="en-US" sz="2000" dirty="0"/>
-          </a:p>
-        </p:txBody>
-      </p:sp>
-    </p:spTree>
-    <p:extLst>
-      <p:ext uri="{BB962C8B-B14F-4D97-AF65-F5344CB8AC3E}">
-        <p14:creationId xmlns:p14="http://schemas.microsoft.com/office/powerpoint/2010/main" val="2393598398"/>
-      </p:ext>
-    </p:extLst>
-  </p:cSld>
-  <p:clrMapOvr>
-    <a:masterClrMapping/>
-  </p:clrMapOvr>
-</p:sld>
-</file>
-
-<file path=ppt/slides/slide20.xml><?xml version="1.0" encoding="utf-8"?>
+<file path=ppt/slides/slide22.xml><?xml version="1.0" encoding="utf-8"?>
 <p:sld xmlns:a="http://schemas.openxmlformats.org/drawingml/2006/main" xmlns:r="http://schemas.openxmlformats.org/officeDocument/2006/relationships" xmlns:p="http://schemas.openxmlformats.org/presentationml/2006/main">
   <p:cSld>
     <p:spTree>
@@ -21956,7 +23327,7 @@
 </p:sld>
 </file>
 
-<file path=ppt/slides/slide21.xml><?xml version="1.0" encoding="utf-8"?>
+<file path=ppt/slides/slide23.xml><?xml version="1.0" encoding="utf-8"?>
 <p:sld xmlns:a="http://schemas.openxmlformats.org/drawingml/2006/main" xmlns:r="http://schemas.openxmlformats.org/officeDocument/2006/relationships" xmlns:p="http://schemas.openxmlformats.org/presentationml/2006/main">
   <p:cSld>
     <p:spTree>
@@ -22370,7 +23741,7 @@
 </p:sld>
 </file>
 
-<file path=ppt/slides/slide22.xml><?xml version="1.0" encoding="utf-8"?>
+<file path=ppt/slides/slide24.xml><?xml version="1.0" encoding="utf-8"?>
 <p:sld xmlns:a="http://schemas.openxmlformats.org/drawingml/2006/main" xmlns:r="http://schemas.openxmlformats.org/officeDocument/2006/relationships" xmlns:p="http://schemas.openxmlformats.org/presentationml/2006/main" showMasterSp="0">
   <p:cSld>
     <p:spTree>
@@ -23197,7 +24568,7 @@
 </p:sld>
 </file>
 
-<file path=ppt/slides/slide23.xml><?xml version="1.0" encoding="utf-8"?>
+<file path=ppt/slides/slide25.xml><?xml version="1.0" encoding="utf-8"?>
 <p:sld xmlns:a="http://schemas.openxmlformats.org/drawingml/2006/main" xmlns:r="http://schemas.openxmlformats.org/officeDocument/2006/relationships" xmlns:p="http://schemas.openxmlformats.org/presentationml/2006/main" showMasterSp="0">
   <p:cSld>
     <p:spTree>
@@ -24338,7 +25709,7 @@
 </p:sld>
 </file>
 
-<file path=ppt/slides/slide24.xml><?xml version="1.0" encoding="utf-8"?>
+<file path=ppt/slides/slide26.xml><?xml version="1.0" encoding="utf-8"?>
 <p:sld xmlns:a="http://schemas.openxmlformats.org/drawingml/2006/main" xmlns:r="http://schemas.openxmlformats.org/officeDocument/2006/relationships" xmlns:p="http://schemas.openxmlformats.org/presentationml/2006/main" showMasterSp="0">
   <p:cSld>
     <p:spTree>
@@ -25153,1494 +26524,6 @@
     <p:extLst>
       <p:ext uri="{BB962C8B-B14F-4D97-AF65-F5344CB8AC3E}">
         <p14:creationId xmlns:p14="http://schemas.microsoft.com/office/powerpoint/2010/main" val="618962761"/>
-      </p:ext>
-    </p:extLst>
-  </p:cSld>
-  <p:clrMapOvr>
-    <a:masterClrMapping/>
-  </p:clrMapOvr>
-  <p:timing>
-    <p:tnLst>
-      <p:par>
-        <p:cTn id="1" dur="indefinite" restart="never" nodeType="tmRoot">
-          <p:childTnLst>
-            <p:seq concurrent="1" nextAc="seek">
-              <p:cTn id="2" dur="indefinite" nodeType="mainSeq">
-                <p:childTnLst>
-                  <p:par>
-                    <p:cTn id="3" fill="hold">
-                      <p:stCondLst>
-                        <p:cond delay="indefinite"/>
-                      </p:stCondLst>
-                      <p:childTnLst>
-                        <p:par>
-                          <p:cTn id="4" fill="hold">
-                            <p:stCondLst>
-                              <p:cond delay="0"/>
-                            </p:stCondLst>
-                            <p:childTnLst>
-                              <p:par>
-                                <p:cTn id="5" presetID="1" presetClass="entr" presetSubtype="0" fill="hold" grpId="0" nodeType="clickEffect">
-                                  <p:stCondLst>
-                                    <p:cond delay="0"/>
-                                  </p:stCondLst>
-                                  <p:childTnLst>
-                                    <p:set>
-                                      <p:cBhvr>
-                                        <p:cTn id="6" dur="1" fill="hold">
-                                          <p:stCondLst>
-                                            <p:cond delay="0"/>
-                                          </p:stCondLst>
-                                        </p:cTn>
-                                        <p:tgtEl>
-                                          <p:spTgt spid="5"/>
-                                        </p:tgtEl>
-                                        <p:attrNameLst>
-                                          <p:attrName>style.visibility</p:attrName>
-                                        </p:attrNameLst>
-                                      </p:cBhvr>
-                                      <p:to>
-                                        <p:strVal val="visible"/>
-                                      </p:to>
-                                    </p:set>
-                                  </p:childTnLst>
-                                </p:cTn>
-                              </p:par>
-                            </p:childTnLst>
-                          </p:cTn>
-                        </p:par>
-                      </p:childTnLst>
-                    </p:cTn>
-                  </p:par>
-                  <p:par>
-                    <p:cTn id="7" fill="hold">
-                      <p:stCondLst>
-                        <p:cond delay="indefinite"/>
-                      </p:stCondLst>
-                      <p:childTnLst>
-                        <p:par>
-                          <p:cTn id="8" fill="hold">
-                            <p:stCondLst>
-                              <p:cond delay="0"/>
-                            </p:stCondLst>
-                            <p:childTnLst>
-                              <p:par>
-                                <p:cTn id="9" presetID="1" presetClass="entr" presetSubtype="0" fill="hold" grpId="0" nodeType="clickEffect">
-                                  <p:stCondLst>
-                                    <p:cond delay="0"/>
-                                  </p:stCondLst>
-                                  <p:childTnLst>
-                                    <p:set>
-                                      <p:cBhvr>
-                                        <p:cTn id="10" dur="1" fill="hold">
-                                          <p:stCondLst>
-                                            <p:cond delay="0"/>
-                                          </p:stCondLst>
-                                        </p:cTn>
-                                        <p:tgtEl>
-                                          <p:spTgt spid="4"/>
-                                        </p:tgtEl>
-                                        <p:attrNameLst>
-                                          <p:attrName>style.visibility</p:attrName>
-                                        </p:attrNameLst>
-                                      </p:cBhvr>
-                                      <p:to>
-                                        <p:strVal val="visible"/>
-                                      </p:to>
-                                    </p:set>
-                                  </p:childTnLst>
-                                </p:cTn>
-                              </p:par>
-                            </p:childTnLst>
-                          </p:cTn>
-                        </p:par>
-                      </p:childTnLst>
-                    </p:cTn>
-                  </p:par>
-                </p:childTnLst>
-              </p:cTn>
-              <p:prevCondLst>
-                <p:cond evt="onPrev" delay="0">
-                  <p:tgtEl>
-                    <p:sldTgt/>
-                  </p:tgtEl>
-                </p:cond>
-              </p:prevCondLst>
-              <p:nextCondLst>
-                <p:cond evt="onNext" delay="0">
-                  <p:tgtEl>
-                    <p:sldTgt/>
-                  </p:tgtEl>
-                </p:cond>
-              </p:nextCondLst>
-            </p:seq>
-          </p:childTnLst>
-        </p:cTn>
-      </p:par>
-    </p:tnLst>
-    <p:bldLst>
-      <p:bldP spid="4" grpId="0" animBg="1"/>
-      <p:bldP spid="5" grpId="0" animBg="1"/>
-    </p:bldLst>
-  </p:timing>
-</p:sld>
-</file>
-
-<file path=ppt/slides/slide25.xml><?xml version="1.0" encoding="utf-8"?>
-<p:sld xmlns:a="http://schemas.openxmlformats.org/drawingml/2006/main" xmlns:r="http://schemas.openxmlformats.org/officeDocument/2006/relationships" xmlns:p="http://schemas.openxmlformats.org/presentationml/2006/main">
-  <p:cSld>
-    <p:spTree>
-      <p:nvGrpSpPr>
-        <p:cNvPr id="1" name=""/>
-        <p:cNvGrpSpPr/>
-        <p:nvPr/>
-      </p:nvGrpSpPr>
-      <p:grpSpPr>
-        <a:xfrm>
-          <a:off x="0" y="0"/>
-          <a:ext cx="0" cy="0"/>
-          <a:chOff x="0" y="0"/>
-          <a:chExt cx="0" cy="0"/>
-        </a:xfrm>
-      </p:grpSpPr>
-      <p:sp>
-        <p:nvSpPr>
-          <p:cNvPr id="2" name="Title 1">
-            <a:extLst>
-              <a:ext uri="{FF2B5EF4-FFF2-40B4-BE49-F238E27FC236}">
-                <a16:creationId xmlns:a16="http://schemas.microsoft.com/office/drawing/2014/main" id="{3A285C21-2361-3442-8CF6-E289EC65F592}"/>
-              </a:ext>
-            </a:extLst>
-          </p:cNvPr>
-          <p:cNvSpPr>
-            <a:spLocks noGrp="1"/>
-          </p:cNvSpPr>
-          <p:nvPr>
-            <p:ph type="title"/>
-          </p:nvPr>
-        </p:nvSpPr>
-        <p:spPr>
-          <a:xfrm>
-            <a:off x="1289642" y="428655"/>
-            <a:ext cx="8911687" cy="1280890"/>
-          </a:xfrm>
-        </p:spPr>
-        <p:txBody>
-          <a:bodyPr/>
-          <a:lstStyle/>
-          <a:p>
-            <a:pPr algn="ctr"/>
-            <a:r>
-              <a:rPr lang="en-US" dirty="0">
-                <a:latin typeface="Verdana" panose="020B0604030504040204" pitchFamily="34" charset="0"/>
-                <a:ea typeface="Verdana" panose="020B0604030504040204" pitchFamily="34" charset="0"/>
-                <a:cs typeface="Verdana" panose="020B0604030504040204" pitchFamily="34" charset="0"/>
-              </a:rPr>
-              <a:t>GATHER</a:t>
-            </a:r>
-            <a:endParaRPr lang="en-US" dirty="0">
-              <a:solidFill>
-                <a:schemeClr val="tx1">
-                  <a:lumMod val="75000"/>
-                  <a:lumOff val="25000"/>
-                </a:schemeClr>
-              </a:solidFill>
-              <a:latin typeface="Verdana" panose="020B0604030504040204" pitchFamily="34" charset="0"/>
-              <a:ea typeface="Verdana" panose="020B0604030504040204" pitchFamily="34" charset="0"/>
-              <a:cs typeface="Verdana" panose="020B0604030504040204" pitchFamily="34" charset="0"/>
-            </a:endParaRPr>
-          </a:p>
-        </p:txBody>
-      </p:sp>
-      <p:sp>
-        <p:nvSpPr>
-          <p:cNvPr id="3" name="Content Placeholder 2">
-            <a:extLst>
-              <a:ext uri="{FF2B5EF4-FFF2-40B4-BE49-F238E27FC236}">
-                <a16:creationId xmlns:a16="http://schemas.microsoft.com/office/drawing/2014/main" id="{A1DB5512-87E1-B445-B644-8B92BA4F942C}"/>
-              </a:ext>
-            </a:extLst>
-          </p:cNvPr>
-          <p:cNvSpPr>
-            <a:spLocks noGrp="1"/>
-          </p:cNvSpPr>
-          <p:nvPr>
-            <p:ph idx="1"/>
-          </p:nvPr>
-        </p:nvSpPr>
-        <p:spPr>
-          <a:xfrm>
-            <a:off x="581736" y="1428816"/>
-            <a:ext cx="6924685" cy="5172009"/>
-          </a:xfrm>
-        </p:spPr>
-        <p:txBody>
-          <a:bodyPr>
-            <a:normAutofit fontScale="25000" lnSpcReduction="20000"/>
-          </a:bodyPr>
-          <a:lstStyle/>
-          <a:p>
-            <a:r>
-              <a:rPr lang="en-US" sz="8000" dirty="0">
-                <a:solidFill>
-                  <a:schemeClr val="tx1"/>
-                </a:solidFill>
-                <a:latin typeface="Comic Sans MS" panose="030F0902030302020204" pitchFamily="66" charset="0"/>
-              </a:rPr>
-              <a:t>Gather data from various tasks</a:t>
-            </a:r>
-          </a:p>
-          <a:p>
-            <a:r>
-              <a:rPr lang="en-US" sz="8000" dirty="0">
-                <a:solidFill>
-                  <a:schemeClr val="tx1"/>
-                </a:solidFill>
-                <a:latin typeface="Comic Sans MS" panose="030F0902030302020204" pitchFamily="66" charset="0"/>
-              </a:rPr>
-              <a:t>Code snippet:</a:t>
-            </a:r>
-          </a:p>
-          <a:p>
-            <a:pPr marL="0" indent="0">
-              <a:buNone/>
-            </a:pPr>
-            <a:endParaRPr lang="en-US" sz="6400" dirty="0">
-              <a:solidFill>
-                <a:srgbClr val="000000"/>
-              </a:solidFill>
-              <a:latin typeface="Menlo" panose="020B0609030804020204" pitchFamily="49" charset="0"/>
-            </a:endParaRPr>
-          </a:p>
-          <a:p>
-            <a:pPr marL="0" indent="0">
-              <a:buNone/>
-            </a:pPr>
-            <a:r>
-              <a:rPr lang="en-US" sz="7200" dirty="0">
-                <a:solidFill>
-                  <a:srgbClr val="B65D16"/>
-                </a:solidFill>
-                <a:latin typeface="Monaco" pitchFamily="2" charset="77"/>
-              </a:rPr>
-              <a:t># Previous scattered data.</a:t>
-            </a:r>
-          </a:p>
-          <a:p>
-            <a:pPr marL="0" indent="0">
-              <a:buNone/>
-            </a:pPr>
-            <a:endParaRPr lang="en-US" sz="7200" dirty="0">
-              <a:solidFill>
-                <a:srgbClr val="000000"/>
-              </a:solidFill>
-              <a:latin typeface="Monaco" pitchFamily="2" charset="77"/>
-            </a:endParaRPr>
-          </a:p>
-          <a:p>
-            <a:pPr marL="0" indent="0">
-              <a:buNone/>
-            </a:pPr>
-            <a:endParaRPr lang="en-US" sz="7200" dirty="0">
-              <a:solidFill>
-                <a:srgbClr val="000000"/>
-              </a:solidFill>
-              <a:latin typeface="Monaco" pitchFamily="2" charset="77"/>
-            </a:endParaRPr>
-          </a:p>
-          <a:p>
-            <a:pPr marL="0" indent="0">
-              <a:buNone/>
-            </a:pPr>
-            <a:endParaRPr lang="en-US" sz="7200" dirty="0">
-              <a:solidFill>
-                <a:srgbClr val="000000"/>
-              </a:solidFill>
-              <a:latin typeface="Monaco" pitchFamily="2" charset="77"/>
-            </a:endParaRPr>
-          </a:p>
-          <a:p>
-            <a:pPr marL="0" indent="0">
-              <a:buNone/>
-            </a:pPr>
-            <a:r>
-              <a:rPr lang="en-US" sz="7200" dirty="0" err="1">
-                <a:solidFill>
-                  <a:srgbClr val="000000"/>
-                </a:solidFill>
-                <a:latin typeface="Monaco" pitchFamily="2" charset="77"/>
-              </a:rPr>
-              <a:t>comm.</a:t>
-            </a:r>
-            <a:r>
-              <a:rPr lang="en-US" sz="7200" dirty="0" err="1">
-                <a:solidFill>
-                  <a:schemeClr val="accent1"/>
-                </a:solidFill>
-                <a:latin typeface="Monaco" pitchFamily="2" charset="77"/>
-              </a:rPr>
-              <a:t>Gatherv</a:t>
-            </a:r>
-            <a:r>
-              <a:rPr lang="en-US" sz="7200" dirty="0">
-                <a:solidFill>
-                  <a:srgbClr val="000000"/>
-                </a:solidFill>
-                <a:latin typeface="Monaco" pitchFamily="2" charset="77"/>
-              </a:rPr>
-              <a:t>(</a:t>
-            </a:r>
-            <a:r>
-              <a:rPr lang="en-US" sz="7200" dirty="0" err="1">
-                <a:solidFill>
-                  <a:srgbClr val="000000"/>
-                </a:solidFill>
-                <a:latin typeface="Monaco" pitchFamily="2" charset="77"/>
-              </a:rPr>
-              <a:t>initial_data</a:t>
-            </a:r>
-            <a:r>
-              <a:rPr lang="en-US" sz="7200" dirty="0">
-                <a:solidFill>
-                  <a:srgbClr val="000000"/>
-                </a:solidFill>
-                <a:latin typeface="Monaco" pitchFamily="2" charset="77"/>
-              </a:rPr>
-              <a:t>, </a:t>
-            </a:r>
-            <a:r>
-              <a:rPr lang="en-US" sz="7200" dirty="0" err="1">
-                <a:solidFill>
-                  <a:srgbClr val="000000"/>
-                </a:solidFill>
-                <a:latin typeface="Monaco" pitchFamily="2" charset="77"/>
-              </a:rPr>
-              <a:t>gathered_data</a:t>
-            </a:r>
-            <a:r>
-              <a:rPr lang="en-US" sz="7200" dirty="0">
-                <a:solidFill>
-                  <a:srgbClr val="000000"/>
-                </a:solidFill>
-                <a:latin typeface="Monaco" pitchFamily="2" charset="77"/>
-              </a:rPr>
-              <a:t>, root=</a:t>
-            </a:r>
-            <a:r>
-              <a:rPr lang="en-US" sz="7200" dirty="0">
-                <a:solidFill>
-                  <a:srgbClr val="AC1E16"/>
-                </a:solidFill>
-                <a:latin typeface="Monaco" pitchFamily="2" charset="77"/>
-              </a:rPr>
-              <a:t>0</a:t>
-            </a:r>
-            <a:r>
-              <a:rPr lang="en-US" sz="7200" dirty="0">
-                <a:solidFill>
-                  <a:srgbClr val="000000"/>
-                </a:solidFill>
-                <a:latin typeface="Monaco" pitchFamily="2" charset="77"/>
-              </a:rPr>
-              <a:t>)</a:t>
-            </a:r>
-            <a:br>
-              <a:rPr lang="en-US" sz="7200" dirty="0">
-                <a:solidFill>
-                  <a:srgbClr val="000000"/>
-                </a:solidFill>
-                <a:latin typeface="Monaco" pitchFamily="2" charset="77"/>
-              </a:rPr>
-            </a:br>
-            <a:endParaRPr lang="en-US" sz="7200" dirty="0">
-              <a:solidFill>
-                <a:srgbClr val="000000"/>
-              </a:solidFill>
-              <a:latin typeface="Monaco" pitchFamily="2" charset="77"/>
-            </a:endParaRPr>
-          </a:p>
-          <a:p>
-            <a:pPr marL="0" indent="0">
-              <a:buNone/>
-            </a:pPr>
-            <a:endParaRPr lang="en-US" sz="7200" dirty="0">
-              <a:solidFill>
-                <a:srgbClr val="000000"/>
-              </a:solidFill>
-              <a:latin typeface="Monaco" pitchFamily="2" charset="77"/>
-            </a:endParaRPr>
-          </a:p>
-          <a:p>
-            <a:pPr marL="0" indent="0">
-              <a:buNone/>
-            </a:pPr>
-            <a:endParaRPr lang="en-US" sz="7200" dirty="0">
-              <a:solidFill>
-                <a:srgbClr val="000000"/>
-              </a:solidFill>
-              <a:latin typeface="Monaco" pitchFamily="2" charset="77"/>
-            </a:endParaRPr>
-          </a:p>
-          <a:p>
-            <a:pPr marL="0" indent="0">
-              <a:buNone/>
-            </a:pPr>
-            <a:r>
-              <a:rPr lang="en-US" sz="7200" dirty="0">
-                <a:solidFill>
-                  <a:srgbClr val="B65D16"/>
-                </a:solidFill>
-                <a:latin typeface="Monaco" pitchFamily="2" charset="77"/>
-              </a:rPr>
-              <a:t>if</a:t>
-            </a:r>
-            <a:r>
-              <a:rPr lang="en-US" sz="7200" dirty="0">
-                <a:solidFill>
-                  <a:srgbClr val="000000"/>
-                </a:solidFill>
-                <a:latin typeface="Monaco" pitchFamily="2" charset="77"/>
-              </a:rPr>
-              <a:t> rank == </a:t>
-            </a:r>
-            <a:r>
-              <a:rPr lang="en-US" sz="7200" dirty="0">
-                <a:solidFill>
-                  <a:srgbClr val="AC1E16"/>
-                </a:solidFill>
-                <a:latin typeface="Monaco" pitchFamily="2" charset="77"/>
-              </a:rPr>
-              <a:t>0</a:t>
-            </a:r>
-            <a:r>
-              <a:rPr lang="en-US" sz="7200" dirty="0">
-                <a:solidFill>
-                  <a:srgbClr val="000000"/>
-                </a:solidFill>
-                <a:latin typeface="Monaco" pitchFamily="2" charset="77"/>
-              </a:rPr>
-              <a:t>:</a:t>
-            </a:r>
-          </a:p>
-          <a:p>
-            <a:pPr marL="0" indent="0">
-              <a:buNone/>
-            </a:pPr>
-            <a:r>
-              <a:rPr lang="en-US" sz="7200" dirty="0">
-                <a:solidFill>
-                  <a:srgbClr val="000000"/>
-                </a:solidFill>
-                <a:latin typeface="Monaco" pitchFamily="2" charset="77"/>
-              </a:rPr>
-              <a:t>    </a:t>
-            </a:r>
-            <a:r>
-              <a:rPr lang="en-US" sz="7200" dirty="0">
-                <a:solidFill>
-                  <a:srgbClr val="23A3B0"/>
-                </a:solidFill>
-                <a:latin typeface="Monaco" pitchFamily="2" charset="77"/>
-              </a:rPr>
-              <a:t>print</a:t>
-            </a:r>
-            <a:r>
-              <a:rPr lang="en-US" sz="7200" dirty="0">
-                <a:solidFill>
-                  <a:srgbClr val="000000"/>
-                </a:solidFill>
-                <a:latin typeface="Monaco" pitchFamily="2" charset="77"/>
-              </a:rPr>
-              <a:t>(</a:t>
-            </a:r>
-            <a:r>
-              <a:rPr lang="en-US" sz="7200" dirty="0">
-                <a:solidFill>
-                  <a:srgbClr val="AC1E16"/>
-                </a:solidFill>
-                <a:latin typeface="Monaco" pitchFamily="2" charset="77"/>
-              </a:rPr>
-              <a:t>‘After gather. Rank: {</a:t>
-            </a:r>
-            <a:r>
-              <a:rPr lang="en-US" sz="7200" dirty="0" err="1">
-                <a:solidFill>
-                  <a:srgbClr val="AC1E16"/>
-                </a:solidFill>
-                <a:latin typeface="Monaco" pitchFamily="2" charset="77"/>
-              </a:rPr>
-              <a:t>mpi_rank</a:t>
-            </a:r>
-            <a:r>
-              <a:rPr lang="en-US" sz="7200" dirty="0">
-                <a:solidFill>
-                  <a:srgbClr val="AC1E16"/>
-                </a:solidFill>
-                <a:latin typeface="Monaco" pitchFamily="2" charset="77"/>
-              </a:rPr>
-              <a:t>}, b: {</a:t>
-            </a:r>
-            <a:r>
-              <a:rPr lang="en-US" sz="7200" dirty="0" err="1">
-                <a:solidFill>
-                  <a:srgbClr val="AC1E16"/>
-                </a:solidFill>
-                <a:latin typeface="Monaco" pitchFamily="2" charset="77"/>
-              </a:rPr>
-              <a:t>initial_data</a:t>
-            </a:r>
-            <a:r>
-              <a:rPr lang="en-US" sz="7200" dirty="0">
-                <a:solidFill>
-                  <a:srgbClr val="AC1E16"/>
-                </a:solidFill>
-                <a:latin typeface="Monaco" pitchFamily="2" charset="77"/>
-              </a:rPr>
-              <a:t>}, c: {</a:t>
-            </a:r>
-            <a:r>
-              <a:rPr lang="en-US" sz="7200" dirty="0" err="1">
-                <a:solidFill>
-                  <a:srgbClr val="AC1E16"/>
-                </a:solidFill>
-                <a:latin typeface="Monaco" pitchFamily="2" charset="77"/>
-              </a:rPr>
-              <a:t>gathered_data</a:t>
-            </a:r>
-            <a:r>
-              <a:rPr lang="en-US" sz="7200" dirty="0">
-                <a:solidFill>
-                  <a:srgbClr val="AC1E16"/>
-                </a:solidFill>
-                <a:latin typeface="Monaco" pitchFamily="2" charset="77"/>
-              </a:rPr>
-              <a:t>}'</a:t>
-            </a:r>
-            <a:r>
-              <a:rPr lang="en-US" sz="7200" dirty="0">
-                <a:solidFill>
-                  <a:srgbClr val="000000"/>
-                </a:solidFill>
-                <a:latin typeface="Monaco" pitchFamily="2" charset="77"/>
-              </a:rPr>
-              <a:t>)</a:t>
-            </a:r>
-            <a:endParaRPr lang="en-US" sz="7200" dirty="0">
-              <a:solidFill>
-                <a:srgbClr val="AC1E16"/>
-              </a:solidFill>
-              <a:latin typeface="Monaco" pitchFamily="2" charset="77"/>
-            </a:endParaRPr>
-          </a:p>
-          <a:p>
-            <a:endParaRPr lang="en-US" sz="2000" dirty="0"/>
-          </a:p>
-        </p:txBody>
-      </p:sp>
-      <p:sp>
-        <p:nvSpPr>
-          <p:cNvPr id="4" name="Rectangle 3">
-            <a:extLst>
-              <a:ext uri="{FF2B5EF4-FFF2-40B4-BE49-F238E27FC236}">
-                <a16:creationId xmlns:a16="http://schemas.microsoft.com/office/drawing/2014/main" id="{7E9E197B-BEDF-5F4A-B388-3147168B8120}"/>
-              </a:ext>
-            </a:extLst>
-          </p:cNvPr>
-          <p:cNvSpPr/>
-          <p:nvPr/>
-        </p:nvSpPr>
-        <p:spPr>
-          <a:xfrm>
-            <a:off x="6096000" y="2764309"/>
-            <a:ext cx="5673968" cy="2585323"/>
-          </a:xfrm>
-          <a:prstGeom prst="rect">
-            <a:avLst/>
-          </a:prstGeom>
-          <a:ln w="31750">
-            <a:solidFill>
-              <a:schemeClr val="accent1">
-                <a:shade val="50000"/>
-              </a:schemeClr>
-            </a:solidFill>
-          </a:ln>
-        </p:spPr>
-        <p:txBody>
-          <a:bodyPr wrap="square">
-            <a:spAutoFit/>
-          </a:bodyPr>
-          <a:lstStyle/>
-          <a:p>
-            <a:r>
-              <a:rPr lang="en-US" dirty="0">
-                <a:latin typeface="Monaco"/>
-              </a:rPr>
-              <a:t>Before gather. Rank: 0, b: [0. 1.], c: [0. 0. 0. 0. 0. 0. 0. 0.] Before gather. Rank: 1, b: [2. 3.], c: [0. 0. 0. 0. 0. 0. 0. 0.] Before gather. Rank: 2, b: [4. 5.], c: [0. 0. 0. 0. 0. 0. 0. 0.] Before gather. Rank: 3, b: [6. 7.], c: [0. 0. 0. 0. 0. 0. 0. 0.]</a:t>
-            </a:r>
-          </a:p>
-          <a:p>
-            <a:endParaRPr lang="en-US" dirty="0">
-              <a:latin typeface="Monaco"/>
-            </a:endParaRPr>
-          </a:p>
-          <a:p>
-            <a:r>
-              <a:rPr lang="en-US" dirty="0">
-                <a:latin typeface="Monaco"/>
-              </a:rPr>
-              <a:t>After gather. Rank: 1, b: [2. 3.], c: [0. 0. 0. 0. 0. 0. 0. 0.] After gather. Rank: 2, b: [4. 5.], c: [0. 0. 0. 0. 0. 0. 0. 0.] After gather. Rank: 3, b: [6. 7.], c: [0. 0. 0. 0. 0. 0. 0. 0.] After gather. Rank: 0, b: [0. 1.], c: [0. 1. 2. 3. 4. 5. 6. 7.]</a:t>
-            </a:r>
-            <a:endParaRPr lang="en-US" dirty="0">
-              <a:solidFill>
-                <a:srgbClr val="000000"/>
-              </a:solidFill>
-              <a:effectLst/>
-              <a:latin typeface="Monaco"/>
-            </a:endParaRPr>
-          </a:p>
-        </p:txBody>
-      </p:sp>
-      <p:sp>
-        <p:nvSpPr>
-          <p:cNvPr id="5" name="Rectangle 4">
-            <a:extLst>
-              <a:ext uri="{FF2B5EF4-FFF2-40B4-BE49-F238E27FC236}">
-                <a16:creationId xmlns:a16="http://schemas.microsoft.com/office/drawing/2014/main" id="{DA028B07-823F-2E46-A010-1E2E3064CA07}"/>
-              </a:ext>
-            </a:extLst>
-          </p:cNvPr>
-          <p:cNvSpPr/>
-          <p:nvPr/>
-        </p:nvSpPr>
-        <p:spPr>
-          <a:xfrm>
-            <a:off x="7506421" y="2009108"/>
-            <a:ext cx="4263547" cy="369332"/>
-          </a:xfrm>
-          <a:prstGeom prst="rect">
-            <a:avLst/>
-          </a:prstGeom>
-          <a:ln w="31750">
-            <a:solidFill>
-              <a:schemeClr val="accent1">
-                <a:shade val="50000"/>
-              </a:schemeClr>
-            </a:solidFill>
-          </a:ln>
-        </p:spPr>
-        <p:txBody>
-          <a:bodyPr wrap="square">
-            <a:spAutoFit/>
-          </a:bodyPr>
-          <a:lstStyle/>
-          <a:p>
-            <a:r>
-              <a:rPr lang="en-US" dirty="0" err="1">
-                <a:solidFill>
-                  <a:srgbClr val="000000"/>
-                </a:solidFill>
-                <a:latin typeface="Monaco" pitchFamily="2" charset="77"/>
-              </a:rPr>
-              <a:t>mpirun</a:t>
-            </a:r>
-            <a:r>
-              <a:rPr lang="en-US" dirty="0">
-                <a:solidFill>
-                  <a:srgbClr val="000000"/>
-                </a:solidFill>
-                <a:latin typeface="Monaco" pitchFamily="2" charset="77"/>
-              </a:rPr>
-              <a:t> –n 4 python  gather.py</a:t>
-            </a:r>
-          </a:p>
-        </p:txBody>
-      </p:sp>
-      <p:pic>
-        <p:nvPicPr>
-          <p:cNvPr id="8" name="Picture 7">
-            <a:extLst>
-              <a:ext uri="{FF2B5EF4-FFF2-40B4-BE49-F238E27FC236}">
-                <a16:creationId xmlns:a16="http://schemas.microsoft.com/office/drawing/2014/main" id="{5452AD6E-4048-DC21-CA98-AC5E05BF73A6}"/>
-              </a:ext>
-            </a:extLst>
-          </p:cNvPr>
-          <p:cNvPicPr>
-            <a:picLocks noChangeAspect="1"/>
-          </p:cNvPicPr>
-          <p:nvPr/>
-        </p:nvPicPr>
-        <p:blipFill>
-          <a:blip r:embed="rId3"/>
-          <a:stretch>
-            <a:fillRect/>
-          </a:stretch>
-        </p:blipFill>
-        <p:spPr>
-          <a:xfrm>
-            <a:off x="7928457" y="301248"/>
-            <a:ext cx="3419475" cy="1535703"/>
-          </a:xfrm>
-          <a:prstGeom prst="rect">
-            <a:avLst/>
-          </a:prstGeom>
-        </p:spPr>
-      </p:pic>
-    </p:spTree>
-    <p:extLst>
-      <p:ext uri="{BB962C8B-B14F-4D97-AF65-F5344CB8AC3E}">
-        <p14:creationId xmlns:p14="http://schemas.microsoft.com/office/powerpoint/2010/main" val="2670015344"/>
-      </p:ext>
-    </p:extLst>
-  </p:cSld>
-  <p:clrMapOvr>
-    <a:masterClrMapping/>
-  </p:clrMapOvr>
-  <p:timing>
-    <p:tnLst>
-      <p:par>
-        <p:cTn id="1" dur="indefinite" restart="never" nodeType="tmRoot">
-          <p:childTnLst>
-            <p:seq concurrent="1" nextAc="seek">
-              <p:cTn id="2" dur="indefinite" nodeType="mainSeq">
-                <p:childTnLst>
-                  <p:par>
-                    <p:cTn id="3" fill="hold">
-                      <p:stCondLst>
-                        <p:cond delay="indefinite"/>
-                      </p:stCondLst>
-                      <p:childTnLst>
-                        <p:par>
-                          <p:cTn id="4" fill="hold">
-                            <p:stCondLst>
-                              <p:cond delay="0"/>
-                            </p:stCondLst>
-                            <p:childTnLst>
-                              <p:par>
-                                <p:cTn id="5" presetID="1" presetClass="entr" presetSubtype="0" fill="hold" grpId="0" nodeType="clickEffect">
-                                  <p:stCondLst>
-                                    <p:cond delay="0"/>
-                                  </p:stCondLst>
-                                  <p:childTnLst>
-                                    <p:set>
-                                      <p:cBhvr>
-                                        <p:cTn id="6" dur="1" fill="hold">
-                                          <p:stCondLst>
-                                            <p:cond delay="0"/>
-                                          </p:stCondLst>
-                                        </p:cTn>
-                                        <p:tgtEl>
-                                          <p:spTgt spid="5"/>
-                                        </p:tgtEl>
-                                        <p:attrNameLst>
-                                          <p:attrName>style.visibility</p:attrName>
-                                        </p:attrNameLst>
-                                      </p:cBhvr>
-                                      <p:to>
-                                        <p:strVal val="visible"/>
-                                      </p:to>
-                                    </p:set>
-                                  </p:childTnLst>
-                                </p:cTn>
-                              </p:par>
-                            </p:childTnLst>
-                          </p:cTn>
-                        </p:par>
-                      </p:childTnLst>
-                    </p:cTn>
-                  </p:par>
-                  <p:par>
-                    <p:cTn id="7" fill="hold">
-                      <p:stCondLst>
-                        <p:cond delay="indefinite"/>
-                      </p:stCondLst>
-                      <p:childTnLst>
-                        <p:par>
-                          <p:cTn id="8" fill="hold">
-                            <p:stCondLst>
-                              <p:cond delay="0"/>
-                            </p:stCondLst>
-                            <p:childTnLst>
-                              <p:par>
-                                <p:cTn id="9" presetID="1" presetClass="entr" presetSubtype="0" fill="hold" grpId="0" nodeType="clickEffect">
-                                  <p:stCondLst>
-                                    <p:cond delay="0"/>
-                                  </p:stCondLst>
-                                  <p:childTnLst>
-                                    <p:set>
-                                      <p:cBhvr>
-                                        <p:cTn id="10" dur="1" fill="hold">
-                                          <p:stCondLst>
-                                            <p:cond delay="0"/>
-                                          </p:stCondLst>
-                                        </p:cTn>
-                                        <p:tgtEl>
-                                          <p:spTgt spid="4"/>
-                                        </p:tgtEl>
-                                        <p:attrNameLst>
-                                          <p:attrName>style.visibility</p:attrName>
-                                        </p:attrNameLst>
-                                      </p:cBhvr>
-                                      <p:to>
-                                        <p:strVal val="visible"/>
-                                      </p:to>
-                                    </p:set>
-                                  </p:childTnLst>
-                                </p:cTn>
-                              </p:par>
-                            </p:childTnLst>
-                          </p:cTn>
-                        </p:par>
-                      </p:childTnLst>
-                    </p:cTn>
-                  </p:par>
-                </p:childTnLst>
-              </p:cTn>
-              <p:prevCondLst>
-                <p:cond evt="onPrev" delay="0">
-                  <p:tgtEl>
-                    <p:sldTgt/>
-                  </p:tgtEl>
-                </p:cond>
-              </p:prevCondLst>
-              <p:nextCondLst>
-                <p:cond evt="onNext" delay="0">
-                  <p:tgtEl>
-                    <p:sldTgt/>
-                  </p:tgtEl>
-                </p:cond>
-              </p:nextCondLst>
-            </p:seq>
-          </p:childTnLst>
-        </p:cTn>
-      </p:par>
-    </p:tnLst>
-    <p:bldLst>
-      <p:bldP spid="4" grpId="0" animBg="1"/>
-      <p:bldP spid="5" grpId="0" animBg="1"/>
-    </p:bldLst>
-  </p:timing>
-</p:sld>
-</file>
-
-<file path=ppt/slides/slide26.xml><?xml version="1.0" encoding="utf-8"?>
-<p:sld xmlns:a="http://schemas.openxmlformats.org/drawingml/2006/main" xmlns:r="http://schemas.openxmlformats.org/officeDocument/2006/relationships" xmlns:p="http://schemas.openxmlformats.org/presentationml/2006/main">
-  <p:cSld>
-    <p:spTree>
-      <p:nvGrpSpPr>
-        <p:cNvPr id="1" name=""/>
-        <p:cNvGrpSpPr/>
-        <p:nvPr/>
-      </p:nvGrpSpPr>
-      <p:grpSpPr>
-        <a:xfrm>
-          <a:off x="0" y="0"/>
-          <a:ext cx="0" cy="0"/>
-          <a:chOff x="0" y="0"/>
-          <a:chExt cx="0" cy="0"/>
-        </a:xfrm>
-      </p:grpSpPr>
-      <p:sp>
-        <p:nvSpPr>
-          <p:cNvPr id="2" name="Title 1">
-            <a:extLst>
-              <a:ext uri="{FF2B5EF4-FFF2-40B4-BE49-F238E27FC236}">
-                <a16:creationId xmlns:a16="http://schemas.microsoft.com/office/drawing/2014/main" id="{3A285C21-2361-3442-8CF6-E289EC65F592}"/>
-              </a:ext>
-            </a:extLst>
-          </p:cNvPr>
-          <p:cNvSpPr>
-            <a:spLocks noGrp="1"/>
-          </p:cNvSpPr>
-          <p:nvPr>
-            <p:ph type="title"/>
-          </p:nvPr>
-        </p:nvSpPr>
-        <p:spPr>
-          <a:xfrm>
-            <a:off x="1289642" y="428655"/>
-            <a:ext cx="8911687" cy="1280890"/>
-          </a:xfrm>
-        </p:spPr>
-        <p:txBody>
-          <a:bodyPr/>
-          <a:lstStyle/>
-          <a:p>
-            <a:pPr algn="ctr"/>
-            <a:r>
-              <a:rPr lang="en-US" dirty="0">
-                <a:latin typeface="Verdana" panose="020B0604030504040204" pitchFamily="34" charset="0"/>
-                <a:ea typeface="Verdana" panose="020B0604030504040204" pitchFamily="34" charset="0"/>
-                <a:cs typeface="Verdana" panose="020B0604030504040204" pitchFamily="34" charset="0"/>
-              </a:rPr>
-              <a:t>REDUCE</a:t>
-            </a:r>
-            <a:endParaRPr lang="en-US" dirty="0">
-              <a:solidFill>
-                <a:schemeClr val="tx1">
-                  <a:lumMod val="75000"/>
-                  <a:lumOff val="25000"/>
-                </a:schemeClr>
-              </a:solidFill>
-              <a:latin typeface="Verdana" panose="020B0604030504040204" pitchFamily="34" charset="0"/>
-              <a:ea typeface="Verdana" panose="020B0604030504040204" pitchFamily="34" charset="0"/>
-              <a:cs typeface="Verdana" panose="020B0604030504040204" pitchFamily="34" charset="0"/>
-            </a:endParaRPr>
-          </a:p>
-        </p:txBody>
-      </p:sp>
-      <p:sp>
-        <p:nvSpPr>
-          <p:cNvPr id="3" name="Content Placeholder 2">
-            <a:extLst>
-              <a:ext uri="{FF2B5EF4-FFF2-40B4-BE49-F238E27FC236}">
-                <a16:creationId xmlns:a16="http://schemas.microsoft.com/office/drawing/2014/main" id="{A1DB5512-87E1-B445-B644-8B92BA4F942C}"/>
-              </a:ext>
-            </a:extLst>
-          </p:cNvPr>
-          <p:cNvSpPr>
-            <a:spLocks noGrp="1"/>
-          </p:cNvSpPr>
-          <p:nvPr>
-            <p:ph idx="1"/>
-          </p:nvPr>
-        </p:nvSpPr>
-        <p:spPr>
-          <a:xfrm>
-            <a:off x="581736" y="1428816"/>
-            <a:ext cx="6924685" cy="5172009"/>
-          </a:xfrm>
-        </p:spPr>
-        <p:txBody>
-          <a:bodyPr>
-            <a:normAutofit fontScale="25000" lnSpcReduction="20000"/>
-          </a:bodyPr>
-          <a:lstStyle/>
-          <a:p>
-            <a:r>
-              <a:rPr lang="en-US" sz="8000" dirty="0">
-                <a:solidFill>
-                  <a:schemeClr val="tx1"/>
-                </a:solidFill>
-                <a:latin typeface="Comic Sans MS" panose="030F0902030302020204" pitchFamily="66" charset="0"/>
-              </a:rPr>
-              <a:t>Reduce data to root process</a:t>
-            </a:r>
-          </a:p>
-          <a:p>
-            <a:r>
-              <a:rPr lang="en-US" sz="8000" dirty="0">
-                <a:solidFill>
-                  <a:schemeClr val="tx1"/>
-                </a:solidFill>
-                <a:latin typeface="Comic Sans MS" panose="030F0902030302020204" pitchFamily="66" charset="0"/>
-              </a:rPr>
-              <a:t>Code snippet:</a:t>
-            </a:r>
-          </a:p>
-          <a:p>
-            <a:pPr marL="0" indent="0">
-              <a:buNone/>
-            </a:pPr>
-            <a:endParaRPr lang="en-US" sz="6400" dirty="0">
-              <a:solidFill>
-                <a:srgbClr val="000000"/>
-              </a:solidFill>
-              <a:latin typeface="Menlo" panose="020B0609030804020204" pitchFamily="49" charset="0"/>
-            </a:endParaRPr>
-          </a:p>
-          <a:p>
-            <a:pPr marL="0" indent="0">
-              <a:buNone/>
-            </a:pPr>
-            <a:r>
-              <a:rPr lang="en-US" sz="7200" dirty="0">
-                <a:solidFill>
-                  <a:srgbClr val="B65D16"/>
-                </a:solidFill>
-                <a:latin typeface="Monaco" pitchFamily="2" charset="77"/>
-              </a:rPr>
-              <a:t># Previous scattered data.</a:t>
-            </a:r>
-          </a:p>
-          <a:p>
-            <a:pPr marL="0" indent="0">
-              <a:buNone/>
-            </a:pPr>
-            <a:endParaRPr lang="en-US" sz="7200" dirty="0">
-              <a:solidFill>
-                <a:srgbClr val="000000"/>
-              </a:solidFill>
-              <a:latin typeface="Monaco" pitchFamily="2" charset="77"/>
-            </a:endParaRPr>
-          </a:p>
-          <a:p>
-            <a:pPr marL="0" indent="0">
-              <a:buNone/>
-            </a:pPr>
-            <a:endParaRPr lang="en-US" sz="7200" dirty="0">
-              <a:solidFill>
-                <a:srgbClr val="000000"/>
-              </a:solidFill>
-              <a:latin typeface="Monaco" pitchFamily="2" charset="77"/>
-            </a:endParaRPr>
-          </a:p>
-          <a:p>
-            <a:pPr marL="0" indent="0">
-              <a:buNone/>
-            </a:pPr>
-            <a:endParaRPr lang="en-US" sz="7200" dirty="0">
-              <a:solidFill>
-                <a:srgbClr val="000000"/>
-              </a:solidFill>
-              <a:latin typeface="Monaco" pitchFamily="2" charset="77"/>
-            </a:endParaRPr>
-          </a:p>
-          <a:p>
-            <a:pPr marL="0" indent="0">
-              <a:buNone/>
-            </a:pPr>
-            <a:r>
-              <a:rPr lang="en-US" sz="7200" dirty="0" err="1">
-                <a:solidFill>
-                  <a:srgbClr val="000000"/>
-                </a:solidFill>
-                <a:latin typeface="Monaco" pitchFamily="2" charset="77"/>
-              </a:rPr>
-              <a:t>comm.</a:t>
-            </a:r>
-            <a:r>
-              <a:rPr lang="en-US" sz="7200" dirty="0" err="1">
-                <a:solidFill>
-                  <a:schemeClr val="accent1"/>
-                </a:solidFill>
-                <a:latin typeface="Monaco" pitchFamily="2" charset="77"/>
-              </a:rPr>
-              <a:t>Reduce</a:t>
-            </a:r>
-            <a:r>
-              <a:rPr lang="en-US" sz="7200" dirty="0">
-                <a:solidFill>
-                  <a:srgbClr val="000000"/>
-                </a:solidFill>
-                <a:latin typeface="Monaco" pitchFamily="2" charset="77"/>
-              </a:rPr>
-              <a:t>(</a:t>
-            </a:r>
-            <a:r>
-              <a:rPr lang="en-US" sz="7200" dirty="0" err="1">
-                <a:solidFill>
-                  <a:srgbClr val="000000"/>
-                </a:solidFill>
-                <a:latin typeface="Monaco" pitchFamily="2" charset="77"/>
-              </a:rPr>
-              <a:t>initial_data</a:t>
-            </a:r>
-            <a:r>
-              <a:rPr lang="en-US" sz="7200" dirty="0">
-                <a:solidFill>
-                  <a:srgbClr val="000000"/>
-                </a:solidFill>
-                <a:latin typeface="Monaco" pitchFamily="2" charset="77"/>
-              </a:rPr>
-              <a:t>, </a:t>
-            </a:r>
-            <a:r>
-              <a:rPr lang="en-US" sz="7200" dirty="0" err="1">
-                <a:solidFill>
-                  <a:srgbClr val="000000"/>
-                </a:solidFill>
-                <a:latin typeface="Monaco" pitchFamily="2" charset="77"/>
-              </a:rPr>
-              <a:t>reduced_data</a:t>
-            </a:r>
-            <a:r>
-              <a:rPr lang="en-US" sz="7200" dirty="0">
-                <a:solidFill>
-                  <a:srgbClr val="000000"/>
-                </a:solidFill>
-                <a:latin typeface="Monaco" pitchFamily="2" charset="77"/>
-              </a:rPr>
-              <a:t>, root=</a:t>
-            </a:r>
-            <a:r>
-              <a:rPr lang="en-US" sz="7200" dirty="0">
-                <a:solidFill>
-                  <a:srgbClr val="AC1E16"/>
-                </a:solidFill>
-                <a:latin typeface="Monaco" pitchFamily="2" charset="77"/>
-              </a:rPr>
-              <a:t>0</a:t>
-            </a:r>
-            <a:r>
-              <a:rPr lang="en-US" sz="7200" dirty="0">
-                <a:solidFill>
-                  <a:srgbClr val="000000"/>
-                </a:solidFill>
-                <a:latin typeface="Monaco" pitchFamily="2" charset="77"/>
-              </a:rPr>
-              <a:t>)</a:t>
-            </a:r>
-            <a:br>
-              <a:rPr lang="en-US" sz="7200" dirty="0">
-                <a:solidFill>
-                  <a:srgbClr val="000000"/>
-                </a:solidFill>
-                <a:latin typeface="Monaco" pitchFamily="2" charset="77"/>
-              </a:rPr>
-            </a:br>
-            <a:endParaRPr lang="en-US" sz="7200" dirty="0">
-              <a:solidFill>
-                <a:srgbClr val="000000"/>
-              </a:solidFill>
-              <a:latin typeface="Monaco" pitchFamily="2" charset="77"/>
-            </a:endParaRPr>
-          </a:p>
-          <a:p>
-            <a:pPr marL="0" indent="0">
-              <a:buNone/>
-            </a:pPr>
-            <a:endParaRPr lang="en-US" sz="7200" dirty="0">
-              <a:solidFill>
-                <a:srgbClr val="000000"/>
-              </a:solidFill>
-              <a:latin typeface="Monaco" pitchFamily="2" charset="77"/>
-            </a:endParaRPr>
-          </a:p>
-          <a:p>
-            <a:pPr marL="0" indent="0">
-              <a:buNone/>
-            </a:pPr>
-            <a:endParaRPr lang="en-US" sz="7200" dirty="0">
-              <a:solidFill>
-                <a:srgbClr val="000000"/>
-              </a:solidFill>
-              <a:latin typeface="Monaco" pitchFamily="2" charset="77"/>
-            </a:endParaRPr>
-          </a:p>
-          <a:p>
-            <a:pPr marL="0" indent="0">
-              <a:buNone/>
-            </a:pPr>
-            <a:r>
-              <a:rPr lang="en-US" sz="7200" dirty="0">
-                <a:solidFill>
-                  <a:srgbClr val="B65D16"/>
-                </a:solidFill>
-                <a:latin typeface="Monaco" pitchFamily="2" charset="77"/>
-              </a:rPr>
-              <a:t>if</a:t>
-            </a:r>
-            <a:r>
-              <a:rPr lang="en-US" sz="7200" dirty="0">
-                <a:solidFill>
-                  <a:srgbClr val="000000"/>
-                </a:solidFill>
-                <a:latin typeface="Monaco" pitchFamily="2" charset="77"/>
-              </a:rPr>
-              <a:t> rank == </a:t>
-            </a:r>
-            <a:r>
-              <a:rPr lang="en-US" sz="7200" dirty="0">
-                <a:solidFill>
-                  <a:srgbClr val="AC1E16"/>
-                </a:solidFill>
-                <a:latin typeface="Monaco" pitchFamily="2" charset="77"/>
-              </a:rPr>
-              <a:t>0</a:t>
-            </a:r>
-            <a:r>
-              <a:rPr lang="en-US" sz="7200" dirty="0">
-                <a:solidFill>
-                  <a:srgbClr val="000000"/>
-                </a:solidFill>
-                <a:latin typeface="Monaco" pitchFamily="2" charset="77"/>
-              </a:rPr>
-              <a:t>:</a:t>
-            </a:r>
-          </a:p>
-          <a:p>
-            <a:pPr marL="0" indent="0">
-              <a:buNone/>
-            </a:pPr>
-            <a:r>
-              <a:rPr lang="en-US" sz="7200" dirty="0">
-                <a:solidFill>
-                  <a:srgbClr val="000000"/>
-                </a:solidFill>
-                <a:latin typeface="Monaco" pitchFamily="2" charset="77"/>
-              </a:rPr>
-              <a:t>    </a:t>
-            </a:r>
-            <a:r>
-              <a:rPr lang="en-US" sz="7200" dirty="0">
-                <a:solidFill>
-                  <a:srgbClr val="23A3B0"/>
-                </a:solidFill>
-                <a:latin typeface="Monaco" pitchFamily="2" charset="77"/>
-              </a:rPr>
-              <a:t>print</a:t>
-            </a:r>
-            <a:r>
-              <a:rPr lang="en-US" sz="7200" dirty="0">
-                <a:solidFill>
-                  <a:srgbClr val="000000"/>
-                </a:solidFill>
-                <a:latin typeface="Monaco" pitchFamily="2" charset="77"/>
-              </a:rPr>
-              <a:t>(</a:t>
-            </a:r>
-            <a:r>
-              <a:rPr lang="en-US" sz="7200" dirty="0">
-                <a:solidFill>
-                  <a:srgbClr val="AC1E16"/>
-                </a:solidFill>
-                <a:latin typeface="Monaco" pitchFamily="2" charset="77"/>
-              </a:rPr>
-              <a:t>‘After reduce. Rank: {</a:t>
-            </a:r>
-            <a:r>
-              <a:rPr lang="en-US" sz="7200" dirty="0" err="1">
-                <a:solidFill>
-                  <a:srgbClr val="AC1E16"/>
-                </a:solidFill>
-                <a:latin typeface="Monaco" pitchFamily="2" charset="77"/>
-              </a:rPr>
-              <a:t>mpi_rank</a:t>
-            </a:r>
-            <a:r>
-              <a:rPr lang="en-US" sz="7200" dirty="0">
-                <a:solidFill>
-                  <a:srgbClr val="AC1E16"/>
-                </a:solidFill>
-                <a:latin typeface="Monaco" pitchFamily="2" charset="77"/>
-              </a:rPr>
-              <a:t>}, b: {</a:t>
-            </a:r>
-            <a:r>
-              <a:rPr lang="en-US" sz="7200" dirty="0" err="1">
-                <a:solidFill>
-                  <a:srgbClr val="AC1E16"/>
-                </a:solidFill>
-                <a:latin typeface="Monaco" pitchFamily="2" charset="77"/>
-              </a:rPr>
-              <a:t>initial_data</a:t>
-            </a:r>
-            <a:r>
-              <a:rPr lang="en-US" sz="7200" dirty="0">
-                <a:solidFill>
-                  <a:srgbClr val="AC1E16"/>
-                </a:solidFill>
-                <a:latin typeface="Monaco" pitchFamily="2" charset="77"/>
-              </a:rPr>
-              <a:t>}, c: {</a:t>
-            </a:r>
-            <a:r>
-              <a:rPr lang="en-US" sz="7200" dirty="0" err="1">
-                <a:solidFill>
-                  <a:srgbClr val="AC1E16"/>
-                </a:solidFill>
-                <a:latin typeface="Monaco" pitchFamily="2" charset="77"/>
-              </a:rPr>
-              <a:t>reduce_data</a:t>
-            </a:r>
-            <a:r>
-              <a:rPr lang="en-US" sz="7200" dirty="0">
-                <a:solidFill>
-                  <a:srgbClr val="AC1E16"/>
-                </a:solidFill>
-                <a:latin typeface="Monaco" pitchFamily="2" charset="77"/>
-              </a:rPr>
-              <a:t>}'</a:t>
-            </a:r>
-            <a:r>
-              <a:rPr lang="en-US" sz="7200" dirty="0">
-                <a:solidFill>
-                  <a:srgbClr val="000000"/>
-                </a:solidFill>
-                <a:latin typeface="Monaco" pitchFamily="2" charset="77"/>
-              </a:rPr>
-              <a:t>)</a:t>
-            </a:r>
-            <a:endParaRPr lang="en-US" sz="7200" dirty="0">
-              <a:solidFill>
-                <a:srgbClr val="AC1E16"/>
-              </a:solidFill>
-              <a:latin typeface="Monaco" pitchFamily="2" charset="77"/>
-            </a:endParaRPr>
-          </a:p>
-          <a:p>
-            <a:endParaRPr lang="en-US" sz="2000" dirty="0"/>
-          </a:p>
-        </p:txBody>
-      </p:sp>
-      <p:sp>
-        <p:nvSpPr>
-          <p:cNvPr id="4" name="Rectangle 3">
-            <a:extLst>
-              <a:ext uri="{FF2B5EF4-FFF2-40B4-BE49-F238E27FC236}">
-                <a16:creationId xmlns:a16="http://schemas.microsoft.com/office/drawing/2014/main" id="{7E9E197B-BEDF-5F4A-B388-3147168B8120}"/>
-              </a:ext>
-            </a:extLst>
-          </p:cNvPr>
-          <p:cNvSpPr/>
-          <p:nvPr/>
-        </p:nvSpPr>
-        <p:spPr>
-          <a:xfrm>
-            <a:off x="6400800" y="2764309"/>
-            <a:ext cx="5369168" cy="2031325"/>
-          </a:xfrm>
-          <a:prstGeom prst="rect">
-            <a:avLst/>
-          </a:prstGeom>
-          <a:ln w="31750">
-            <a:solidFill>
-              <a:schemeClr val="accent1">
-                <a:shade val="50000"/>
-              </a:schemeClr>
-            </a:solidFill>
-          </a:ln>
-        </p:spPr>
-        <p:txBody>
-          <a:bodyPr wrap="square">
-            <a:spAutoFit/>
-          </a:bodyPr>
-          <a:lstStyle/>
-          <a:p>
-            <a:r>
-              <a:rPr lang="en-US" sz="1400" dirty="0">
-                <a:latin typeface="Monaco"/>
-              </a:rPr>
-              <a:t>Before reduce. Rank: 0, b: [0. 1. 0. 0. 0. 0. 0. 0.], c: [0. 0. 0. 0. 0. 0. 0. 0.] Before reduce. Rank: 2, b: [4. 5. 0. 0. 0. 0. 0. 0.], c: [0. 0. 0. 0. 0. 0. 0. 0.] Before reduce. Rank: 1, b: [2. 3. 0. 0. 0. 0. 0. 0.], c: [0. 0. 0. 0. 0. 0. 0. 0.] Before reduce. Rank: 3, b: [6. 7. 0. 0. 0. 0. 0. 0.], c: [0. 0. 0. 0. 0. 0. 0. 0.]</a:t>
-            </a:r>
-          </a:p>
-          <a:p>
-            <a:endParaRPr lang="en-US" sz="1400" dirty="0">
-              <a:latin typeface="Monaco"/>
-            </a:endParaRPr>
-          </a:p>
-          <a:p>
-            <a:r>
-              <a:rPr lang="en-US" sz="1400" dirty="0">
-                <a:latin typeface="Monaco"/>
-              </a:rPr>
-              <a:t>After reduce. Rank: 1, b: [2. 3. 0. 0. 0. 0. 0. 0.], c: [0. 0. 0. 0. 0. 0. 0. 0.] </a:t>
-            </a:r>
-          </a:p>
-          <a:p>
-            <a:r>
-              <a:rPr lang="en-US" sz="1400" dirty="0">
-                <a:latin typeface="Monaco"/>
-              </a:rPr>
-              <a:t>After reduce. Rank: 3, b: [6. 7. 0. 0. 0. 0. 0. 0.], c: [0. 0. 0. 0. 0. 0. 0. 0.] </a:t>
-            </a:r>
-          </a:p>
-          <a:p>
-            <a:r>
-              <a:rPr lang="en-US" sz="1400" dirty="0">
-                <a:latin typeface="Monaco"/>
-              </a:rPr>
-              <a:t>After reduce. Rank: 0, b: [0. 1. 0. 0. 0. 0. 0. 0.], c: [12. 16. 0. 0. 0. 0. 0. 0.] After reduce. Rank: 2, b: [4. 5. 0. 0. 0. 0. 0. 0.], c: [0. 0. 0. 0. 0. 0. 0. 0.]</a:t>
-            </a:r>
-            <a:endParaRPr lang="en-US" sz="1400" dirty="0">
-              <a:solidFill>
-                <a:srgbClr val="000000"/>
-              </a:solidFill>
-              <a:effectLst/>
-              <a:latin typeface="Monaco"/>
-            </a:endParaRPr>
-          </a:p>
-        </p:txBody>
-      </p:sp>
-      <p:sp>
-        <p:nvSpPr>
-          <p:cNvPr id="5" name="Rectangle 4">
-            <a:extLst>
-              <a:ext uri="{FF2B5EF4-FFF2-40B4-BE49-F238E27FC236}">
-                <a16:creationId xmlns:a16="http://schemas.microsoft.com/office/drawing/2014/main" id="{DA028B07-823F-2E46-A010-1E2E3064CA07}"/>
-              </a:ext>
-            </a:extLst>
-          </p:cNvPr>
-          <p:cNvSpPr/>
-          <p:nvPr/>
-        </p:nvSpPr>
-        <p:spPr>
-          <a:xfrm>
-            <a:off x="7506421" y="2009108"/>
-            <a:ext cx="4263547" cy="369332"/>
-          </a:xfrm>
-          <a:prstGeom prst="rect">
-            <a:avLst/>
-          </a:prstGeom>
-          <a:ln w="31750">
-            <a:solidFill>
-              <a:schemeClr val="accent1">
-                <a:shade val="50000"/>
-              </a:schemeClr>
-            </a:solidFill>
-          </a:ln>
-        </p:spPr>
-        <p:txBody>
-          <a:bodyPr wrap="square">
-            <a:spAutoFit/>
-          </a:bodyPr>
-          <a:lstStyle/>
-          <a:p>
-            <a:r>
-              <a:rPr lang="en-US" dirty="0" err="1">
-                <a:solidFill>
-                  <a:srgbClr val="000000"/>
-                </a:solidFill>
-                <a:latin typeface="Monaco" pitchFamily="2" charset="77"/>
-              </a:rPr>
-              <a:t>mpirun</a:t>
-            </a:r>
-            <a:r>
-              <a:rPr lang="en-US" dirty="0">
-                <a:solidFill>
-                  <a:srgbClr val="000000"/>
-                </a:solidFill>
-                <a:latin typeface="Monaco" pitchFamily="2" charset="77"/>
-              </a:rPr>
-              <a:t> –n 4 python  reduce.py</a:t>
-            </a:r>
-          </a:p>
-        </p:txBody>
-      </p:sp>
-      <p:pic>
-        <p:nvPicPr>
-          <p:cNvPr id="7" name="Picture 6">
-            <a:extLst>
-              <a:ext uri="{FF2B5EF4-FFF2-40B4-BE49-F238E27FC236}">
-                <a16:creationId xmlns:a16="http://schemas.microsoft.com/office/drawing/2014/main" id="{7DC99482-C5DA-4946-BF0E-FE068B78FF8C}"/>
-              </a:ext>
-            </a:extLst>
-          </p:cNvPr>
-          <p:cNvPicPr>
-            <a:picLocks noChangeAspect="1"/>
-          </p:cNvPicPr>
-          <p:nvPr/>
-        </p:nvPicPr>
-        <p:blipFill>
-          <a:blip r:embed="rId3"/>
-          <a:stretch>
-            <a:fillRect/>
-          </a:stretch>
-        </p:blipFill>
-        <p:spPr>
-          <a:xfrm>
-            <a:off x="7362825" y="428655"/>
-            <a:ext cx="3848484" cy="1458163"/>
-          </a:xfrm>
-          <a:prstGeom prst="rect">
-            <a:avLst/>
-          </a:prstGeom>
-        </p:spPr>
-      </p:pic>
-    </p:spTree>
-    <p:extLst>
-      <p:ext uri="{BB962C8B-B14F-4D97-AF65-F5344CB8AC3E}">
-        <p14:creationId xmlns:p14="http://schemas.microsoft.com/office/powerpoint/2010/main" val="2951806075"/>
       </p:ext>
     </p:extLst>
   </p:cSld>
@@ -26824,6 +26707,1494 @@
                 <a:ea typeface="Verdana" panose="020B0604030504040204" pitchFamily="34" charset="0"/>
                 <a:cs typeface="Verdana" panose="020B0604030504040204" pitchFamily="34" charset="0"/>
               </a:rPr>
+              <a:t>GATHER</a:t>
+            </a:r>
+            <a:endParaRPr lang="en-US" dirty="0">
+              <a:solidFill>
+                <a:schemeClr val="tx1">
+                  <a:lumMod val="75000"/>
+                  <a:lumOff val="25000"/>
+                </a:schemeClr>
+              </a:solidFill>
+              <a:latin typeface="Verdana" panose="020B0604030504040204" pitchFamily="34" charset="0"/>
+              <a:ea typeface="Verdana" panose="020B0604030504040204" pitchFamily="34" charset="0"/>
+              <a:cs typeface="Verdana" panose="020B0604030504040204" pitchFamily="34" charset="0"/>
+            </a:endParaRPr>
+          </a:p>
+        </p:txBody>
+      </p:sp>
+      <p:sp>
+        <p:nvSpPr>
+          <p:cNvPr id="3" name="Content Placeholder 2">
+            <a:extLst>
+              <a:ext uri="{FF2B5EF4-FFF2-40B4-BE49-F238E27FC236}">
+                <a16:creationId xmlns:a16="http://schemas.microsoft.com/office/drawing/2014/main" id="{A1DB5512-87E1-B445-B644-8B92BA4F942C}"/>
+              </a:ext>
+            </a:extLst>
+          </p:cNvPr>
+          <p:cNvSpPr>
+            <a:spLocks noGrp="1"/>
+          </p:cNvSpPr>
+          <p:nvPr>
+            <p:ph idx="1"/>
+          </p:nvPr>
+        </p:nvSpPr>
+        <p:spPr>
+          <a:xfrm>
+            <a:off x="581736" y="1428816"/>
+            <a:ext cx="6924685" cy="5172009"/>
+          </a:xfrm>
+        </p:spPr>
+        <p:txBody>
+          <a:bodyPr>
+            <a:normAutofit fontScale="25000" lnSpcReduction="20000"/>
+          </a:bodyPr>
+          <a:lstStyle/>
+          <a:p>
+            <a:r>
+              <a:rPr lang="en-US" sz="8000" dirty="0">
+                <a:solidFill>
+                  <a:schemeClr val="tx1"/>
+                </a:solidFill>
+                <a:latin typeface="Comic Sans MS" panose="030F0902030302020204" pitchFamily="66" charset="0"/>
+              </a:rPr>
+              <a:t>Gather data from various tasks</a:t>
+            </a:r>
+          </a:p>
+          <a:p>
+            <a:r>
+              <a:rPr lang="en-US" sz="8000" dirty="0">
+                <a:solidFill>
+                  <a:schemeClr val="tx1"/>
+                </a:solidFill>
+                <a:latin typeface="Comic Sans MS" panose="030F0902030302020204" pitchFamily="66" charset="0"/>
+              </a:rPr>
+              <a:t>Code snippet:</a:t>
+            </a:r>
+          </a:p>
+          <a:p>
+            <a:pPr marL="0" indent="0">
+              <a:buNone/>
+            </a:pPr>
+            <a:endParaRPr lang="en-US" sz="6400" dirty="0">
+              <a:solidFill>
+                <a:srgbClr val="000000"/>
+              </a:solidFill>
+              <a:latin typeface="Menlo" panose="020B0609030804020204" pitchFamily="49" charset="0"/>
+            </a:endParaRPr>
+          </a:p>
+          <a:p>
+            <a:pPr marL="0" indent="0">
+              <a:buNone/>
+            </a:pPr>
+            <a:r>
+              <a:rPr lang="en-US" sz="7200" dirty="0">
+                <a:solidFill>
+                  <a:srgbClr val="B65D16"/>
+                </a:solidFill>
+                <a:latin typeface="Monaco" pitchFamily="2" charset="77"/>
+              </a:rPr>
+              <a:t># Previous scattered data.</a:t>
+            </a:r>
+          </a:p>
+          <a:p>
+            <a:pPr marL="0" indent="0">
+              <a:buNone/>
+            </a:pPr>
+            <a:endParaRPr lang="en-US" sz="7200" dirty="0">
+              <a:solidFill>
+                <a:srgbClr val="000000"/>
+              </a:solidFill>
+              <a:latin typeface="Monaco" pitchFamily="2" charset="77"/>
+            </a:endParaRPr>
+          </a:p>
+          <a:p>
+            <a:pPr marL="0" indent="0">
+              <a:buNone/>
+            </a:pPr>
+            <a:endParaRPr lang="en-US" sz="7200" dirty="0">
+              <a:solidFill>
+                <a:srgbClr val="000000"/>
+              </a:solidFill>
+              <a:latin typeface="Monaco" pitchFamily="2" charset="77"/>
+            </a:endParaRPr>
+          </a:p>
+          <a:p>
+            <a:pPr marL="0" indent="0">
+              <a:buNone/>
+            </a:pPr>
+            <a:endParaRPr lang="en-US" sz="7200" dirty="0">
+              <a:solidFill>
+                <a:srgbClr val="000000"/>
+              </a:solidFill>
+              <a:latin typeface="Monaco" pitchFamily="2" charset="77"/>
+            </a:endParaRPr>
+          </a:p>
+          <a:p>
+            <a:pPr marL="0" indent="0">
+              <a:buNone/>
+            </a:pPr>
+            <a:r>
+              <a:rPr lang="en-US" sz="7200" dirty="0" err="1">
+                <a:solidFill>
+                  <a:srgbClr val="000000"/>
+                </a:solidFill>
+                <a:latin typeface="Monaco" pitchFamily="2" charset="77"/>
+              </a:rPr>
+              <a:t>comm.</a:t>
+            </a:r>
+            <a:r>
+              <a:rPr lang="en-US" sz="7200" dirty="0" err="1">
+                <a:solidFill>
+                  <a:schemeClr val="accent1"/>
+                </a:solidFill>
+                <a:latin typeface="Monaco" pitchFamily="2" charset="77"/>
+              </a:rPr>
+              <a:t>Gatherv</a:t>
+            </a:r>
+            <a:r>
+              <a:rPr lang="en-US" sz="7200" dirty="0">
+                <a:solidFill>
+                  <a:srgbClr val="000000"/>
+                </a:solidFill>
+                <a:latin typeface="Monaco" pitchFamily="2" charset="77"/>
+              </a:rPr>
+              <a:t>(</a:t>
+            </a:r>
+            <a:r>
+              <a:rPr lang="en-US" sz="7200" dirty="0" err="1">
+                <a:solidFill>
+                  <a:srgbClr val="000000"/>
+                </a:solidFill>
+                <a:latin typeface="Monaco" pitchFamily="2" charset="77"/>
+              </a:rPr>
+              <a:t>initial_data</a:t>
+            </a:r>
+            <a:r>
+              <a:rPr lang="en-US" sz="7200" dirty="0">
+                <a:solidFill>
+                  <a:srgbClr val="000000"/>
+                </a:solidFill>
+                <a:latin typeface="Monaco" pitchFamily="2" charset="77"/>
+              </a:rPr>
+              <a:t>, </a:t>
+            </a:r>
+            <a:r>
+              <a:rPr lang="en-US" sz="7200" dirty="0" err="1">
+                <a:solidFill>
+                  <a:srgbClr val="000000"/>
+                </a:solidFill>
+                <a:latin typeface="Monaco" pitchFamily="2" charset="77"/>
+              </a:rPr>
+              <a:t>gathered_data</a:t>
+            </a:r>
+            <a:r>
+              <a:rPr lang="en-US" sz="7200" dirty="0">
+                <a:solidFill>
+                  <a:srgbClr val="000000"/>
+                </a:solidFill>
+                <a:latin typeface="Monaco" pitchFamily="2" charset="77"/>
+              </a:rPr>
+              <a:t>, root=</a:t>
+            </a:r>
+            <a:r>
+              <a:rPr lang="en-US" sz="7200" dirty="0">
+                <a:solidFill>
+                  <a:srgbClr val="AC1E16"/>
+                </a:solidFill>
+                <a:latin typeface="Monaco" pitchFamily="2" charset="77"/>
+              </a:rPr>
+              <a:t>0</a:t>
+            </a:r>
+            <a:r>
+              <a:rPr lang="en-US" sz="7200" dirty="0">
+                <a:solidFill>
+                  <a:srgbClr val="000000"/>
+                </a:solidFill>
+                <a:latin typeface="Monaco" pitchFamily="2" charset="77"/>
+              </a:rPr>
+              <a:t>)</a:t>
+            </a:r>
+            <a:br>
+              <a:rPr lang="en-US" sz="7200" dirty="0">
+                <a:solidFill>
+                  <a:srgbClr val="000000"/>
+                </a:solidFill>
+                <a:latin typeface="Monaco" pitchFamily="2" charset="77"/>
+              </a:rPr>
+            </a:br>
+            <a:endParaRPr lang="en-US" sz="7200" dirty="0">
+              <a:solidFill>
+                <a:srgbClr val="000000"/>
+              </a:solidFill>
+              <a:latin typeface="Monaco" pitchFamily="2" charset="77"/>
+            </a:endParaRPr>
+          </a:p>
+          <a:p>
+            <a:pPr marL="0" indent="0">
+              <a:buNone/>
+            </a:pPr>
+            <a:endParaRPr lang="en-US" sz="7200" dirty="0">
+              <a:solidFill>
+                <a:srgbClr val="000000"/>
+              </a:solidFill>
+              <a:latin typeface="Monaco" pitchFamily="2" charset="77"/>
+            </a:endParaRPr>
+          </a:p>
+          <a:p>
+            <a:pPr marL="0" indent="0">
+              <a:buNone/>
+            </a:pPr>
+            <a:endParaRPr lang="en-US" sz="7200" dirty="0">
+              <a:solidFill>
+                <a:srgbClr val="000000"/>
+              </a:solidFill>
+              <a:latin typeface="Monaco" pitchFamily="2" charset="77"/>
+            </a:endParaRPr>
+          </a:p>
+          <a:p>
+            <a:pPr marL="0" indent="0">
+              <a:buNone/>
+            </a:pPr>
+            <a:r>
+              <a:rPr lang="en-US" sz="7200" dirty="0">
+                <a:solidFill>
+                  <a:srgbClr val="B65D16"/>
+                </a:solidFill>
+                <a:latin typeface="Monaco" pitchFamily="2" charset="77"/>
+              </a:rPr>
+              <a:t>if</a:t>
+            </a:r>
+            <a:r>
+              <a:rPr lang="en-US" sz="7200" dirty="0">
+                <a:solidFill>
+                  <a:srgbClr val="000000"/>
+                </a:solidFill>
+                <a:latin typeface="Monaco" pitchFamily="2" charset="77"/>
+              </a:rPr>
+              <a:t> rank == </a:t>
+            </a:r>
+            <a:r>
+              <a:rPr lang="en-US" sz="7200" dirty="0">
+                <a:solidFill>
+                  <a:srgbClr val="AC1E16"/>
+                </a:solidFill>
+                <a:latin typeface="Monaco" pitchFamily="2" charset="77"/>
+              </a:rPr>
+              <a:t>0</a:t>
+            </a:r>
+            <a:r>
+              <a:rPr lang="en-US" sz="7200" dirty="0">
+                <a:solidFill>
+                  <a:srgbClr val="000000"/>
+                </a:solidFill>
+                <a:latin typeface="Monaco" pitchFamily="2" charset="77"/>
+              </a:rPr>
+              <a:t>:</a:t>
+            </a:r>
+          </a:p>
+          <a:p>
+            <a:pPr marL="0" indent="0">
+              <a:buNone/>
+            </a:pPr>
+            <a:r>
+              <a:rPr lang="en-US" sz="7200" dirty="0">
+                <a:solidFill>
+                  <a:srgbClr val="000000"/>
+                </a:solidFill>
+                <a:latin typeface="Monaco" pitchFamily="2" charset="77"/>
+              </a:rPr>
+              <a:t>    </a:t>
+            </a:r>
+            <a:r>
+              <a:rPr lang="en-US" sz="7200" dirty="0">
+                <a:solidFill>
+                  <a:srgbClr val="23A3B0"/>
+                </a:solidFill>
+                <a:latin typeface="Monaco" pitchFamily="2" charset="77"/>
+              </a:rPr>
+              <a:t>print</a:t>
+            </a:r>
+            <a:r>
+              <a:rPr lang="en-US" sz="7200" dirty="0">
+                <a:solidFill>
+                  <a:srgbClr val="000000"/>
+                </a:solidFill>
+                <a:latin typeface="Monaco" pitchFamily="2" charset="77"/>
+              </a:rPr>
+              <a:t>(</a:t>
+            </a:r>
+            <a:r>
+              <a:rPr lang="en-US" sz="7200" dirty="0">
+                <a:solidFill>
+                  <a:srgbClr val="AC1E16"/>
+                </a:solidFill>
+                <a:latin typeface="Monaco" pitchFamily="2" charset="77"/>
+              </a:rPr>
+              <a:t>‘After gather. Rank: {</a:t>
+            </a:r>
+            <a:r>
+              <a:rPr lang="en-US" sz="7200" dirty="0" err="1">
+                <a:solidFill>
+                  <a:srgbClr val="AC1E16"/>
+                </a:solidFill>
+                <a:latin typeface="Monaco" pitchFamily="2" charset="77"/>
+              </a:rPr>
+              <a:t>mpi_rank</a:t>
+            </a:r>
+            <a:r>
+              <a:rPr lang="en-US" sz="7200" dirty="0">
+                <a:solidFill>
+                  <a:srgbClr val="AC1E16"/>
+                </a:solidFill>
+                <a:latin typeface="Monaco" pitchFamily="2" charset="77"/>
+              </a:rPr>
+              <a:t>}, b: {</a:t>
+            </a:r>
+            <a:r>
+              <a:rPr lang="en-US" sz="7200" dirty="0" err="1">
+                <a:solidFill>
+                  <a:srgbClr val="AC1E16"/>
+                </a:solidFill>
+                <a:latin typeface="Monaco" pitchFamily="2" charset="77"/>
+              </a:rPr>
+              <a:t>initial_data</a:t>
+            </a:r>
+            <a:r>
+              <a:rPr lang="en-US" sz="7200" dirty="0">
+                <a:solidFill>
+                  <a:srgbClr val="AC1E16"/>
+                </a:solidFill>
+                <a:latin typeface="Monaco" pitchFamily="2" charset="77"/>
+              </a:rPr>
+              <a:t>}, c: {</a:t>
+            </a:r>
+            <a:r>
+              <a:rPr lang="en-US" sz="7200" dirty="0" err="1">
+                <a:solidFill>
+                  <a:srgbClr val="AC1E16"/>
+                </a:solidFill>
+                <a:latin typeface="Monaco" pitchFamily="2" charset="77"/>
+              </a:rPr>
+              <a:t>gathered_data</a:t>
+            </a:r>
+            <a:r>
+              <a:rPr lang="en-US" sz="7200" dirty="0">
+                <a:solidFill>
+                  <a:srgbClr val="AC1E16"/>
+                </a:solidFill>
+                <a:latin typeface="Monaco" pitchFamily="2" charset="77"/>
+              </a:rPr>
+              <a:t>}'</a:t>
+            </a:r>
+            <a:r>
+              <a:rPr lang="en-US" sz="7200" dirty="0">
+                <a:solidFill>
+                  <a:srgbClr val="000000"/>
+                </a:solidFill>
+                <a:latin typeface="Monaco" pitchFamily="2" charset="77"/>
+              </a:rPr>
+              <a:t>)</a:t>
+            </a:r>
+            <a:endParaRPr lang="en-US" sz="7200" dirty="0">
+              <a:solidFill>
+                <a:srgbClr val="AC1E16"/>
+              </a:solidFill>
+              <a:latin typeface="Monaco" pitchFamily="2" charset="77"/>
+            </a:endParaRPr>
+          </a:p>
+          <a:p>
+            <a:endParaRPr lang="en-US" sz="2000" dirty="0"/>
+          </a:p>
+        </p:txBody>
+      </p:sp>
+      <p:sp>
+        <p:nvSpPr>
+          <p:cNvPr id="4" name="Rectangle 3">
+            <a:extLst>
+              <a:ext uri="{FF2B5EF4-FFF2-40B4-BE49-F238E27FC236}">
+                <a16:creationId xmlns:a16="http://schemas.microsoft.com/office/drawing/2014/main" id="{7E9E197B-BEDF-5F4A-B388-3147168B8120}"/>
+              </a:ext>
+            </a:extLst>
+          </p:cNvPr>
+          <p:cNvSpPr/>
+          <p:nvPr/>
+        </p:nvSpPr>
+        <p:spPr>
+          <a:xfrm>
+            <a:off x="6096000" y="2764309"/>
+            <a:ext cx="5673968" cy="2585323"/>
+          </a:xfrm>
+          <a:prstGeom prst="rect">
+            <a:avLst/>
+          </a:prstGeom>
+          <a:ln w="31750">
+            <a:solidFill>
+              <a:schemeClr val="accent1">
+                <a:shade val="50000"/>
+              </a:schemeClr>
+            </a:solidFill>
+          </a:ln>
+        </p:spPr>
+        <p:txBody>
+          <a:bodyPr wrap="square">
+            <a:spAutoFit/>
+          </a:bodyPr>
+          <a:lstStyle/>
+          <a:p>
+            <a:r>
+              <a:rPr lang="en-US" dirty="0">
+                <a:latin typeface="Monaco"/>
+              </a:rPr>
+              <a:t>Before gather. Rank: 0, b: [0. 1.], c: [0. 0. 0. 0. 0. 0. 0. 0.] Before gather. Rank: 1, b: [2. 3.], c: [0. 0. 0. 0. 0. 0. 0. 0.] Before gather. Rank: 2, b: [4. 5.], c: [0. 0. 0. 0. 0. 0. 0. 0.] Before gather. Rank: 3, b: [6. 7.], c: [0. 0. 0. 0. 0. 0. 0. 0.]</a:t>
+            </a:r>
+          </a:p>
+          <a:p>
+            <a:endParaRPr lang="en-US" dirty="0">
+              <a:latin typeface="Monaco"/>
+            </a:endParaRPr>
+          </a:p>
+          <a:p>
+            <a:r>
+              <a:rPr lang="en-US" dirty="0">
+                <a:latin typeface="Monaco"/>
+              </a:rPr>
+              <a:t>After gather. Rank: 1, b: [2. 3.], c: [0. 0. 0. 0. 0. 0. 0. 0.] After gather. Rank: 2, b: [4. 5.], c: [0. 0. 0. 0. 0. 0. 0. 0.] After gather. Rank: 3, b: [6. 7.], c: [0. 0. 0. 0. 0. 0. 0. 0.] After gather. Rank: 0, b: [0. 1.], c: [0. 1. 2. 3. 4. 5. 6. 7.]</a:t>
+            </a:r>
+            <a:endParaRPr lang="en-US" dirty="0">
+              <a:solidFill>
+                <a:srgbClr val="000000"/>
+              </a:solidFill>
+              <a:effectLst/>
+              <a:latin typeface="Monaco"/>
+            </a:endParaRPr>
+          </a:p>
+        </p:txBody>
+      </p:sp>
+      <p:sp>
+        <p:nvSpPr>
+          <p:cNvPr id="5" name="Rectangle 4">
+            <a:extLst>
+              <a:ext uri="{FF2B5EF4-FFF2-40B4-BE49-F238E27FC236}">
+                <a16:creationId xmlns:a16="http://schemas.microsoft.com/office/drawing/2014/main" id="{DA028B07-823F-2E46-A010-1E2E3064CA07}"/>
+              </a:ext>
+            </a:extLst>
+          </p:cNvPr>
+          <p:cNvSpPr/>
+          <p:nvPr/>
+        </p:nvSpPr>
+        <p:spPr>
+          <a:xfrm>
+            <a:off x="7506421" y="2009108"/>
+            <a:ext cx="4263547" cy="369332"/>
+          </a:xfrm>
+          <a:prstGeom prst="rect">
+            <a:avLst/>
+          </a:prstGeom>
+          <a:ln w="31750">
+            <a:solidFill>
+              <a:schemeClr val="accent1">
+                <a:shade val="50000"/>
+              </a:schemeClr>
+            </a:solidFill>
+          </a:ln>
+        </p:spPr>
+        <p:txBody>
+          <a:bodyPr wrap="square">
+            <a:spAutoFit/>
+          </a:bodyPr>
+          <a:lstStyle/>
+          <a:p>
+            <a:r>
+              <a:rPr lang="en-US" dirty="0" err="1">
+                <a:solidFill>
+                  <a:srgbClr val="000000"/>
+                </a:solidFill>
+                <a:latin typeface="Monaco" pitchFamily="2" charset="77"/>
+              </a:rPr>
+              <a:t>mpirun</a:t>
+            </a:r>
+            <a:r>
+              <a:rPr lang="en-US" dirty="0">
+                <a:solidFill>
+                  <a:srgbClr val="000000"/>
+                </a:solidFill>
+                <a:latin typeface="Monaco" pitchFamily="2" charset="77"/>
+              </a:rPr>
+              <a:t> –n 4 python  gather.py</a:t>
+            </a:r>
+          </a:p>
+        </p:txBody>
+      </p:sp>
+      <p:pic>
+        <p:nvPicPr>
+          <p:cNvPr id="8" name="Picture 7">
+            <a:extLst>
+              <a:ext uri="{FF2B5EF4-FFF2-40B4-BE49-F238E27FC236}">
+                <a16:creationId xmlns:a16="http://schemas.microsoft.com/office/drawing/2014/main" id="{5452AD6E-4048-DC21-CA98-AC5E05BF73A6}"/>
+              </a:ext>
+            </a:extLst>
+          </p:cNvPr>
+          <p:cNvPicPr>
+            <a:picLocks noChangeAspect="1"/>
+          </p:cNvPicPr>
+          <p:nvPr/>
+        </p:nvPicPr>
+        <p:blipFill>
+          <a:blip r:embed="rId3"/>
+          <a:stretch>
+            <a:fillRect/>
+          </a:stretch>
+        </p:blipFill>
+        <p:spPr>
+          <a:xfrm>
+            <a:off x="7928457" y="301248"/>
+            <a:ext cx="3419475" cy="1535703"/>
+          </a:xfrm>
+          <a:prstGeom prst="rect">
+            <a:avLst/>
+          </a:prstGeom>
+        </p:spPr>
+      </p:pic>
+    </p:spTree>
+    <p:extLst>
+      <p:ext uri="{BB962C8B-B14F-4D97-AF65-F5344CB8AC3E}">
+        <p14:creationId xmlns:p14="http://schemas.microsoft.com/office/powerpoint/2010/main" val="2670015344"/>
+      </p:ext>
+    </p:extLst>
+  </p:cSld>
+  <p:clrMapOvr>
+    <a:masterClrMapping/>
+  </p:clrMapOvr>
+  <p:timing>
+    <p:tnLst>
+      <p:par>
+        <p:cTn id="1" dur="indefinite" restart="never" nodeType="tmRoot">
+          <p:childTnLst>
+            <p:seq concurrent="1" nextAc="seek">
+              <p:cTn id="2" dur="indefinite" nodeType="mainSeq">
+                <p:childTnLst>
+                  <p:par>
+                    <p:cTn id="3" fill="hold">
+                      <p:stCondLst>
+                        <p:cond delay="indefinite"/>
+                      </p:stCondLst>
+                      <p:childTnLst>
+                        <p:par>
+                          <p:cTn id="4" fill="hold">
+                            <p:stCondLst>
+                              <p:cond delay="0"/>
+                            </p:stCondLst>
+                            <p:childTnLst>
+                              <p:par>
+                                <p:cTn id="5" presetID="1" presetClass="entr" presetSubtype="0" fill="hold" grpId="0" nodeType="clickEffect">
+                                  <p:stCondLst>
+                                    <p:cond delay="0"/>
+                                  </p:stCondLst>
+                                  <p:childTnLst>
+                                    <p:set>
+                                      <p:cBhvr>
+                                        <p:cTn id="6" dur="1" fill="hold">
+                                          <p:stCondLst>
+                                            <p:cond delay="0"/>
+                                          </p:stCondLst>
+                                        </p:cTn>
+                                        <p:tgtEl>
+                                          <p:spTgt spid="5"/>
+                                        </p:tgtEl>
+                                        <p:attrNameLst>
+                                          <p:attrName>style.visibility</p:attrName>
+                                        </p:attrNameLst>
+                                      </p:cBhvr>
+                                      <p:to>
+                                        <p:strVal val="visible"/>
+                                      </p:to>
+                                    </p:set>
+                                  </p:childTnLst>
+                                </p:cTn>
+                              </p:par>
+                            </p:childTnLst>
+                          </p:cTn>
+                        </p:par>
+                      </p:childTnLst>
+                    </p:cTn>
+                  </p:par>
+                  <p:par>
+                    <p:cTn id="7" fill="hold">
+                      <p:stCondLst>
+                        <p:cond delay="indefinite"/>
+                      </p:stCondLst>
+                      <p:childTnLst>
+                        <p:par>
+                          <p:cTn id="8" fill="hold">
+                            <p:stCondLst>
+                              <p:cond delay="0"/>
+                            </p:stCondLst>
+                            <p:childTnLst>
+                              <p:par>
+                                <p:cTn id="9" presetID="1" presetClass="entr" presetSubtype="0" fill="hold" grpId="0" nodeType="clickEffect">
+                                  <p:stCondLst>
+                                    <p:cond delay="0"/>
+                                  </p:stCondLst>
+                                  <p:childTnLst>
+                                    <p:set>
+                                      <p:cBhvr>
+                                        <p:cTn id="10" dur="1" fill="hold">
+                                          <p:stCondLst>
+                                            <p:cond delay="0"/>
+                                          </p:stCondLst>
+                                        </p:cTn>
+                                        <p:tgtEl>
+                                          <p:spTgt spid="4"/>
+                                        </p:tgtEl>
+                                        <p:attrNameLst>
+                                          <p:attrName>style.visibility</p:attrName>
+                                        </p:attrNameLst>
+                                      </p:cBhvr>
+                                      <p:to>
+                                        <p:strVal val="visible"/>
+                                      </p:to>
+                                    </p:set>
+                                  </p:childTnLst>
+                                </p:cTn>
+                              </p:par>
+                            </p:childTnLst>
+                          </p:cTn>
+                        </p:par>
+                      </p:childTnLst>
+                    </p:cTn>
+                  </p:par>
+                </p:childTnLst>
+              </p:cTn>
+              <p:prevCondLst>
+                <p:cond evt="onPrev" delay="0">
+                  <p:tgtEl>
+                    <p:sldTgt/>
+                  </p:tgtEl>
+                </p:cond>
+              </p:prevCondLst>
+              <p:nextCondLst>
+                <p:cond evt="onNext" delay="0">
+                  <p:tgtEl>
+                    <p:sldTgt/>
+                  </p:tgtEl>
+                </p:cond>
+              </p:nextCondLst>
+            </p:seq>
+          </p:childTnLst>
+        </p:cTn>
+      </p:par>
+    </p:tnLst>
+    <p:bldLst>
+      <p:bldP spid="4" grpId="0" animBg="1"/>
+      <p:bldP spid="5" grpId="0" animBg="1"/>
+    </p:bldLst>
+  </p:timing>
+</p:sld>
+</file>
+
+<file path=ppt/slides/slide28.xml><?xml version="1.0" encoding="utf-8"?>
+<p:sld xmlns:a="http://schemas.openxmlformats.org/drawingml/2006/main" xmlns:r="http://schemas.openxmlformats.org/officeDocument/2006/relationships" xmlns:p="http://schemas.openxmlformats.org/presentationml/2006/main">
+  <p:cSld>
+    <p:spTree>
+      <p:nvGrpSpPr>
+        <p:cNvPr id="1" name=""/>
+        <p:cNvGrpSpPr/>
+        <p:nvPr/>
+      </p:nvGrpSpPr>
+      <p:grpSpPr>
+        <a:xfrm>
+          <a:off x="0" y="0"/>
+          <a:ext cx="0" cy="0"/>
+          <a:chOff x="0" y="0"/>
+          <a:chExt cx="0" cy="0"/>
+        </a:xfrm>
+      </p:grpSpPr>
+      <p:sp>
+        <p:nvSpPr>
+          <p:cNvPr id="2" name="Title 1">
+            <a:extLst>
+              <a:ext uri="{FF2B5EF4-FFF2-40B4-BE49-F238E27FC236}">
+                <a16:creationId xmlns:a16="http://schemas.microsoft.com/office/drawing/2014/main" id="{3A285C21-2361-3442-8CF6-E289EC65F592}"/>
+              </a:ext>
+            </a:extLst>
+          </p:cNvPr>
+          <p:cNvSpPr>
+            <a:spLocks noGrp="1"/>
+          </p:cNvSpPr>
+          <p:nvPr>
+            <p:ph type="title"/>
+          </p:nvPr>
+        </p:nvSpPr>
+        <p:spPr>
+          <a:xfrm>
+            <a:off x="1289642" y="428655"/>
+            <a:ext cx="8911687" cy="1280890"/>
+          </a:xfrm>
+        </p:spPr>
+        <p:txBody>
+          <a:bodyPr/>
+          <a:lstStyle/>
+          <a:p>
+            <a:pPr algn="ctr"/>
+            <a:r>
+              <a:rPr lang="en-US" dirty="0">
+                <a:latin typeface="Verdana" panose="020B0604030504040204" pitchFamily="34" charset="0"/>
+                <a:ea typeface="Verdana" panose="020B0604030504040204" pitchFamily="34" charset="0"/>
+                <a:cs typeface="Verdana" panose="020B0604030504040204" pitchFamily="34" charset="0"/>
+              </a:rPr>
+              <a:t>REDUCE</a:t>
+            </a:r>
+            <a:endParaRPr lang="en-US" dirty="0">
+              <a:solidFill>
+                <a:schemeClr val="tx1">
+                  <a:lumMod val="75000"/>
+                  <a:lumOff val="25000"/>
+                </a:schemeClr>
+              </a:solidFill>
+              <a:latin typeface="Verdana" panose="020B0604030504040204" pitchFamily="34" charset="0"/>
+              <a:ea typeface="Verdana" panose="020B0604030504040204" pitchFamily="34" charset="0"/>
+              <a:cs typeface="Verdana" panose="020B0604030504040204" pitchFamily="34" charset="0"/>
+            </a:endParaRPr>
+          </a:p>
+        </p:txBody>
+      </p:sp>
+      <p:sp>
+        <p:nvSpPr>
+          <p:cNvPr id="3" name="Content Placeholder 2">
+            <a:extLst>
+              <a:ext uri="{FF2B5EF4-FFF2-40B4-BE49-F238E27FC236}">
+                <a16:creationId xmlns:a16="http://schemas.microsoft.com/office/drawing/2014/main" id="{A1DB5512-87E1-B445-B644-8B92BA4F942C}"/>
+              </a:ext>
+            </a:extLst>
+          </p:cNvPr>
+          <p:cNvSpPr>
+            <a:spLocks noGrp="1"/>
+          </p:cNvSpPr>
+          <p:nvPr>
+            <p:ph idx="1"/>
+          </p:nvPr>
+        </p:nvSpPr>
+        <p:spPr>
+          <a:xfrm>
+            <a:off x="581736" y="1428816"/>
+            <a:ext cx="6924685" cy="5172009"/>
+          </a:xfrm>
+        </p:spPr>
+        <p:txBody>
+          <a:bodyPr>
+            <a:normAutofit fontScale="25000" lnSpcReduction="20000"/>
+          </a:bodyPr>
+          <a:lstStyle/>
+          <a:p>
+            <a:r>
+              <a:rPr lang="en-US" sz="8000" dirty="0">
+                <a:solidFill>
+                  <a:schemeClr val="tx1"/>
+                </a:solidFill>
+                <a:latin typeface="Comic Sans MS" panose="030F0902030302020204" pitchFamily="66" charset="0"/>
+              </a:rPr>
+              <a:t>Reduce data to root process</a:t>
+            </a:r>
+          </a:p>
+          <a:p>
+            <a:r>
+              <a:rPr lang="en-US" sz="8000" dirty="0">
+                <a:solidFill>
+                  <a:schemeClr val="tx1"/>
+                </a:solidFill>
+                <a:latin typeface="Comic Sans MS" panose="030F0902030302020204" pitchFamily="66" charset="0"/>
+              </a:rPr>
+              <a:t>Code snippet:</a:t>
+            </a:r>
+          </a:p>
+          <a:p>
+            <a:pPr marL="0" indent="0">
+              <a:buNone/>
+            </a:pPr>
+            <a:endParaRPr lang="en-US" sz="6400" dirty="0">
+              <a:solidFill>
+                <a:srgbClr val="000000"/>
+              </a:solidFill>
+              <a:latin typeface="Menlo" panose="020B0609030804020204" pitchFamily="49" charset="0"/>
+            </a:endParaRPr>
+          </a:p>
+          <a:p>
+            <a:pPr marL="0" indent="0">
+              <a:buNone/>
+            </a:pPr>
+            <a:r>
+              <a:rPr lang="en-US" sz="7200" dirty="0">
+                <a:solidFill>
+                  <a:srgbClr val="B65D16"/>
+                </a:solidFill>
+                <a:latin typeface="Monaco" pitchFamily="2" charset="77"/>
+              </a:rPr>
+              <a:t># Previous scattered data.</a:t>
+            </a:r>
+          </a:p>
+          <a:p>
+            <a:pPr marL="0" indent="0">
+              <a:buNone/>
+            </a:pPr>
+            <a:endParaRPr lang="en-US" sz="7200" dirty="0">
+              <a:solidFill>
+                <a:srgbClr val="000000"/>
+              </a:solidFill>
+              <a:latin typeface="Monaco" pitchFamily="2" charset="77"/>
+            </a:endParaRPr>
+          </a:p>
+          <a:p>
+            <a:pPr marL="0" indent="0">
+              <a:buNone/>
+            </a:pPr>
+            <a:endParaRPr lang="en-US" sz="7200" dirty="0">
+              <a:solidFill>
+                <a:srgbClr val="000000"/>
+              </a:solidFill>
+              <a:latin typeface="Monaco" pitchFamily="2" charset="77"/>
+            </a:endParaRPr>
+          </a:p>
+          <a:p>
+            <a:pPr marL="0" indent="0">
+              <a:buNone/>
+            </a:pPr>
+            <a:endParaRPr lang="en-US" sz="7200" dirty="0">
+              <a:solidFill>
+                <a:srgbClr val="000000"/>
+              </a:solidFill>
+              <a:latin typeface="Monaco" pitchFamily="2" charset="77"/>
+            </a:endParaRPr>
+          </a:p>
+          <a:p>
+            <a:pPr marL="0" indent="0">
+              <a:buNone/>
+            </a:pPr>
+            <a:r>
+              <a:rPr lang="en-US" sz="7200" dirty="0" err="1">
+                <a:solidFill>
+                  <a:srgbClr val="000000"/>
+                </a:solidFill>
+                <a:latin typeface="Monaco" pitchFamily="2" charset="77"/>
+              </a:rPr>
+              <a:t>comm.</a:t>
+            </a:r>
+            <a:r>
+              <a:rPr lang="en-US" sz="7200" dirty="0" err="1">
+                <a:solidFill>
+                  <a:schemeClr val="accent1"/>
+                </a:solidFill>
+                <a:latin typeface="Monaco" pitchFamily="2" charset="77"/>
+              </a:rPr>
+              <a:t>Reduce</a:t>
+            </a:r>
+            <a:r>
+              <a:rPr lang="en-US" sz="7200" dirty="0">
+                <a:solidFill>
+                  <a:srgbClr val="000000"/>
+                </a:solidFill>
+                <a:latin typeface="Monaco" pitchFamily="2" charset="77"/>
+              </a:rPr>
+              <a:t>(</a:t>
+            </a:r>
+            <a:r>
+              <a:rPr lang="en-US" sz="7200" dirty="0" err="1">
+                <a:solidFill>
+                  <a:srgbClr val="000000"/>
+                </a:solidFill>
+                <a:latin typeface="Monaco" pitchFamily="2" charset="77"/>
+              </a:rPr>
+              <a:t>initial_data</a:t>
+            </a:r>
+            <a:r>
+              <a:rPr lang="en-US" sz="7200" dirty="0">
+                <a:solidFill>
+                  <a:srgbClr val="000000"/>
+                </a:solidFill>
+                <a:latin typeface="Monaco" pitchFamily="2" charset="77"/>
+              </a:rPr>
+              <a:t>, </a:t>
+            </a:r>
+            <a:r>
+              <a:rPr lang="en-US" sz="7200" dirty="0" err="1">
+                <a:solidFill>
+                  <a:srgbClr val="000000"/>
+                </a:solidFill>
+                <a:latin typeface="Monaco" pitchFamily="2" charset="77"/>
+              </a:rPr>
+              <a:t>reduced_data</a:t>
+            </a:r>
+            <a:r>
+              <a:rPr lang="en-US" sz="7200" dirty="0">
+                <a:solidFill>
+                  <a:srgbClr val="000000"/>
+                </a:solidFill>
+                <a:latin typeface="Monaco" pitchFamily="2" charset="77"/>
+              </a:rPr>
+              <a:t>, root=</a:t>
+            </a:r>
+            <a:r>
+              <a:rPr lang="en-US" sz="7200" dirty="0">
+                <a:solidFill>
+                  <a:srgbClr val="AC1E16"/>
+                </a:solidFill>
+                <a:latin typeface="Monaco" pitchFamily="2" charset="77"/>
+              </a:rPr>
+              <a:t>0</a:t>
+            </a:r>
+            <a:r>
+              <a:rPr lang="en-US" sz="7200" dirty="0">
+                <a:solidFill>
+                  <a:srgbClr val="000000"/>
+                </a:solidFill>
+                <a:latin typeface="Monaco" pitchFamily="2" charset="77"/>
+              </a:rPr>
+              <a:t>)</a:t>
+            </a:r>
+            <a:br>
+              <a:rPr lang="en-US" sz="7200" dirty="0">
+                <a:solidFill>
+                  <a:srgbClr val="000000"/>
+                </a:solidFill>
+                <a:latin typeface="Monaco" pitchFamily="2" charset="77"/>
+              </a:rPr>
+            </a:br>
+            <a:endParaRPr lang="en-US" sz="7200" dirty="0">
+              <a:solidFill>
+                <a:srgbClr val="000000"/>
+              </a:solidFill>
+              <a:latin typeface="Monaco" pitchFamily="2" charset="77"/>
+            </a:endParaRPr>
+          </a:p>
+          <a:p>
+            <a:pPr marL="0" indent="0">
+              <a:buNone/>
+            </a:pPr>
+            <a:endParaRPr lang="en-US" sz="7200" dirty="0">
+              <a:solidFill>
+                <a:srgbClr val="000000"/>
+              </a:solidFill>
+              <a:latin typeface="Monaco" pitchFamily="2" charset="77"/>
+            </a:endParaRPr>
+          </a:p>
+          <a:p>
+            <a:pPr marL="0" indent="0">
+              <a:buNone/>
+            </a:pPr>
+            <a:endParaRPr lang="en-US" sz="7200" dirty="0">
+              <a:solidFill>
+                <a:srgbClr val="000000"/>
+              </a:solidFill>
+              <a:latin typeface="Monaco" pitchFamily="2" charset="77"/>
+            </a:endParaRPr>
+          </a:p>
+          <a:p>
+            <a:pPr marL="0" indent="0">
+              <a:buNone/>
+            </a:pPr>
+            <a:r>
+              <a:rPr lang="en-US" sz="7200" dirty="0">
+                <a:solidFill>
+                  <a:srgbClr val="B65D16"/>
+                </a:solidFill>
+                <a:latin typeface="Monaco" pitchFamily="2" charset="77"/>
+              </a:rPr>
+              <a:t>if</a:t>
+            </a:r>
+            <a:r>
+              <a:rPr lang="en-US" sz="7200" dirty="0">
+                <a:solidFill>
+                  <a:srgbClr val="000000"/>
+                </a:solidFill>
+                <a:latin typeface="Monaco" pitchFamily="2" charset="77"/>
+              </a:rPr>
+              <a:t> rank == </a:t>
+            </a:r>
+            <a:r>
+              <a:rPr lang="en-US" sz="7200" dirty="0">
+                <a:solidFill>
+                  <a:srgbClr val="AC1E16"/>
+                </a:solidFill>
+                <a:latin typeface="Monaco" pitchFamily="2" charset="77"/>
+              </a:rPr>
+              <a:t>0</a:t>
+            </a:r>
+            <a:r>
+              <a:rPr lang="en-US" sz="7200" dirty="0">
+                <a:solidFill>
+                  <a:srgbClr val="000000"/>
+                </a:solidFill>
+                <a:latin typeface="Monaco" pitchFamily="2" charset="77"/>
+              </a:rPr>
+              <a:t>:</a:t>
+            </a:r>
+          </a:p>
+          <a:p>
+            <a:pPr marL="0" indent="0">
+              <a:buNone/>
+            </a:pPr>
+            <a:r>
+              <a:rPr lang="en-US" sz="7200" dirty="0">
+                <a:solidFill>
+                  <a:srgbClr val="000000"/>
+                </a:solidFill>
+                <a:latin typeface="Monaco" pitchFamily="2" charset="77"/>
+              </a:rPr>
+              <a:t>    </a:t>
+            </a:r>
+            <a:r>
+              <a:rPr lang="en-US" sz="7200" dirty="0">
+                <a:solidFill>
+                  <a:srgbClr val="23A3B0"/>
+                </a:solidFill>
+                <a:latin typeface="Monaco" pitchFamily="2" charset="77"/>
+              </a:rPr>
+              <a:t>print</a:t>
+            </a:r>
+            <a:r>
+              <a:rPr lang="en-US" sz="7200" dirty="0">
+                <a:solidFill>
+                  <a:srgbClr val="000000"/>
+                </a:solidFill>
+                <a:latin typeface="Monaco" pitchFamily="2" charset="77"/>
+              </a:rPr>
+              <a:t>(</a:t>
+            </a:r>
+            <a:r>
+              <a:rPr lang="en-US" sz="7200" dirty="0">
+                <a:solidFill>
+                  <a:srgbClr val="AC1E16"/>
+                </a:solidFill>
+                <a:latin typeface="Monaco" pitchFamily="2" charset="77"/>
+              </a:rPr>
+              <a:t>‘After reduce. Rank: {</a:t>
+            </a:r>
+            <a:r>
+              <a:rPr lang="en-US" sz="7200" dirty="0" err="1">
+                <a:solidFill>
+                  <a:srgbClr val="AC1E16"/>
+                </a:solidFill>
+                <a:latin typeface="Monaco" pitchFamily="2" charset="77"/>
+              </a:rPr>
+              <a:t>mpi_rank</a:t>
+            </a:r>
+            <a:r>
+              <a:rPr lang="en-US" sz="7200" dirty="0">
+                <a:solidFill>
+                  <a:srgbClr val="AC1E16"/>
+                </a:solidFill>
+                <a:latin typeface="Monaco" pitchFamily="2" charset="77"/>
+              </a:rPr>
+              <a:t>}, b: {</a:t>
+            </a:r>
+            <a:r>
+              <a:rPr lang="en-US" sz="7200" dirty="0" err="1">
+                <a:solidFill>
+                  <a:srgbClr val="AC1E16"/>
+                </a:solidFill>
+                <a:latin typeface="Monaco" pitchFamily="2" charset="77"/>
+              </a:rPr>
+              <a:t>initial_data</a:t>
+            </a:r>
+            <a:r>
+              <a:rPr lang="en-US" sz="7200" dirty="0">
+                <a:solidFill>
+                  <a:srgbClr val="AC1E16"/>
+                </a:solidFill>
+                <a:latin typeface="Monaco" pitchFamily="2" charset="77"/>
+              </a:rPr>
+              <a:t>}, c: {</a:t>
+            </a:r>
+            <a:r>
+              <a:rPr lang="en-US" sz="7200" dirty="0" err="1">
+                <a:solidFill>
+                  <a:srgbClr val="AC1E16"/>
+                </a:solidFill>
+                <a:latin typeface="Monaco" pitchFamily="2" charset="77"/>
+              </a:rPr>
+              <a:t>reduce_data</a:t>
+            </a:r>
+            <a:r>
+              <a:rPr lang="en-US" sz="7200" dirty="0">
+                <a:solidFill>
+                  <a:srgbClr val="AC1E16"/>
+                </a:solidFill>
+                <a:latin typeface="Monaco" pitchFamily="2" charset="77"/>
+              </a:rPr>
+              <a:t>}'</a:t>
+            </a:r>
+            <a:r>
+              <a:rPr lang="en-US" sz="7200" dirty="0">
+                <a:solidFill>
+                  <a:srgbClr val="000000"/>
+                </a:solidFill>
+                <a:latin typeface="Monaco" pitchFamily="2" charset="77"/>
+              </a:rPr>
+              <a:t>)</a:t>
+            </a:r>
+            <a:endParaRPr lang="en-US" sz="7200" dirty="0">
+              <a:solidFill>
+                <a:srgbClr val="AC1E16"/>
+              </a:solidFill>
+              <a:latin typeface="Monaco" pitchFamily="2" charset="77"/>
+            </a:endParaRPr>
+          </a:p>
+          <a:p>
+            <a:endParaRPr lang="en-US" sz="2000" dirty="0"/>
+          </a:p>
+        </p:txBody>
+      </p:sp>
+      <p:sp>
+        <p:nvSpPr>
+          <p:cNvPr id="4" name="Rectangle 3">
+            <a:extLst>
+              <a:ext uri="{FF2B5EF4-FFF2-40B4-BE49-F238E27FC236}">
+                <a16:creationId xmlns:a16="http://schemas.microsoft.com/office/drawing/2014/main" id="{7E9E197B-BEDF-5F4A-B388-3147168B8120}"/>
+              </a:ext>
+            </a:extLst>
+          </p:cNvPr>
+          <p:cNvSpPr/>
+          <p:nvPr/>
+        </p:nvSpPr>
+        <p:spPr>
+          <a:xfrm>
+            <a:off x="6400800" y="2764309"/>
+            <a:ext cx="5369168" cy="2031325"/>
+          </a:xfrm>
+          <a:prstGeom prst="rect">
+            <a:avLst/>
+          </a:prstGeom>
+          <a:ln w="31750">
+            <a:solidFill>
+              <a:schemeClr val="accent1">
+                <a:shade val="50000"/>
+              </a:schemeClr>
+            </a:solidFill>
+          </a:ln>
+        </p:spPr>
+        <p:txBody>
+          <a:bodyPr wrap="square">
+            <a:spAutoFit/>
+          </a:bodyPr>
+          <a:lstStyle/>
+          <a:p>
+            <a:r>
+              <a:rPr lang="en-US" sz="1400" dirty="0">
+                <a:latin typeface="Monaco"/>
+              </a:rPr>
+              <a:t>Before reduce. Rank: 0, b: [0. 1. 0. 0. 0. 0. 0. 0.], c: [0. 0. 0. 0. 0. 0. 0. 0.] Before reduce. Rank: 2, b: [4. 5. 0. 0. 0. 0. 0. 0.], c: [0. 0. 0. 0. 0. 0. 0. 0.] Before reduce. Rank: 1, b: [2. 3. 0. 0. 0. 0. 0. 0.], c: [0. 0. 0. 0. 0. 0. 0. 0.] Before reduce. Rank: 3, b: [6. 7. 0. 0. 0. 0. 0. 0.], c: [0. 0. 0. 0. 0. 0. 0. 0.]</a:t>
+            </a:r>
+          </a:p>
+          <a:p>
+            <a:endParaRPr lang="en-US" sz="1400" dirty="0">
+              <a:latin typeface="Monaco"/>
+            </a:endParaRPr>
+          </a:p>
+          <a:p>
+            <a:r>
+              <a:rPr lang="en-US" sz="1400" dirty="0">
+                <a:latin typeface="Monaco"/>
+              </a:rPr>
+              <a:t>After reduce. Rank: 1, b: [2. 3. 0. 0. 0. 0. 0. 0.], c: [0. 0. 0. 0. 0. 0. 0. 0.] </a:t>
+            </a:r>
+          </a:p>
+          <a:p>
+            <a:r>
+              <a:rPr lang="en-US" sz="1400" dirty="0">
+                <a:latin typeface="Monaco"/>
+              </a:rPr>
+              <a:t>After reduce. Rank: 3, b: [6. 7. 0. 0. 0. 0. 0. 0.], c: [0. 0. 0. 0. 0. 0. 0. 0.] </a:t>
+            </a:r>
+          </a:p>
+          <a:p>
+            <a:r>
+              <a:rPr lang="en-US" sz="1400" dirty="0">
+                <a:latin typeface="Monaco"/>
+              </a:rPr>
+              <a:t>After reduce. Rank: 0, b: [0. 1. 0. 0. 0. 0. 0. 0.], c: [12. 16. 0. 0. 0. 0. 0. 0.] After reduce. Rank: 2, b: [4. 5. 0. 0. 0. 0. 0. 0.], c: [0. 0. 0. 0. 0. 0. 0. 0.]</a:t>
+            </a:r>
+            <a:endParaRPr lang="en-US" sz="1400" dirty="0">
+              <a:solidFill>
+                <a:srgbClr val="000000"/>
+              </a:solidFill>
+              <a:effectLst/>
+              <a:latin typeface="Monaco"/>
+            </a:endParaRPr>
+          </a:p>
+        </p:txBody>
+      </p:sp>
+      <p:sp>
+        <p:nvSpPr>
+          <p:cNvPr id="5" name="Rectangle 4">
+            <a:extLst>
+              <a:ext uri="{FF2B5EF4-FFF2-40B4-BE49-F238E27FC236}">
+                <a16:creationId xmlns:a16="http://schemas.microsoft.com/office/drawing/2014/main" id="{DA028B07-823F-2E46-A010-1E2E3064CA07}"/>
+              </a:ext>
+            </a:extLst>
+          </p:cNvPr>
+          <p:cNvSpPr/>
+          <p:nvPr/>
+        </p:nvSpPr>
+        <p:spPr>
+          <a:xfrm>
+            <a:off x="7506421" y="2009108"/>
+            <a:ext cx="4263547" cy="369332"/>
+          </a:xfrm>
+          <a:prstGeom prst="rect">
+            <a:avLst/>
+          </a:prstGeom>
+          <a:ln w="31750">
+            <a:solidFill>
+              <a:schemeClr val="accent1">
+                <a:shade val="50000"/>
+              </a:schemeClr>
+            </a:solidFill>
+          </a:ln>
+        </p:spPr>
+        <p:txBody>
+          <a:bodyPr wrap="square">
+            <a:spAutoFit/>
+          </a:bodyPr>
+          <a:lstStyle/>
+          <a:p>
+            <a:r>
+              <a:rPr lang="en-US" dirty="0" err="1">
+                <a:solidFill>
+                  <a:srgbClr val="000000"/>
+                </a:solidFill>
+                <a:latin typeface="Monaco" pitchFamily="2" charset="77"/>
+              </a:rPr>
+              <a:t>mpirun</a:t>
+            </a:r>
+            <a:r>
+              <a:rPr lang="en-US" dirty="0">
+                <a:solidFill>
+                  <a:srgbClr val="000000"/>
+                </a:solidFill>
+                <a:latin typeface="Monaco" pitchFamily="2" charset="77"/>
+              </a:rPr>
+              <a:t> –n 4 python  reduce.py</a:t>
+            </a:r>
+          </a:p>
+        </p:txBody>
+      </p:sp>
+      <p:pic>
+        <p:nvPicPr>
+          <p:cNvPr id="7" name="Picture 6">
+            <a:extLst>
+              <a:ext uri="{FF2B5EF4-FFF2-40B4-BE49-F238E27FC236}">
+                <a16:creationId xmlns:a16="http://schemas.microsoft.com/office/drawing/2014/main" id="{7DC99482-C5DA-4946-BF0E-FE068B78FF8C}"/>
+              </a:ext>
+            </a:extLst>
+          </p:cNvPr>
+          <p:cNvPicPr>
+            <a:picLocks noChangeAspect="1"/>
+          </p:cNvPicPr>
+          <p:nvPr/>
+        </p:nvPicPr>
+        <p:blipFill>
+          <a:blip r:embed="rId3"/>
+          <a:stretch>
+            <a:fillRect/>
+          </a:stretch>
+        </p:blipFill>
+        <p:spPr>
+          <a:xfrm>
+            <a:off x="7362825" y="428655"/>
+            <a:ext cx="3848484" cy="1458163"/>
+          </a:xfrm>
+          <a:prstGeom prst="rect">
+            <a:avLst/>
+          </a:prstGeom>
+        </p:spPr>
+      </p:pic>
+    </p:spTree>
+    <p:extLst>
+      <p:ext uri="{BB962C8B-B14F-4D97-AF65-F5344CB8AC3E}">
+        <p14:creationId xmlns:p14="http://schemas.microsoft.com/office/powerpoint/2010/main" val="2951806075"/>
+      </p:ext>
+    </p:extLst>
+  </p:cSld>
+  <p:clrMapOvr>
+    <a:masterClrMapping/>
+  </p:clrMapOvr>
+  <p:timing>
+    <p:tnLst>
+      <p:par>
+        <p:cTn id="1" dur="indefinite" restart="never" nodeType="tmRoot">
+          <p:childTnLst>
+            <p:seq concurrent="1" nextAc="seek">
+              <p:cTn id="2" dur="indefinite" nodeType="mainSeq">
+                <p:childTnLst>
+                  <p:par>
+                    <p:cTn id="3" fill="hold">
+                      <p:stCondLst>
+                        <p:cond delay="indefinite"/>
+                      </p:stCondLst>
+                      <p:childTnLst>
+                        <p:par>
+                          <p:cTn id="4" fill="hold">
+                            <p:stCondLst>
+                              <p:cond delay="0"/>
+                            </p:stCondLst>
+                            <p:childTnLst>
+                              <p:par>
+                                <p:cTn id="5" presetID="1" presetClass="entr" presetSubtype="0" fill="hold" grpId="0" nodeType="clickEffect">
+                                  <p:stCondLst>
+                                    <p:cond delay="0"/>
+                                  </p:stCondLst>
+                                  <p:childTnLst>
+                                    <p:set>
+                                      <p:cBhvr>
+                                        <p:cTn id="6" dur="1" fill="hold">
+                                          <p:stCondLst>
+                                            <p:cond delay="0"/>
+                                          </p:stCondLst>
+                                        </p:cTn>
+                                        <p:tgtEl>
+                                          <p:spTgt spid="5"/>
+                                        </p:tgtEl>
+                                        <p:attrNameLst>
+                                          <p:attrName>style.visibility</p:attrName>
+                                        </p:attrNameLst>
+                                      </p:cBhvr>
+                                      <p:to>
+                                        <p:strVal val="visible"/>
+                                      </p:to>
+                                    </p:set>
+                                  </p:childTnLst>
+                                </p:cTn>
+                              </p:par>
+                            </p:childTnLst>
+                          </p:cTn>
+                        </p:par>
+                      </p:childTnLst>
+                    </p:cTn>
+                  </p:par>
+                  <p:par>
+                    <p:cTn id="7" fill="hold">
+                      <p:stCondLst>
+                        <p:cond delay="indefinite"/>
+                      </p:stCondLst>
+                      <p:childTnLst>
+                        <p:par>
+                          <p:cTn id="8" fill="hold">
+                            <p:stCondLst>
+                              <p:cond delay="0"/>
+                            </p:stCondLst>
+                            <p:childTnLst>
+                              <p:par>
+                                <p:cTn id="9" presetID="1" presetClass="entr" presetSubtype="0" fill="hold" grpId="0" nodeType="clickEffect">
+                                  <p:stCondLst>
+                                    <p:cond delay="0"/>
+                                  </p:stCondLst>
+                                  <p:childTnLst>
+                                    <p:set>
+                                      <p:cBhvr>
+                                        <p:cTn id="10" dur="1" fill="hold">
+                                          <p:stCondLst>
+                                            <p:cond delay="0"/>
+                                          </p:stCondLst>
+                                        </p:cTn>
+                                        <p:tgtEl>
+                                          <p:spTgt spid="4"/>
+                                        </p:tgtEl>
+                                        <p:attrNameLst>
+                                          <p:attrName>style.visibility</p:attrName>
+                                        </p:attrNameLst>
+                                      </p:cBhvr>
+                                      <p:to>
+                                        <p:strVal val="visible"/>
+                                      </p:to>
+                                    </p:set>
+                                  </p:childTnLst>
+                                </p:cTn>
+                              </p:par>
+                            </p:childTnLst>
+                          </p:cTn>
+                        </p:par>
+                      </p:childTnLst>
+                    </p:cTn>
+                  </p:par>
+                </p:childTnLst>
+              </p:cTn>
+              <p:prevCondLst>
+                <p:cond evt="onPrev" delay="0">
+                  <p:tgtEl>
+                    <p:sldTgt/>
+                  </p:tgtEl>
+                </p:cond>
+              </p:prevCondLst>
+              <p:nextCondLst>
+                <p:cond evt="onNext" delay="0">
+                  <p:tgtEl>
+                    <p:sldTgt/>
+                  </p:tgtEl>
+                </p:cond>
+              </p:nextCondLst>
+            </p:seq>
+          </p:childTnLst>
+        </p:cTn>
+      </p:par>
+    </p:tnLst>
+    <p:bldLst>
+      <p:bldP spid="4" grpId="0" animBg="1"/>
+      <p:bldP spid="5" grpId="0" animBg="1"/>
+    </p:bldLst>
+  </p:timing>
+</p:sld>
+</file>
+
+<file path=ppt/slides/slide29.xml><?xml version="1.0" encoding="utf-8"?>
+<p:sld xmlns:a="http://schemas.openxmlformats.org/drawingml/2006/main" xmlns:r="http://schemas.openxmlformats.org/officeDocument/2006/relationships" xmlns:p="http://schemas.openxmlformats.org/presentationml/2006/main">
+  <p:cSld>
+    <p:spTree>
+      <p:nvGrpSpPr>
+        <p:cNvPr id="1" name=""/>
+        <p:cNvGrpSpPr/>
+        <p:nvPr/>
+      </p:nvGrpSpPr>
+      <p:grpSpPr>
+        <a:xfrm>
+          <a:off x="0" y="0"/>
+          <a:ext cx="0" cy="0"/>
+          <a:chOff x="0" y="0"/>
+          <a:chExt cx="0" cy="0"/>
+        </a:xfrm>
+      </p:grpSpPr>
+      <p:sp>
+        <p:nvSpPr>
+          <p:cNvPr id="2" name="Title 1">
+            <a:extLst>
+              <a:ext uri="{FF2B5EF4-FFF2-40B4-BE49-F238E27FC236}">
+                <a16:creationId xmlns:a16="http://schemas.microsoft.com/office/drawing/2014/main" id="{3A285C21-2361-3442-8CF6-E289EC65F592}"/>
+              </a:ext>
+            </a:extLst>
+          </p:cNvPr>
+          <p:cNvSpPr>
+            <a:spLocks noGrp="1"/>
+          </p:cNvSpPr>
+          <p:nvPr>
+            <p:ph type="title"/>
+          </p:nvPr>
+        </p:nvSpPr>
+        <p:spPr>
+          <a:xfrm>
+            <a:off x="1289642" y="428655"/>
+            <a:ext cx="8911687" cy="1280890"/>
+          </a:xfrm>
+        </p:spPr>
+        <p:txBody>
+          <a:bodyPr/>
+          <a:lstStyle/>
+          <a:p>
+            <a:pPr algn="ctr"/>
+            <a:r>
+              <a:rPr lang="en-US" dirty="0">
+                <a:latin typeface="Verdana" panose="020B0604030504040204" pitchFamily="34" charset="0"/>
+                <a:ea typeface="Verdana" panose="020B0604030504040204" pitchFamily="34" charset="0"/>
+                <a:cs typeface="Verdana" panose="020B0604030504040204" pitchFamily="34" charset="0"/>
+              </a:rPr>
               <a:t>PARALLEL SUM</a:t>
             </a:r>
             <a:endParaRPr lang="en-US" dirty="0">
@@ -27511,453 +28882,6 @@
 </p:sld>
 </file>
 
-<file path=ppt/slides/slide28.xml><?xml version="1.0" encoding="utf-8"?>
-<p:sld xmlns:a="http://schemas.openxmlformats.org/drawingml/2006/main" xmlns:r="http://schemas.openxmlformats.org/officeDocument/2006/relationships" xmlns:p="http://schemas.openxmlformats.org/presentationml/2006/main" showMasterSp="0">
-  <p:cSld>
-    <p:spTree>
-      <p:nvGrpSpPr>
-        <p:cNvPr id="1" name=""/>
-        <p:cNvGrpSpPr/>
-        <p:nvPr/>
-      </p:nvGrpSpPr>
-      <p:grpSpPr>
-        <a:xfrm>
-          <a:off x="0" y="0"/>
-          <a:ext cx="0" cy="0"/>
-          <a:chOff x="0" y="0"/>
-          <a:chExt cx="0" cy="0"/>
-        </a:xfrm>
-      </p:grpSpPr>
-      <p:sp>
-        <p:nvSpPr>
-          <p:cNvPr id="2" name="Title 1">
-            <a:extLst>
-              <a:ext uri="{FF2B5EF4-FFF2-40B4-BE49-F238E27FC236}">
-                <a16:creationId xmlns:a16="http://schemas.microsoft.com/office/drawing/2014/main" id="{3A285C21-2361-3442-8CF6-E289EC65F592}"/>
-              </a:ext>
-            </a:extLst>
-          </p:cNvPr>
-          <p:cNvSpPr>
-            <a:spLocks noGrp="1"/>
-          </p:cNvSpPr>
-          <p:nvPr>
-            <p:ph type="title"/>
-          </p:nvPr>
-        </p:nvSpPr>
-        <p:spPr>
-          <a:xfrm>
-            <a:off x="1289642" y="540027"/>
-            <a:ext cx="8911687" cy="1280890"/>
-          </a:xfrm>
-        </p:spPr>
-        <p:txBody>
-          <a:bodyPr/>
-          <a:lstStyle/>
-          <a:p>
-            <a:pPr algn="ctr"/>
-            <a:r>
-              <a:rPr lang="en-US" dirty="0">
-                <a:latin typeface="Verdana" panose="020B0604030504040204" pitchFamily="34" charset="0"/>
-                <a:ea typeface="Verdana" panose="020B0604030504040204" pitchFamily="34" charset="0"/>
-                <a:cs typeface="Verdana" panose="020B0604030504040204" pitchFamily="34" charset="0"/>
-              </a:rPr>
-              <a:t>KEY POINTS</a:t>
-            </a:r>
-            <a:endParaRPr lang="en-US" dirty="0">
-              <a:solidFill>
-                <a:schemeClr val="tx1">
-                  <a:lumMod val="75000"/>
-                  <a:lumOff val="25000"/>
-                </a:schemeClr>
-              </a:solidFill>
-              <a:latin typeface="Verdana" panose="020B0604030504040204" pitchFamily="34" charset="0"/>
-              <a:ea typeface="Verdana" panose="020B0604030504040204" pitchFamily="34" charset="0"/>
-              <a:cs typeface="Verdana" panose="020B0604030504040204" pitchFamily="34" charset="0"/>
-            </a:endParaRPr>
-          </a:p>
-        </p:txBody>
-      </p:sp>
-      <p:sp>
-        <p:nvSpPr>
-          <p:cNvPr id="3" name="Content Placeholder 2">
-            <a:extLst>
-              <a:ext uri="{FF2B5EF4-FFF2-40B4-BE49-F238E27FC236}">
-                <a16:creationId xmlns:a16="http://schemas.microsoft.com/office/drawing/2014/main" id="{A1DB5512-87E1-B445-B644-8B92BA4F942C}"/>
-              </a:ext>
-            </a:extLst>
-          </p:cNvPr>
-          <p:cNvSpPr>
-            <a:spLocks noGrp="1"/>
-          </p:cNvSpPr>
-          <p:nvPr>
-            <p:ph idx="1"/>
-          </p:nvPr>
-        </p:nvSpPr>
-        <p:spPr>
-          <a:xfrm>
-            <a:off x="581736" y="1540188"/>
-            <a:ext cx="9812566" cy="4226129"/>
-          </a:xfrm>
-        </p:spPr>
-        <p:txBody>
-          <a:bodyPr>
-            <a:normAutofit fontScale="85000" lnSpcReduction="20000"/>
-          </a:bodyPr>
-          <a:lstStyle/>
-          <a:p>
-            <a:r>
-              <a:rPr lang="en-US" sz="2000" dirty="0">
-                <a:solidFill>
-                  <a:schemeClr val="tx1"/>
-                </a:solidFill>
-                <a:latin typeface="Comic Sans MS" panose="030F0902030302020204" pitchFamily="66" charset="0"/>
-              </a:rPr>
-              <a:t>python language is useful for serial and parallel computing</a:t>
-            </a:r>
-          </a:p>
-          <a:p>
-            <a:endParaRPr lang="en-US" sz="2000" dirty="0">
-              <a:solidFill>
-                <a:schemeClr val="tx1"/>
-              </a:solidFill>
-              <a:latin typeface="Comic Sans MS" panose="030F0902030302020204" pitchFamily="66" charset="0"/>
-            </a:endParaRPr>
-          </a:p>
-          <a:p>
-            <a:r>
-              <a:rPr lang="en-US" sz="2000" dirty="0">
-                <a:solidFill>
-                  <a:schemeClr val="tx1"/>
-                </a:solidFill>
-                <a:latin typeface="Comic Sans MS" panose="030F0902030302020204" pitchFamily="66" charset="0"/>
-              </a:rPr>
-              <a:t>Supercomputers have a hybrid of shared &amp; distributed memory systems</a:t>
-            </a:r>
-          </a:p>
-          <a:p>
-            <a:pPr marL="0" indent="0">
-              <a:buNone/>
-            </a:pPr>
-            <a:endParaRPr lang="en-US" sz="2000" dirty="0">
-              <a:solidFill>
-                <a:schemeClr val="tx1"/>
-              </a:solidFill>
-              <a:latin typeface="Comic Sans MS" panose="030F0902030302020204" pitchFamily="66" charset="0"/>
-            </a:endParaRPr>
-          </a:p>
-          <a:p>
-            <a:r>
-              <a:rPr lang="en-US" sz="2000" dirty="0">
-                <a:solidFill>
-                  <a:schemeClr val="tx1"/>
-                </a:solidFill>
-                <a:latin typeface="Comic Sans MS" panose="030F0902030302020204" pitchFamily="66" charset="0"/>
-              </a:rPr>
-              <a:t>For parallel computing, we use mpi4py module</a:t>
-            </a:r>
-          </a:p>
-          <a:p>
-            <a:endParaRPr lang="en-US" sz="2000" dirty="0">
-              <a:solidFill>
-                <a:schemeClr val="tx1"/>
-              </a:solidFill>
-              <a:latin typeface="Comic Sans MS" panose="030F0902030302020204" pitchFamily="66" charset="0"/>
-            </a:endParaRPr>
-          </a:p>
-          <a:p>
-            <a:r>
-              <a:rPr lang="en-US" sz="2000" dirty="0">
-                <a:solidFill>
-                  <a:schemeClr val="tx1"/>
-                </a:solidFill>
-                <a:latin typeface="Comic Sans MS" panose="030F0902030302020204" pitchFamily="66" charset="0"/>
-              </a:rPr>
-              <a:t>basic communication techniques</a:t>
-            </a:r>
-          </a:p>
-          <a:p>
-            <a:pPr marL="457200" indent="-457200">
-              <a:buAutoNum type="alphaUcParenR"/>
-            </a:pPr>
-            <a:r>
-              <a:rPr lang="en-US" sz="2000" dirty="0">
-                <a:solidFill>
-                  <a:schemeClr val="tx1"/>
-                </a:solidFill>
-                <a:latin typeface="Comic Sans MS" panose="030F0902030302020204" pitchFamily="66" charset="0"/>
-              </a:rPr>
-              <a:t>broadcast – send the entire data to all processors</a:t>
-            </a:r>
-          </a:p>
-          <a:p>
-            <a:pPr marL="457200" indent="-457200">
-              <a:buAutoNum type="alphaUcParenR"/>
-            </a:pPr>
-            <a:r>
-              <a:rPr lang="en-US" sz="2000" dirty="0">
-                <a:solidFill>
-                  <a:schemeClr val="tx1"/>
-                </a:solidFill>
-                <a:latin typeface="Comic Sans MS" panose="030F0902030302020204" pitchFamily="66" charset="0"/>
-              </a:rPr>
-              <a:t>Send/receive – Send from one process to another. </a:t>
-            </a:r>
-          </a:p>
-          <a:p>
-            <a:pPr marL="457200" indent="-457200">
-              <a:buAutoNum type="alphaUcParenR"/>
-            </a:pPr>
-            <a:r>
-              <a:rPr lang="en-US" sz="2000" dirty="0">
-                <a:solidFill>
-                  <a:schemeClr val="tx1"/>
-                </a:solidFill>
-                <a:latin typeface="Comic Sans MS" panose="030F0902030302020204" pitchFamily="66" charset="0"/>
-              </a:rPr>
-              <a:t>scatter – send different data to different processors</a:t>
-            </a:r>
-          </a:p>
-          <a:p>
-            <a:pPr marL="457200" indent="-457200">
-              <a:buAutoNum type="alphaUcParenR"/>
-            </a:pPr>
-            <a:r>
-              <a:rPr lang="en-US" sz="2000" dirty="0">
-                <a:solidFill>
-                  <a:schemeClr val="tx1"/>
-                </a:solidFill>
-                <a:latin typeface="Comic Sans MS" panose="030F0902030302020204" pitchFamily="66" charset="0"/>
-              </a:rPr>
-              <a:t>gather – gather the data from all processors and do some operation  </a:t>
-            </a:r>
-          </a:p>
-          <a:p>
-            <a:pPr marL="457200" indent="-457200">
-              <a:buAutoNum type="alphaUcParenR"/>
-            </a:pPr>
-            <a:r>
-              <a:rPr lang="en-US" sz="2000" dirty="0">
-                <a:solidFill>
-                  <a:schemeClr val="tx1"/>
-                </a:solidFill>
-                <a:latin typeface="Comic Sans MS" panose="030F0902030302020204" pitchFamily="66" charset="0"/>
-              </a:rPr>
-              <a:t>Reduce – Perform a reduction operation and get the result to a since process. </a:t>
-            </a:r>
-          </a:p>
-          <a:p>
-            <a:endParaRPr lang="en-US" sz="2000" dirty="0">
-              <a:solidFill>
-                <a:schemeClr val="tx1"/>
-              </a:solidFill>
-              <a:latin typeface="Comic Sans MS" panose="030F0902030302020204" pitchFamily="66" charset="0"/>
-            </a:endParaRPr>
-          </a:p>
-          <a:p>
-            <a:endParaRPr lang="en-US" sz="2000" dirty="0"/>
-          </a:p>
-        </p:txBody>
-      </p:sp>
-    </p:spTree>
-    <p:extLst>
-      <p:ext uri="{BB962C8B-B14F-4D97-AF65-F5344CB8AC3E}">
-        <p14:creationId xmlns:p14="http://schemas.microsoft.com/office/powerpoint/2010/main" val="3293509868"/>
-      </p:ext>
-    </p:extLst>
-  </p:cSld>
-  <p:clrMapOvr>
-    <a:masterClrMapping/>
-  </p:clrMapOvr>
-</p:sld>
-</file>
-
-<file path=ppt/slides/slide29.xml><?xml version="1.0" encoding="utf-8"?>
-<p:sld xmlns:a="http://schemas.openxmlformats.org/drawingml/2006/main" xmlns:r="http://schemas.openxmlformats.org/officeDocument/2006/relationships" xmlns:p="http://schemas.openxmlformats.org/presentationml/2006/main" showMasterSp="0">
-  <p:cSld>
-    <p:spTree>
-      <p:nvGrpSpPr>
-        <p:cNvPr id="1" name=""/>
-        <p:cNvGrpSpPr/>
-        <p:nvPr/>
-      </p:nvGrpSpPr>
-      <p:grpSpPr>
-        <a:xfrm>
-          <a:off x="0" y="0"/>
-          <a:ext cx="0" cy="0"/>
-          <a:chOff x="0" y="0"/>
-          <a:chExt cx="0" cy="0"/>
-        </a:xfrm>
-      </p:grpSpPr>
-      <p:sp>
-        <p:nvSpPr>
-          <p:cNvPr id="2" name="Title 1">
-            <a:extLst>
-              <a:ext uri="{FF2B5EF4-FFF2-40B4-BE49-F238E27FC236}">
-                <a16:creationId xmlns:a16="http://schemas.microsoft.com/office/drawing/2014/main" id="{3A285C21-2361-3442-8CF6-E289EC65F592}"/>
-              </a:ext>
-            </a:extLst>
-          </p:cNvPr>
-          <p:cNvSpPr>
-            <a:spLocks noGrp="1"/>
-          </p:cNvSpPr>
-          <p:nvPr>
-            <p:ph type="title"/>
-          </p:nvPr>
-        </p:nvSpPr>
-        <p:spPr>
-          <a:xfrm>
-            <a:off x="1289642" y="540027"/>
-            <a:ext cx="8911687" cy="1280890"/>
-          </a:xfrm>
-        </p:spPr>
-        <p:txBody>
-          <a:bodyPr/>
-          <a:lstStyle/>
-          <a:p>
-            <a:pPr algn="ctr"/>
-            <a:r>
-              <a:rPr lang="en-US" dirty="0">
-                <a:latin typeface="Verdana" panose="020B0604030504040204" pitchFamily="34" charset="0"/>
-                <a:ea typeface="Verdana" panose="020B0604030504040204" pitchFamily="34" charset="0"/>
-                <a:cs typeface="Verdana" panose="020B0604030504040204" pitchFamily="34" charset="0"/>
-              </a:rPr>
-              <a:t>RESOURCES</a:t>
-            </a:r>
-            <a:endParaRPr lang="en-US" dirty="0">
-              <a:solidFill>
-                <a:schemeClr val="tx1">
-                  <a:lumMod val="75000"/>
-                  <a:lumOff val="25000"/>
-                </a:schemeClr>
-              </a:solidFill>
-              <a:latin typeface="Verdana" panose="020B0604030504040204" pitchFamily="34" charset="0"/>
-              <a:ea typeface="Verdana" panose="020B0604030504040204" pitchFamily="34" charset="0"/>
-              <a:cs typeface="Verdana" panose="020B0604030504040204" pitchFamily="34" charset="0"/>
-            </a:endParaRPr>
-          </a:p>
-        </p:txBody>
-      </p:sp>
-      <p:sp>
-        <p:nvSpPr>
-          <p:cNvPr id="3" name="Content Placeholder 2">
-            <a:extLst>
-              <a:ext uri="{FF2B5EF4-FFF2-40B4-BE49-F238E27FC236}">
-                <a16:creationId xmlns:a16="http://schemas.microsoft.com/office/drawing/2014/main" id="{A1DB5512-87E1-B445-B644-8B92BA4F942C}"/>
-              </a:ext>
-            </a:extLst>
-          </p:cNvPr>
-          <p:cNvSpPr>
-            <a:spLocks noGrp="1"/>
-          </p:cNvSpPr>
-          <p:nvPr>
-            <p:ph idx="1"/>
-          </p:nvPr>
-        </p:nvSpPr>
-        <p:spPr>
-          <a:xfrm>
-            <a:off x="581736" y="1540189"/>
-            <a:ext cx="10236206" cy="4506650"/>
-          </a:xfrm>
-        </p:spPr>
-        <p:txBody>
-          <a:bodyPr>
-            <a:normAutofit/>
-          </a:bodyPr>
-          <a:lstStyle/>
-          <a:p>
-            <a:r>
-              <a:rPr lang="en-US" sz="2000" dirty="0">
-                <a:solidFill>
-                  <a:schemeClr val="tx1"/>
-                </a:solidFill>
-                <a:latin typeface="Comic Sans MS" panose="030F0902030302020204" pitchFamily="66" charset="0"/>
-                <a:hlinkClick r:id="rId3"/>
-              </a:rPr>
-              <a:t>https://hpc.llnl.gov/training/tutorials/introduction-parallel-computing-tutorial</a:t>
-            </a:r>
-            <a:endParaRPr lang="en-US" sz="2000" dirty="0">
-              <a:solidFill>
-                <a:schemeClr val="tx1"/>
-              </a:solidFill>
-              <a:latin typeface="Comic Sans MS" panose="030F0902030302020204" pitchFamily="66" charset="0"/>
-            </a:endParaRPr>
-          </a:p>
-          <a:p>
-            <a:pPr marL="0" indent="0">
-              <a:buNone/>
-            </a:pPr>
-            <a:endParaRPr lang="en-US" sz="2000" dirty="0">
-              <a:solidFill>
-                <a:schemeClr val="tx1"/>
-              </a:solidFill>
-              <a:latin typeface="Comic Sans MS" panose="030F0902030302020204" pitchFamily="66" charset="0"/>
-            </a:endParaRPr>
-          </a:p>
-          <a:p>
-            <a:r>
-              <a:rPr lang="en-US" sz="2000" dirty="0">
-                <a:solidFill>
-                  <a:schemeClr val="tx1"/>
-                </a:solidFill>
-                <a:latin typeface="Comic Sans MS" panose="030F0902030302020204" pitchFamily="66" charset="0"/>
-                <a:hlinkClick r:id="rId4"/>
-              </a:rPr>
-              <a:t>https://towardsdatascience.com/parallel-programming-in-python-with-message-passing-interface-mpi4py-551e3f198053</a:t>
-            </a:r>
-            <a:r>
-              <a:rPr lang="en-US" sz="2000" dirty="0">
-                <a:solidFill>
-                  <a:schemeClr val="tx1"/>
-                </a:solidFill>
-                <a:latin typeface="Comic Sans MS" panose="030F0902030302020204" pitchFamily="66" charset="0"/>
-              </a:rPr>
-              <a:t> </a:t>
-            </a:r>
-          </a:p>
-          <a:p>
-            <a:endParaRPr lang="en-US" sz="2000" dirty="0">
-              <a:solidFill>
-                <a:schemeClr val="tx1"/>
-              </a:solidFill>
-              <a:latin typeface="Comic Sans MS" panose="030F0902030302020204" pitchFamily="66" charset="0"/>
-            </a:endParaRPr>
-          </a:p>
-          <a:p>
-            <a:r>
-              <a:rPr lang="en-US" sz="2000" dirty="0">
-                <a:solidFill>
-                  <a:schemeClr val="tx1"/>
-                </a:solidFill>
-                <a:latin typeface="Comic Sans MS" panose="030F0902030302020204" pitchFamily="66" charset="0"/>
-                <a:hlinkClick r:id="rId5"/>
-              </a:rPr>
-              <a:t>https://www.kth.se/blogs/pdc/2019/08/parallel-programming-in-python-mpi4py-part-1/</a:t>
-            </a:r>
-            <a:endParaRPr lang="en-US" sz="2000" dirty="0">
-              <a:solidFill>
-                <a:schemeClr val="tx1"/>
-              </a:solidFill>
-              <a:latin typeface="Comic Sans MS" panose="030F0902030302020204" pitchFamily="66" charset="0"/>
-            </a:endParaRPr>
-          </a:p>
-          <a:p>
-            <a:endParaRPr lang="en-US" sz="2000" dirty="0"/>
-          </a:p>
-        </p:txBody>
-      </p:sp>
-    </p:spTree>
-    <p:extLst>
-      <p:ext uri="{BB962C8B-B14F-4D97-AF65-F5344CB8AC3E}">
-        <p14:creationId xmlns:p14="http://schemas.microsoft.com/office/powerpoint/2010/main" val="38040535"/>
-      </p:ext>
-    </p:extLst>
-  </p:cSld>
-  <p:clrMapOvr>
-    <a:masterClrMapping/>
-  </p:clrMapOvr>
-</p:sld>
-</file>
-
 <file path=ppt/slides/slide3.xml><?xml version="1.0" encoding="utf-8"?>
 <p:sld xmlns:a="http://schemas.openxmlformats.org/drawingml/2006/main" xmlns:r="http://schemas.openxmlformats.org/officeDocument/2006/relationships" xmlns:p="http://schemas.openxmlformats.org/presentationml/2006/main" showMasterSp="0">
   <p:cSld>
@@ -28334,6 +29258,453 @@
 </p:sld>
 </file>
 
+<file path=ppt/slides/slide30.xml><?xml version="1.0" encoding="utf-8"?>
+<p:sld xmlns:a="http://schemas.openxmlformats.org/drawingml/2006/main" xmlns:r="http://schemas.openxmlformats.org/officeDocument/2006/relationships" xmlns:p="http://schemas.openxmlformats.org/presentationml/2006/main" showMasterSp="0">
+  <p:cSld>
+    <p:spTree>
+      <p:nvGrpSpPr>
+        <p:cNvPr id="1" name=""/>
+        <p:cNvGrpSpPr/>
+        <p:nvPr/>
+      </p:nvGrpSpPr>
+      <p:grpSpPr>
+        <a:xfrm>
+          <a:off x="0" y="0"/>
+          <a:ext cx="0" cy="0"/>
+          <a:chOff x="0" y="0"/>
+          <a:chExt cx="0" cy="0"/>
+        </a:xfrm>
+      </p:grpSpPr>
+      <p:sp>
+        <p:nvSpPr>
+          <p:cNvPr id="2" name="Title 1">
+            <a:extLst>
+              <a:ext uri="{FF2B5EF4-FFF2-40B4-BE49-F238E27FC236}">
+                <a16:creationId xmlns:a16="http://schemas.microsoft.com/office/drawing/2014/main" id="{3A285C21-2361-3442-8CF6-E289EC65F592}"/>
+              </a:ext>
+            </a:extLst>
+          </p:cNvPr>
+          <p:cNvSpPr>
+            <a:spLocks noGrp="1"/>
+          </p:cNvSpPr>
+          <p:nvPr>
+            <p:ph type="title"/>
+          </p:nvPr>
+        </p:nvSpPr>
+        <p:spPr>
+          <a:xfrm>
+            <a:off x="1289642" y="540027"/>
+            <a:ext cx="8911687" cy="1280890"/>
+          </a:xfrm>
+        </p:spPr>
+        <p:txBody>
+          <a:bodyPr/>
+          <a:lstStyle/>
+          <a:p>
+            <a:pPr algn="ctr"/>
+            <a:r>
+              <a:rPr lang="en-US" dirty="0">
+                <a:latin typeface="Verdana" panose="020B0604030504040204" pitchFamily="34" charset="0"/>
+                <a:ea typeface="Verdana" panose="020B0604030504040204" pitchFamily="34" charset="0"/>
+                <a:cs typeface="Verdana" panose="020B0604030504040204" pitchFamily="34" charset="0"/>
+              </a:rPr>
+              <a:t>KEY POINTS</a:t>
+            </a:r>
+            <a:endParaRPr lang="en-US" dirty="0">
+              <a:solidFill>
+                <a:schemeClr val="tx1">
+                  <a:lumMod val="75000"/>
+                  <a:lumOff val="25000"/>
+                </a:schemeClr>
+              </a:solidFill>
+              <a:latin typeface="Verdana" panose="020B0604030504040204" pitchFamily="34" charset="0"/>
+              <a:ea typeface="Verdana" panose="020B0604030504040204" pitchFamily="34" charset="0"/>
+              <a:cs typeface="Verdana" panose="020B0604030504040204" pitchFamily="34" charset="0"/>
+            </a:endParaRPr>
+          </a:p>
+        </p:txBody>
+      </p:sp>
+      <p:sp>
+        <p:nvSpPr>
+          <p:cNvPr id="3" name="Content Placeholder 2">
+            <a:extLst>
+              <a:ext uri="{FF2B5EF4-FFF2-40B4-BE49-F238E27FC236}">
+                <a16:creationId xmlns:a16="http://schemas.microsoft.com/office/drawing/2014/main" id="{A1DB5512-87E1-B445-B644-8B92BA4F942C}"/>
+              </a:ext>
+            </a:extLst>
+          </p:cNvPr>
+          <p:cNvSpPr>
+            <a:spLocks noGrp="1"/>
+          </p:cNvSpPr>
+          <p:nvPr>
+            <p:ph idx="1"/>
+          </p:nvPr>
+        </p:nvSpPr>
+        <p:spPr>
+          <a:xfrm>
+            <a:off x="581736" y="1540188"/>
+            <a:ext cx="9812566" cy="4226129"/>
+          </a:xfrm>
+        </p:spPr>
+        <p:txBody>
+          <a:bodyPr>
+            <a:normAutofit fontScale="85000" lnSpcReduction="20000"/>
+          </a:bodyPr>
+          <a:lstStyle/>
+          <a:p>
+            <a:r>
+              <a:rPr lang="en-US" sz="2000" dirty="0">
+                <a:solidFill>
+                  <a:schemeClr val="tx1"/>
+                </a:solidFill>
+                <a:latin typeface="Comic Sans MS" panose="030F0902030302020204" pitchFamily="66" charset="0"/>
+              </a:rPr>
+              <a:t>python language is useful for serial and parallel computing</a:t>
+            </a:r>
+          </a:p>
+          <a:p>
+            <a:endParaRPr lang="en-US" sz="2000" dirty="0">
+              <a:solidFill>
+                <a:schemeClr val="tx1"/>
+              </a:solidFill>
+              <a:latin typeface="Comic Sans MS" panose="030F0902030302020204" pitchFamily="66" charset="0"/>
+            </a:endParaRPr>
+          </a:p>
+          <a:p>
+            <a:r>
+              <a:rPr lang="en-US" sz="2000" dirty="0">
+                <a:solidFill>
+                  <a:schemeClr val="tx1"/>
+                </a:solidFill>
+                <a:latin typeface="Comic Sans MS" panose="030F0902030302020204" pitchFamily="66" charset="0"/>
+              </a:rPr>
+              <a:t>Supercomputers have a hybrid of shared &amp; distributed memory systems</a:t>
+            </a:r>
+          </a:p>
+          <a:p>
+            <a:pPr marL="0" indent="0">
+              <a:buNone/>
+            </a:pPr>
+            <a:endParaRPr lang="en-US" sz="2000" dirty="0">
+              <a:solidFill>
+                <a:schemeClr val="tx1"/>
+              </a:solidFill>
+              <a:latin typeface="Comic Sans MS" panose="030F0902030302020204" pitchFamily="66" charset="0"/>
+            </a:endParaRPr>
+          </a:p>
+          <a:p>
+            <a:r>
+              <a:rPr lang="en-US" sz="2000" dirty="0">
+                <a:solidFill>
+                  <a:schemeClr val="tx1"/>
+                </a:solidFill>
+                <a:latin typeface="Comic Sans MS" panose="030F0902030302020204" pitchFamily="66" charset="0"/>
+              </a:rPr>
+              <a:t>For parallel computing, we use mpi4py module</a:t>
+            </a:r>
+          </a:p>
+          <a:p>
+            <a:endParaRPr lang="en-US" sz="2000" dirty="0">
+              <a:solidFill>
+                <a:schemeClr val="tx1"/>
+              </a:solidFill>
+              <a:latin typeface="Comic Sans MS" panose="030F0902030302020204" pitchFamily="66" charset="0"/>
+            </a:endParaRPr>
+          </a:p>
+          <a:p>
+            <a:r>
+              <a:rPr lang="en-US" sz="2000" dirty="0">
+                <a:solidFill>
+                  <a:schemeClr val="tx1"/>
+                </a:solidFill>
+                <a:latin typeface="Comic Sans MS" panose="030F0902030302020204" pitchFamily="66" charset="0"/>
+              </a:rPr>
+              <a:t>basic communication techniques</a:t>
+            </a:r>
+          </a:p>
+          <a:p>
+            <a:pPr marL="457200" indent="-457200">
+              <a:buAutoNum type="alphaUcParenR"/>
+            </a:pPr>
+            <a:r>
+              <a:rPr lang="en-US" sz="2000" dirty="0">
+                <a:solidFill>
+                  <a:schemeClr val="tx1"/>
+                </a:solidFill>
+                <a:latin typeface="Comic Sans MS" panose="030F0902030302020204" pitchFamily="66" charset="0"/>
+              </a:rPr>
+              <a:t>broadcast – send the entire data to all processors</a:t>
+            </a:r>
+          </a:p>
+          <a:p>
+            <a:pPr marL="457200" indent="-457200">
+              <a:buAutoNum type="alphaUcParenR"/>
+            </a:pPr>
+            <a:r>
+              <a:rPr lang="en-US" sz="2000" dirty="0">
+                <a:solidFill>
+                  <a:schemeClr val="tx1"/>
+                </a:solidFill>
+                <a:latin typeface="Comic Sans MS" panose="030F0902030302020204" pitchFamily="66" charset="0"/>
+              </a:rPr>
+              <a:t>Send/receive – Send from one process to another. </a:t>
+            </a:r>
+          </a:p>
+          <a:p>
+            <a:pPr marL="457200" indent="-457200">
+              <a:buAutoNum type="alphaUcParenR"/>
+            </a:pPr>
+            <a:r>
+              <a:rPr lang="en-US" sz="2000" dirty="0">
+                <a:solidFill>
+                  <a:schemeClr val="tx1"/>
+                </a:solidFill>
+                <a:latin typeface="Comic Sans MS" panose="030F0902030302020204" pitchFamily="66" charset="0"/>
+              </a:rPr>
+              <a:t>scatter – send different data to different processors</a:t>
+            </a:r>
+          </a:p>
+          <a:p>
+            <a:pPr marL="457200" indent="-457200">
+              <a:buAutoNum type="alphaUcParenR"/>
+            </a:pPr>
+            <a:r>
+              <a:rPr lang="en-US" sz="2000" dirty="0">
+                <a:solidFill>
+                  <a:schemeClr val="tx1"/>
+                </a:solidFill>
+                <a:latin typeface="Comic Sans MS" panose="030F0902030302020204" pitchFamily="66" charset="0"/>
+              </a:rPr>
+              <a:t>gather – gather the data from all processors and do some operation  </a:t>
+            </a:r>
+          </a:p>
+          <a:p>
+            <a:pPr marL="457200" indent="-457200">
+              <a:buAutoNum type="alphaUcParenR"/>
+            </a:pPr>
+            <a:r>
+              <a:rPr lang="en-US" sz="2000" dirty="0">
+                <a:solidFill>
+                  <a:schemeClr val="tx1"/>
+                </a:solidFill>
+                <a:latin typeface="Comic Sans MS" panose="030F0902030302020204" pitchFamily="66" charset="0"/>
+              </a:rPr>
+              <a:t>Reduce – Perform a reduction operation and get the result to a since process. </a:t>
+            </a:r>
+          </a:p>
+          <a:p>
+            <a:endParaRPr lang="en-US" sz="2000" dirty="0">
+              <a:solidFill>
+                <a:schemeClr val="tx1"/>
+              </a:solidFill>
+              <a:latin typeface="Comic Sans MS" panose="030F0902030302020204" pitchFamily="66" charset="0"/>
+            </a:endParaRPr>
+          </a:p>
+          <a:p>
+            <a:endParaRPr lang="en-US" sz="2000" dirty="0"/>
+          </a:p>
+        </p:txBody>
+      </p:sp>
+    </p:spTree>
+    <p:extLst>
+      <p:ext uri="{BB962C8B-B14F-4D97-AF65-F5344CB8AC3E}">
+        <p14:creationId xmlns:p14="http://schemas.microsoft.com/office/powerpoint/2010/main" val="3293509868"/>
+      </p:ext>
+    </p:extLst>
+  </p:cSld>
+  <p:clrMapOvr>
+    <a:masterClrMapping/>
+  </p:clrMapOvr>
+</p:sld>
+</file>
+
+<file path=ppt/slides/slide31.xml><?xml version="1.0" encoding="utf-8"?>
+<p:sld xmlns:a="http://schemas.openxmlformats.org/drawingml/2006/main" xmlns:r="http://schemas.openxmlformats.org/officeDocument/2006/relationships" xmlns:p="http://schemas.openxmlformats.org/presentationml/2006/main" showMasterSp="0">
+  <p:cSld>
+    <p:spTree>
+      <p:nvGrpSpPr>
+        <p:cNvPr id="1" name=""/>
+        <p:cNvGrpSpPr/>
+        <p:nvPr/>
+      </p:nvGrpSpPr>
+      <p:grpSpPr>
+        <a:xfrm>
+          <a:off x="0" y="0"/>
+          <a:ext cx="0" cy="0"/>
+          <a:chOff x="0" y="0"/>
+          <a:chExt cx="0" cy="0"/>
+        </a:xfrm>
+      </p:grpSpPr>
+      <p:sp>
+        <p:nvSpPr>
+          <p:cNvPr id="2" name="Title 1">
+            <a:extLst>
+              <a:ext uri="{FF2B5EF4-FFF2-40B4-BE49-F238E27FC236}">
+                <a16:creationId xmlns:a16="http://schemas.microsoft.com/office/drawing/2014/main" id="{3A285C21-2361-3442-8CF6-E289EC65F592}"/>
+              </a:ext>
+            </a:extLst>
+          </p:cNvPr>
+          <p:cNvSpPr>
+            <a:spLocks noGrp="1"/>
+          </p:cNvSpPr>
+          <p:nvPr>
+            <p:ph type="title"/>
+          </p:nvPr>
+        </p:nvSpPr>
+        <p:spPr>
+          <a:xfrm>
+            <a:off x="1289642" y="540027"/>
+            <a:ext cx="8911687" cy="1280890"/>
+          </a:xfrm>
+        </p:spPr>
+        <p:txBody>
+          <a:bodyPr/>
+          <a:lstStyle/>
+          <a:p>
+            <a:pPr algn="ctr"/>
+            <a:r>
+              <a:rPr lang="en-US" dirty="0">
+                <a:latin typeface="Verdana" panose="020B0604030504040204" pitchFamily="34" charset="0"/>
+                <a:ea typeface="Verdana" panose="020B0604030504040204" pitchFamily="34" charset="0"/>
+                <a:cs typeface="Verdana" panose="020B0604030504040204" pitchFamily="34" charset="0"/>
+              </a:rPr>
+              <a:t>RESOURCES</a:t>
+            </a:r>
+            <a:endParaRPr lang="en-US" dirty="0">
+              <a:solidFill>
+                <a:schemeClr val="tx1">
+                  <a:lumMod val="75000"/>
+                  <a:lumOff val="25000"/>
+                </a:schemeClr>
+              </a:solidFill>
+              <a:latin typeface="Verdana" panose="020B0604030504040204" pitchFamily="34" charset="0"/>
+              <a:ea typeface="Verdana" panose="020B0604030504040204" pitchFamily="34" charset="0"/>
+              <a:cs typeface="Verdana" panose="020B0604030504040204" pitchFamily="34" charset="0"/>
+            </a:endParaRPr>
+          </a:p>
+        </p:txBody>
+      </p:sp>
+      <p:sp>
+        <p:nvSpPr>
+          <p:cNvPr id="3" name="Content Placeholder 2">
+            <a:extLst>
+              <a:ext uri="{FF2B5EF4-FFF2-40B4-BE49-F238E27FC236}">
+                <a16:creationId xmlns:a16="http://schemas.microsoft.com/office/drawing/2014/main" id="{A1DB5512-87E1-B445-B644-8B92BA4F942C}"/>
+              </a:ext>
+            </a:extLst>
+          </p:cNvPr>
+          <p:cNvSpPr>
+            <a:spLocks noGrp="1"/>
+          </p:cNvSpPr>
+          <p:nvPr>
+            <p:ph idx="1"/>
+          </p:nvPr>
+        </p:nvSpPr>
+        <p:spPr>
+          <a:xfrm>
+            <a:off x="581736" y="1540189"/>
+            <a:ext cx="10236206" cy="4506650"/>
+          </a:xfrm>
+        </p:spPr>
+        <p:txBody>
+          <a:bodyPr>
+            <a:normAutofit/>
+          </a:bodyPr>
+          <a:lstStyle/>
+          <a:p>
+            <a:r>
+              <a:rPr lang="en-US" sz="2000" dirty="0">
+                <a:solidFill>
+                  <a:schemeClr val="tx1"/>
+                </a:solidFill>
+                <a:latin typeface="Comic Sans MS" panose="030F0902030302020204" pitchFamily="66" charset="0"/>
+                <a:hlinkClick r:id="rId3"/>
+              </a:rPr>
+              <a:t>https://hpc.llnl.gov/training/tutorials/introduction-parallel-computing-tutorial</a:t>
+            </a:r>
+            <a:endParaRPr lang="en-US" sz="2000" dirty="0">
+              <a:solidFill>
+                <a:schemeClr val="tx1"/>
+              </a:solidFill>
+              <a:latin typeface="Comic Sans MS" panose="030F0902030302020204" pitchFamily="66" charset="0"/>
+            </a:endParaRPr>
+          </a:p>
+          <a:p>
+            <a:pPr marL="0" indent="0">
+              <a:buNone/>
+            </a:pPr>
+            <a:endParaRPr lang="en-US" sz="2000" dirty="0">
+              <a:solidFill>
+                <a:schemeClr val="tx1"/>
+              </a:solidFill>
+              <a:latin typeface="Comic Sans MS" panose="030F0902030302020204" pitchFamily="66" charset="0"/>
+            </a:endParaRPr>
+          </a:p>
+          <a:p>
+            <a:r>
+              <a:rPr lang="en-US" sz="2000" dirty="0">
+                <a:solidFill>
+                  <a:schemeClr val="tx1"/>
+                </a:solidFill>
+                <a:latin typeface="Comic Sans MS" panose="030F0902030302020204" pitchFamily="66" charset="0"/>
+                <a:hlinkClick r:id="rId4"/>
+              </a:rPr>
+              <a:t>https://towardsdatascience.com/parallel-programming-in-python-with-message-passing-interface-mpi4py-551e3f198053</a:t>
+            </a:r>
+            <a:r>
+              <a:rPr lang="en-US" sz="2000" dirty="0">
+                <a:solidFill>
+                  <a:schemeClr val="tx1"/>
+                </a:solidFill>
+                <a:latin typeface="Comic Sans MS" panose="030F0902030302020204" pitchFamily="66" charset="0"/>
+              </a:rPr>
+              <a:t> </a:t>
+            </a:r>
+          </a:p>
+          <a:p>
+            <a:endParaRPr lang="en-US" sz="2000" dirty="0">
+              <a:solidFill>
+                <a:schemeClr val="tx1"/>
+              </a:solidFill>
+              <a:latin typeface="Comic Sans MS" panose="030F0902030302020204" pitchFamily="66" charset="0"/>
+            </a:endParaRPr>
+          </a:p>
+          <a:p>
+            <a:r>
+              <a:rPr lang="en-US" sz="2000" dirty="0">
+                <a:solidFill>
+                  <a:schemeClr val="tx1"/>
+                </a:solidFill>
+                <a:latin typeface="Comic Sans MS" panose="030F0902030302020204" pitchFamily="66" charset="0"/>
+                <a:hlinkClick r:id="rId5"/>
+              </a:rPr>
+              <a:t>https://www.kth.se/blogs/pdc/2019/08/parallel-programming-in-python-mpi4py-part-1/</a:t>
+            </a:r>
+            <a:endParaRPr lang="en-US" sz="2000" dirty="0">
+              <a:solidFill>
+                <a:schemeClr val="tx1"/>
+              </a:solidFill>
+              <a:latin typeface="Comic Sans MS" panose="030F0902030302020204" pitchFamily="66" charset="0"/>
+            </a:endParaRPr>
+          </a:p>
+          <a:p>
+            <a:endParaRPr lang="en-US" sz="2000" dirty="0"/>
+          </a:p>
+        </p:txBody>
+      </p:sp>
+    </p:spTree>
+    <p:extLst>
+      <p:ext uri="{BB962C8B-B14F-4D97-AF65-F5344CB8AC3E}">
+        <p14:creationId xmlns:p14="http://schemas.microsoft.com/office/powerpoint/2010/main" val="38040535"/>
+      </p:ext>
+    </p:extLst>
+  </p:cSld>
+  <p:clrMapOvr>
+    <a:masterClrMapping/>
+  </p:clrMapOvr>
+</p:sld>
+</file>
+
 <file path=ppt/slides/slide4.xml><?xml version="1.0" encoding="utf-8"?>
 <p:sld xmlns:a="http://schemas.openxmlformats.org/drawingml/2006/main" xmlns:r="http://schemas.openxmlformats.org/officeDocument/2006/relationships" xmlns:p="http://schemas.openxmlformats.org/presentationml/2006/main" showMasterSp="0">
   <p:cSld>
@@ -28373,7 +29744,7 @@
         </p:blipFill>
         <p:spPr>
           <a:xfrm>
-            <a:off x="385763" y="130868"/>
+            <a:off x="488399" y="160560"/>
             <a:ext cx="11420474" cy="6256961"/>
           </a:xfrm>
           <a:prstGeom prst="rect">
@@ -28383,10 +29754,10 @@
       </p:pic>
       <p:sp>
         <p:nvSpPr>
-          <p:cNvPr id="14" name="Oval 13">
+          <p:cNvPr id="2" name="Rectangle 1">
             <a:extLst>
               <a:ext uri="{FF2B5EF4-FFF2-40B4-BE49-F238E27FC236}">
-                <a16:creationId xmlns:a16="http://schemas.microsoft.com/office/drawing/2014/main" id="{21BF7E37-F505-3AB8-3F16-DB57AF5F8D15}"/>
+                <a16:creationId xmlns:a16="http://schemas.microsoft.com/office/drawing/2014/main" id="{A0797B8A-7BE9-BC6A-8EFA-9E2BB447E8B2}"/>
               </a:ext>
             </a:extLst>
           </p:cNvPr>
@@ -28395,19 +29766,23 @@
         </p:nvSpPr>
         <p:spPr>
           <a:xfrm>
-            <a:off x="2586074" y="3749919"/>
-            <a:ext cx="1719225" cy="1726955"/>
+            <a:off x="5962262" y="2090057"/>
+            <a:ext cx="1520889" cy="1707502"/>
           </a:xfrm>
-          <a:prstGeom prst="ellipse">
+          <a:prstGeom prst="rect">
             <a:avLst/>
           </a:prstGeom>
           <a:noFill/>
-          <a:ln w="25400"/>
+          <a:ln>
+            <a:solidFill>
+              <a:srgbClr val="FF0000"/>
+            </a:solidFill>
+          </a:ln>
         </p:spPr>
         <p:style>
           <a:lnRef idx="2">
             <a:schemeClr val="accent1">
-              <a:shade val="50000"/>
+              <a:shade val="15000"/>
             </a:schemeClr>
           </a:lnRef>
           <a:fillRef idx="1">
@@ -28424,37 +29799,8 @@
           <a:bodyPr rtlCol="0" anchor="ctr"/>
           <a:lstStyle/>
           <a:p>
-            <a:pPr marL="0" marR="0" lvl="0" indent="0" algn="ctr" defTabSz="457200" rtl="0" eaLnBrk="1" fontAlgn="auto" latinLnBrk="0" hangingPunct="1">
-              <a:lnSpc>
-                <a:spcPct val="100000"/>
-              </a:lnSpc>
-              <a:spcBef>
-                <a:spcPts val="0"/>
-              </a:spcBef>
-              <a:spcAft>
-                <a:spcPts val="0"/>
-              </a:spcAft>
-              <a:buClrTx/>
-              <a:buSzTx/>
-              <a:buFontTx/>
-              <a:buNone/>
-              <a:tabLst/>
-              <a:defRPr/>
-            </a:pPr>
-            <a:endParaRPr kumimoji="0" lang="en-US" sz="1800" b="0" i="0" u="none" strike="noStrike" kern="1200" cap="none" spc="0" normalizeH="0" baseline="0" noProof="0">
-              <a:ln>
-                <a:noFill/>
-              </a:ln>
-              <a:solidFill>
-                <a:prstClr val="white"/>
-              </a:solidFill>
-              <a:effectLst/>
-              <a:uLnTx/>
-              <a:uFillTx/>
-              <a:latin typeface="Century Gothic" panose="020B0502020202020204"/>
-              <a:ea typeface="+mn-ea"/>
-              <a:cs typeface="+mn-cs"/>
-            </a:endParaRPr>
+            <a:pPr algn="ctr"/>
+            <a:endParaRPr lang="en-US"/>
           </a:p>
         </p:txBody>
       </p:sp>
@@ -28468,84 +29814,6 @@
   <p:clrMapOvr>
     <a:masterClrMapping/>
   </p:clrMapOvr>
-  <p:timing>
-    <p:tnLst>
-      <p:par>
-        <p:cTn id="1" dur="indefinite" restart="never" nodeType="tmRoot">
-          <p:childTnLst>
-            <p:seq concurrent="1" nextAc="seek">
-              <p:cTn id="2" dur="indefinite" nodeType="mainSeq">
-                <p:childTnLst>
-                  <p:par>
-                    <p:cTn id="3" fill="hold">
-                      <p:stCondLst>
-                        <p:cond delay="indefinite"/>
-                      </p:stCondLst>
-                      <p:childTnLst>
-                        <p:par>
-                          <p:cTn id="4" fill="hold">
-                            <p:stCondLst>
-                              <p:cond delay="0"/>
-                            </p:stCondLst>
-                            <p:childTnLst>
-                              <p:par>
-                                <p:cTn id="5" presetID="1" presetClass="entr" presetSubtype="0" fill="hold" grpId="0" nodeType="clickEffect">
-                                  <p:stCondLst>
-                                    <p:cond delay="0"/>
-                                  </p:stCondLst>
-                                  <p:childTnLst>
-                                    <p:set>
-                                      <p:cBhvr>
-                                        <p:cTn id="6" dur="1" fill="hold">
-                                          <p:stCondLst>
-                                            <p:cond delay="0"/>
-                                          </p:stCondLst>
-                                        </p:cTn>
-                                        <p:tgtEl>
-                                          <p:spTgt spid="14"/>
-                                        </p:tgtEl>
-                                        <p:attrNameLst>
-                                          <p:attrName>style.visibility</p:attrName>
-                                        </p:attrNameLst>
-                                      </p:cBhvr>
-                                      <p:to>
-                                        <p:strVal val="visible"/>
-                                      </p:to>
-                                    </p:set>
-                                  </p:childTnLst>
-                                </p:cTn>
-                              </p:par>
-                            </p:childTnLst>
-                          </p:cTn>
-                        </p:par>
-                      </p:childTnLst>
-                    </p:cTn>
-                  </p:par>
-                </p:childTnLst>
-              </p:cTn>
-              <p:prevCondLst>
-                <p:cond evt="onPrev" delay="0">
-                  <p:tgtEl>
-                    <p:sldTgt/>
-                  </p:tgtEl>
-                </p:cond>
-              </p:prevCondLst>
-              <p:nextCondLst>
-                <p:cond evt="onNext" delay="0">
-                  <p:tgtEl>
-                    <p:sldTgt/>
-                  </p:tgtEl>
-                </p:cond>
-              </p:nextCondLst>
-            </p:seq>
-          </p:childTnLst>
-        </p:cTn>
-      </p:par>
-    </p:tnLst>
-    <p:bldLst>
-      <p:bldP spid="14" grpId="0" animBg="1"/>
-    </p:bldLst>
-  </p:timing>
 </p:sld>
 </file>
 
@@ -28568,10 +29836,10 @@
       </p:grpSpPr>
       <p:pic>
         <p:nvPicPr>
-          <p:cNvPr id="3" name="Picture 2">
+          <p:cNvPr id="6" name="Picture 5">
             <a:extLst>
               <a:ext uri="{FF2B5EF4-FFF2-40B4-BE49-F238E27FC236}">
-                <a16:creationId xmlns:a16="http://schemas.microsoft.com/office/drawing/2014/main" id="{304B8100-DCEE-74E2-3D4C-449234A57C79}"/>
+                <a16:creationId xmlns:a16="http://schemas.microsoft.com/office/drawing/2014/main" id="{D38B26F7-C1CE-D34C-4E8E-CE47358F6070}"/>
               </a:ext>
             </a:extLst>
           </p:cNvPr>
@@ -28588,8 +29856,8 @@
         </p:blipFill>
         <p:spPr>
           <a:xfrm>
-            <a:off x="0" y="438150"/>
-            <a:ext cx="11848166" cy="5218748"/>
+            <a:off x="1480509" y="0"/>
+            <a:ext cx="9230982" cy="6858000"/>
           </a:xfrm>
           <a:prstGeom prst="rect">
             <a:avLst/>
@@ -28598,10 +29866,10 @@
       </p:pic>
       <p:sp>
         <p:nvSpPr>
-          <p:cNvPr id="5" name="Oval 4">
+          <p:cNvPr id="7" name="Rectangle 6">
             <a:extLst>
               <a:ext uri="{FF2B5EF4-FFF2-40B4-BE49-F238E27FC236}">
-                <a16:creationId xmlns:a16="http://schemas.microsoft.com/office/drawing/2014/main" id="{0A9F2F61-C626-D25E-2CC9-AE6FCFCF87E7}"/>
+                <a16:creationId xmlns:a16="http://schemas.microsoft.com/office/drawing/2014/main" id="{6DAC8EA2-7406-BC9B-F2E6-FA8C8A781435}"/>
               </a:ext>
             </a:extLst>
           </p:cNvPr>
@@ -28609,20 +29877,24 @@
           <p:nvPr/>
         </p:nvSpPr>
         <p:spPr>
-          <a:xfrm flipH="1">
-            <a:off x="4514850" y="4381500"/>
-            <a:ext cx="2524125" cy="1114425"/>
+          <a:xfrm>
+            <a:off x="4469363" y="3237721"/>
+            <a:ext cx="5523723" cy="1324947"/>
           </a:xfrm>
-          <a:prstGeom prst="ellipse">
+          <a:prstGeom prst="rect">
             <a:avLst/>
           </a:prstGeom>
           <a:noFill/>
-          <a:ln w="25400"/>
+          <a:ln>
+            <a:solidFill>
+              <a:srgbClr val="FF0000"/>
+            </a:solidFill>
+          </a:ln>
         </p:spPr>
         <p:style>
           <a:lnRef idx="2">
             <a:schemeClr val="accent1">
-              <a:shade val="50000"/>
+              <a:shade val="15000"/>
             </a:schemeClr>
           </a:lnRef>
           <a:fillRef idx="1">
@@ -28639,128 +29911,73 @@
           <a:bodyPr rtlCol="0" anchor="ctr"/>
           <a:lstStyle/>
           <a:p>
-            <a:pPr marL="0" marR="0" lvl="0" indent="0" algn="ctr" defTabSz="457200" rtl="0" eaLnBrk="1" fontAlgn="auto" latinLnBrk="0" hangingPunct="1">
-              <a:lnSpc>
-                <a:spcPct val="100000"/>
-              </a:lnSpc>
-              <a:spcBef>
-                <a:spcPts val="0"/>
-              </a:spcBef>
-              <a:spcAft>
-                <a:spcPts val="0"/>
-              </a:spcAft>
-              <a:buClrTx/>
-              <a:buSzTx/>
-              <a:buFontTx/>
-              <a:buNone/>
-              <a:tabLst/>
-              <a:defRPr/>
-            </a:pPr>
-            <a:endParaRPr kumimoji="0" lang="en-US" sz="1800" b="0" i="0" u="none" strike="noStrike" kern="1200" cap="none" spc="0" normalizeH="0" baseline="0" noProof="0">
-              <a:ln>
-                <a:noFill/>
-              </a:ln>
-              <a:solidFill>
-                <a:prstClr val="white"/>
-              </a:solidFill>
-              <a:effectLst/>
-              <a:uLnTx/>
-              <a:uFillTx/>
-              <a:latin typeface="Century Gothic" panose="020B0502020202020204"/>
-              <a:ea typeface="+mn-ea"/>
-              <a:cs typeface="+mn-cs"/>
-            </a:endParaRPr>
+            <a:pPr algn="ctr"/>
+            <a:endParaRPr lang="en-US"/>
+          </a:p>
+        </p:txBody>
+      </p:sp>
+      <p:sp>
+        <p:nvSpPr>
+          <p:cNvPr id="9" name="Rectangle 8">
+            <a:extLst>
+              <a:ext uri="{FF2B5EF4-FFF2-40B4-BE49-F238E27FC236}">
+                <a16:creationId xmlns:a16="http://schemas.microsoft.com/office/drawing/2014/main" id="{4E8612A5-1D4C-E860-76E7-3C9BB8632D33}"/>
+              </a:ext>
+            </a:extLst>
+          </p:cNvPr>
+          <p:cNvSpPr/>
+          <p:nvPr/>
+        </p:nvSpPr>
+        <p:spPr>
+          <a:xfrm>
+            <a:off x="4469362" y="5514391"/>
+            <a:ext cx="5523723" cy="466531"/>
+          </a:xfrm>
+          <a:prstGeom prst="rect">
+            <a:avLst/>
+          </a:prstGeom>
+          <a:noFill/>
+          <a:ln>
+            <a:solidFill>
+              <a:srgbClr val="FF0000"/>
+            </a:solidFill>
+          </a:ln>
+        </p:spPr>
+        <p:style>
+          <a:lnRef idx="2">
+            <a:schemeClr val="accent1">
+              <a:shade val="15000"/>
+            </a:schemeClr>
+          </a:lnRef>
+          <a:fillRef idx="1">
+            <a:schemeClr val="accent1"/>
+          </a:fillRef>
+          <a:effectRef idx="0">
+            <a:schemeClr val="accent1"/>
+          </a:effectRef>
+          <a:fontRef idx="minor">
+            <a:schemeClr val="lt1"/>
+          </a:fontRef>
+        </p:style>
+        <p:txBody>
+          <a:bodyPr rtlCol="0" anchor="ctr"/>
+          <a:lstStyle/>
+          <a:p>
+            <a:pPr algn="ctr"/>
+            <a:endParaRPr lang="en-US"/>
           </a:p>
         </p:txBody>
       </p:sp>
     </p:spTree>
     <p:extLst>
       <p:ext uri="{BB962C8B-B14F-4D97-AF65-F5344CB8AC3E}">
-        <p14:creationId xmlns:p14="http://schemas.microsoft.com/office/powerpoint/2010/main" val="3905539147"/>
+        <p14:creationId xmlns:p14="http://schemas.microsoft.com/office/powerpoint/2010/main" val="1696240707"/>
       </p:ext>
     </p:extLst>
   </p:cSld>
   <p:clrMapOvr>
     <a:masterClrMapping/>
   </p:clrMapOvr>
-  <p:timing>
-    <p:tnLst>
-      <p:par>
-        <p:cTn id="1" dur="indefinite" restart="never" nodeType="tmRoot">
-          <p:childTnLst>
-            <p:seq concurrent="1" nextAc="seek">
-              <p:cTn id="2" dur="indefinite" nodeType="mainSeq">
-                <p:childTnLst>
-                  <p:par>
-                    <p:cTn id="3" fill="hold">
-                      <p:stCondLst>
-                        <p:cond delay="indefinite"/>
-                      </p:stCondLst>
-                      <p:childTnLst>
-                        <p:par>
-                          <p:cTn id="4" fill="hold">
-                            <p:stCondLst>
-                              <p:cond delay="0"/>
-                            </p:stCondLst>
-                            <p:childTnLst>
-                              <p:par>
-                                <p:cTn id="5" presetID="1" presetClass="entr" presetSubtype="0" fill="hold" grpId="0" nodeType="clickEffect">
-                                  <p:stCondLst>
-                                    <p:cond delay="0"/>
-                                  </p:stCondLst>
-                                  <p:childTnLst>
-                                    <p:set>
-                                      <p:cBhvr>
-                                        <p:cTn id="6" dur="1" fill="hold">
-                                          <p:stCondLst>
-                                            <p:cond delay="0"/>
-                                          </p:stCondLst>
-                                        </p:cTn>
-                                        <p:tgtEl>
-                                          <p:spTgt spid="5"/>
-                                        </p:tgtEl>
-                                        <p:attrNameLst>
-                                          <p:attrName>style.visibility</p:attrName>
-                                        </p:attrNameLst>
-                                      </p:cBhvr>
-                                      <p:to>
-                                        <p:strVal val="visible"/>
-                                      </p:to>
-                                    </p:set>
-                                  </p:childTnLst>
-                                </p:cTn>
-                              </p:par>
-                            </p:childTnLst>
-                          </p:cTn>
-                        </p:par>
-                      </p:childTnLst>
-                    </p:cTn>
-                  </p:par>
-                </p:childTnLst>
-              </p:cTn>
-              <p:prevCondLst>
-                <p:cond evt="onPrev" delay="0">
-                  <p:tgtEl>
-                    <p:sldTgt/>
-                  </p:tgtEl>
-                </p:cond>
-              </p:prevCondLst>
-              <p:nextCondLst>
-                <p:cond evt="onNext" delay="0">
-                  <p:tgtEl>
-                    <p:sldTgt/>
-                  </p:tgtEl>
-                </p:cond>
-              </p:nextCondLst>
-            </p:seq>
-          </p:childTnLst>
-        </p:cTn>
-      </p:par>
-    </p:tnLst>
-    <p:bldLst>
-      <p:bldP spid="5" grpId="0" animBg="1"/>
-    </p:bldLst>
-  </p:timing>
 </p:sld>
 </file>
 
@@ -28781,89 +29998,12 @@
           <a:chExt cx="0" cy="0"/>
         </a:xfrm>
       </p:grpSpPr>
-      <p:sp>
-        <p:nvSpPr>
-          <p:cNvPr id="5" name="Oval 4">
+      <p:pic>
+        <p:nvPicPr>
+          <p:cNvPr id="3" name="Picture 2">
             <a:extLst>
               <a:ext uri="{FF2B5EF4-FFF2-40B4-BE49-F238E27FC236}">
-                <a16:creationId xmlns:a16="http://schemas.microsoft.com/office/drawing/2014/main" id="{0A9F2F61-C626-D25E-2CC9-AE6FCFCF87E7}"/>
-              </a:ext>
-            </a:extLst>
-          </p:cNvPr>
-          <p:cNvSpPr/>
-          <p:nvPr/>
-        </p:nvSpPr>
-        <p:spPr>
-          <a:xfrm flipH="1">
-            <a:off x="4514850" y="4381500"/>
-            <a:ext cx="2524125" cy="1114425"/>
-          </a:xfrm>
-          <a:prstGeom prst="ellipse">
-            <a:avLst/>
-          </a:prstGeom>
-          <a:noFill/>
-          <a:ln w="25400"/>
-        </p:spPr>
-        <p:style>
-          <a:lnRef idx="2">
-            <a:schemeClr val="accent1">
-              <a:shade val="50000"/>
-            </a:schemeClr>
-          </a:lnRef>
-          <a:fillRef idx="1">
-            <a:schemeClr val="accent1"/>
-          </a:fillRef>
-          <a:effectRef idx="0">
-            <a:schemeClr val="accent1"/>
-          </a:effectRef>
-          <a:fontRef idx="minor">
-            <a:schemeClr val="lt1"/>
-          </a:fontRef>
-        </p:style>
-        <p:txBody>
-          <a:bodyPr rtlCol="0" anchor="ctr"/>
-          <a:lstStyle/>
-          <a:p>
-            <a:pPr marL="0" marR="0" lvl="0" indent="0" algn="ctr" defTabSz="457200" rtl="0" eaLnBrk="1" fontAlgn="auto" latinLnBrk="0" hangingPunct="1">
-              <a:lnSpc>
-                <a:spcPct val="100000"/>
-              </a:lnSpc>
-              <a:spcBef>
-                <a:spcPts val="0"/>
-              </a:spcBef>
-              <a:spcAft>
-                <a:spcPts val="0"/>
-              </a:spcAft>
-              <a:buClrTx/>
-              <a:buSzTx/>
-              <a:buFontTx/>
-              <a:buNone/>
-              <a:tabLst/>
-              <a:defRPr/>
-            </a:pPr>
-            <a:endParaRPr kumimoji="0" lang="en-US" sz="1800" b="0" i="0" u="none" strike="noStrike" kern="1200" cap="none" spc="0" normalizeH="0" baseline="0" noProof="0">
-              <a:ln>
-                <a:noFill/>
-              </a:ln>
-              <a:solidFill>
-                <a:prstClr val="white"/>
-              </a:solidFill>
-              <a:effectLst/>
-              <a:uLnTx/>
-              <a:uFillTx/>
-              <a:latin typeface="Century Gothic" panose="020B0502020202020204"/>
-              <a:ea typeface="+mn-ea"/>
-              <a:cs typeface="+mn-cs"/>
-            </a:endParaRPr>
-          </a:p>
-        </p:txBody>
-      </p:sp>
-      <p:pic>
-        <p:nvPicPr>
-          <p:cNvPr id="4" name="Picture 3">
-            <a:extLst>
-              <a:ext uri="{FF2B5EF4-FFF2-40B4-BE49-F238E27FC236}">
-                <a16:creationId xmlns:a16="http://schemas.microsoft.com/office/drawing/2014/main" id="{1521CCAA-3825-5789-39B7-698C72F01CCB}"/>
+                <a16:creationId xmlns:a16="http://schemas.microsoft.com/office/drawing/2014/main" id="{0D8654C3-36C3-01B7-BB94-251FC9B4B2A7}"/>
               </a:ext>
             </a:extLst>
           </p:cNvPr>
@@ -28880,8 +30020,8 @@
         </p:blipFill>
         <p:spPr>
           <a:xfrm>
-            <a:off x="0" y="160962"/>
-            <a:ext cx="12192000" cy="6536075"/>
+            <a:off x="0" y="1285945"/>
+            <a:ext cx="12192000" cy="4286110"/>
           </a:xfrm>
           <a:prstGeom prst="rect">
             <a:avLst/>
@@ -28890,10 +30030,10 @@
       </p:pic>
       <p:sp>
         <p:nvSpPr>
-          <p:cNvPr id="6" name="Oval 5">
+          <p:cNvPr id="4" name="Rectangle 3">
             <a:extLst>
               <a:ext uri="{FF2B5EF4-FFF2-40B4-BE49-F238E27FC236}">
-                <a16:creationId xmlns:a16="http://schemas.microsoft.com/office/drawing/2014/main" id="{82A37F63-E95C-8DD1-E0D8-BBE02F0EA819}"/>
+                <a16:creationId xmlns:a16="http://schemas.microsoft.com/office/drawing/2014/main" id="{44DC47BD-A883-85EC-5A07-3430376A418D}"/>
               </a:ext>
             </a:extLst>
           </p:cNvPr>
@@ -28901,20 +30041,24 @@
           <p:nvPr/>
         </p:nvSpPr>
         <p:spPr>
-          <a:xfrm flipH="1">
-            <a:off x="1323974" y="1504950"/>
-            <a:ext cx="1590674" cy="1571625"/>
+          <a:xfrm>
+            <a:off x="3088433" y="4609321"/>
+            <a:ext cx="2211355" cy="634483"/>
           </a:xfrm>
-          <a:prstGeom prst="ellipse">
+          <a:prstGeom prst="rect">
             <a:avLst/>
           </a:prstGeom>
           <a:noFill/>
-          <a:ln w="25400"/>
+          <a:ln>
+            <a:solidFill>
+              <a:srgbClr val="FF0000"/>
+            </a:solidFill>
+          </a:ln>
         </p:spPr>
         <p:style>
           <a:lnRef idx="2">
             <a:schemeClr val="accent1">
-              <a:shade val="50000"/>
+              <a:shade val="15000"/>
             </a:schemeClr>
           </a:lnRef>
           <a:fillRef idx="1">
@@ -28931,178 +30075,85 @@
           <a:bodyPr rtlCol="0" anchor="ctr"/>
           <a:lstStyle/>
           <a:p>
-            <a:pPr marL="0" marR="0" lvl="0" indent="0" algn="ctr" defTabSz="457200" rtl="0" eaLnBrk="1" fontAlgn="auto" latinLnBrk="0" hangingPunct="1">
-              <a:lnSpc>
-                <a:spcPct val="100000"/>
-              </a:lnSpc>
-              <a:spcBef>
-                <a:spcPts val="0"/>
-              </a:spcBef>
-              <a:spcAft>
-                <a:spcPts val="0"/>
-              </a:spcAft>
-              <a:buClrTx/>
-              <a:buSzTx/>
-              <a:buFontTx/>
-              <a:buNone/>
-              <a:tabLst/>
-              <a:defRPr/>
-            </a:pPr>
-            <a:endParaRPr kumimoji="0" lang="en-US" sz="1800" b="0" i="0" u="none" strike="noStrike" kern="1200" cap="none" spc="0" normalizeH="0" baseline="0" noProof="0">
-              <a:ln>
-                <a:noFill/>
-              </a:ln>
-              <a:solidFill>
-                <a:prstClr val="white"/>
-              </a:solidFill>
-              <a:effectLst/>
-              <a:uLnTx/>
-              <a:uFillTx/>
-              <a:latin typeface="Century Gothic" panose="020B0502020202020204"/>
-              <a:ea typeface="+mn-ea"/>
-              <a:cs typeface="+mn-cs"/>
-            </a:endParaRPr>
+            <a:pPr algn="ctr"/>
+            <a:endParaRPr lang="en-US"/>
           </a:p>
         </p:txBody>
       </p:sp>
     </p:spTree>
     <p:extLst>
       <p:ext uri="{BB962C8B-B14F-4D97-AF65-F5344CB8AC3E}">
-        <p14:creationId xmlns:p14="http://schemas.microsoft.com/office/powerpoint/2010/main" val="3098136725"/>
+        <p14:creationId xmlns:p14="http://schemas.microsoft.com/office/powerpoint/2010/main" val="1124136769"/>
       </p:ext>
     </p:extLst>
   </p:cSld>
   <p:clrMapOvr>
     <a:masterClrMapping/>
   </p:clrMapOvr>
-  <p:timing>
-    <p:tnLst>
-      <p:par>
-        <p:cTn id="1" dur="indefinite" restart="never" nodeType="tmRoot">
-          <p:childTnLst>
-            <p:seq concurrent="1" nextAc="seek">
-              <p:cTn id="2" dur="indefinite" nodeType="mainSeq">
-                <p:childTnLst>
-                  <p:par>
-                    <p:cTn id="3" fill="hold">
-                      <p:stCondLst>
-                        <p:cond delay="indefinite"/>
-                      </p:stCondLst>
-                      <p:childTnLst>
-                        <p:par>
-                          <p:cTn id="4" fill="hold">
-                            <p:stCondLst>
-                              <p:cond delay="0"/>
-                            </p:stCondLst>
-                            <p:childTnLst>
-                              <p:par>
-                                <p:cTn id="5" presetID="1" presetClass="entr" presetSubtype="0" fill="hold" grpId="0" nodeType="clickEffect">
-                                  <p:stCondLst>
-                                    <p:cond delay="0"/>
-                                  </p:stCondLst>
-                                  <p:childTnLst>
-                                    <p:set>
-                                      <p:cBhvr>
-                                        <p:cTn id="6" dur="1" fill="hold">
-                                          <p:stCondLst>
-                                            <p:cond delay="0"/>
-                                          </p:stCondLst>
-                                        </p:cTn>
-                                        <p:tgtEl>
-                                          <p:spTgt spid="5"/>
-                                        </p:tgtEl>
-                                        <p:attrNameLst>
-                                          <p:attrName>style.visibility</p:attrName>
-                                        </p:attrNameLst>
-                                      </p:cBhvr>
-                                      <p:to>
-                                        <p:strVal val="visible"/>
-                                      </p:to>
-                                    </p:set>
-                                  </p:childTnLst>
-                                </p:cTn>
-                              </p:par>
-                            </p:childTnLst>
-                          </p:cTn>
-                        </p:par>
-                      </p:childTnLst>
-                    </p:cTn>
-                  </p:par>
-                  <p:par>
-                    <p:cTn id="7" fill="hold">
-                      <p:stCondLst>
-                        <p:cond delay="indefinite"/>
-                      </p:stCondLst>
-                      <p:childTnLst>
-                        <p:par>
-                          <p:cTn id="8" fill="hold">
-                            <p:stCondLst>
-                              <p:cond delay="0"/>
-                            </p:stCondLst>
-                            <p:childTnLst>
-                              <p:par>
-                                <p:cTn id="9" presetID="1" presetClass="entr" presetSubtype="0" fill="hold" grpId="0" nodeType="clickEffect">
-                                  <p:stCondLst>
-                                    <p:cond delay="0"/>
-                                  </p:stCondLst>
-                                  <p:childTnLst>
-                                    <p:set>
-                                      <p:cBhvr>
-                                        <p:cTn id="10" dur="1" fill="hold">
-                                          <p:stCondLst>
-                                            <p:cond delay="0"/>
-                                          </p:stCondLst>
-                                        </p:cTn>
-                                        <p:tgtEl>
-                                          <p:spTgt spid="6"/>
-                                        </p:tgtEl>
-                                        <p:attrNameLst>
-                                          <p:attrName>style.visibility</p:attrName>
-                                        </p:attrNameLst>
-                                      </p:cBhvr>
-                                      <p:to>
-                                        <p:strVal val="visible"/>
-                                      </p:to>
-                                    </p:set>
-                                  </p:childTnLst>
-                                </p:cTn>
-                              </p:par>
-                            </p:childTnLst>
-                          </p:cTn>
-                        </p:par>
-                      </p:childTnLst>
-                    </p:cTn>
-                  </p:par>
-                </p:childTnLst>
-              </p:cTn>
-              <p:prevCondLst>
-                <p:cond evt="onPrev" delay="0">
-                  <p:tgtEl>
-                    <p:sldTgt/>
-                  </p:tgtEl>
-                </p:cond>
-              </p:prevCondLst>
-              <p:nextCondLst>
-                <p:cond evt="onNext" delay="0">
-                  <p:tgtEl>
-                    <p:sldTgt/>
-                  </p:tgtEl>
-                </p:cond>
-              </p:nextCondLst>
-            </p:seq>
-          </p:childTnLst>
-        </p:cTn>
-      </p:par>
-    </p:tnLst>
-    <p:bldLst>
-      <p:bldP spid="5" grpId="0" animBg="1"/>
-      <p:bldP spid="6" grpId="0" animBg="1"/>
-    </p:bldLst>
-  </p:timing>
 </p:sld>
 </file>
 
 <file path=ppt/slides/slide7.xml><?xml version="1.0" encoding="utf-8"?>
+<p:sld xmlns:a="http://schemas.openxmlformats.org/drawingml/2006/main" xmlns:r="http://schemas.openxmlformats.org/officeDocument/2006/relationships" xmlns:p="http://schemas.openxmlformats.org/presentationml/2006/main">
+  <p:cSld>
+    <p:spTree>
+      <p:nvGrpSpPr>
+        <p:cNvPr id="1" name=""/>
+        <p:cNvGrpSpPr/>
+        <p:nvPr/>
+      </p:nvGrpSpPr>
+      <p:grpSpPr>
+        <a:xfrm>
+          <a:off x="0" y="0"/>
+          <a:ext cx="0" cy="0"/>
+          <a:chOff x="0" y="0"/>
+          <a:chExt cx="0" cy="0"/>
+        </a:xfrm>
+      </p:grpSpPr>
+      <p:pic>
+        <p:nvPicPr>
+          <p:cNvPr id="5" name="Picture 4">
+            <a:extLst>
+              <a:ext uri="{FF2B5EF4-FFF2-40B4-BE49-F238E27FC236}">
+                <a16:creationId xmlns:a16="http://schemas.microsoft.com/office/drawing/2014/main" id="{7EF80AD4-4659-3303-7CD1-5EC3D49C983A}"/>
+              </a:ext>
+            </a:extLst>
+          </p:cNvPr>
+          <p:cNvPicPr>
+            <a:picLocks noChangeAspect="1"/>
+          </p:cNvPicPr>
+          <p:nvPr/>
+        </p:nvPicPr>
+        <p:blipFill>
+          <a:blip r:embed="rId2"/>
+          <a:stretch>
+            <a:fillRect/>
+          </a:stretch>
+        </p:blipFill>
+        <p:spPr>
+          <a:xfrm>
+            <a:off x="0" y="542797"/>
+            <a:ext cx="12192000" cy="5772406"/>
+          </a:xfrm>
+          <a:prstGeom prst="rect">
+            <a:avLst/>
+          </a:prstGeom>
+        </p:spPr>
+      </p:pic>
+    </p:spTree>
+    <p:extLst>
+      <p:ext uri="{BB962C8B-B14F-4D97-AF65-F5344CB8AC3E}">
+        <p14:creationId xmlns:p14="http://schemas.microsoft.com/office/powerpoint/2010/main" val="1025441373"/>
+      </p:ext>
+    </p:extLst>
+  </p:cSld>
+  <p:clrMapOvr>
+    <a:masterClrMapping/>
+  </p:clrMapOvr>
+</p:sld>
+</file>
+
+<file path=ppt/slides/slide8.xml><?xml version="1.0" encoding="utf-8"?>
 <p:sld xmlns:a="http://schemas.openxmlformats.org/drawingml/2006/main" xmlns:r="http://schemas.openxmlformats.org/officeDocument/2006/relationships" xmlns:p="http://schemas.openxmlformats.org/presentationml/2006/main" showMasterSp="0">
   <p:cSld>
     <p:spTree>
@@ -29223,10 +30274,51 @@
               </a:rPr>
               <a:t>https://github.com/krishnaa423/parallel_tutorial.git</a:t>
             </a:r>
+            <a:endParaRPr lang="en-US" sz="2000" dirty="0"/>
+          </a:p>
+          <a:p>
             <a:r>
               <a:rPr lang="en-US" sz="2000" dirty="0"/>
-              <a:t> </a:t>
-            </a:r>
+              <a:t>cd </a:t>
+            </a:r>
+            <a:r>
+              <a:rPr lang="en-US" sz="2000" dirty="0" err="1"/>
+              <a:t>parallel_tutorial</a:t>
+            </a:r>
+            <a:endParaRPr lang="en-US" sz="2000" dirty="0"/>
+          </a:p>
+          <a:p>
+            <a:r>
+              <a:rPr lang="en-US" sz="2000" dirty="0"/>
+              <a:t>source ./setup_script.sh</a:t>
+            </a:r>
+          </a:p>
+          <a:p>
+            <a:r>
+              <a:rPr lang="en-US" sz="2000" dirty="0" err="1"/>
+              <a:t>jupyter</a:t>
+            </a:r>
+            <a:r>
+              <a:rPr lang="en-US" sz="2000" dirty="0"/>
+              <a:t> lab </a:t>
+            </a:r>
+          </a:p>
+          <a:p>
+            <a:r>
+              <a:rPr lang="en-US" sz="2000" dirty="0"/>
+              <a:t>----</a:t>
+            </a:r>
+          </a:p>
+          <a:p>
+            <a:r>
+              <a:rPr lang="en-US" sz="2000" dirty="0"/>
+              <a:t>Then click </a:t>
+            </a:r>
+            <a:r>
+              <a:rPr lang="en-US" sz="2000" i="1" dirty="0" err="1"/>
+              <a:t>Tutorial.ipynb</a:t>
+            </a:r>
+            <a:endParaRPr lang="en-US" sz="2000" dirty="0"/>
           </a:p>
         </p:txBody>
       </p:sp>
@@ -29243,352 +30335,8 @@
 </p:sld>
 </file>
 
-<file path=ppt/slides/slide8.xml><?xml version="1.0" encoding="utf-8"?>
+<file path=ppt/slides/slide9.xml><?xml version="1.0" encoding="utf-8"?>
 <p:sld xmlns:a="http://schemas.openxmlformats.org/drawingml/2006/main" xmlns:r="http://schemas.openxmlformats.org/officeDocument/2006/relationships" xmlns:p="http://schemas.openxmlformats.org/presentationml/2006/main">
-  <p:cSld>
-    <p:spTree>
-      <p:nvGrpSpPr>
-        <p:cNvPr id="1" name=""/>
-        <p:cNvGrpSpPr/>
-        <p:nvPr/>
-      </p:nvGrpSpPr>
-      <p:grpSpPr>
-        <a:xfrm>
-          <a:off x="0" y="0"/>
-          <a:ext cx="0" cy="0"/>
-          <a:chOff x="0" y="0"/>
-          <a:chExt cx="0" cy="0"/>
-        </a:xfrm>
-      </p:grpSpPr>
-      <p:pic>
-        <p:nvPicPr>
-          <p:cNvPr id="5" name="Picture 4" descr="Graphical user interface, website&#10;&#10;Description automatically generated">
-            <a:extLst>
-              <a:ext uri="{FF2B5EF4-FFF2-40B4-BE49-F238E27FC236}">
-                <a16:creationId xmlns:a16="http://schemas.microsoft.com/office/drawing/2014/main" id="{2909676A-0CB4-7446-B75C-6D709974ADF1}"/>
-              </a:ext>
-            </a:extLst>
-          </p:cNvPr>
-          <p:cNvPicPr>
-            <a:picLocks noChangeAspect="1"/>
-          </p:cNvPicPr>
-          <p:nvPr/>
-        </p:nvPicPr>
-        <p:blipFill rotWithShape="1">
-          <a:blip r:embed="rId3"/>
-          <a:srcRect l="11442" r="17116" b="24703"/>
-          <a:stretch/>
-        </p:blipFill>
-        <p:spPr>
-          <a:xfrm>
-            <a:off x="5345638" y="1043352"/>
-            <a:ext cx="6846362" cy="3710354"/>
-          </a:xfrm>
-          <a:prstGeom prst="rect">
-            <a:avLst/>
-          </a:prstGeom>
-        </p:spPr>
-      </p:pic>
-      <p:sp>
-        <p:nvSpPr>
-          <p:cNvPr id="2" name="Title 1">
-            <a:extLst>
-              <a:ext uri="{FF2B5EF4-FFF2-40B4-BE49-F238E27FC236}">
-                <a16:creationId xmlns:a16="http://schemas.microsoft.com/office/drawing/2014/main" id="{3A285C21-2361-3442-8CF6-E289EC65F592}"/>
-              </a:ext>
-            </a:extLst>
-          </p:cNvPr>
-          <p:cNvSpPr>
-            <a:spLocks noGrp="1"/>
-          </p:cNvSpPr>
-          <p:nvPr>
-            <p:ph type="title"/>
-          </p:nvPr>
-        </p:nvSpPr>
-        <p:spPr>
-          <a:xfrm>
-            <a:off x="1289642" y="329009"/>
-            <a:ext cx="8911687" cy="1280890"/>
-          </a:xfrm>
-        </p:spPr>
-        <p:txBody>
-          <a:bodyPr/>
-          <a:lstStyle/>
-          <a:p>
-            <a:pPr algn="ctr"/>
-            <a:r>
-              <a:rPr lang="en-US" dirty="0">
-                <a:solidFill>
-                  <a:schemeClr val="tx1">
-                    <a:lumMod val="75000"/>
-                    <a:lumOff val="25000"/>
-                  </a:schemeClr>
-                </a:solidFill>
-                <a:latin typeface="Verdana" panose="020B0604030504040204" pitchFamily="34" charset="0"/>
-                <a:ea typeface="Verdana" panose="020B0604030504040204" pitchFamily="34" charset="0"/>
-                <a:cs typeface="Verdana" panose="020B0604030504040204" pitchFamily="34" charset="0"/>
-              </a:rPr>
-              <a:t>PYTHON </a:t>
-            </a:r>
-          </a:p>
-        </p:txBody>
-      </p:sp>
-      <p:sp>
-        <p:nvSpPr>
-          <p:cNvPr id="3" name="Content Placeholder 2">
-            <a:extLst>
-              <a:ext uri="{FF2B5EF4-FFF2-40B4-BE49-F238E27FC236}">
-                <a16:creationId xmlns:a16="http://schemas.microsoft.com/office/drawing/2014/main" id="{A1DB5512-87E1-B445-B644-8B92BA4F942C}"/>
-              </a:ext>
-            </a:extLst>
-          </p:cNvPr>
-          <p:cNvSpPr>
-            <a:spLocks noGrp="1"/>
-          </p:cNvSpPr>
-          <p:nvPr>
-            <p:ph idx="1"/>
-          </p:nvPr>
-        </p:nvSpPr>
-        <p:spPr>
-          <a:xfrm>
-            <a:off x="581736" y="1329171"/>
-            <a:ext cx="8915400" cy="3777622"/>
-          </a:xfrm>
-        </p:spPr>
-        <p:txBody>
-          <a:bodyPr>
-            <a:noAutofit/>
-          </a:bodyPr>
-          <a:lstStyle/>
-          <a:p>
-            <a:r>
-              <a:rPr lang="en-US" sz="2000" dirty="0">
-                <a:solidFill>
-                  <a:schemeClr val="tx1"/>
-                </a:solidFill>
-                <a:latin typeface="Comic Sans MS" panose="030F0902030302020204" pitchFamily="66" charset="0"/>
-              </a:rPr>
-              <a:t>Scripting language</a:t>
-            </a:r>
-          </a:p>
-          <a:p>
-            <a:r>
-              <a:rPr lang="en-US" sz="2000" dirty="0">
-                <a:solidFill>
-                  <a:schemeClr val="tx1"/>
-                </a:solidFill>
-                <a:latin typeface="Comic Sans MS" panose="030F0902030302020204" pitchFamily="66" charset="0"/>
-              </a:rPr>
-              <a:t>Object-oriented</a:t>
-            </a:r>
-          </a:p>
-          <a:p>
-            <a:r>
-              <a:rPr lang="en-US" sz="2000" dirty="0">
-                <a:solidFill>
-                  <a:schemeClr val="tx1"/>
-                </a:solidFill>
-                <a:latin typeface="Comic Sans MS" panose="030F0902030302020204" pitchFamily="66" charset="0"/>
-              </a:rPr>
-              <a:t>Easy to read, friendly design</a:t>
-            </a:r>
-            <a:endParaRPr lang="en-US" sz="2000" dirty="0">
-              <a:solidFill>
-                <a:schemeClr val="tx1"/>
-              </a:solidFill>
-              <a:latin typeface="Monaco" pitchFamily="2" charset="77"/>
-            </a:endParaRPr>
-          </a:p>
-          <a:p>
-            <a:pPr marL="0" indent="0">
-              <a:buNone/>
-            </a:pPr>
-            <a:r>
-              <a:rPr lang="en-US" sz="2000" dirty="0">
-                <a:solidFill>
-                  <a:schemeClr val="accent1"/>
-                </a:solidFill>
-                <a:latin typeface="Monaco" pitchFamily="2" charset="77"/>
-              </a:rPr>
-              <a:t>[Terminal] python</a:t>
-            </a:r>
-          </a:p>
-          <a:p>
-            <a:pPr marL="0" indent="0">
-              <a:buNone/>
-            </a:pPr>
-            <a:r>
-              <a:rPr lang="en-US" sz="2000" dirty="0">
-                <a:solidFill>
-                  <a:schemeClr val="accent1"/>
-                </a:solidFill>
-                <a:latin typeface="Monaco" pitchFamily="2" charset="77"/>
-              </a:rPr>
-              <a:t>&gt;&gt;&gt; a = 2</a:t>
-            </a:r>
-          </a:p>
-          <a:p>
-            <a:pPr marL="0" indent="0">
-              <a:buNone/>
-            </a:pPr>
-            <a:r>
-              <a:rPr lang="en-US" sz="2000" dirty="0">
-                <a:solidFill>
-                  <a:schemeClr val="accent1"/>
-                </a:solidFill>
-                <a:latin typeface="Monaco" pitchFamily="2" charset="77"/>
-              </a:rPr>
-              <a:t>&gt;&gt;&gt; b = 3</a:t>
-            </a:r>
-          </a:p>
-          <a:p>
-            <a:pPr marL="0" indent="0">
-              <a:buNone/>
-            </a:pPr>
-            <a:r>
-              <a:rPr lang="en-US" sz="2000" dirty="0">
-                <a:solidFill>
-                  <a:schemeClr val="accent1"/>
-                </a:solidFill>
-                <a:latin typeface="Monaco" pitchFamily="2" charset="77"/>
-              </a:rPr>
-              <a:t>&gt;&gt;&gt; c = a + b</a:t>
-            </a:r>
-          </a:p>
-          <a:p>
-            <a:pPr marL="0" indent="0">
-              <a:buNone/>
-            </a:pPr>
-            <a:r>
-              <a:rPr lang="en-US" sz="2000" dirty="0">
-                <a:solidFill>
-                  <a:schemeClr val="accent1"/>
-                </a:solidFill>
-                <a:latin typeface="Monaco" pitchFamily="2" charset="77"/>
-              </a:rPr>
-              <a:t>&gt;&gt;&gt; c</a:t>
-            </a:r>
-          </a:p>
-          <a:p>
-            <a:pPr marL="0" indent="0">
-              <a:buNone/>
-            </a:pPr>
-            <a:r>
-              <a:rPr lang="en-US" sz="2000" dirty="0">
-                <a:solidFill>
-                  <a:schemeClr val="accent1"/>
-                </a:solidFill>
-                <a:latin typeface="Monaco" pitchFamily="2" charset="77"/>
-              </a:rPr>
-              <a:t>5</a:t>
-            </a:r>
-            <a:endParaRPr lang="en-US" sz="2000" dirty="0">
-              <a:solidFill>
-                <a:schemeClr val="tx1"/>
-              </a:solidFill>
-              <a:latin typeface="Monaco" pitchFamily="2" charset="77"/>
-            </a:endParaRPr>
-          </a:p>
-          <a:p>
-            <a:r>
-              <a:rPr lang="en-US" sz="2000" dirty="0">
-                <a:solidFill>
-                  <a:schemeClr val="tx1"/>
-                </a:solidFill>
-                <a:latin typeface="Comic Sans MS" panose="030F0902030302020204" pitchFamily="66" charset="0"/>
-              </a:rPr>
-              <a:t>We can also write the above code in a file </a:t>
-            </a:r>
-            <a:r>
-              <a:rPr lang="en-US" sz="2000" dirty="0" err="1">
-                <a:solidFill>
-                  <a:schemeClr val="accent1"/>
-                </a:solidFill>
-                <a:latin typeface="Monaco" pitchFamily="2" charset="77"/>
-              </a:rPr>
-              <a:t>sum.py</a:t>
-            </a:r>
-            <a:endParaRPr lang="en-US" sz="2000" dirty="0">
-              <a:solidFill>
-                <a:schemeClr val="accent1"/>
-              </a:solidFill>
-              <a:latin typeface="Monaco" pitchFamily="2" charset="77"/>
-            </a:endParaRPr>
-          </a:p>
-          <a:p>
-            <a:r>
-              <a:rPr lang="en-US" sz="2000" dirty="0">
-                <a:solidFill>
-                  <a:schemeClr val="tx1"/>
-                </a:solidFill>
-                <a:latin typeface="Comic Sans MS" panose="030F0902030302020204" pitchFamily="66" charset="0"/>
-              </a:rPr>
-              <a:t>then run it as</a:t>
-            </a:r>
-          </a:p>
-          <a:p>
-            <a:pPr marL="0" indent="0">
-              <a:buNone/>
-            </a:pPr>
-            <a:r>
-              <a:rPr lang="en-US" sz="2000" dirty="0">
-                <a:solidFill>
-                  <a:schemeClr val="accent1"/>
-                </a:solidFill>
-                <a:latin typeface="Monaco" pitchFamily="2" charset="77"/>
-              </a:rPr>
-              <a:t>[Terminal] python </a:t>
-            </a:r>
-            <a:r>
-              <a:rPr lang="en-US" sz="2000" dirty="0" err="1">
-                <a:solidFill>
-                  <a:schemeClr val="accent1"/>
-                </a:solidFill>
-                <a:latin typeface="Monaco" pitchFamily="2" charset="77"/>
-              </a:rPr>
-              <a:t>sum.py</a:t>
-            </a:r>
-            <a:endParaRPr lang="en-US" sz="2000" dirty="0">
-              <a:solidFill>
-                <a:schemeClr val="accent1"/>
-              </a:solidFill>
-              <a:latin typeface="Monaco" pitchFamily="2" charset="77"/>
-            </a:endParaRPr>
-          </a:p>
-          <a:p>
-            <a:pPr marL="0" indent="0">
-              <a:buNone/>
-            </a:pPr>
-            <a:r>
-              <a:rPr lang="en-US" sz="2000" dirty="0">
-                <a:solidFill>
-                  <a:schemeClr val="tx1"/>
-                </a:solidFill>
-                <a:latin typeface="Comic Sans MS" panose="030F0902030302020204" pitchFamily="66" charset="0"/>
-              </a:rPr>
-              <a:t>  </a:t>
-            </a:r>
-          </a:p>
-          <a:p>
-            <a:endParaRPr lang="en-US" sz="2000" dirty="0"/>
-          </a:p>
-        </p:txBody>
-      </p:sp>
-    </p:spTree>
-    <p:extLst>
-      <p:ext uri="{BB962C8B-B14F-4D97-AF65-F5344CB8AC3E}">
-        <p14:creationId xmlns:p14="http://schemas.microsoft.com/office/powerpoint/2010/main" val="4157713297"/>
-      </p:ext>
-    </p:extLst>
-  </p:cSld>
-  <p:clrMapOvr>
-    <a:masterClrMapping/>
-  </p:clrMapOvr>
-</p:sld>
-</file>
-
-<file path=ppt/slides/slide9.xml><?xml version="1.0" encoding="utf-8"?>
-<p:sld xmlns:a="http://schemas.openxmlformats.org/drawingml/2006/main" xmlns:r="http://schemas.openxmlformats.org/officeDocument/2006/relationships" xmlns:p="http://schemas.openxmlformats.org/presentationml/2006/main" showMasterSp="0">
   <p:cSld>
     <p:spTree>
       <p:nvGrpSpPr>
@@ -29606,10 +30354,10 @@
       </p:grpSpPr>
       <p:sp>
         <p:nvSpPr>
-          <p:cNvPr id="2" name="Title 1">
+          <p:cNvPr id="5" name="Title 4">
             <a:extLst>
               <a:ext uri="{FF2B5EF4-FFF2-40B4-BE49-F238E27FC236}">
-                <a16:creationId xmlns:a16="http://schemas.microsoft.com/office/drawing/2014/main" id="{3A285C21-2361-3442-8CF6-E289EC65F592}"/>
+                <a16:creationId xmlns:a16="http://schemas.microsoft.com/office/drawing/2014/main" id="{2EA9C17B-05DB-4A7E-26D3-C79AC21AC8CF}"/>
               </a:ext>
             </a:extLst>
           </p:cNvPr>
@@ -29620,45 +30368,21 @@
             <p:ph type="title"/>
           </p:nvPr>
         </p:nvSpPr>
-        <p:spPr>
-          <a:xfrm>
-            <a:off x="1289642" y="463825"/>
-            <a:ext cx="8911687" cy="1280890"/>
-          </a:xfrm>
-        </p:spPr>
+        <p:spPr/>
         <p:txBody>
           <a:bodyPr/>
           <a:lstStyle/>
           <a:p>
-            <a:pPr algn="ctr"/>
-            <a:r>
-              <a:rPr lang="en-US" dirty="0">
-                <a:latin typeface="Verdana" panose="020B0604030504040204" pitchFamily="34" charset="0"/>
-                <a:ea typeface="Verdana" panose="020B0604030504040204" pitchFamily="34" charset="0"/>
-                <a:cs typeface="Verdana" panose="020B0604030504040204" pitchFamily="34" charset="0"/>
-              </a:rPr>
-              <a:t>EXAMPLE 1 (PYTHON)</a:t>
-            </a:r>
-            <a:endParaRPr lang="en-US" dirty="0">
-              <a:solidFill>
-                <a:schemeClr val="tx1">
-                  <a:lumMod val="75000"/>
-                  <a:lumOff val="25000"/>
-                </a:schemeClr>
-              </a:solidFill>
-              <a:latin typeface="Verdana" panose="020B0604030504040204" pitchFamily="34" charset="0"/>
-              <a:ea typeface="Verdana" panose="020B0604030504040204" pitchFamily="34" charset="0"/>
-              <a:cs typeface="Verdana" panose="020B0604030504040204" pitchFamily="34" charset="0"/>
-            </a:endParaRPr>
+            <a:endParaRPr lang="en-US"/>
           </a:p>
         </p:txBody>
       </p:sp>
       <p:sp>
         <p:nvSpPr>
-          <p:cNvPr id="3" name="Content Placeholder 2">
+          <p:cNvPr id="7" name="Content Placeholder 6">
             <a:extLst>
               <a:ext uri="{FF2B5EF4-FFF2-40B4-BE49-F238E27FC236}">
-                <a16:creationId xmlns:a16="http://schemas.microsoft.com/office/drawing/2014/main" id="{A1DB5512-87E1-B445-B644-8B92BA4F942C}"/>
+                <a16:creationId xmlns:a16="http://schemas.microsoft.com/office/drawing/2014/main" id="{3D6220B1-61C6-77F3-7136-21B4C1E5D40B}"/>
               </a:ext>
             </a:extLst>
           </p:cNvPr>
@@ -29669,799 +30393,55 @@
             <p:ph idx="1"/>
           </p:nvPr>
         </p:nvSpPr>
+        <p:spPr/>
+        <p:txBody>
+          <a:bodyPr/>
+          <a:lstStyle/>
+          <a:p>
+            <a:endParaRPr lang="en-US"/>
+          </a:p>
+        </p:txBody>
+      </p:sp>
+      <p:pic>
+        <p:nvPicPr>
+          <p:cNvPr id="9" name="Picture 8">
+            <a:extLst>
+              <a:ext uri="{FF2B5EF4-FFF2-40B4-BE49-F238E27FC236}">
+                <a16:creationId xmlns:a16="http://schemas.microsoft.com/office/drawing/2014/main" id="{9A115CE4-B524-FB64-35C8-125C6050040C}"/>
+              </a:ext>
+            </a:extLst>
+          </p:cNvPr>
+          <p:cNvPicPr>
+            <a:picLocks noChangeAspect="1"/>
+          </p:cNvPicPr>
+          <p:nvPr/>
+        </p:nvPicPr>
+        <p:blipFill>
+          <a:blip r:embed="rId3"/>
+          <a:stretch>
+            <a:fillRect/>
+          </a:stretch>
+        </p:blipFill>
         <p:spPr>
           <a:xfrm>
-            <a:off x="581735" y="1463987"/>
-            <a:ext cx="9564587" cy="5229888"/>
+            <a:off x="0" y="798831"/>
+            <a:ext cx="12192000" cy="5260338"/>
           </a:xfrm>
+          <a:prstGeom prst="rect">
+            <a:avLst/>
+          </a:prstGeom>
         </p:spPr>
-        <p:txBody>
-          <a:bodyPr>
-            <a:noAutofit/>
-          </a:bodyPr>
-          <a:lstStyle/>
-          <a:p>
-            <a:r>
-              <a:rPr lang="en-US" sz="2000" dirty="0">
-                <a:solidFill>
-                  <a:schemeClr val="tx1"/>
-                </a:solidFill>
-                <a:latin typeface="Comic Sans MS" panose="030F0902030302020204" pitchFamily="66" charset="0"/>
-              </a:rPr>
-              <a:t>Write the code in a file </a:t>
-            </a:r>
-            <a:r>
-              <a:rPr lang="en-US" sz="2000" dirty="0" err="1">
-                <a:solidFill>
-                  <a:schemeClr val="tx1"/>
-                </a:solidFill>
-                <a:latin typeface="Comic Sans MS" panose="030F0902030302020204" pitchFamily="66" charset="0"/>
-              </a:rPr>
-              <a:t>sum.py</a:t>
-            </a:r>
-            <a:r>
-              <a:rPr lang="en-US" sz="2000" dirty="0">
-                <a:solidFill>
-                  <a:schemeClr val="tx1"/>
-                </a:solidFill>
-                <a:latin typeface="Comic Sans MS" panose="030F0902030302020204" pitchFamily="66" charset="0"/>
-              </a:rPr>
-              <a:t>  </a:t>
-            </a:r>
-            <a:endParaRPr lang="en-US" sz="2000" dirty="0">
-              <a:solidFill>
-                <a:schemeClr val="tx1"/>
-              </a:solidFill>
-              <a:latin typeface="Monaco" pitchFamily="2" charset="77"/>
-            </a:endParaRPr>
-          </a:p>
-          <a:p>
-            <a:pPr marL="0" indent="0">
-              <a:buNone/>
-            </a:pPr>
-            <a:r>
-              <a:rPr lang="en-US" dirty="0">
-                <a:solidFill>
-                  <a:srgbClr val="000000"/>
-                </a:solidFill>
-                <a:latin typeface="Monaco" pitchFamily="2" charset="77"/>
-              </a:rPr>
-              <a:t>a = </a:t>
-            </a:r>
-            <a:r>
-              <a:rPr lang="en-US" dirty="0">
-                <a:solidFill>
-                  <a:srgbClr val="AC1E16"/>
-                </a:solidFill>
-                <a:latin typeface="Monaco" pitchFamily="2" charset="77"/>
-              </a:rPr>
-              <a:t>2</a:t>
-            </a:r>
-            <a:r>
-              <a:rPr lang="en-US" dirty="0">
-                <a:solidFill>
-                  <a:srgbClr val="000000"/>
-                </a:solidFill>
-                <a:latin typeface="Monaco" pitchFamily="2" charset="77"/>
-              </a:rPr>
-              <a:t> </a:t>
-            </a:r>
-          </a:p>
-          <a:p>
-            <a:pPr marL="0" indent="0">
-              <a:buNone/>
-            </a:pPr>
-            <a:r>
-              <a:rPr lang="en-US" dirty="0">
-                <a:solidFill>
-                  <a:srgbClr val="000000"/>
-                </a:solidFill>
-                <a:latin typeface="Monaco" pitchFamily="2" charset="77"/>
-              </a:rPr>
-              <a:t>b = </a:t>
-            </a:r>
-            <a:r>
-              <a:rPr lang="en-US" dirty="0">
-                <a:solidFill>
-                  <a:srgbClr val="AC1E16"/>
-                </a:solidFill>
-                <a:latin typeface="Monaco" pitchFamily="2" charset="77"/>
-              </a:rPr>
-              <a:t>3</a:t>
-            </a:r>
-            <a:r>
-              <a:rPr lang="en-US" dirty="0">
-                <a:solidFill>
-                  <a:srgbClr val="000000"/>
-                </a:solidFill>
-                <a:latin typeface="Monaco" pitchFamily="2" charset="77"/>
-              </a:rPr>
-              <a:t> </a:t>
-            </a:r>
-          </a:p>
-          <a:p>
-            <a:pPr marL="0" indent="0">
-              <a:buNone/>
-            </a:pPr>
-            <a:r>
-              <a:rPr lang="en-US" dirty="0">
-                <a:solidFill>
-                  <a:srgbClr val="000000"/>
-                </a:solidFill>
-                <a:latin typeface="Monaco" pitchFamily="2" charset="77"/>
-              </a:rPr>
-              <a:t>c = a + b </a:t>
-            </a:r>
-          </a:p>
-          <a:p>
-            <a:pPr marL="0" indent="0">
-              <a:buNone/>
-            </a:pPr>
-            <a:r>
-              <a:rPr lang="en-US" dirty="0">
-                <a:solidFill>
-                  <a:srgbClr val="23A3B0"/>
-                </a:solidFill>
-                <a:latin typeface="Monaco" pitchFamily="2" charset="77"/>
-              </a:rPr>
-              <a:t>print</a:t>
-            </a:r>
-            <a:r>
-              <a:rPr lang="en-US" dirty="0">
-                <a:solidFill>
-                  <a:srgbClr val="000000"/>
-                </a:solidFill>
-                <a:latin typeface="Monaco" pitchFamily="2" charset="77"/>
-              </a:rPr>
-              <a:t>(c)</a:t>
-            </a:r>
-            <a:endParaRPr lang="en-US" dirty="0">
-              <a:solidFill>
-                <a:srgbClr val="23A3B0"/>
-              </a:solidFill>
-              <a:latin typeface="Monaco" pitchFamily="2" charset="77"/>
-            </a:endParaRPr>
-          </a:p>
-          <a:p>
-            <a:pPr marL="0" indent="0">
-              <a:buNone/>
-            </a:pPr>
-            <a:r>
-              <a:rPr lang="en-US" dirty="0">
-                <a:solidFill>
-                  <a:srgbClr val="23A3B0"/>
-                </a:solidFill>
-                <a:latin typeface="Monaco" pitchFamily="2" charset="77"/>
-              </a:rPr>
-              <a:t>print</a:t>
-            </a:r>
-            <a:r>
-              <a:rPr lang="en-US" dirty="0">
-                <a:solidFill>
-                  <a:srgbClr val="000000"/>
-                </a:solidFill>
-                <a:latin typeface="Monaco" pitchFamily="2" charset="77"/>
-              </a:rPr>
-              <a:t>(</a:t>
-            </a:r>
-            <a:r>
-              <a:rPr lang="en-US" dirty="0">
-                <a:solidFill>
-                  <a:srgbClr val="AC1E16"/>
-                </a:solidFill>
-                <a:latin typeface="Monaco" pitchFamily="2" charset="77"/>
-              </a:rPr>
-              <a:t>"The sum is"</a:t>
-            </a:r>
-            <a:r>
-              <a:rPr lang="en-US" dirty="0">
-                <a:solidFill>
-                  <a:srgbClr val="000000"/>
-                </a:solidFill>
-                <a:latin typeface="Monaco" pitchFamily="2" charset="77"/>
-              </a:rPr>
-              <a:t>, c)</a:t>
-            </a:r>
-            <a:endParaRPr lang="en-US" dirty="0">
-              <a:solidFill>
-                <a:srgbClr val="AC1E16"/>
-              </a:solidFill>
-              <a:latin typeface="Monaco" pitchFamily="2" charset="77"/>
-            </a:endParaRPr>
-          </a:p>
-          <a:p>
-            <a:r>
-              <a:rPr lang="en-US" sz="2000" dirty="0" err="1">
-                <a:solidFill>
-                  <a:schemeClr val="tx1"/>
-                </a:solidFill>
-                <a:latin typeface="Comic Sans MS" panose="030F0902030302020204" pitchFamily="66" charset="0"/>
-              </a:rPr>
-              <a:t>numpy</a:t>
-            </a:r>
-            <a:r>
-              <a:rPr lang="en-US" sz="2000" dirty="0">
-                <a:solidFill>
-                  <a:schemeClr val="tx1"/>
-                </a:solidFill>
-                <a:latin typeface="Comic Sans MS" panose="030F0902030302020204" pitchFamily="66" charset="0"/>
-              </a:rPr>
-              <a:t> is a useful module in Python for numbers </a:t>
-            </a:r>
-          </a:p>
-          <a:p>
-            <a:pPr marL="0" indent="0">
-              <a:buNone/>
-            </a:pPr>
-            <a:r>
-              <a:rPr lang="en-US" dirty="0">
-                <a:solidFill>
-                  <a:srgbClr val="BF01C0"/>
-                </a:solidFill>
-                <a:latin typeface="Menlo" panose="020B0609030804020204" pitchFamily="49" charset="0"/>
-              </a:rPr>
-              <a:t>import</a:t>
-            </a:r>
-            <a:r>
-              <a:rPr lang="en-US" dirty="0">
-                <a:solidFill>
-                  <a:srgbClr val="000000"/>
-                </a:solidFill>
-                <a:latin typeface="Menlo" panose="020B0609030804020204" pitchFamily="49" charset="0"/>
-              </a:rPr>
-              <a:t> </a:t>
-            </a:r>
-            <a:r>
-              <a:rPr lang="en-US" dirty="0" err="1">
-                <a:solidFill>
-                  <a:srgbClr val="000000"/>
-                </a:solidFill>
-                <a:latin typeface="Menlo" panose="020B0609030804020204" pitchFamily="49" charset="0"/>
-              </a:rPr>
-              <a:t>numpy</a:t>
-            </a:r>
-            <a:r>
-              <a:rPr lang="en-US" dirty="0">
-                <a:solidFill>
-                  <a:srgbClr val="000000"/>
-                </a:solidFill>
-                <a:latin typeface="Menlo" panose="020B0609030804020204" pitchFamily="49" charset="0"/>
-              </a:rPr>
-              <a:t> </a:t>
-            </a:r>
-            <a:r>
-              <a:rPr lang="en-US" dirty="0">
-                <a:solidFill>
-                  <a:srgbClr val="B65D16"/>
-                </a:solidFill>
-                <a:latin typeface="Menlo" panose="020B0609030804020204" pitchFamily="49" charset="0"/>
-              </a:rPr>
-              <a:t>as</a:t>
-            </a:r>
-            <a:r>
-              <a:rPr lang="en-US" dirty="0">
-                <a:solidFill>
-                  <a:srgbClr val="000000"/>
-                </a:solidFill>
-                <a:latin typeface="Menlo" panose="020B0609030804020204" pitchFamily="49" charset="0"/>
-              </a:rPr>
-              <a:t> np</a:t>
-            </a:r>
-          </a:p>
-          <a:p>
-            <a:pPr marL="0" indent="0">
-              <a:buNone/>
-            </a:pPr>
-            <a:r>
-              <a:rPr lang="en-US" dirty="0" err="1">
-                <a:solidFill>
-                  <a:srgbClr val="000000"/>
-                </a:solidFill>
-                <a:latin typeface="Menlo" panose="020B0609030804020204" pitchFamily="49" charset="0"/>
-              </a:rPr>
-              <a:t>np.a</a:t>
-            </a:r>
-            <a:r>
-              <a:rPr lang="en-US" dirty="0">
-                <a:solidFill>
-                  <a:srgbClr val="000000"/>
-                </a:solidFill>
-                <a:latin typeface="Menlo" panose="020B0609030804020204" pitchFamily="49" charset="0"/>
-              </a:rPr>
-              <a:t> = </a:t>
-            </a:r>
-            <a:r>
-              <a:rPr lang="en-US" dirty="0">
-                <a:solidFill>
-                  <a:srgbClr val="AC1E16"/>
-                </a:solidFill>
-                <a:latin typeface="Menlo" panose="020B0609030804020204" pitchFamily="49" charset="0"/>
-              </a:rPr>
-              <a:t>2</a:t>
-            </a:r>
-            <a:r>
-              <a:rPr lang="en-US" dirty="0">
-                <a:solidFill>
-                  <a:srgbClr val="000000"/>
-                </a:solidFill>
-                <a:latin typeface="Menlo" panose="020B0609030804020204" pitchFamily="49" charset="0"/>
-              </a:rPr>
-              <a:t> </a:t>
-            </a:r>
-          </a:p>
-          <a:p>
-            <a:pPr marL="0" indent="0">
-              <a:buNone/>
-            </a:pPr>
-            <a:r>
-              <a:rPr lang="en-US" dirty="0" err="1">
-                <a:solidFill>
-                  <a:srgbClr val="000000"/>
-                </a:solidFill>
-                <a:latin typeface="Menlo" panose="020B0609030804020204" pitchFamily="49" charset="0"/>
-              </a:rPr>
-              <a:t>np.b</a:t>
-            </a:r>
-            <a:r>
-              <a:rPr lang="en-US" dirty="0">
-                <a:solidFill>
-                  <a:srgbClr val="000000"/>
-                </a:solidFill>
-                <a:latin typeface="Menlo" panose="020B0609030804020204" pitchFamily="49" charset="0"/>
-              </a:rPr>
-              <a:t> = </a:t>
-            </a:r>
-            <a:r>
-              <a:rPr lang="en-US" dirty="0">
-                <a:solidFill>
-                  <a:srgbClr val="AC1E16"/>
-                </a:solidFill>
-                <a:latin typeface="Menlo" panose="020B0609030804020204" pitchFamily="49" charset="0"/>
-              </a:rPr>
-              <a:t>3</a:t>
-            </a:r>
-            <a:r>
-              <a:rPr lang="en-US" dirty="0">
-                <a:solidFill>
-                  <a:srgbClr val="000000"/>
-                </a:solidFill>
-                <a:latin typeface="Menlo" panose="020B0609030804020204" pitchFamily="49" charset="0"/>
-              </a:rPr>
-              <a:t> </a:t>
-            </a:r>
-          </a:p>
-          <a:p>
-            <a:pPr marL="0" indent="0">
-              <a:buNone/>
-            </a:pPr>
-            <a:r>
-              <a:rPr lang="en-US" dirty="0" err="1">
-                <a:solidFill>
-                  <a:srgbClr val="000000"/>
-                </a:solidFill>
-                <a:latin typeface="Menlo" panose="020B0609030804020204" pitchFamily="49" charset="0"/>
-              </a:rPr>
-              <a:t>np.c</a:t>
-            </a:r>
-            <a:r>
-              <a:rPr lang="en-US" dirty="0">
-                <a:solidFill>
-                  <a:srgbClr val="000000"/>
-                </a:solidFill>
-                <a:latin typeface="Menlo" panose="020B0609030804020204" pitchFamily="49" charset="0"/>
-              </a:rPr>
-              <a:t> = </a:t>
-            </a:r>
-            <a:r>
-              <a:rPr lang="en-US" dirty="0" err="1">
-                <a:solidFill>
-                  <a:srgbClr val="000000"/>
-                </a:solidFill>
-                <a:latin typeface="Menlo" panose="020B0609030804020204" pitchFamily="49" charset="0"/>
-              </a:rPr>
-              <a:t>np.a</a:t>
-            </a:r>
-            <a:r>
-              <a:rPr lang="en-US" dirty="0">
-                <a:solidFill>
-                  <a:srgbClr val="000000"/>
-                </a:solidFill>
-                <a:latin typeface="Menlo" panose="020B0609030804020204" pitchFamily="49" charset="0"/>
-              </a:rPr>
-              <a:t> + </a:t>
-            </a:r>
-            <a:r>
-              <a:rPr lang="en-US" dirty="0" err="1">
-                <a:solidFill>
-                  <a:srgbClr val="000000"/>
-                </a:solidFill>
-                <a:latin typeface="Menlo" panose="020B0609030804020204" pitchFamily="49" charset="0"/>
-              </a:rPr>
-              <a:t>np.b</a:t>
-            </a:r>
-            <a:r>
-              <a:rPr lang="en-US" dirty="0">
-                <a:solidFill>
-                  <a:srgbClr val="000000"/>
-                </a:solidFill>
-                <a:latin typeface="Menlo" panose="020B0609030804020204" pitchFamily="49" charset="0"/>
-              </a:rPr>
-              <a:t> </a:t>
-            </a:r>
-          </a:p>
-          <a:p>
-            <a:pPr marL="0" indent="0">
-              <a:buNone/>
-            </a:pPr>
-            <a:r>
-              <a:rPr lang="en-US" dirty="0">
-                <a:solidFill>
-                  <a:srgbClr val="23A3B0"/>
-                </a:solidFill>
-                <a:latin typeface="Menlo" panose="020B0609030804020204" pitchFamily="49" charset="0"/>
-              </a:rPr>
-              <a:t>print</a:t>
-            </a:r>
-            <a:r>
-              <a:rPr lang="en-US" dirty="0">
-                <a:solidFill>
-                  <a:srgbClr val="000000"/>
-                </a:solidFill>
-                <a:latin typeface="Menlo" panose="020B0609030804020204" pitchFamily="49" charset="0"/>
-              </a:rPr>
-              <a:t>(</a:t>
-            </a:r>
-            <a:r>
-              <a:rPr lang="en-US" dirty="0" err="1">
-                <a:solidFill>
-                  <a:srgbClr val="000000"/>
-                </a:solidFill>
-                <a:latin typeface="Menlo" panose="020B0609030804020204" pitchFamily="49" charset="0"/>
-              </a:rPr>
-              <a:t>np.c</a:t>
-            </a:r>
-            <a:r>
-              <a:rPr lang="en-US" dirty="0">
-                <a:solidFill>
-                  <a:srgbClr val="000000"/>
-                </a:solidFill>
-                <a:latin typeface="Menlo" panose="020B0609030804020204" pitchFamily="49" charset="0"/>
-              </a:rPr>
-              <a:t>)</a:t>
-            </a:r>
-          </a:p>
-          <a:p>
-            <a:pPr marL="0" indent="0">
-              <a:buNone/>
-            </a:pPr>
-            <a:endParaRPr lang="en-US" sz="2000" dirty="0">
-              <a:solidFill>
-                <a:schemeClr val="tx1"/>
-              </a:solidFill>
-              <a:latin typeface="Comic Sans MS" panose="030F0902030302020204" pitchFamily="66" charset="0"/>
-            </a:endParaRPr>
-          </a:p>
-          <a:p>
-            <a:endParaRPr lang="en-US" sz="2000" dirty="0"/>
-          </a:p>
-        </p:txBody>
-      </p:sp>
+      </p:pic>
     </p:spTree>
     <p:extLst>
       <p:ext uri="{BB962C8B-B14F-4D97-AF65-F5344CB8AC3E}">
-        <p14:creationId xmlns:p14="http://schemas.microsoft.com/office/powerpoint/2010/main" val="1350590357"/>
+        <p14:creationId xmlns:p14="http://schemas.microsoft.com/office/powerpoint/2010/main" val="813017440"/>
       </p:ext>
     </p:extLst>
   </p:cSld>
   <p:clrMapOvr>
     <a:masterClrMapping/>
   </p:clrMapOvr>
-  <p:timing>
-    <p:tnLst>
-      <p:par>
-        <p:cTn id="1" dur="indefinite" restart="never" nodeType="tmRoot">
-          <p:childTnLst>
-            <p:seq concurrent="1" nextAc="seek">
-              <p:cTn id="2" dur="indefinite" nodeType="mainSeq">
-                <p:childTnLst>
-                  <p:par>
-                    <p:cTn id="3" fill="hold">
-                      <p:stCondLst>
-                        <p:cond delay="indefinite"/>
-                      </p:stCondLst>
-                      <p:childTnLst>
-                        <p:par>
-                          <p:cTn id="4" fill="hold">
-                            <p:stCondLst>
-                              <p:cond delay="0"/>
-                            </p:stCondLst>
-                            <p:childTnLst>
-                              <p:par>
-                                <p:cTn id="5" presetID="1" presetClass="entr" presetSubtype="0" fill="hold" nodeType="clickEffect">
-                                  <p:stCondLst>
-                                    <p:cond delay="0"/>
-                                  </p:stCondLst>
-                                  <p:childTnLst>
-                                    <p:set>
-                                      <p:cBhvr>
-                                        <p:cTn id="6" dur="1" fill="hold">
-                                          <p:stCondLst>
-                                            <p:cond delay="0"/>
-                                          </p:stCondLst>
-                                        </p:cTn>
-                                        <p:tgtEl>
-                                          <p:spTgt spid="3">
-                                            <p:txEl>
-                                              <p:pRg st="6" end="6"/>
-                                            </p:txEl>
-                                          </p:spTgt>
-                                        </p:tgtEl>
-                                        <p:attrNameLst>
-                                          <p:attrName>style.visibility</p:attrName>
-                                        </p:attrNameLst>
-                                      </p:cBhvr>
-                                      <p:to>
-                                        <p:strVal val="visible"/>
-                                      </p:to>
-                                    </p:set>
-                                  </p:childTnLst>
-                                </p:cTn>
-                              </p:par>
-                            </p:childTnLst>
-                          </p:cTn>
-                        </p:par>
-                      </p:childTnLst>
-                    </p:cTn>
-                  </p:par>
-                  <p:par>
-                    <p:cTn id="7" fill="hold">
-                      <p:stCondLst>
-                        <p:cond delay="indefinite"/>
-                      </p:stCondLst>
-                      <p:childTnLst>
-                        <p:par>
-                          <p:cTn id="8" fill="hold">
-                            <p:stCondLst>
-                              <p:cond delay="0"/>
-                            </p:stCondLst>
-                            <p:childTnLst>
-                              <p:par>
-                                <p:cTn id="9" presetID="1" presetClass="entr" presetSubtype="0" fill="hold" nodeType="clickEffect">
-                                  <p:stCondLst>
-                                    <p:cond delay="0"/>
-                                  </p:stCondLst>
-                                  <p:childTnLst>
-                                    <p:set>
-                                      <p:cBhvr>
-                                        <p:cTn id="10" dur="1" fill="hold">
-                                          <p:stCondLst>
-                                            <p:cond delay="0"/>
-                                          </p:stCondLst>
-                                        </p:cTn>
-                                        <p:tgtEl>
-                                          <p:spTgt spid="3">
-                                            <p:txEl>
-                                              <p:pRg st="7" end="7"/>
-                                            </p:txEl>
-                                          </p:spTgt>
-                                        </p:tgtEl>
-                                        <p:attrNameLst>
-                                          <p:attrName>style.visibility</p:attrName>
-                                        </p:attrNameLst>
-                                      </p:cBhvr>
-                                      <p:to>
-                                        <p:strVal val="visible"/>
-                                      </p:to>
-                                    </p:set>
-                                  </p:childTnLst>
-                                </p:cTn>
-                              </p:par>
-                            </p:childTnLst>
-                          </p:cTn>
-                        </p:par>
-                      </p:childTnLst>
-                    </p:cTn>
-                  </p:par>
-                  <p:par>
-                    <p:cTn id="11" fill="hold">
-                      <p:stCondLst>
-                        <p:cond delay="indefinite"/>
-                      </p:stCondLst>
-                      <p:childTnLst>
-                        <p:par>
-                          <p:cTn id="12" fill="hold">
-                            <p:stCondLst>
-                              <p:cond delay="0"/>
-                            </p:stCondLst>
-                            <p:childTnLst>
-                              <p:par>
-                                <p:cTn id="13" presetID="1" presetClass="entr" presetSubtype="0" fill="hold" nodeType="clickEffect">
-                                  <p:stCondLst>
-                                    <p:cond delay="0"/>
-                                  </p:stCondLst>
-                                  <p:childTnLst>
-                                    <p:set>
-                                      <p:cBhvr>
-                                        <p:cTn id="14" dur="1" fill="hold">
-                                          <p:stCondLst>
-                                            <p:cond delay="0"/>
-                                          </p:stCondLst>
-                                        </p:cTn>
-                                        <p:tgtEl>
-                                          <p:spTgt spid="3">
-                                            <p:txEl>
-                                              <p:pRg st="8" end="8"/>
-                                            </p:txEl>
-                                          </p:spTgt>
-                                        </p:tgtEl>
-                                        <p:attrNameLst>
-                                          <p:attrName>style.visibility</p:attrName>
-                                        </p:attrNameLst>
-                                      </p:cBhvr>
-                                      <p:to>
-                                        <p:strVal val="visible"/>
-                                      </p:to>
-                                    </p:set>
-                                  </p:childTnLst>
-                                </p:cTn>
-                              </p:par>
-                              <p:par>
-                                <p:cTn id="15" presetID="1" presetClass="entr" presetSubtype="0" fill="hold" nodeType="withEffect">
-                                  <p:stCondLst>
-                                    <p:cond delay="0"/>
-                                  </p:stCondLst>
-                                  <p:childTnLst>
-                                    <p:set>
-                                      <p:cBhvr>
-                                        <p:cTn id="16" dur="1" fill="hold">
-                                          <p:stCondLst>
-                                            <p:cond delay="0"/>
-                                          </p:stCondLst>
-                                        </p:cTn>
-                                        <p:tgtEl>
-                                          <p:spTgt spid="3">
-                                            <p:txEl>
-                                              <p:pRg st="9" end="9"/>
-                                            </p:txEl>
-                                          </p:spTgt>
-                                        </p:tgtEl>
-                                        <p:attrNameLst>
-                                          <p:attrName>style.visibility</p:attrName>
-                                        </p:attrNameLst>
-                                      </p:cBhvr>
-                                      <p:to>
-                                        <p:strVal val="visible"/>
-                                      </p:to>
-                                    </p:set>
-                                  </p:childTnLst>
-                                </p:cTn>
-                              </p:par>
-                            </p:childTnLst>
-                          </p:cTn>
-                        </p:par>
-                      </p:childTnLst>
-                    </p:cTn>
-                  </p:par>
-                  <p:par>
-                    <p:cTn id="17" fill="hold">
-                      <p:stCondLst>
-                        <p:cond delay="indefinite"/>
-                      </p:stCondLst>
-                      <p:childTnLst>
-                        <p:par>
-                          <p:cTn id="18" fill="hold">
-                            <p:stCondLst>
-                              <p:cond delay="0"/>
-                            </p:stCondLst>
-                            <p:childTnLst>
-                              <p:par>
-                                <p:cTn id="19" presetID="1" presetClass="entr" presetSubtype="0" fill="hold" nodeType="clickEffect">
-                                  <p:stCondLst>
-                                    <p:cond delay="0"/>
-                                  </p:stCondLst>
-                                  <p:childTnLst>
-                                    <p:set>
-                                      <p:cBhvr>
-                                        <p:cTn id="20" dur="1" fill="hold">
-                                          <p:stCondLst>
-                                            <p:cond delay="0"/>
-                                          </p:stCondLst>
-                                        </p:cTn>
-                                        <p:tgtEl>
-                                          <p:spTgt spid="3">
-                                            <p:txEl>
-                                              <p:pRg st="10" end="10"/>
-                                            </p:txEl>
-                                          </p:spTgt>
-                                        </p:tgtEl>
-                                        <p:attrNameLst>
-                                          <p:attrName>style.visibility</p:attrName>
-                                        </p:attrNameLst>
-                                      </p:cBhvr>
-                                      <p:to>
-                                        <p:strVal val="visible"/>
-                                      </p:to>
-                                    </p:set>
-                                  </p:childTnLst>
-                                </p:cTn>
-                              </p:par>
-                            </p:childTnLst>
-                          </p:cTn>
-                        </p:par>
-                      </p:childTnLst>
-                    </p:cTn>
-                  </p:par>
-                  <p:par>
-                    <p:cTn id="21" fill="hold">
-                      <p:stCondLst>
-                        <p:cond delay="indefinite"/>
-                      </p:stCondLst>
-                      <p:childTnLst>
-                        <p:par>
-                          <p:cTn id="22" fill="hold">
-                            <p:stCondLst>
-                              <p:cond delay="0"/>
-                            </p:stCondLst>
-                            <p:childTnLst>
-                              <p:par>
-                                <p:cTn id="23" presetID="1" presetClass="entr" presetSubtype="0" fill="hold" nodeType="clickEffect">
-                                  <p:stCondLst>
-                                    <p:cond delay="0"/>
-                                  </p:stCondLst>
-                                  <p:childTnLst>
-                                    <p:set>
-                                      <p:cBhvr>
-                                        <p:cTn id="24" dur="1" fill="hold">
-                                          <p:stCondLst>
-                                            <p:cond delay="0"/>
-                                          </p:stCondLst>
-                                        </p:cTn>
-                                        <p:tgtEl>
-                                          <p:spTgt spid="3">
-                                            <p:txEl>
-                                              <p:pRg st="11" end="11"/>
-                                            </p:txEl>
-                                          </p:spTgt>
-                                        </p:tgtEl>
-                                        <p:attrNameLst>
-                                          <p:attrName>style.visibility</p:attrName>
-                                        </p:attrNameLst>
-                                      </p:cBhvr>
-                                      <p:to>
-                                        <p:strVal val="visible"/>
-                                      </p:to>
-                                    </p:set>
-                                  </p:childTnLst>
-                                </p:cTn>
-                              </p:par>
-                            </p:childTnLst>
-                          </p:cTn>
-                        </p:par>
-                      </p:childTnLst>
-                    </p:cTn>
-                  </p:par>
-                </p:childTnLst>
-              </p:cTn>
-              <p:prevCondLst>
-                <p:cond evt="onPrev" delay="0">
-                  <p:tgtEl>
-                    <p:sldTgt/>
-                  </p:tgtEl>
-                </p:cond>
-              </p:prevCondLst>
-              <p:nextCondLst>
-                <p:cond evt="onNext" delay="0">
-                  <p:tgtEl>
-                    <p:sldTgt/>
-                  </p:tgtEl>
-                </p:cond>
-              </p:nextCondLst>
-            </p:seq>
-          </p:childTnLst>
-        </p:cTn>
-      </p:par>
-    </p:tnLst>
-  </p:timing>
 </p:sld>
 </file>
 
